--- a/작업완료포트폴리오/6. 1차 발표문서/전자결재시스템 1차 발표.pptx
+++ b/작업완료포트폴리오/6. 1차 발표문서/전자결재시스템 1차 발표.pptx
@@ -1,44 +1,51 @@
 
 <file path=ppt/presentation.xml><?xml version="1.0" encoding="utf-8"?>
-<p:presentation xmlns:a="http://schemas.openxmlformats.org/drawingml/2006/main" xmlns:r="http://schemas.openxmlformats.org/officeDocument/2006/relationships" xmlns:mc="http://schemas.openxmlformats.org/markup-compatibility/2006" xmlns:mv="urn:schemas-microsoft-com:mac:vml" xmlns:p="http://schemas.openxmlformats.org/presentationml/2006/main" xmlns:c="http://schemas.openxmlformats.org/drawingml/2006/chart" xmlns:dgm="http://schemas.openxmlformats.org/drawingml/2006/diagram" xmlns:o="urn:schemas-microsoft-com:office:office" xmlns:v="urn:schemas-microsoft-com:vml" xmlns:pvml="urn:schemas-microsoft-com:office:powerpoint" xmlns:com="http://schemas.openxmlformats.org/drawingml/2006/compatibility" xmlns:p14="http://schemas.microsoft.com/office/powerpoint/2010/main" xmlns:p15="http://schemas.microsoft.com/office/powerpoint/2012/main" autoCompressPictures="0" embedTrueTypeFonts="1" strictFirstAndLastChars="0" saveSubsetFonts="1">
+<p:presentation xmlns:a="http://schemas.openxmlformats.org/drawingml/2006/main" xmlns:r="http://schemas.openxmlformats.org/officeDocument/2006/relationships" xmlns:p="http://schemas.openxmlformats.org/presentationml/2006/main" strictFirstAndLastChars="0" embedTrueTypeFonts="1" saveSubsetFonts="1" autoCompressPictures="0">
   <p:sldMasterIdLst>
-    <p:sldMasterId id="2147483659" r:id="rId4"/>
+    <p:sldMasterId id="2147483659" r:id="rId1"/>
   </p:sldMasterIdLst>
   <p:notesMasterIdLst>
-    <p:notesMasterId r:id="rId5"/>
+    <p:notesMasterId r:id="rId19"/>
   </p:notesMasterIdLst>
   <p:sldIdLst>
-    <p:sldId id="256" r:id="rId6"/>
-    <p:sldId id="257" r:id="rId7"/>
-    <p:sldId id="258" r:id="rId8"/>
-    <p:sldId id="259" r:id="rId9"/>
-    <p:sldId id="260" r:id="rId10"/>
-    <p:sldId id="261" r:id="rId11"/>
-    <p:sldId id="262" r:id="rId12"/>
-    <p:sldId id="263" r:id="rId13"/>
-    <p:sldId id="264" r:id="rId14"/>
-    <p:sldId id="265" r:id="rId15"/>
+    <p:sldId id="256" r:id="rId2"/>
+    <p:sldId id="257" r:id="rId3"/>
+    <p:sldId id="258" r:id="rId4"/>
+    <p:sldId id="259" r:id="rId5"/>
+    <p:sldId id="260" r:id="rId6"/>
+    <p:sldId id="261" r:id="rId7"/>
+    <p:sldId id="266" r:id="rId8"/>
+    <p:sldId id="267" r:id="rId9"/>
+    <p:sldId id="271" r:id="rId10"/>
+    <p:sldId id="272" r:id="rId11"/>
+    <p:sldId id="270" r:id="rId12"/>
+    <p:sldId id="268" r:id="rId13"/>
+    <p:sldId id="262" r:id="rId14"/>
+    <p:sldId id="263" r:id="rId15"/>
+    <p:sldId id="269" r:id="rId16"/>
+    <p:sldId id="264" r:id="rId17"/>
+    <p:sldId id="265" r:id="rId18"/>
   </p:sldIdLst>
-  <p:sldSz cy="5143500" cx="9144000"/>
+  <p:sldSz cx="9144000" cy="5143500" type="screen16x9"/>
   <p:notesSz cx="6858000" cy="9144000"/>
   <p:embeddedFontLst>
     <p:embeddedFont>
-      <p:font typeface="Roboto"/>
-      <p:regular r:id="rId16"/>
-      <p:bold r:id="rId17"/>
-      <p:italic r:id="rId18"/>
-      <p:boldItalic r:id="rId19"/>
-    </p:embeddedFont>
-    <p:embeddedFont>
-      <p:font typeface="Merriweather"/>
+      <p:font typeface="Merriweather" panose="020B0600000101010101" charset="0"/>
       <p:regular r:id="rId20"/>
       <p:bold r:id="rId21"/>
       <p:italic r:id="rId22"/>
       <p:boldItalic r:id="rId23"/>
     </p:embeddedFont>
+    <p:embeddedFont>
+      <p:font typeface="Roboto" panose="020B0600000101010101" charset="0"/>
+      <p:regular r:id="rId24"/>
+      <p:bold r:id="rId25"/>
+      <p:italic r:id="rId26"/>
+      <p:boldItalic r:id="rId27"/>
+    </p:embeddedFont>
   </p:embeddedFontLst>
   <p:defaultTextStyle>
-    <a:defPPr lvl="0" marR="0" rtl="0" algn="l">
+    <a:defPPr marR="0" lvl="0" algn="l" rtl="0">
       <a:lnSpc>
         <a:spcPct val="100000"/>
       </a:lnSpc>
@@ -49,7 +56,7 @@
         <a:spcPts val="0"/>
       </a:spcAft>
     </a:defPPr>
-    <a:lvl1pPr lvl="0" marR="0" rtl="0" algn="l">
+    <a:lvl1pPr marR="0" lvl="0" algn="l" rtl="0">
       <a:lnSpc>
         <a:spcPct val="100000"/>
       </a:lnSpc>
@@ -63,7 +70,7 @@
         <a:srgbClr val="000000"/>
       </a:buClr>
       <a:buFont typeface="Arial"/>
-      <a:defRPr b="0" i="0" sz="1400" u="none" cap="none" strike="noStrike">
+      <a:defRPr sz="1400" b="0" i="0" u="none" strike="noStrike" cap="none">
         <a:solidFill>
           <a:srgbClr val="000000"/>
         </a:solidFill>
@@ -73,7 +80,7 @@
         <a:sym typeface="Arial"/>
       </a:defRPr>
     </a:lvl1pPr>
-    <a:lvl2pPr lvl="1" marR="0" rtl="0" algn="l">
+    <a:lvl2pPr marR="0" lvl="1" algn="l" rtl="0">
       <a:lnSpc>
         <a:spcPct val="100000"/>
       </a:lnSpc>
@@ -87,7 +94,7 @@
         <a:srgbClr val="000000"/>
       </a:buClr>
       <a:buFont typeface="Arial"/>
-      <a:defRPr b="0" i="0" sz="1400" u="none" cap="none" strike="noStrike">
+      <a:defRPr sz="1400" b="0" i="0" u="none" strike="noStrike" cap="none">
         <a:solidFill>
           <a:srgbClr val="000000"/>
         </a:solidFill>
@@ -97,7 +104,7 @@
         <a:sym typeface="Arial"/>
       </a:defRPr>
     </a:lvl2pPr>
-    <a:lvl3pPr lvl="2" marR="0" rtl="0" algn="l">
+    <a:lvl3pPr marR="0" lvl="2" algn="l" rtl="0">
       <a:lnSpc>
         <a:spcPct val="100000"/>
       </a:lnSpc>
@@ -111,7 +118,7 @@
         <a:srgbClr val="000000"/>
       </a:buClr>
       <a:buFont typeface="Arial"/>
-      <a:defRPr b="0" i="0" sz="1400" u="none" cap="none" strike="noStrike">
+      <a:defRPr sz="1400" b="0" i="0" u="none" strike="noStrike" cap="none">
         <a:solidFill>
           <a:srgbClr val="000000"/>
         </a:solidFill>
@@ -121,7 +128,7 @@
         <a:sym typeface="Arial"/>
       </a:defRPr>
     </a:lvl3pPr>
-    <a:lvl4pPr lvl="3" marR="0" rtl="0" algn="l">
+    <a:lvl4pPr marR="0" lvl="3" algn="l" rtl="0">
       <a:lnSpc>
         <a:spcPct val="100000"/>
       </a:lnSpc>
@@ -135,7 +142,7 @@
         <a:srgbClr val="000000"/>
       </a:buClr>
       <a:buFont typeface="Arial"/>
-      <a:defRPr b="0" i="0" sz="1400" u="none" cap="none" strike="noStrike">
+      <a:defRPr sz="1400" b="0" i="0" u="none" strike="noStrike" cap="none">
         <a:solidFill>
           <a:srgbClr val="000000"/>
         </a:solidFill>
@@ -145,7 +152,7 @@
         <a:sym typeface="Arial"/>
       </a:defRPr>
     </a:lvl4pPr>
-    <a:lvl5pPr lvl="4" marR="0" rtl="0" algn="l">
+    <a:lvl5pPr marR="0" lvl="4" algn="l" rtl="0">
       <a:lnSpc>
         <a:spcPct val="100000"/>
       </a:lnSpc>
@@ -159,7 +166,7 @@
         <a:srgbClr val="000000"/>
       </a:buClr>
       <a:buFont typeface="Arial"/>
-      <a:defRPr b="0" i="0" sz="1400" u="none" cap="none" strike="noStrike">
+      <a:defRPr sz="1400" b="0" i="0" u="none" strike="noStrike" cap="none">
         <a:solidFill>
           <a:srgbClr val="000000"/>
         </a:solidFill>
@@ -169,7 +176,7 @@
         <a:sym typeface="Arial"/>
       </a:defRPr>
     </a:lvl5pPr>
-    <a:lvl6pPr lvl="5" marR="0" rtl="0" algn="l">
+    <a:lvl6pPr marR="0" lvl="5" algn="l" rtl="0">
       <a:lnSpc>
         <a:spcPct val="100000"/>
       </a:lnSpc>
@@ -183,7 +190,7 @@
         <a:srgbClr val="000000"/>
       </a:buClr>
       <a:buFont typeface="Arial"/>
-      <a:defRPr b="0" i="0" sz="1400" u="none" cap="none" strike="noStrike">
+      <a:defRPr sz="1400" b="0" i="0" u="none" strike="noStrike" cap="none">
         <a:solidFill>
           <a:srgbClr val="000000"/>
         </a:solidFill>
@@ -193,7 +200,7 @@
         <a:sym typeface="Arial"/>
       </a:defRPr>
     </a:lvl6pPr>
-    <a:lvl7pPr lvl="6" marR="0" rtl="0" algn="l">
+    <a:lvl7pPr marR="0" lvl="6" algn="l" rtl="0">
       <a:lnSpc>
         <a:spcPct val="100000"/>
       </a:lnSpc>
@@ -207,7 +214,7 @@
         <a:srgbClr val="000000"/>
       </a:buClr>
       <a:buFont typeface="Arial"/>
-      <a:defRPr b="0" i="0" sz="1400" u="none" cap="none" strike="noStrike">
+      <a:defRPr sz="1400" b="0" i="0" u="none" strike="noStrike" cap="none">
         <a:solidFill>
           <a:srgbClr val="000000"/>
         </a:solidFill>
@@ -217,7 +224,7 @@
         <a:sym typeface="Arial"/>
       </a:defRPr>
     </a:lvl7pPr>
-    <a:lvl8pPr lvl="7" marR="0" rtl="0" algn="l">
+    <a:lvl8pPr marR="0" lvl="7" algn="l" rtl="0">
       <a:lnSpc>
         <a:spcPct val="100000"/>
       </a:lnSpc>
@@ -231,7 +238,7 @@
         <a:srgbClr val="000000"/>
       </a:buClr>
       <a:buFont typeface="Arial"/>
-      <a:defRPr b="0" i="0" sz="1400" u="none" cap="none" strike="noStrike">
+      <a:defRPr sz="1400" b="0" i="0" u="none" strike="noStrike" cap="none">
         <a:solidFill>
           <a:srgbClr val="000000"/>
         </a:solidFill>
@@ -241,7 +248,7 @@
         <a:sym typeface="Arial"/>
       </a:defRPr>
     </a:lvl8pPr>
-    <a:lvl9pPr lvl="8" marR="0" rtl="0" algn="l">
+    <a:lvl9pPr marR="0" lvl="8" algn="l" rtl="0">
       <a:lnSpc>
         <a:spcPct val="100000"/>
       </a:lnSpc>
@@ -255,7 +262,7 @@
         <a:srgbClr val="000000"/>
       </a:buClr>
       <a:buFont typeface="Arial"/>
-      <a:defRPr b="0" i="0" sz="1400" u="none" cap="none" strike="noStrike">
+      <a:defRPr sz="1400" b="0" i="0" u="none" strike="noStrike" cap="none">
         <a:solidFill>
           <a:srgbClr val="000000"/>
         </a:solidFill>
@@ -268,7 +275,7 @@
   </p:defaultTextStyle>
   <p:extLst>
     <p:ext uri="{EFAFB233-063F-42B5-8137-9DF3F51BA10A}">
-      <p15:sldGuideLst>
+      <p15:sldGuideLst xmlns:p15="http://schemas.microsoft.com/office/powerpoint/2012/main">
         <p15:guide id="1" orient="horz" pos="1620">
           <p15:clr>
             <a:srgbClr val="A4A3A4"/>
@@ -286,11 +293,16 @@
 </file>
 
 <file path=ppt/notesMasters/notesMaster1.xml><?xml version="1.0" encoding="utf-8"?>
-<p:notesMaster xmlns:a="http://schemas.openxmlformats.org/drawingml/2006/main" xmlns:r="http://schemas.openxmlformats.org/officeDocument/2006/relationships" xmlns:mc="http://schemas.openxmlformats.org/markup-compatibility/2006" xmlns:mv="urn:schemas-microsoft-com:mac:vml" xmlns:p="http://schemas.openxmlformats.org/presentationml/2006/main" xmlns:c="http://schemas.openxmlformats.org/drawingml/2006/chart" xmlns:dgm="http://schemas.openxmlformats.org/drawingml/2006/diagram" xmlns:o="urn:schemas-microsoft-com:office:office" xmlns:v="urn:schemas-microsoft-com:vml" xmlns:pvml="urn:schemas-microsoft-com:office:powerpoint" xmlns:com="http://schemas.openxmlformats.org/drawingml/2006/compatibility" xmlns:p14="http://schemas.microsoft.com/office/powerpoint/2010/main" xmlns:p15="http://schemas.microsoft.com/office/powerpoint/2012/main">
+<p:notesMaster xmlns:a="http://schemas.openxmlformats.org/drawingml/2006/main" xmlns:r="http://schemas.openxmlformats.org/officeDocument/2006/relationships" xmlns:p="http://schemas.openxmlformats.org/presentationml/2006/main">
   <p:cSld>
+    <p:bg>
+      <p:bgRef idx="1001">
+        <a:schemeClr val="bg1"/>
+      </p:bgRef>
+    </p:bg>
     <p:spTree>
       <p:nvGrpSpPr>
-        <p:cNvPr id="2" name="Shape 2"/>
+        <p:cNvPr id="1" name="Shape 2"/>
         <p:cNvGrpSpPr/>
         <p:nvPr/>
       </p:nvGrpSpPr>
@@ -305,9 +317,11 @@
       <p:sp>
         <p:nvSpPr>
           <p:cNvPr id="3" name="Google Shape;3;n"/>
-          <p:cNvSpPr/>
+          <p:cNvSpPr>
+            <a:spLocks noGrp="1" noRot="1" noChangeAspect="1"/>
+          </p:cNvSpPr>
           <p:nvPr>
-            <p:ph idx="2" type="sldImg"/>
+            <p:ph type="sldImg" idx="2"/>
           </p:nvPr>
         </p:nvSpPr>
         <p:spPr>
@@ -316,9 +330,13 @@
             <a:ext cx="6096075" cy="3429000"/>
           </a:xfrm>
           <a:custGeom>
-            <a:rect b="b" l="l" r="r" t="t"/>
+            <a:avLst/>
+            <a:gdLst/>
+            <a:ahLst/>
+            <a:cxnLst/>
+            <a:rect l="l" t="t" r="r" b="b"/>
             <a:pathLst>
-              <a:path extrusionOk="0" h="120000" w="120000">
+              <a:path w="120000" h="120000" extrusionOk="0">
                 <a:moveTo>
                   <a:pt x="0" y="0"/>
                 </a:moveTo>
@@ -336,23 +354,25 @@
             </a:pathLst>
           </a:custGeom>
           <a:noFill/>
-          <a:ln cap="flat" cmpd="sng" w="9525">
+          <a:ln w="9525" cap="flat" cmpd="sng">
             <a:solidFill>
               <a:srgbClr val="000000"/>
             </a:solidFill>
             <a:prstDash val="solid"/>
             <a:round/>
-            <a:headEnd len="sm" w="sm" type="none"/>
-            <a:tailEnd len="sm" w="sm" type="none"/>
+            <a:headEnd type="none" w="sm" len="sm"/>
+            <a:tailEnd type="none" w="sm" len="sm"/>
           </a:ln>
         </p:spPr>
       </p:sp>
       <p:sp>
         <p:nvSpPr>
           <p:cNvPr id="4" name="Google Shape;4;n"/>
-          <p:cNvSpPr txBox="1"/>
+          <p:cNvSpPr txBox="1">
+            <a:spLocks noGrp="1"/>
+          </p:cNvSpPr>
           <p:nvPr>
-            <p:ph idx="1" type="body"/>
+            <p:ph type="body" idx="1"/>
           </p:nvPr>
         </p:nvSpPr>
         <p:spPr>
@@ -369,11 +389,11 @@
           </a:ln>
         </p:spPr>
         <p:txBody>
-          <a:bodyPr anchorCtr="0" anchor="t" bIns="91425" lIns="91425" spcFirstLastPara="1" rIns="91425" wrap="square" tIns="91425">
+          <a:bodyPr spcFirstLastPara="1" wrap="square" lIns="91425" tIns="91425" rIns="91425" bIns="91425" anchor="t" anchorCtr="0">
             <a:noAutofit/>
           </a:bodyPr>
           <a:lstStyle>
-            <a:lvl1pPr indent="-298450" lvl="0" marL="457200">
+            <a:lvl1pPr marL="457200" lvl="0" indent="-298450">
               <a:spcBef>
                 <a:spcPts val="0"/>
               </a:spcBef>
@@ -384,7 +404,7 @@
               <a:buChar char="●"/>
               <a:defRPr sz="1100"/>
             </a:lvl1pPr>
-            <a:lvl2pPr indent="-298450" lvl="1" marL="914400">
+            <a:lvl2pPr marL="914400" lvl="1" indent="-298450">
               <a:spcBef>
                 <a:spcPts val="0"/>
               </a:spcBef>
@@ -395,7 +415,7 @@
               <a:buChar char="○"/>
               <a:defRPr sz="1100"/>
             </a:lvl2pPr>
-            <a:lvl3pPr indent="-298450" lvl="2" marL="1371600">
+            <a:lvl3pPr marL="1371600" lvl="2" indent="-298450">
               <a:spcBef>
                 <a:spcPts val="0"/>
               </a:spcBef>
@@ -406,7 +426,7 @@
               <a:buChar char="■"/>
               <a:defRPr sz="1100"/>
             </a:lvl3pPr>
-            <a:lvl4pPr indent="-298450" lvl="3" marL="1828800">
+            <a:lvl4pPr marL="1828800" lvl="3" indent="-298450">
               <a:spcBef>
                 <a:spcPts val="0"/>
               </a:spcBef>
@@ -417,7 +437,7 @@
               <a:buChar char="●"/>
               <a:defRPr sz="1100"/>
             </a:lvl4pPr>
-            <a:lvl5pPr indent="-298450" lvl="4" marL="2286000">
+            <a:lvl5pPr marL="2286000" lvl="4" indent="-298450">
               <a:spcBef>
                 <a:spcPts val="0"/>
               </a:spcBef>
@@ -428,7 +448,7 @@
               <a:buChar char="○"/>
               <a:defRPr sz="1100"/>
             </a:lvl5pPr>
-            <a:lvl6pPr indent="-298450" lvl="5" marL="2743200">
+            <a:lvl6pPr marL="2743200" lvl="5" indent="-298450">
               <a:spcBef>
                 <a:spcPts val="0"/>
               </a:spcBef>
@@ -439,7 +459,7 @@
               <a:buChar char="■"/>
               <a:defRPr sz="1100"/>
             </a:lvl6pPr>
-            <a:lvl7pPr indent="-298450" lvl="6" marL="3200400">
+            <a:lvl7pPr marL="3200400" lvl="6" indent="-298450">
               <a:spcBef>
                 <a:spcPts val="0"/>
               </a:spcBef>
@@ -450,7 +470,7 @@
               <a:buChar char="●"/>
               <a:defRPr sz="1100"/>
             </a:lvl7pPr>
-            <a:lvl8pPr indent="-298450" lvl="7" marL="3657600">
+            <a:lvl8pPr marL="3657600" lvl="7" indent="-298450">
               <a:spcBef>
                 <a:spcPts val="0"/>
               </a:spcBef>
@@ -461,7 +481,7 @@
               <a:buChar char="○"/>
               <a:defRPr sz="1100"/>
             </a:lvl8pPr>
-            <a:lvl9pPr indent="-298450" lvl="8" marL="4114800">
+            <a:lvl9pPr marL="4114800" lvl="8" indent="-298450">
               <a:spcBef>
                 <a:spcPts val="0"/>
               </a:spcBef>
@@ -473,14 +493,16 @@
               <a:defRPr sz="1100"/>
             </a:lvl9pPr>
           </a:lstStyle>
-          <a:p/>
+          <a:p>
+            <a:endParaRPr/>
+          </a:p>
         </p:txBody>
       </p:sp>
     </p:spTree>
   </p:cSld>
-  <p:clrMap accent1="accent1" accent2="accent2" accent3="accent3" accent4="accent4" accent5="accent5" accent6="accent6" bg1="lt1" bg2="dk2" tx1="dk1" tx2="lt2" folHlink="folHlink" hlink="hlink"/>
+  <p:clrMap bg1="lt1" tx1="dk1" bg2="dk2" tx2="lt2" accent1="accent1" accent2="accent2" accent3="accent3" accent4="accent4" accent5="accent5" accent6="accent6" hlink="hlink" folHlink="folHlink"/>
   <p:notesStyle>
-    <a:defPPr lvl="0" marR="0" rtl="0" algn="l">
+    <a:defPPr marR="0" lvl="0" algn="l" rtl="0">
       <a:lnSpc>
         <a:spcPct val="100000"/>
       </a:lnSpc>
@@ -491,7 +513,7 @@
         <a:spcPts val="0"/>
       </a:spcAft>
     </a:defPPr>
-    <a:lvl1pPr lvl="0" marR="0" rtl="0" algn="l">
+    <a:lvl1pPr marR="0" lvl="0" algn="l" rtl="0">
       <a:lnSpc>
         <a:spcPct val="100000"/>
       </a:lnSpc>
@@ -505,7 +527,7 @@
         <a:srgbClr val="000000"/>
       </a:buClr>
       <a:buFont typeface="Arial"/>
-      <a:defRPr b="0" i="0" sz="1400" u="none" cap="none" strike="noStrike">
+      <a:defRPr sz="1400" b="0" i="0" u="none" strike="noStrike" cap="none">
         <a:solidFill>
           <a:srgbClr val="000000"/>
         </a:solidFill>
@@ -515,7 +537,7 @@
         <a:sym typeface="Arial"/>
       </a:defRPr>
     </a:lvl1pPr>
-    <a:lvl2pPr lvl="1" marR="0" rtl="0" algn="l">
+    <a:lvl2pPr marR="0" lvl="1" algn="l" rtl="0">
       <a:lnSpc>
         <a:spcPct val="100000"/>
       </a:lnSpc>
@@ -529,7 +551,7 @@
         <a:srgbClr val="000000"/>
       </a:buClr>
       <a:buFont typeface="Arial"/>
-      <a:defRPr b="0" i="0" sz="1400" u="none" cap="none" strike="noStrike">
+      <a:defRPr sz="1400" b="0" i="0" u="none" strike="noStrike" cap="none">
         <a:solidFill>
           <a:srgbClr val="000000"/>
         </a:solidFill>
@@ -539,7 +561,7 @@
         <a:sym typeface="Arial"/>
       </a:defRPr>
     </a:lvl2pPr>
-    <a:lvl3pPr lvl="2" marR="0" rtl="0" algn="l">
+    <a:lvl3pPr marR="0" lvl="2" algn="l" rtl="0">
       <a:lnSpc>
         <a:spcPct val="100000"/>
       </a:lnSpc>
@@ -553,7 +575,7 @@
         <a:srgbClr val="000000"/>
       </a:buClr>
       <a:buFont typeface="Arial"/>
-      <a:defRPr b="0" i="0" sz="1400" u="none" cap="none" strike="noStrike">
+      <a:defRPr sz="1400" b="0" i="0" u="none" strike="noStrike" cap="none">
         <a:solidFill>
           <a:srgbClr val="000000"/>
         </a:solidFill>
@@ -563,7 +585,7 @@
         <a:sym typeface="Arial"/>
       </a:defRPr>
     </a:lvl3pPr>
-    <a:lvl4pPr lvl="3" marR="0" rtl="0" algn="l">
+    <a:lvl4pPr marR="0" lvl="3" algn="l" rtl="0">
       <a:lnSpc>
         <a:spcPct val="100000"/>
       </a:lnSpc>
@@ -577,7 +599,7 @@
         <a:srgbClr val="000000"/>
       </a:buClr>
       <a:buFont typeface="Arial"/>
-      <a:defRPr b="0" i="0" sz="1400" u="none" cap="none" strike="noStrike">
+      <a:defRPr sz="1400" b="0" i="0" u="none" strike="noStrike" cap="none">
         <a:solidFill>
           <a:srgbClr val="000000"/>
         </a:solidFill>
@@ -587,7 +609,7 @@
         <a:sym typeface="Arial"/>
       </a:defRPr>
     </a:lvl4pPr>
-    <a:lvl5pPr lvl="4" marR="0" rtl="0" algn="l">
+    <a:lvl5pPr marR="0" lvl="4" algn="l" rtl="0">
       <a:lnSpc>
         <a:spcPct val="100000"/>
       </a:lnSpc>
@@ -601,7 +623,7 @@
         <a:srgbClr val="000000"/>
       </a:buClr>
       <a:buFont typeface="Arial"/>
-      <a:defRPr b="0" i="0" sz="1400" u="none" cap="none" strike="noStrike">
+      <a:defRPr sz="1400" b="0" i="0" u="none" strike="noStrike" cap="none">
         <a:solidFill>
           <a:srgbClr val="000000"/>
         </a:solidFill>
@@ -611,7 +633,7 @@
         <a:sym typeface="Arial"/>
       </a:defRPr>
     </a:lvl5pPr>
-    <a:lvl6pPr lvl="5" marR="0" rtl="0" algn="l">
+    <a:lvl6pPr marR="0" lvl="5" algn="l" rtl="0">
       <a:lnSpc>
         <a:spcPct val="100000"/>
       </a:lnSpc>
@@ -625,7 +647,7 @@
         <a:srgbClr val="000000"/>
       </a:buClr>
       <a:buFont typeface="Arial"/>
-      <a:defRPr b="0" i="0" sz="1400" u="none" cap="none" strike="noStrike">
+      <a:defRPr sz="1400" b="0" i="0" u="none" strike="noStrike" cap="none">
         <a:solidFill>
           <a:srgbClr val="000000"/>
         </a:solidFill>
@@ -635,7 +657,7 @@
         <a:sym typeface="Arial"/>
       </a:defRPr>
     </a:lvl6pPr>
-    <a:lvl7pPr lvl="6" marR="0" rtl="0" algn="l">
+    <a:lvl7pPr marR="0" lvl="6" algn="l" rtl="0">
       <a:lnSpc>
         <a:spcPct val="100000"/>
       </a:lnSpc>
@@ -649,7 +671,7 @@
         <a:srgbClr val="000000"/>
       </a:buClr>
       <a:buFont typeface="Arial"/>
-      <a:defRPr b="0" i="0" sz="1400" u="none" cap="none" strike="noStrike">
+      <a:defRPr sz="1400" b="0" i="0" u="none" strike="noStrike" cap="none">
         <a:solidFill>
           <a:srgbClr val="000000"/>
         </a:solidFill>
@@ -659,7 +681,7 @@
         <a:sym typeface="Arial"/>
       </a:defRPr>
     </a:lvl7pPr>
-    <a:lvl8pPr lvl="7" marR="0" rtl="0" algn="l">
+    <a:lvl8pPr marR="0" lvl="7" algn="l" rtl="0">
       <a:lnSpc>
         <a:spcPct val="100000"/>
       </a:lnSpc>
@@ -673,7 +695,7 @@
         <a:srgbClr val="000000"/>
       </a:buClr>
       <a:buFont typeface="Arial"/>
-      <a:defRPr b="0" i="0" sz="1400" u="none" cap="none" strike="noStrike">
+      <a:defRPr sz="1400" b="0" i="0" u="none" strike="noStrike" cap="none">
         <a:solidFill>
           <a:srgbClr val="000000"/>
         </a:solidFill>
@@ -683,7 +705,7 @@
         <a:sym typeface="Arial"/>
       </a:defRPr>
     </a:lvl8pPr>
-    <a:lvl9pPr lvl="8" marR="0" rtl="0" algn="l">
+    <a:lvl9pPr marR="0" lvl="8" algn="l" rtl="0">
       <a:lnSpc>
         <a:spcPct val="100000"/>
       </a:lnSpc>
@@ -697,7 +719,7 @@
         <a:srgbClr val="000000"/>
       </a:buClr>
       <a:buFont typeface="Arial"/>
-      <a:defRPr b="0" i="0" sz="1400" u="none" cap="none" strike="noStrike">
+      <a:defRPr sz="1400" b="0" i="0" u="none" strike="noStrike" cap="none">
         <a:solidFill>
           <a:srgbClr val="000000"/>
         </a:solidFill>
@@ -712,11 +734,11 @@
 </file>
 
 <file path=ppt/notesSlides/notesSlide1.xml><?xml version="1.0" encoding="utf-8"?>
-<p:notes xmlns:a="http://schemas.openxmlformats.org/drawingml/2006/main" xmlns:r="http://schemas.openxmlformats.org/officeDocument/2006/relationships" xmlns:mc="http://schemas.openxmlformats.org/markup-compatibility/2006" xmlns:mv="urn:schemas-microsoft-com:mac:vml" xmlns:p="http://schemas.openxmlformats.org/presentationml/2006/main" xmlns:c="http://schemas.openxmlformats.org/drawingml/2006/chart" xmlns:dgm="http://schemas.openxmlformats.org/drawingml/2006/diagram" xmlns:o="urn:schemas-microsoft-com:office:office" xmlns:v="urn:schemas-microsoft-com:vml" xmlns:pvml="urn:schemas-microsoft-com:office:powerpoint" xmlns:com="http://schemas.openxmlformats.org/drawingml/2006/compatibility" xmlns:p14="http://schemas.microsoft.com/office/powerpoint/2010/main" xmlns:p15="http://schemas.microsoft.com/office/powerpoint/2012/main" showMasterPhAnim="0" showMasterSp="0">
+<p:notes xmlns:a="http://schemas.openxmlformats.org/drawingml/2006/main" xmlns:r="http://schemas.openxmlformats.org/officeDocument/2006/relationships" xmlns:p="http://schemas.openxmlformats.org/presentationml/2006/main" showMasterSp="0" showMasterPhAnim="0">
   <p:cSld>
     <p:spTree>
       <p:nvGrpSpPr>
-        <p:cNvPr id="60" name="Shape 60"/>
+        <p:cNvPr id="1" name="Shape 60"/>
         <p:cNvGrpSpPr/>
         <p:nvPr/>
       </p:nvGrpSpPr>
@@ -731,9 +753,11 @@
       <p:sp>
         <p:nvSpPr>
           <p:cNvPr id="61" name="Google Shape;61;p:notes"/>
-          <p:cNvSpPr/>
+          <p:cNvSpPr>
+            <a:spLocks noGrp="1" noRot="1" noChangeAspect="1"/>
+          </p:cNvSpPr>
           <p:nvPr>
-            <p:ph idx="2" type="sldImg"/>
+            <p:ph type="sldImg" idx="2"/>
           </p:nvPr>
         </p:nvSpPr>
         <p:spPr>
@@ -742,9 +766,13 @@
             <a:ext cx="6096075" cy="3429000"/>
           </a:xfrm>
           <a:custGeom>
-            <a:rect b="b" l="l" r="r" t="t"/>
+            <a:avLst/>
+            <a:gdLst/>
+            <a:ahLst/>
+            <a:cxnLst/>
+            <a:rect l="l" t="t" r="r" b="b"/>
             <a:pathLst>
-              <a:path extrusionOk="0" h="120000" w="120000">
+              <a:path w="120000" h="120000" extrusionOk="0">
                 <a:moveTo>
                   <a:pt x="0" y="0"/>
                 </a:moveTo>
@@ -766,9 +794,11 @@
       <p:sp>
         <p:nvSpPr>
           <p:cNvPr id="62" name="Google Shape;62;p:notes"/>
-          <p:cNvSpPr txBox="1"/>
+          <p:cNvSpPr txBox="1">
+            <a:spLocks noGrp="1"/>
+          </p:cNvSpPr>
           <p:nvPr>
-            <p:ph idx="1" type="body"/>
+            <p:ph type="body" idx="1"/>
           </p:nvPr>
         </p:nvSpPr>
         <p:spPr>
@@ -781,12 +811,12 @@
           </a:prstGeom>
         </p:spPr>
         <p:txBody>
-          <a:bodyPr anchorCtr="0" anchor="t" bIns="91425" lIns="91425" spcFirstLastPara="1" rIns="91425" wrap="square" tIns="91425">
+          <a:bodyPr spcFirstLastPara="1" wrap="square" lIns="91425" tIns="91425" rIns="91425" bIns="91425" anchor="t" anchorCtr="0">
             <a:noAutofit/>
           </a:bodyPr>
           <a:lstStyle/>
           <a:p>
-            <a:pPr indent="0" lvl="0" marL="0" rtl="0" algn="l">
+            <a:pPr marL="0" lvl="0" indent="0" algn="l" rtl="0">
               <a:spcBef>
                 <a:spcPts val="0"/>
               </a:spcBef>
@@ -795,9 +825,6 @@
               </a:spcAft>
               <a:buNone/>
             </a:pPr>
-            <a:r>
-              <a:t/>
-            </a:r>
             <a:endParaRPr/>
           </a:p>
         </p:txBody>
@@ -811,11 +838,11 @@
 </file>
 
 <file path=ppt/notesSlides/notesSlide10.xml><?xml version="1.0" encoding="utf-8"?>
-<p:notes xmlns:a="http://schemas.openxmlformats.org/drawingml/2006/main" xmlns:r="http://schemas.openxmlformats.org/officeDocument/2006/relationships" xmlns:mc="http://schemas.openxmlformats.org/markup-compatibility/2006" xmlns:mv="urn:schemas-microsoft-com:mac:vml" xmlns:p="http://schemas.openxmlformats.org/presentationml/2006/main" xmlns:c="http://schemas.openxmlformats.org/drawingml/2006/chart" xmlns:dgm="http://schemas.openxmlformats.org/drawingml/2006/diagram" xmlns:o="urn:schemas-microsoft-com:office:office" xmlns:v="urn:schemas-microsoft-com:vml" xmlns:pvml="urn:schemas-microsoft-com:office:powerpoint" xmlns:com="http://schemas.openxmlformats.org/drawingml/2006/compatibility" xmlns:p14="http://schemas.microsoft.com/office/powerpoint/2010/main" xmlns:p15="http://schemas.microsoft.com/office/powerpoint/2012/main" showMasterPhAnim="0" showMasterSp="0">
+<p:notes xmlns:a="http://schemas.openxmlformats.org/drawingml/2006/main" xmlns:r="http://schemas.openxmlformats.org/officeDocument/2006/relationships" xmlns:p="http://schemas.openxmlformats.org/presentationml/2006/main" showMasterSp="0" showMasterPhAnim="0">
   <p:cSld>
     <p:spTree>
       <p:nvGrpSpPr>
-        <p:cNvPr id="139" name="Shape 139"/>
+        <p:cNvPr id="1" name="Shape 102"/>
         <p:cNvGrpSpPr/>
         <p:nvPr/>
       </p:nvGrpSpPr>
@@ -829,21 +856,27 @@
       </p:grpSpPr>
       <p:sp>
         <p:nvSpPr>
-          <p:cNvPr id="140" name="Google Shape;140;g742ef761dc_0_693:notes"/>
-          <p:cNvSpPr/>
+          <p:cNvPr id="103" name="Google Shape;103;g742ef761dc_0_649:notes"/>
+          <p:cNvSpPr>
+            <a:spLocks noGrp="1" noRot="1" noChangeAspect="1"/>
+          </p:cNvSpPr>
           <p:nvPr>
-            <p:ph idx="2" type="sldImg"/>
+            <p:ph type="sldImg" idx="2"/>
           </p:nvPr>
         </p:nvSpPr>
         <p:spPr>
           <a:xfrm>
-            <a:off x="381300" y="685800"/>
+            <a:off x="381000" y="685800"/>
             <a:ext cx="6096000" cy="3429000"/>
           </a:xfrm>
           <a:custGeom>
-            <a:rect b="b" l="l" r="r" t="t"/>
+            <a:avLst/>
+            <a:gdLst/>
+            <a:ahLst/>
+            <a:cxnLst/>
+            <a:rect l="l" t="t" r="r" b="b"/>
             <a:pathLst>
-              <a:path extrusionOk="0" h="120000" w="120000">
+              <a:path w="120000" h="120000" extrusionOk="0">
                 <a:moveTo>
                   <a:pt x="0" y="0"/>
                 </a:moveTo>
@@ -864,10 +897,12 @@
       </p:sp>
       <p:sp>
         <p:nvSpPr>
-          <p:cNvPr id="141" name="Google Shape;141;g742ef761dc_0_693:notes"/>
-          <p:cNvSpPr txBox="1"/>
+          <p:cNvPr id="104" name="Google Shape;104;g742ef761dc_0_649:notes"/>
+          <p:cNvSpPr txBox="1">
+            <a:spLocks noGrp="1"/>
+          </p:cNvSpPr>
           <p:nvPr>
-            <p:ph idx="1" type="body"/>
+            <p:ph type="body" idx="1"/>
           </p:nvPr>
         </p:nvSpPr>
         <p:spPr>
@@ -880,12 +915,12 @@
           </a:prstGeom>
         </p:spPr>
         <p:txBody>
-          <a:bodyPr anchorCtr="0" anchor="t" bIns="91425" lIns="91425" spcFirstLastPara="1" rIns="91425" wrap="square" tIns="91425">
+          <a:bodyPr spcFirstLastPara="1" wrap="square" lIns="91425" tIns="91425" rIns="91425" bIns="91425" anchor="t" anchorCtr="0">
             <a:noAutofit/>
           </a:bodyPr>
           <a:lstStyle/>
           <a:p>
-            <a:pPr indent="0" lvl="0" marL="0" rtl="0" algn="l">
+            <a:pPr marL="0" lvl="0" indent="0" algn="l" rtl="0">
               <a:spcBef>
                 <a:spcPts val="0"/>
               </a:spcBef>
@@ -894,14 +929,16 @@
               </a:spcAft>
               <a:buNone/>
             </a:pPr>
-            <a:r>
-              <a:t/>
-            </a:r>
             <a:endParaRPr/>
           </a:p>
         </p:txBody>
       </p:sp>
     </p:spTree>
+    <p:extLst>
+      <p:ext uri="{BB962C8B-B14F-4D97-AF65-F5344CB8AC3E}">
+        <p14:creationId xmlns:p14="http://schemas.microsoft.com/office/powerpoint/2010/main" val="4140818942"/>
+      </p:ext>
+    </p:extLst>
   </p:cSld>
   <p:clrMapOvr>
     <a:masterClrMapping/>
@@ -909,12 +946,12 @@
 </p:notes>
 </file>
 
-<file path=ppt/notesSlides/notesSlide2.xml><?xml version="1.0" encoding="utf-8"?>
-<p:notes xmlns:a="http://schemas.openxmlformats.org/drawingml/2006/main" xmlns:r="http://schemas.openxmlformats.org/officeDocument/2006/relationships" xmlns:mc="http://schemas.openxmlformats.org/markup-compatibility/2006" xmlns:mv="urn:schemas-microsoft-com:mac:vml" xmlns:p="http://schemas.openxmlformats.org/presentationml/2006/main" xmlns:c="http://schemas.openxmlformats.org/drawingml/2006/chart" xmlns:dgm="http://schemas.openxmlformats.org/drawingml/2006/diagram" xmlns:o="urn:schemas-microsoft-com:office:office" xmlns:v="urn:schemas-microsoft-com:vml" xmlns:pvml="urn:schemas-microsoft-com:office:powerpoint" xmlns:com="http://schemas.openxmlformats.org/drawingml/2006/compatibility" xmlns:p14="http://schemas.microsoft.com/office/powerpoint/2010/main" xmlns:p15="http://schemas.microsoft.com/office/powerpoint/2012/main" showMasterPhAnim="0" showMasterSp="0">
+<file path=ppt/notesSlides/notesSlide11.xml><?xml version="1.0" encoding="utf-8"?>
+<p:notes xmlns:a="http://schemas.openxmlformats.org/drawingml/2006/main" xmlns:r="http://schemas.openxmlformats.org/officeDocument/2006/relationships" xmlns:p="http://schemas.openxmlformats.org/presentationml/2006/main" showMasterSp="0" showMasterPhAnim="0">
   <p:cSld>
     <p:spTree>
       <p:nvGrpSpPr>
-        <p:cNvPr id="67" name="Shape 67"/>
+        <p:cNvPr id="1" name="Shape 102"/>
         <p:cNvGrpSpPr/>
         <p:nvPr/>
       </p:nvGrpSpPr>
@@ -928,21 +965,27 @@
       </p:grpSpPr>
       <p:sp>
         <p:nvSpPr>
-          <p:cNvPr id="68" name="Google Shape;68;g742ef761dc_0_580:notes"/>
-          <p:cNvSpPr/>
+          <p:cNvPr id="103" name="Google Shape;103;g742ef761dc_0_649:notes"/>
+          <p:cNvSpPr>
+            <a:spLocks noGrp="1" noRot="1" noChangeAspect="1"/>
+          </p:cNvSpPr>
           <p:nvPr>
-            <p:ph idx="2" type="sldImg"/>
+            <p:ph type="sldImg" idx="2"/>
           </p:nvPr>
         </p:nvSpPr>
         <p:spPr>
           <a:xfrm>
-            <a:off x="381300" y="685800"/>
+            <a:off x="381000" y="685800"/>
             <a:ext cx="6096000" cy="3429000"/>
           </a:xfrm>
           <a:custGeom>
-            <a:rect b="b" l="l" r="r" t="t"/>
+            <a:avLst/>
+            <a:gdLst/>
+            <a:ahLst/>
+            <a:cxnLst/>
+            <a:rect l="l" t="t" r="r" b="b"/>
             <a:pathLst>
-              <a:path extrusionOk="0" h="120000" w="120000">
+              <a:path w="120000" h="120000" extrusionOk="0">
                 <a:moveTo>
                   <a:pt x="0" y="0"/>
                 </a:moveTo>
@@ -963,10 +1006,12 @@
       </p:sp>
       <p:sp>
         <p:nvSpPr>
-          <p:cNvPr id="69" name="Google Shape;69;g742ef761dc_0_580:notes"/>
-          <p:cNvSpPr txBox="1"/>
+          <p:cNvPr id="104" name="Google Shape;104;g742ef761dc_0_649:notes"/>
+          <p:cNvSpPr txBox="1">
+            <a:spLocks noGrp="1"/>
+          </p:cNvSpPr>
           <p:nvPr>
-            <p:ph idx="1" type="body"/>
+            <p:ph type="body" idx="1"/>
           </p:nvPr>
         </p:nvSpPr>
         <p:spPr>
@@ -979,12 +1024,12 @@
           </a:prstGeom>
         </p:spPr>
         <p:txBody>
-          <a:bodyPr anchorCtr="0" anchor="t" bIns="91425" lIns="91425" spcFirstLastPara="1" rIns="91425" wrap="square" tIns="91425">
+          <a:bodyPr spcFirstLastPara="1" wrap="square" lIns="91425" tIns="91425" rIns="91425" bIns="91425" anchor="t" anchorCtr="0">
             <a:noAutofit/>
           </a:bodyPr>
           <a:lstStyle/>
           <a:p>
-            <a:pPr indent="0" lvl="0" marL="0" rtl="0" algn="l">
+            <a:pPr marL="0" lvl="0" indent="0" algn="l" rtl="0">
               <a:spcBef>
                 <a:spcPts val="0"/>
               </a:spcBef>
@@ -993,14 +1038,16 @@
               </a:spcAft>
               <a:buNone/>
             </a:pPr>
-            <a:r>
-              <a:t/>
-            </a:r>
             <a:endParaRPr/>
           </a:p>
         </p:txBody>
       </p:sp>
     </p:spTree>
+    <p:extLst>
+      <p:ext uri="{BB962C8B-B14F-4D97-AF65-F5344CB8AC3E}">
+        <p14:creationId xmlns:p14="http://schemas.microsoft.com/office/powerpoint/2010/main" val="343190548"/>
+      </p:ext>
+    </p:extLst>
   </p:cSld>
   <p:clrMapOvr>
     <a:masterClrMapping/>
@@ -1008,12 +1055,12 @@
 </p:notes>
 </file>
 
-<file path=ppt/notesSlides/notesSlide3.xml><?xml version="1.0" encoding="utf-8"?>
-<p:notes xmlns:a="http://schemas.openxmlformats.org/drawingml/2006/main" xmlns:r="http://schemas.openxmlformats.org/officeDocument/2006/relationships" xmlns:mc="http://schemas.openxmlformats.org/markup-compatibility/2006" xmlns:mv="urn:schemas-microsoft-com:mac:vml" xmlns:p="http://schemas.openxmlformats.org/presentationml/2006/main" xmlns:c="http://schemas.openxmlformats.org/drawingml/2006/chart" xmlns:dgm="http://schemas.openxmlformats.org/drawingml/2006/diagram" xmlns:o="urn:schemas-microsoft-com:office:office" xmlns:v="urn:schemas-microsoft-com:vml" xmlns:pvml="urn:schemas-microsoft-com:office:powerpoint" xmlns:com="http://schemas.openxmlformats.org/drawingml/2006/compatibility" xmlns:p14="http://schemas.microsoft.com/office/powerpoint/2010/main" xmlns:p15="http://schemas.microsoft.com/office/powerpoint/2012/main" showMasterPhAnim="0" showMasterSp="0">
+<file path=ppt/notesSlides/notesSlide12.xml><?xml version="1.0" encoding="utf-8"?>
+<p:notes xmlns:a="http://schemas.openxmlformats.org/drawingml/2006/main" xmlns:r="http://schemas.openxmlformats.org/officeDocument/2006/relationships" xmlns:p="http://schemas.openxmlformats.org/presentationml/2006/main" showMasterSp="0" showMasterPhAnim="0">
   <p:cSld>
     <p:spTree>
       <p:nvGrpSpPr>
-        <p:cNvPr id="73" name="Shape 73"/>
+        <p:cNvPr id="1" name="Shape 102"/>
         <p:cNvGrpSpPr/>
         <p:nvPr/>
       </p:nvGrpSpPr>
@@ -1027,21 +1074,27 @@
       </p:grpSpPr>
       <p:sp>
         <p:nvSpPr>
-          <p:cNvPr id="74" name="Google Shape;74;g742ef761dc_0_586:notes"/>
-          <p:cNvSpPr/>
+          <p:cNvPr id="103" name="Google Shape;103;g742ef761dc_0_649:notes"/>
+          <p:cNvSpPr>
+            <a:spLocks noGrp="1" noRot="1" noChangeAspect="1"/>
+          </p:cNvSpPr>
           <p:nvPr>
-            <p:ph idx="2" type="sldImg"/>
+            <p:ph type="sldImg" idx="2"/>
           </p:nvPr>
         </p:nvSpPr>
         <p:spPr>
           <a:xfrm>
-            <a:off x="381300" y="685800"/>
+            <a:off x="381000" y="685800"/>
             <a:ext cx="6096000" cy="3429000"/>
           </a:xfrm>
           <a:custGeom>
-            <a:rect b="b" l="l" r="r" t="t"/>
+            <a:avLst/>
+            <a:gdLst/>
+            <a:ahLst/>
+            <a:cxnLst/>
+            <a:rect l="l" t="t" r="r" b="b"/>
             <a:pathLst>
-              <a:path extrusionOk="0" h="120000" w="120000">
+              <a:path w="120000" h="120000" extrusionOk="0">
                 <a:moveTo>
                   <a:pt x="0" y="0"/>
                 </a:moveTo>
@@ -1062,10 +1115,12 @@
       </p:sp>
       <p:sp>
         <p:nvSpPr>
-          <p:cNvPr id="75" name="Google Shape;75;g742ef761dc_0_586:notes"/>
-          <p:cNvSpPr txBox="1"/>
+          <p:cNvPr id="104" name="Google Shape;104;g742ef761dc_0_649:notes"/>
+          <p:cNvSpPr txBox="1">
+            <a:spLocks noGrp="1"/>
+          </p:cNvSpPr>
           <p:nvPr>
-            <p:ph idx="1" type="body"/>
+            <p:ph type="body" idx="1"/>
           </p:nvPr>
         </p:nvSpPr>
         <p:spPr>
@@ -1078,12 +1133,12 @@
           </a:prstGeom>
         </p:spPr>
         <p:txBody>
-          <a:bodyPr anchorCtr="0" anchor="t" bIns="91425" lIns="91425" spcFirstLastPara="1" rIns="91425" wrap="square" tIns="91425">
+          <a:bodyPr spcFirstLastPara="1" wrap="square" lIns="91425" tIns="91425" rIns="91425" bIns="91425" anchor="t" anchorCtr="0">
             <a:noAutofit/>
           </a:bodyPr>
           <a:lstStyle/>
           <a:p>
-            <a:pPr indent="0" lvl="0" marL="0" rtl="0" algn="l">
+            <a:pPr marL="0" lvl="0" indent="0" algn="l" rtl="0">
               <a:spcBef>
                 <a:spcPts val="0"/>
               </a:spcBef>
@@ -1092,14 +1147,16 @@
               </a:spcAft>
               <a:buNone/>
             </a:pPr>
-            <a:r>
-              <a:t/>
-            </a:r>
             <a:endParaRPr/>
           </a:p>
         </p:txBody>
       </p:sp>
     </p:spTree>
+    <p:extLst>
+      <p:ext uri="{BB962C8B-B14F-4D97-AF65-F5344CB8AC3E}">
+        <p14:creationId xmlns:p14="http://schemas.microsoft.com/office/powerpoint/2010/main" val="1906003160"/>
+      </p:ext>
+    </p:extLst>
   </p:cSld>
   <p:clrMapOvr>
     <a:masterClrMapping/>
@@ -1107,12 +1164,12 @@
 </p:notes>
 </file>
 
-<file path=ppt/notesSlides/notesSlide4.xml><?xml version="1.0" encoding="utf-8"?>
-<p:notes xmlns:a="http://schemas.openxmlformats.org/drawingml/2006/main" xmlns:r="http://schemas.openxmlformats.org/officeDocument/2006/relationships" xmlns:mc="http://schemas.openxmlformats.org/markup-compatibility/2006" xmlns:mv="urn:schemas-microsoft-com:mac:vml" xmlns:p="http://schemas.openxmlformats.org/presentationml/2006/main" xmlns:c="http://schemas.openxmlformats.org/drawingml/2006/chart" xmlns:dgm="http://schemas.openxmlformats.org/drawingml/2006/diagram" xmlns:o="urn:schemas-microsoft-com:office:office" xmlns:v="urn:schemas-microsoft-com:vml" xmlns:pvml="urn:schemas-microsoft-com:office:powerpoint" xmlns:com="http://schemas.openxmlformats.org/drawingml/2006/compatibility" xmlns:p14="http://schemas.microsoft.com/office/powerpoint/2010/main" xmlns:p15="http://schemas.microsoft.com/office/powerpoint/2012/main" showMasterPhAnim="0" showMasterSp="0">
+<file path=ppt/notesSlides/notesSlide13.xml><?xml version="1.0" encoding="utf-8"?>
+<p:notes xmlns:a="http://schemas.openxmlformats.org/drawingml/2006/main" xmlns:r="http://schemas.openxmlformats.org/officeDocument/2006/relationships" xmlns:p="http://schemas.openxmlformats.org/presentationml/2006/main" showMasterSp="0" showMasterPhAnim="0">
   <p:cSld>
     <p:spTree>
       <p:nvGrpSpPr>
-        <p:cNvPr id="79" name="Shape 79"/>
+        <p:cNvPr id="1" name="Shape 114"/>
         <p:cNvGrpSpPr/>
         <p:nvPr/>
       </p:nvGrpSpPr>
@@ -1126,10 +1183,12 @@
       </p:grpSpPr>
       <p:sp>
         <p:nvSpPr>
-          <p:cNvPr id="80" name="Google Shape;80;g742ef761dc_0_595:notes"/>
-          <p:cNvSpPr/>
+          <p:cNvPr id="115" name="Google Shape;115;g742ef761dc_0_661:notes"/>
+          <p:cNvSpPr>
+            <a:spLocks noGrp="1" noRot="1" noChangeAspect="1"/>
+          </p:cNvSpPr>
           <p:nvPr>
-            <p:ph idx="2" type="sldImg"/>
+            <p:ph type="sldImg" idx="2"/>
           </p:nvPr>
         </p:nvSpPr>
         <p:spPr>
@@ -1138,9 +1197,13 @@
             <a:ext cx="6096000" cy="3429000"/>
           </a:xfrm>
           <a:custGeom>
-            <a:rect b="b" l="l" r="r" t="t"/>
+            <a:avLst/>
+            <a:gdLst/>
+            <a:ahLst/>
+            <a:cxnLst/>
+            <a:rect l="l" t="t" r="r" b="b"/>
             <a:pathLst>
-              <a:path extrusionOk="0" h="120000" w="120000">
+              <a:path w="120000" h="120000" extrusionOk="0">
                 <a:moveTo>
                   <a:pt x="0" y="0"/>
                 </a:moveTo>
@@ -1161,10 +1224,12 @@
       </p:sp>
       <p:sp>
         <p:nvSpPr>
-          <p:cNvPr id="81" name="Google Shape;81;g742ef761dc_0_595:notes"/>
-          <p:cNvSpPr txBox="1"/>
+          <p:cNvPr id="116" name="Google Shape;116;g742ef761dc_0_661:notes"/>
+          <p:cNvSpPr txBox="1">
+            <a:spLocks noGrp="1"/>
+          </p:cNvSpPr>
           <p:nvPr>
-            <p:ph idx="1" type="body"/>
+            <p:ph type="body" idx="1"/>
           </p:nvPr>
         </p:nvSpPr>
         <p:spPr>
@@ -1177,12 +1242,12 @@
           </a:prstGeom>
         </p:spPr>
         <p:txBody>
-          <a:bodyPr anchorCtr="0" anchor="t" bIns="91425" lIns="91425" spcFirstLastPara="1" rIns="91425" wrap="square" tIns="91425">
+          <a:bodyPr spcFirstLastPara="1" wrap="square" lIns="91425" tIns="91425" rIns="91425" bIns="91425" anchor="t" anchorCtr="0">
             <a:noAutofit/>
           </a:bodyPr>
           <a:lstStyle/>
           <a:p>
-            <a:pPr indent="0" lvl="0" marL="0" rtl="0" algn="l">
+            <a:pPr marL="0" lvl="0" indent="0" algn="l" rtl="0">
               <a:spcBef>
                 <a:spcPts val="0"/>
               </a:spcBef>
@@ -1191,9 +1256,6 @@
               </a:spcAft>
               <a:buNone/>
             </a:pPr>
-            <a:r>
-              <a:t/>
-            </a:r>
             <a:endParaRPr/>
           </a:p>
         </p:txBody>
@@ -1206,12 +1268,12 @@
 </p:notes>
 </file>
 
-<file path=ppt/notesSlides/notesSlide5.xml><?xml version="1.0" encoding="utf-8"?>
-<p:notes xmlns:a="http://schemas.openxmlformats.org/drawingml/2006/main" xmlns:r="http://schemas.openxmlformats.org/officeDocument/2006/relationships" xmlns:mc="http://schemas.openxmlformats.org/markup-compatibility/2006" xmlns:mv="urn:schemas-microsoft-com:mac:vml" xmlns:p="http://schemas.openxmlformats.org/presentationml/2006/main" xmlns:c="http://schemas.openxmlformats.org/drawingml/2006/chart" xmlns:dgm="http://schemas.openxmlformats.org/drawingml/2006/diagram" xmlns:o="urn:schemas-microsoft-com:office:office" xmlns:v="urn:schemas-microsoft-com:vml" xmlns:pvml="urn:schemas-microsoft-com:office:powerpoint" xmlns:com="http://schemas.openxmlformats.org/drawingml/2006/compatibility" xmlns:p14="http://schemas.microsoft.com/office/powerpoint/2010/main" xmlns:p15="http://schemas.microsoft.com/office/powerpoint/2012/main" showMasterPhAnim="0" showMasterSp="0">
+<file path=ppt/notesSlides/notesSlide14.xml><?xml version="1.0" encoding="utf-8"?>
+<p:notes xmlns:a="http://schemas.openxmlformats.org/drawingml/2006/main" xmlns:r="http://schemas.openxmlformats.org/officeDocument/2006/relationships" xmlns:p="http://schemas.openxmlformats.org/presentationml/2006/main" showMasterSp="0" showMasterPhAnim="0">
   <p:cSld>
     <p:spTree>
       <p:nvGrpSpPr>
-        <p:cNvPr id="90" name="Shape 90"/>
+        <p:cNvPr id="1" name="Shape 123"/>
         <p:cNvGrpSpPr/>
         <p:nvPr/>
       </p:nvGrpSpPr>
@@ -1225,10 +1287,12 @@
       </p:grpSpPr>
       <p:sp>
         <p:nvSpPr>
-          <p:cNvPr id="91" name="Google Shape;91;g742ef761dc_0_629:notes"/>
-          <p:cNvSpPr/>
+          <p:cNvPr id="124" name="Google Shape;124;g742ef761dc_0_672:notes"/>
+          <p:cNvSpPr>
+            <a:spLocks noGrp="1" noRot="1" noChangeAspect="1"/>
+          </p:cNvSpPr>
           <p:nvPr>
-            <p:ph idx="2" type="sldImg"/>
+            <p:ph type="sldImg" idx="2"/>
           </p:nvPr>
         </p:nvSpPr>
         <p:spPr>
@@ -1237,9 +1301,13 @@
             <a:ext cx="6096000" cy="3429000"/>
           </a:xfrm>
           <a:custGeom>
-            <a:rect b="b" l="l" r="r" t="t"/>
+            <a:avLst/>
+            <a:gdLst/>
+            <a:ahLst/>
+            <a:cxnLst/>
+            <a:rect l="l" t="t" r="r" b="b"/>
             <a:pathLst>
-              <a:path extrusionOk="0" h="120000" w="120000">
+              <a:path w="120000" h="120000" extrusionOk="0">
                 <a:moveTo>
                   <a:pt x="0" y="0"/>
                 </a:moveTo>
@@ -1260,10 +1328,12 @@
       </p:sp>
       <p:sp>
         <p:nvSpPr>
-          <p:cNvPr id="92" name="Google Shape;92;g742ef761dc_0_629:notes"/>
-          <p:cNvSpPr txBox="1"/>
+          <p:cNvPr id="125" name="Google Shape;125;g742ef761dc_0_672:notes"/>
+          <p:cNvSpPr txBox="1">
+            <a:spLocks noGrp="1"/>
+          </p:cNvSpPr>
           <p:nvPr>
-            <p:ph idx="1" type="body"/>
+            <p:ph type="body" idx="1"/>
           </p:nvPr>
         </p:nvSpPr>
         <p:spPr>
@@ -1276,12 +1346,12 @@
           </a:prstGeom>
         </p:spPr>
         <p:txBody>
-          <a:bodyPr anchorCtr="0" anchor="t" bIns="91425" lIns="91425" spcFirstLastPara="1" rIns="91425" wrap="square" tIns="91425">
+          <a:bodyPr spcFirstLastPara="1" wrap="square" lIns="91425" tIns="91425" rIns="91425" bIns="91425" anchor="t" anchorCtr="0">
             <a:noAutofit/>
           </a:bodyPr>
           <a:lstStyle/>
           <a:p>
-            <a:pPr indent="0" lvl="0" marL="0" rtl="0" algn="l">
+            <a:pPr marL="0" lvl="0" indent="0" algn="l" rtl="0">
               <a:spcBef>
                 <a:spcPts val="0"/>
               </a:spcBef>
@@ -1290,9 +1360,6 @@
               </a:spcAft>
               <a:buNone/>
             </a:pPr>
-            <a:r>
-              <a:t/>
-            </a:r>
             <a:endParaRPr/>
           </a:p>
         </p:txBody>
@@ -1305,12 +1372,12 @@
 </p:notes>
 </file>
 
-<file path=ppt/notesSlides/notesSlide6.xml><?xml version="1.0" encoding="utf-8"?>
-<p:notes xmlns:a="http://schemas.openxmlformats.org/drawingml/2006/main" xmlns:r="http://schemas.openxmlformats.org/officeDocument/2006/relationships" xmlns:mc="http://schemas.openxmlformats.org/markup-compatibility/2006" xmlns:mv="urn:schemas-microsoft-com:mac:vml" xmlns:p="http://schemas.openxmlformats.org/presentationml/2006/main" xmlns:c="http://schemas.openxmlformats.org/drawingml/2006/chart" xmlns:dgm="http://schemas.openxmlformats.org/drawingml/2006/diagram" xmlns:o="urn:schemas-microsoft-com:office:office" xmlns:v="urn:schemas-microsoft-com:vml" xmlns:pvml="urn:schemas-microsoft-com:office:powerpoint" xmlns:com="http://schemas.openxmlformats.org/drawingml/2006/compatibility" xmlns:p14="http://schemas.microsoft.com/office/powerpoint/2010/main" xmlns:p15="http://schemas.microsoft.com/office/powerpoint/2012/main" showMasterPhAnim="0" showMasterSp="0">
+<file path=ppt/notesSlides/notesSlide15.xml><?xml version="1.0" encoding="utf-8"?>
+<p:notes xmlns:a="http://schemas.openxmlformats.org/drawingml/2006/main" xmlns:r="http://schemas.openxmlformats.org/officeDocument/2006/relationships" xmlns:p="http://schemas.openxmlformats.org/presentationml/2006/main" showMasterSp="0" showMasterPhAnim="0">
   <p:cSld>
     <p:spTree>
       <p:nvGrpSpPr>
-        <p:cNvPr id="102" name="Shape 102"/>
+        <p:cNvPr id="1" name="Shape 123"/>
         <p:cNvGrpSpPr/>
         <p:nvPr/>
       </p:nvGrpSpPr>
@@ -1324,21 +1391,27 @@
       </p:grpSpPr>
       <p:sp>
         <p:nvSpPr>
-          <p:cNvPr id="103" name="Google Shape;103;g742ef761dc_0_649:notes"/>
-          <p:cNvSpPr/>
+          <p:cNvPr id="124" name="Google Shape;124;g742ef761dc_0_672:notes"/>
+          <p:cNvSpPr>
+            <a:spLocks noGrp="1" noRot="1" noChangeAspect="1"/>
+          </p:cNvSpPr>
           <p:nvPr>
-            <p:ph idx="2" type="sldImg"/>
+            <p:ph type="sldImg" idx="2"/>
           </p:nvPr>
         </p:nvSpPr>
         <p:spPr>
           <a:xfrm>
-            <a:off x="381300" y="685800"/>
+            <a:off x="381000" y="685800"/>
             <a:ext cx="6096000" cy="3429000"/>
           </a:xfrm>
           <a:custGeom>
-            <a:rect b="b" l="l" r="r" t="t"/>
+            <a:avLst/>
+            <a:gdLst/>
+            <a:ahLst/>
+            <a:cxnLst/>
+            <a:rect l="l" t="t" r="r" b="b"/>
             <a:pathLst>
-              <a:path extrusionOk="0" h="120000" w="120000">
+              <a:path w="120000" h="120000" extrusionOk="0">
                 <a:moveTo>
                   <a:pt x="0" y="0"/>
                 </a:moveTo>
@@ -1359,10 +1432,12 @@
       </p:sp>
       <p:sp>
         <p:nvSpPr>
-          <p:cNvPr id="104" name="Google Shape;104;g742ef761dc_0_649:notes"/>
-          <p:cNvSpPr txBox="1"/>
+          <p:cNvPr id="125" name="Google Shape;125;g742ef761dc_0_672:notes"/>
+          <p:cNvSpPr txBox="1">
+            <a:spLocks noGrp="1"/>
+          </p:cNvSpPr>
           <p:nvPr>
-            <p:ph idx="1" type="body"/>
+            <p:ph type="body" idx="1"/>
           </p:nvPr>
         </p:nvSpPr>
         <p:spPr>
@@ -1375,12 +1450,12 @@
           </a:prstGeom>
         </p:spPr>
         <p:txBody>
-          <a:bodyPr anchorCtr="0" anchor="t" bIns="91425" lIns="91425" spcFirstLastPara="1" rIns="91425" wrap="square" tIns="91425">
+          <a:bodyPr spcFirstLastPara="1" wrap="square" lIns="91425" tIns="91425" rIns="91425" bIns="91425" anchor="t" anchorCtr="0">
             <a:noAutofit/>
           </a:bodyPr>
           <a:lstStyle/>
           <a:p>
-            <a:pPr indent="0" lvl="0" marL="0" rtl="0" algn="l">
+            <a:pPr marL="0" lvl="0" indent="0" algn="l" rtl="0">
               <a:spcBef>
                 <a:spcPts val="0"/>
               </a:spcBef>
@@ -1389,14 +1464,16 @@
               </a:spcAft>
               <a:buNone/>
             </a:pPr>
-            <a:r>
-              <a:t/>
-            </a:r>
             <a:endParaRPr/>
           </a:p>
         </p:txBody>
       </p:sp>
     </p:spTree>
+    <p:extLst>
+      <p:ext uri="{BB962C8B-B14F-4D97-AF65-F5344CB8AC3E}">
+        <p14:creationId xmlns:p14="http://schemas.microsoft.com/office/powerpoint/2010/main" val="4213867019"/>
+      </p:ext>
+    </p:extLst>
   </p:cSld>
   <p:clrMapOvr>
     <a:masterClrMapping/>
@@ -1404,12 +1481,12 @@
 </p:notes>
 </file>
 
-<file path=ppt/notesSlides/notesSlide7.xml><?xml version="1.0" encoding="utf-8"?>
-<p:notes xmlns:a="http://schemas.openxmlformats.org/drawingml/2006/main" xmlns:r="http://schemas.openxmlformats.org/officeDocument/2006/relationships" xmlns:mc="http://schemas.openxmlformats.org/markup-compatibility/2006" xmlns:mv="urn:schemas-microsoft-com:mac:vml" xmlns:p="http://schemas.openxmlformats.org/presentationml/2006/main" xmlns:c="http://schemas.openxmlformats.org/drawingml/2006/chart" xmlns:dgm="http://schemas.openxmlformats.org/drawingml/2006/diagram" xmlns:o="urn:schemas-microsoft-com:office:office" xmlns:v="urn:schemas-microsoft-com:vml" xmlns:pvml="urn:schemas-microsoft-com:office:powerpoint" xmlns:com="http://schemas.openxmlformats.org/drawingml/2006/compatibility" xmlns:p14="http://schemas.microsoft.com/office/powerpoint/2010/main" xmlns:p15="http://schemas.microsoft.com/office/powerpoint/2012/main" showMasterPhAnim="0" showMasterSp="0">
+<file path=ppt/notesSlides/notesSlide16.xml><?xml version="1.0" encoding="utf-8"?>
+<p:notes xmlns:a="http://schemas.openxmlformats.org/drawingml/2006/main" xmlns:r="http://schemas.openxmlformats.org/officeDocument/2006/relationships" xmlns:p="http://schemas.openxmlformats.org/presentationml/2006/main" showMasterSp="0" showMasterPhAnim="0">
   <p:cSld>
     <p:spTree>
       <p:nvGrpSpPr>
-        <p:cNvPr id="114" name="Shape 114"/>
+        <p:cNvPr id="1" name="Shape 133"/>
         <p:cNvGrpSpPr/>
         <p:nvPr/>
       </p:nvGrpSpPr>
@@ -1423,21 +1500,27 @@
       </p:grpSpPr>
       <p:sp>
         <p:nvSpPr>
-          <p:cNvPr id="115" name="Google Shape;115;g742ef761dc_0_661:notes"/>
-          <p:cNvSpPr/>
+          <p:cNvPr id="134" name="Google Shape;134;g742ef761dc_0_689:notes"/>
+          <p:cNvSpPr>
+            <a:spLocks noGrp="1" noRot="1" noChangeAspect="1"/>
+          </p:cNvSpPr>
           <p:nvPr>
-            <p:ph idx="2" type="sldImg"/>
+            <p:ph type="sldImg" idx="2"/>
           </p:nvPr>
         </p:nvSpPr>
         <p:spPr>
           <a:xfrm>
-            <a:off x="381300" y="685800"/>
+            <a:off x="381000" y="685800"/>
             <a:ext cx="6096000" cy="3429000"/>
           </a:xfrm>
           <a:custGeom>
-            <a:rect b="b" l="l" r="r" t="t"/>
+            <a:avLst/>
+            <a:gdLst/>
+            <a:ahLst/>
+            <a:cxnLst/>
+            <a:rect l="l" t="t" r="r" b="b"/>
             <a:pathLst>
-              <a:path extrusionOk="0" h="120000" w="120000">
+              <a:path w="120000" h="120000" extrusionOk="0">
                 <a:moveTo>
                   <a:pt x="0" y="0"/>
                 </a:moveTo>
@@ -1458,10 +1541,12 @@
       </p:sp>
       <p:sp>
         <p:nvSpPr>
-          <p:cNvPr id="116" name="Google Shape;116;g742ef761dc_0_661:notes"/>
-          <p:cNvSpPr txBox="1"/>
+          <p:cNvPr id="135" name="Google Shape;135;g742ef761dc_0_689:notes"/>
+          <p:cNvSpPr txBox="1">
+            <a:spLocks noGrp="1"/>
+          </p:cNvSpPr>
           <p:nvPr>
-            <p:ph idx="1" type="body"/>
+            <p:ph type="body" idx="1"/>
           </p:nvPr>
         </p:nvSpPr>
         <p:spPr>
@@ -1474,12 +1559,12 @@
           </a:prstGeom>
         </p:spPr>
         <p:txBody>
-          <a:bodyPr anchorCtr="0" anchor="t" bIns="91425" lIns="91425" spcFirstLastPara="1" rIns="91425" wrap="square" tIns="91425">
+          <a:bodyPr spcFirstLastPara="1" wrap="square" lIns="91425" tIns="91425" rIns="91425" bIns="91425" anchor="t" anchorCtr="0">
             <a:noAutofit/>
           </a:bodyPr>
           <a:lstStyle/>
           <a:p>
-            <a:pPr indent="0" lvl="0" marL="0" rtl="0" algn="l">
+            <a:pPr marL="0" lvl="0" indent="0" algn="l" rtl="0">
               <a:spcBef>
                 <a:spcPts val="0"/>
               </a:spcBef>
@@ -1488,9 +1573,6 @@
               </a:spcAft>
               <a:buNone/>
             </a:pPr>
-            <a:r>
-              <a:t/>
-            </a:r>
             <a:endParaRPr/>
           </a:p>
         </p:txBody>
@@ -1503,12 +1585,12 @@
 </p:notes>
 </file>
 
-<file path=ppt/notesSlides/notesSlide8.xml><?xml version="1.0" encoding="utf-8"?>
-<p:notes xmlns:a="http://schemas.openxmlformats.org/drawingml/2006/main" xmlns:r="http://schemas.openxmlformats.org/officeDocument/2006/relationships" xmlns:mc="http://schemas.openxmlformats.org/markup-compatibility/2006" xmlns:mv="urn:schemas-microsoft-com:mac:vml" xmlns:p="http://schemas.openxmlformats.org/presentationml/2006/main" xmlns:c="http://schemas.openxmlformats.org/drawingml/2006/chart" xmlns:dgm="http://schemas.openxmlformats.org/drawingml/2006/diagram" xmlns:o="urn:schemas-microsoft-com:office:office" xmlns:v="urn:schemas-microsoft-com:vml" xmlns:pvml="urn:schemas-microsoft-com:office:powerpoint" xmlns:com="http://schemas.openxmlformats.org/drawingml/2006/compatibility" xmlns:p14="http://schemas.microsoft.com/office/powerpoint/2010/main" xmlns:p15="http://schemas.microsoft.com/office/powerpoint/2012/main" showMasterPhAnim="0" showMasterSp="0">
+<file path=ppt/notesSlides/notesSlide17.xml><?xml version="1.0" encoding="utf-8"?>
+<p:notes xmlns:a="http://schemas.openxmlformats.org/drawingml/2006/main" xmlns:r="http://schemas.openxmlformats.org/officeDocument/2006/relationships" xmlns:p="http://schemas.openxmlformats.org/presentationml/2006/main" showMasterSp="0" showMasterPhAnim="0">
   <p:cSld>
     <p:spTree>
       <p:nvGrpSpPr>
-        <p:cNvPr id="123" name="Shape 123"/>
+        <p:cNvPr id="1" name="Shape 139"/>
         <p:cNvGrpSpPr/>
         <p:nvPr/>
       </p:nvGrpSpPr>
@@ -1522,10 +1604,12 @@
       </p:grpSpPr>
       <p:sp>
         <p:nvSpPr>
-          <p:cNvPr id="124" name="Google Shape;124;g742ef761dc_0_672:notes"/>
-          <p:cNvSpPr/>
+          <p:cNvPr id="140" name="Google Shape;140;g742ef761dc_0_693:notes"/>
+          <p:cNvSpPr>
+            <a:spLocks noGrp="1" noRot="1" noChangeAspect="1"/>
+          </p:cNvSpPr>
           <p:nvPr>
-            <p:ph idx="2" type="sldImg"/>
+            <p:ph type="sldImg" idx="2"/>
           </p:nvPr>
         </p:nvSpPr>
         <p:spPr>
@@ -1534,9 +1618,13 @@
             <a:ext cx="6096000" cy="3429000"/>
           </a:xfrm>
           <a:custGeom>
-            <a:rect b="b" l="l" r="r" t="t"/>
+            <a:avLst/>
+            <a:gdLst/>
+            <a:ahLst/>
+            <a:cxnLst/>
+            <a:rect l="l" t="t" r="r" b="b"/>
             <a:pathLst>
-              <a:path extrusionOk="0" h="120000" w="120000">
+              <a:path w="120000" h="120000" extrusionOk="0">
                 <a:moveTo>
                   <a:pt x="0" y="0"/>
                 </a:moveTo>
@@ -1557,10 +1645,12 @@
       </p:sp>
       <p:sp>
         <p:nvSpPr>
-          <p:cNvPr id="125" name="Google Shape;125;g742ef761dc_0_672:notes"/>
-          <p:cNvSpPr txBox="1"/>
+          <p:cNvPr id="141" name="Google Shape;141;g742ef761dc_0_693:notes"/>
+          <p:cNvSpPr txBox="1">
+            <a:spLocks noGrp="1"/>
+          </p:cNvSpPr>
           <p:nvPr>
-            <p:ph idx="1" type="body"/>
+            <p:ph type="body" idx="1"/>
           </p:nvPr>
         </p:nvSpPr>
         <p:spPr>
@@ -1573,12 +1663,12 @@
           </a:prstGeom>
         </p:spPr>
         <p:txBody>
-          <a:bodyPr anchorCtr="0" anchor="t" bIns="91425" lIns="91425" spcFirstLastPara="1" rIns="91425" wrap="square" tIns="91425">
+          <a:bodyPr spcFirstLastPara="1" wrap="square" lIns="91425" tIns="91425" rIns="91425" bIns="91425" anchor="t" anchorCtr="0">
             <a:noAutofit/>
           </a:bodyPr>
           <a:lstStyle/>
           <a:p>
-            <a:pPr indent="0" lvl="0" marL="0" rtl="0" algn="l">
+            <a:pPr marL="0" lvl="0" indent="0" algn="l" rtl="0">
               <a:spcBef>
                 <a:spcPts val="0"/>
               </a:spcBef>
@@ -1587,9 +1677,6 @@
               </a:spcAft>
               <a:buNone/>
             </a:pPr>
-            <a:r>
-              <a:t/>
-            </a:r>
             <a:endParaRPr/>
           </a:p>
         </p:txBody>
@@ -1602,12 +1689,12 @@
 </p:notes>
 </file>
 
-<file path=ppt/notesSlides/notesSlide9.xml><?xml version="1.0" encoding="utf-8"?>
-<p:notes xmlns:a="http://schemas.openxmlformats.org/drawingml/2006/main" xmlns:r="http://schemas.openxmlformats.org/officeDocument/2006/relationships" xmlns:mc="http://schemas.openxmlformats.org/markup-compatibility/2006" xmlns:mv="urn:schemas-microsoft-com:mac:vml" xmlns:p="http://schemas.openxmlformats.org/presentationml/2006/main" xmlns:c="http://schemas.openxmlformats.org/drawingml/2006/chart" xmlns:dgm="http://schemas.openxmlformats.org/drawingml/2006/diagram" xmlns:o="urn:schemas-microsoft-com:office:office" xmlns:v="urn:schemas-microsoft-com:vml" xmlns:pvml="urn:schemas-microsoft-com:office:powerpoint" xmlns:com="http://schemas.openxmlformats.org/drawingml/2006/compatibility" xmlns:p14="http://schemas.microsoft.com/office/powerpoint/2010/main" xmlns:p15="http://schemas.microsoft.com/office/powerpoint/2012/main" showMasterPhAnim="0" showMasterSp="0">
+<file path=ppt/notesSlides/notesSlide2.xml><?xml version="1.0" encoding="utf-8"?>
+<p:notes xmlns:a="http://schemas.openxmlformats.org/drawingml/2006/main" xmlns:r="http://schemas.openxmlformats.org/officeDocument/2006/relationships" xmlns:p="http://schemas.openxmlformats.org/presentationml/2006/main" showMasterSp="0" showMasterPhAnim="0">
   <p:cSld>
     <p:spTree>
       <p:nvGrpSpPr>
-        <p:cNvPr id="133" name="Shape 133"/>
+        <p:cNvPr id="1" name="Shape 67"/>
         <p:cNvGrpSpPr/>
         <p:nvPr/>
       </p:nvGrpSpPr>
@@ -1621,10 +1708,12 @@
       </p:grpSpPr>
       <p:sp>
         <p:nvSpPr>
-          <p:cNvPr id="134" name="Google Shape;134;g742ef761dc_0_689:notes"/>
-          <p:cNvSpPr/>
+          <p:cNvPr id="68" name="Google Shape;68;g742ef761dc_0_580:notes"/>
+          <p:cNvSpPr>
+            <a:spLocks noGrp="1" noRot="1" noChangeAspect="1"/>
+          </p:cNvSpPr>
           <p:nvPr>
-            <p:ph idx="2" type="sldImg"/>
+            <p:ph type="sldImg" idx="2"/>
           </p:nvPr>
         </p:nvSpPr>
         <p:spPr>
@@ -1633,9 +1722,13 @@
             <a:ext cx="6096000" cy="3429000"/>
           </a:xfrm>
           <a:custGeom>
-            <a:rect b="b" l="l" r="r" t="t"/>
+            <a:avLst/>
+            <a:gdLst/>
+            <a:ahLst/>
+            <a:cxnLst/>
+            <a:rect l="l" t="t" r="r" b="b"/>
             <a:pathLst>
-              <a:path extrusionOk="0" h="120000" w="120000">
+              <a:path w="120000" h="120000" extrusionOk="0">
                 <a:moveTo>
                   <a:pt x="0" y="0"/>
                 </a:moveTo>
@@ -1656,10 +1749,12 @@
       </p:sp>
       <p:sp>
         <p:nvSpPr>
-          <p:cNvPr id="135" name="Google Shape;135;g742ef761dc_0_689:notes"/>
-          <p:cNvSpPr txBox="1"/>
+          <p:cNvPr id="69" name="Google Shape;69;g742ef761dc_0_580:notes"/>
+          <p:cNvSpPr txBox="1">
+            <a:spLocks noGrp="1"/>
+          </p:cNvSpPr>
           <p:nvPr>
-            <p:ph idx="1" type="body"/>
+            <p:ph type="body" idx="1"/>
           </p:nvPr>
         </p:nvSpPr>
         <p:spPr>
@@ -1672,12 +1767,12 @@
           </a:prstGeom>
         </p:spPr>
         <p:txBody>
-          <a:bodyPr anchorCtr="0" anchor="t" bIns="91425" lIns="91425" spcFirstLastPara="1" rIns="91425" wrap="square" tIns="91425">
+          <a:bodyPr spcFirstLastPara="1" wrap="square" lIns="91425" tIns="91425" rIns="91425" bIns="91425" anchor="t" anchorCtr="0">
             <a:noAutofit/>
           </a:bodyPr>
           <a:lstStyle/>
           <a:p>
-            <a:pPr indent="0" lvl="0" marL="0" rtl="0" algn="l">
+            <a:pPr marL="0" lvl="0" indent="0" algn="l" rtl="0">
               <a:spcBef>
                 <a:spcPts val="0"/>
               </a:spcBef>
@@ -1686,9 +1781,6 @@
               </a:spcAft>
               <a:buNone/>
             </a:pPr>
-            <a:r>
-              <a:t/>
-            </a:r>
             <a:endParaRPr/>
           </a:p>
         </p:txBody>
@@ -1701,19 +1793,763 @@
 </p:notes>
 </file>
 
+<file path=ppt/notesSlides/notesSlide3.xml><?xml version="1.0" encoding="utf-8"?>
+<p:notes xmlns:a="http://schemas.openxmlformats.org/drawingml/2006/main" xmlns:r="http://schemas.openxmlformats.org/officeDocument/2006/relationships" xmlns:p="http://schemas.openxmlformats.org/presentationml/2006/main" showMasterSp="0" showMasterPhAnim="0">
+  <p:cSld>
+    <p:spTree>
+      <p:nvGrpSpPr>
+        <p:cNvPr id="1" name="Shape 73"/>
+        <p:cNvGrpSpPr/>
+        <p:nvPr/>
+      </p:nvGrpSpPr>
+      <p:grpSpPr>
+        <a:xfrm>
+          <a:off x="0" y="0"/>
+          <a:ext cx="0" cy="0"/>
+          <a:chOff x="0" y="0"/>
+          <a:chExt cx="0" cy="0"/>
+        </a:xfrm>
+      </p:grpSpPr>
+      <p:sp>
+        <p:nvSpPr>
+          <p:cNvPr id="74" name="Google Shape;74;g742ef761dc_0_586:notes"/>
+          <p:cNvSpPr>
+            <a:spLocks noGrp="1" noRot="1" noChangeAspect="1"/>
+          </p:cNvSpPr>
+          <p:nvPr>
+            <p:ph type="sldImg" idx="2"/>
+          </p:nvPr>
+        </p:nvSpPr>
+        <p:spPr>
+          <a:xfrm>
+            <a:off x="381300" y="685800"/>
+            <a:ext cx="6096000" cy="3429000"/>
+          </a:xfrm>
+          <a:custGeom>
+            <a:avLst/>
+            <a:gdLst/>
+            <a:ahLst/>
+            <a:cxnLst/>
+            <a:rect l="l" t="t" r="r" b="b"/>
+            <a:pathLst>
+              <a:path w="120000" h="120000" extrusionOk="0">
+                <a:moveTo>
+                  <a:pt x="0" y="0"/>
+                </a:moveTo>
+                <a:lnTo>
+                  <a:pt x="120000" y="0"/>
+                </a:lnTo>
+                <a:lnTo>
+                  <a:pt x="120000" y="120000"/>
+                </a:lnTo>
+                <a:lnTo>
+                  <a:pt x="0" y="120000"/>
+                </a:lnTo>
+                <a:close/>
+              </a:path>
+            </a:pathLst>
+          </a:custGeom>
+        </p:spPr>
+      </p:sp>
+      <p:sp>
+        <p:nvSpPr>
+          <p:cNvPr id="75" name="Google Shape;75;g742ef761dc_0_586:notes"/>
+          <p:cNvSpPr txBox="1">
+            <a:spLocks noGrp="1"/>
+          </p:cNvSpPr>
+          <p:nvPr>
+            <p:ph type="body" idx="1"/>
+          </p:nvPr>
+        </p:nvSpPr>
+        <p:spPr>
+          <a:xfrm>
+            <a:off x="685800" y="4343400"/>
+            <a:ext cx="5486400" cy="4114800"/>
+          </a:xfrm>
+          <a:prstGeom prst="rect">
+            <a:avLst/>
+          </a:prstGeom>
+        </p:spPr>
+        <p:txBody>
+          <a:bodyPr spcFirstLastPara="1" wrap="square" lIns="91425" tIns="91425" rIns="91425" bIns="91425" anchor="t" anchorCtr="0">
+            <a:noAutofit/>
+          </a:bodyPr>
+          <a:lstStyle/>
+          <a:p>
+            <a:pPr marL="0" lvl="0" indent="0" algn="l" rtl="0">
+              <a:spcBef>
+                <a:spcPts val="0"/>
+              </a:spcBef>
+              <a:spcAft>
+                <a:spcPts val="0"/>
+              </a:spcAft>
+              <a:buNone/>
+            </a:pPr>
+            <a:endParaRPr/>
+          </a:p>
+        </p:txBody>
+      </p:sp>
+    </p:spTree>
+  </p:cSld>
+  <p:clrMapOvr>
+    <a:masterClrMapping/>
+  </p:clrMapOvr>
+</p:notes>
+</file>
+
+<file path=ppt/notesSlides/notesSlide4.xml><?xml version="1.0" encoding="utf-8"?>
+<p:notes xmlns:a="http://schemas.openxmlformats.org/drawingml/2006/main" xmlns:r="http://schemas.openxmlformats.org/officeDocument/2006/relationships" xmlns:p="http://schemas.openxmlformats.org/presentationml/2006/main" showMasterSp="0" showMasterPhAnim="0">
+  <p:cSld>
+    <p:spTree>
+      <p:nvGrpSpPr>
+        <p:cNvPr id="1" name="Shape 79"/>
+        <p:cNvGrpSpPr/>
+        <p:nvPr/>
+      </p:nvGrpSpPr>
+      <p:grpSpPr>
+        <a:xfrm>
+          <a:off x="0" y="0"/>
+          <a:ext cx="0" cy="0"/>
+          <a:chOff x="0" y="0"/>
+          <a:chExt cx="0" cy="0"/>
+        </a:xfrm>
+      </p:grpSpPr>
+      <p:sp>
+        <p:nvSpPr>
+          <p:cNvPr id="80" name="Google Shape;80;g742ef761dc_0_595:notes"/>
+          <p:cNvSpPr>
+            <a:spLocks noGrp="1" noRot="1" noChangeAspect="1"/>
+          </p:cNvSpPr>
+          <p:nvPr>
+            <p:ph type="sldImg" idx="2"/>
+          </p:nvPr>
+        </p:nvSpPr>
+        <p:spPr>
+          <a:xfrm>
+            <a:off x="381300" y="685800"/>
+            <a:ext cx="6096000" cy="3429000"/>
+          </a:xfrm>
+          <a:custGeom>
+            <a:avLst/>
+            <a:gdLst/>
+            <a:ahLst/>
+            <a:cxnLst/>
+            <a:rect l="l" t="t" r="r" b="b"/>
+            <a:pathLst>
+              <a:path w="120000" h="120000" extrusionOk="0">
+                <a:moveTo>
+                  <a:pt x="0" y="0"/>
+                </a:moveTo>
+                <a:lnTo>
+                  <a:pt x="120000" y="0"/>
+                </a:lnTo>
+                <a:lnTo>
+                  <a:pt x="120000" y="120000"/>
+                </a:lnTo>
+                <a:lnTo>
+                  <a:pt x="0" y="120000"/>
+                </a:lnTo>
+                <a:close/>
+              </a:path>
+            </a:pathLst>
+          </a:custGeom>
+        </p:spPr>
+      </p:sp>
+      <p:sp>
+        <p:nvSpPr>
+          <p:cNvPr id="81" name="Google Shape;81;g742ef761dc_0_595:notes"/>
+          <p:cNvSpPr txBox="1">
+            <a:spLocks noGrp="1"/>
+          </p:cNvSpPr>
+          <p:nvPr>
+            <p:ph type="body" idx="1"/>
+          </p:nvPr>
+        </p:nvSpPr>
+        <p:spPr>
+          <a:xfrm>
+            <a:off x="685800" y="4343400"/>
+            <a:ext cx="5486400" cy="4114800"/>
+          </a:xfrm>
+          <a:prstGeom prst="rect">
+            <a:avLst/>
+          </a:prstGeom>
+        </p:spPr>
+        <p:txBody>
+          <a:bodyPr spcFirstLastPara="1" wrap="square" lIns="91425" tIns="91425" rIns="91425" bIns="91425" anchor="t" anchorCtr="0">
+            <a:noAutofit/>
+          </a:bodyPr>
+          <a:lstStyle/>
+          <a:p>
+            <a:pPr marL="0" lvl="0" indent="0" algn="l" rtl="0">
+              <a:spcBef>
+                <a:spcPts val="0"/>
+              </a:spcBef>
+              <a:spcAft>
+                <a:spcPts val="0"/>
+              </a:spcAft>
+              <a:buNone/>
+            </a:pPr>
+            <a:endParaRPr/>
+          </a:p>
+        </p:txBody>
+      </p:sp>
+    </p:spTree>
+  </p:cSld>
+  <p:clrMapOvr>
+    <a:masterClrMapping/>
+  </p:clrMapOvr>
+</p:notes>
+</file>
+
+<file path=ppt/notesSlides/notesSlide5.xml><?xml version="1.0" encoding="utf-8"?>
+<p:notes xmlns:a="http://schemas.openxmlformats.org/drawingml/2006/main" xmlns:r="http://schemas.openxmlformats.org/officeDocument/2006/relationships" xmlns:p="http://schemas.openxmlformats.org/presentationml/2006/main" showMasterSp="0" showMasterPhAnim="0">
+  <p:cSld>
+    <p:spTree>
+      <p:nvGrpSpPr>
+        <p:cNvPr id="1" name="Shape 90"/>
+        <p:cNvGrpSpPr/>
+        <p:nvPr/>
+      </p:nvGrpSpPr>
+      <p:grpSpPr>
+        <a:xfrm>
+          <a:off x="0" y="0"/>
+          <a:ext cx="0" cy="0"/>
+          <a:chOff x="0" y="0"/>
+          <a:chExt cx="0" cy="0"/>
+        </a:xfrm>
+      </p:grpSpPr>
+      <p:sp>
+        <p:nvSpPr>
+          <p:cNvPr id="91" name="Google Shape;91;g742ef761dc_0_629:notes"/>
+          <p:cNvSpPr>
+            <a:spLocks noGrp="1" noRot="1" noChangeAspect="1"/>
+          </p:cNvSpPr>
+          <p:nvPr>
+            <p:ph type="sldImg" idx="2"/>
+          </p:nvPr>
+        </p:nvSpPr>
+        <p:spPr>
+          <a:xfrm>
+            <a:off x="381300" y="685800"/>
+            <a:ext cx="6096000" cy="3429000"/>
+          </a:xfrm>
+          <a:custGeom>
+            <a:avLst/>
+            <a:gdLst/>
+            <a:ahLst/>
+            <a:cxnLst/>
+            <a:rect l="l" t="t" r="r" b="b"/>
+            <a:pathLst>
+              <a:path w="120000" h="120000" extrusionOk="0">
+                <a:moveTo>
+                  <a:pt x="0" y="0"/>
+                </a:moveTo>
+                <a:lnTo>
+                  <a:pt x="120000" y="0"/>
+                </a:lnTo>
+                <a:lnTo>
+                  <a:pt x="120000" y="120000"/>
+                </a:lnTo>
+                <a:lnTo>
+                  <a:pt x="0" y="120000"/>
+                </a:lnTo>
+                <a:close/>
+              </a:path>
+            </a:pathLst>
+          </a:custGeom>
+        </p:spPr>
+      </p:sp>
+      <p:sp>
+        <p:nvSpPr>
+          <p:cNvPr id="92" name="Google Shape;92;g742ef761dc_0_629:notes"/>
+          <p:cNvSpPr txBox="1">
+            <a:spLocks noGrp="1"/>
+          </p:cNvSpPr>
+          <p:nvPr>
+            <p:ph type="body" idx="1"/>
+          </p:nvPr>
+        </p:nvSpPr>
+        <p:spPr>
+          <a:xfrm>
+            <a:off x="685800" y="4343400"/>
+            <a:ext cx="5486400" cy="4114800"/>
+          </a:xfrm>
+          <a:prstGeom prst="rect">
+            <a:avLst/>
+          </a:prstGeom>
+        </p:spPr>
+        <p:txBody>
+          <a:bodyPr spcFirstLastPara="1" wrap="square" lIns="91425" tIns="91425" rIns="91425" bIns="91425" anchor="t" anchorCtr="0">
+            <a:noAutofit/>
+          </a:bodyPr>
+          <a:lstStyle/>
+          <a:p>
+            <a:pPr marL="0" lvl="0" indent="0" algn="l" rtl="0">
+              <a:spcBef>
+                <a:spcPts val="0"/>
+              </a:spcBef>
+              <a:spcAft>
+                <a:spcPts val="0"/>
+              </a:spcAft>
+              <a:buNone/>
+            </a:pPr>
+            <a:endParaRPr/>
+          </a:p>
+        </p:txBody>
+      </p:sp>
+    </p:spTree>
+  </p:cSld>
+  <p:clrMapOvr>
+    <a:masterClrMapping/>
+  </p:clrMapOvr>
+</p:notes>
+</file>
+
+<file path=ppt/notesSlides/notesSlide6.xml><?xml version="1.0" encoding="utf-8"?>
+<p:notes xmlns:a="http://schemas.openxmlformats.org/drawingml/2006/main" xmlns:r="http://schemas.openxmlformats.org/officeDocument/2006/relationships" xmlns:p="http://schemas.openxmlformats.org/presentationml/2006/main" showMasterSp="0" showMasterPhAnim="0">
+  <p:cSld>
+    <p:spTree>
+      <p:nvGrpSpPr>
+        <p:cNvPr id="1" name="Shape 102"/>
+        <p:cNvGrpSpPr/>
+        <p:nvPr/>
+      </p:nvGrpSpPr>
+      <p:grpSpPr>
+        <a:xfrm>
+          <a:off x="0" y="0"/>
+          <a:ext cx="0" cy="0"/>
+          <a:chOff x="0" y="0"/>
+          <a:chExt cx="0" cy="0"/>
+        </a:xfrm>
+      </p:grpSpPr>
+      <p:sp>
+        <p:nvSpPr>
+          <p:cNvPr id="103" name="Google Shape;103;g742ef761dc_0_649:notes"/>
+          <p:cNvSpPr>
+            <a:spLocks noGrp="1" noRot="1" noChangeAspect="1"/>
+          </p:cNvSpPr>
+          <p:nvPr>
+            <p:ph type="sldImg" idx="2"/>
+          </p:nvPr>
+        </p:nvSpPr>
+        <p:spPr>
+          <a:xfrm>
+            <a:off x="381300" y="685800"/>
+            <a:ext cx="6096000" cy="3429000"/>
+          </a:xfrm>
+          <a:custGeom>
+            <a:avLst/>
+            <a:gdLst/>
+            <a:ahLst/>
+            <a:cxnLst/>
+            <a:rect l="l" t="t" r="r" b="b"/>
+            <a:pathLst>
+              <a:path w="120000" h="120000" extrusionOk="0">
+                <a:moveTo>
+                  <a:pt x="0" y="0"/>
+                </a:moveTo>
+                <a:lnTo>
+                  <a:pt x="120000" y="0"/>
+                </a:lnTo>
+                <a:lnTo>
+                  <a:pt x="120000" y="120000"/>
+                </a:lnTo>
+                <a:lnTo>
+                  <a:pt x="0" y="120000"/>
+                </a:lnTo>
+                <a:close/>
+              </a:path>
+            </a:pathLst>
+          </a:custGeom>
+        </p:spPr>
+      </p:sp>
+      <p:sp>
+        <p:nvSpPr>
+          <p:cNvPr id="104" name="Google Shape;104;g742ef761dc_0_649:notes"/>
+          <p:cNvSpPr txBox="1">
+            <a:spLocks noGrp="1"/>
+          </p:cNvSpPr>
+          <p:nvPr>
+            <p:ph type="body" idx="1"/>
+          </p:nvPr>
+        </p:nvSpPr>
+        <p:spPr>
+          <a:xfrm>
+            <a:off x="685800" y="4343400"/>
+            <a:ext cx="5486400" cy="4114800"/>
+          </a:xfrm>
+          <a:prstGeom prst="rect">
+            <a:avLst/>
+          </a:prstGeom>
+        </p:spPr>
+        <p:txBody>
+          <a:bodyPr spcFirstLastPara="1" wrap="square" lIns="91425" tIns="91425" rIns="91425" bIns="91425" anchor="t" anchorCtr="0">
+            <a:noAutofit/>
+          </a:bodyPr>
+          <a:lstStyle/>
+          <a:p>
+            <a:pPr marL="0" lvl="0" indent="0" algn="l" rtl="0">
+              <a:spcBef>
+                <a:spcPts val="0"/>
+              </a:spcBef>
+              <a:spcAft>
+                <a:spcPts val="0"/>
+              </a:spcAft>
+              <a:buNone/>
+            </a:pPr>
+            <a:endParaRPr/>
+          </a:p>
+        </p:txBody>
+      </p:sp>
+    </p:spTree>
+  </p:cSld>
+  <p:clrMapOvr>
+    <a:masterClrMapping/>
+  </p:clrMapOvr>
+</p:notes>
+</file>
+
+<file path=ppt/notesSlides/notesSlide7.xml><?xml version="1.0" encoding="utf-8"?>
+<p:notes xmlns:a="http://schemas.openxmlformats.org/drawingml/2006/main" xmlns:r="http://schemas.openxmlformats.org/officeDocument/2006/relationships" xmlns:p="http://schemas.openxmlformats.org/presentationml/2006/main" showMasterSp="0" showMasterPhAnim="0">
+  <p:cSld>
+    <p:spTree>
+      <p:nvGrpSpPr>
+        <p:cNvPr id="1" name="Shape 102"/>
+        <p:cNvGrpSpPr/>
+        <p:nvPr/>
+      </p:nvGrpSpPr>
+      <p:grpSpPr>
+        <a:xfrm>
+          <a:off x="0" y="0"/>
+          <a:ext cx="0" cy="0"/>
+          <a:chOff x="0" y="0"/>
+          <a:chExt cx="0" cy="0"/>
+        </a:xfrm>
+      </p:grpSpPr>
+      <p:sp>
+        <p:nvSpPr>
+          <p:cNvPr id="103" name="Google Shape;103;g742ef761dc_0_649:notes"/>
+          <p:cNvSpPr>
+            <a:spLocks noGrp="1" noRot="1" noChangeAspect="1"/>
+          </p:cNvSpPr>
+          <p:nvPr>
+            <p:ph type="sldImg" idx="2"/>
+          </p:nvPr>
+        </p:nvSpPr>
+        <p:spPr>
+          <a:xfrm>
+            <a:off x="381000" y="685800"/>
+            <a:ext cx="6096000" cy="3429000"/>
+          </a:xfrm>
+          <a:custGeom>
+            <a:avLst/>
+            <a:gdLst/>
+            <a:ahLst/>
+            <a:cxnLst/>
+            <a:rect l="l" t="t" r="r" b="b"/>
+            <a:pathLst>
+              <a:path w="120000" h="120000" extrusionOk="0">
+                <a:moveTo>
+                  <a:pt x="0" y="0"/>
+                </a:moveTo>
+                <a:lnTo>
+                  <a:pt x="120000" y="0"/>
+                </a:lnTo>
+                <a:lnTo>
+                  <a:pt x="120000" y="120000"/>
+                </a:lnTo>
+                <a:lnTo>
+                  <a:pt x="0" y="120000"/>
+                </a:lnTo>
+                <a:close/>
+              </a:path>
+            </a:pathLst>
+          </a:custGeom>
+        </p:spPr>
+      </p:sp>
+      <p:sp>
+        <p:nvSpPr>
+          <p:cNvPr id="104" name="Google Shape;104;g742ef761dc_0_649:notes"/>
+          <p:cNvSpPr txBox="1">
+            <a:spLocks noGrp="1"/>
+          </p:cNvSpPr>
+          <p:nvPr>
+            <p:ph type="body" idx="1"/>
+          </p:nvPr>
+        </p:nvSpPr>
+        <p:spPr>
+          <a:xfrm>
+            <a:off x="685800" y="4343400"/>
+            <a:ext cx="5486400" cy="4114800"/>
+          </a:xfrm>
+          <a:prstGeom prst="rect">
+            <a:avLst/>
+          </a:prstGeom>
+        </p:spPr>
+        <p:txBody>
+          <a:bodyPr spcFirstLastPara="1" wrap="square" lIns="91425" tIns="91425" rIns="91425" bIns="91425" anchor="t" anchorCtr="0">
+            <a:noAutofit/>
+          </a:bodyPr>
+          <a:lstStyle/>
+          <a:p>
+            <a:pPr marL="0" lvl="0" indent="0" algn="l" rtl="0">
+              <a:spcBef>
+                <a:spcPts val="0"/>
+              </a:spcBef>
+              <a:spcAft>
+                <a:spcPts val="0"/>
+              </a:spcAft>
+              <a:buNone/>
+            </a:pPr>
+            <a:endParaRPr/>
+          </a:p>
+        </p:txBody>
+      </p:sp>
+    </p:spTree>
+    <p:extLst>
+      <p:ext uri="{BB962C8B-B14F-4D97-AF65-F5344CB8AC3E}">
+        <p14:creationId xmlns:p14="http://schemas.microsoft.com/office/powerpoint/2010/main" val="1320766467"/>
+      </p:ext>
+    </p:extLst>
+  </p:cSld>
+  <p:clrMapOvr>
+    <a:masterClrMapping/>
+  </p:clrMapOvr>
+</p:notes>
+</file>
+
+<file path=ppt/notesSlides/notesSlide8.xml><?xml version="1.0" encoding="utf-8"?>
+<p:notes xmlns:a="http://schemas.openxmlformats.org/drawingml/2006/main" xmlns:r="http://schemas.openxmlformats.org/officeDocument/2006/relationships" xmlns:p="http://schemas.openxmlformats.org/presentationml/2006/main" showMasterSp="0" showMasterPhAnim="0">
+  <p:cSld>
+    <p:spTree>
+      <p:nvGrpSpPr>
+        <p:cNvPr id="1" name="Shape 102"/>
+        <p:cNvGrpSpPr/>
+        <p:nvPr/>
+      </p:nvGrpSpPr>
+      <p:grpSpPr>
+        <a:xfrm>
+          <a:off x="0" y="0"/>
+          <a:ext cx="0" cy="0"/>
+          <a:chOff x="0" y="0"/>
+          <a:chExt cx="0" cy="0"/>
+        </a:xfrm>
+      </p:grpSpPr>
+      <p:sp>
+        <p:nvSpPr>
+          <p:cNvPr id="103" name="Google Shape;103;g742ef761dc_0_649:notes"/>
+          <p:cNvSpPr>
+            <a:spLocks noGrp="1" noRot="1" noChangeAspect="1"/>
+          </p:cNvSpPr>
+          <p:nvPr>
+            <p:ph type="sldImg" idx="2"/>
+          </p:nvPr>
+        </p:nvSpPr>
+        <p:spPr>
+          <a:xfrm>
+            <a:off x="381000" y="685800"/>
+            <a:ext cx="6096000" cy="3429000"/>
+          </a:xfrm>
+          <a:custGeom>
+            <a:avLst/>
+            <a:gdLst/>
+            <a:ahLst/>
+            <a:cxnLst/>
+            <a:rect l="l" t="t" r="r" b="b"/>
+            <a:pathLst>
+              <a:path w="120000" h="120000" extrusionOk="0">
+                <a:moveTo>
+                  <a:pt x="0" y="0"/>
+                </a:moveTo>
+                <a:lnTo>
+                  <a:pt x="120000" y="0"/>
+                </a:lnTo>
+                <a:lnTo>
+                  <a:pt x="120000" y="120000"/>
+                </a:lnTo>
+                <a:lnTo>
+                  <a:pt x="0" y="120000"/>
+                </a:lnTo>
+                <a:close/>
+              </a:path>
+            </a:pathLst>
+          </a:custGeom>
+        </p:spPr>
+      </p:sp>
+      <p:sp>
+        <p:nvSpPr>
+          <p:cNvPr id="104" name="Google Shape;104;g742ef761dc_0_649:notes"/>
+          <p:cNvSpPr txBox="1">
+            <a:spLocks noGrp="1"/>
+          </p:cNvSpPr>
+          <p:nvPr>
+            <p:ph type="body" idx="1"/>
+          </p:nvPr>
+        </p:nvSpPr>
+        <p:spPr>
+          <a:xfrm>
+            <a:off x="685800" y="4343400"/>
+            <a:ext cx="5486400" cy="4114800"/>
+          </a:xfrm>
+          <a:prstGeom prst="rect">
+            <a:avLst/>
+          </a:prstGeom>
+        </p:spPr>
+        <p:txBody>
+          <a:bodyPr spcFirstLastPara="1" wrap="square" lIns="91425" tIns="91425" rIns="91425" bIns="91425" anchor="t" anchorCtr="0">
+            <a:noAutofit/>
+          </a:bodyPr>
+          <a:lstStyle/>
+          <a:p>
+            <a:pPr marL="0" lvl="0" indent="0" algn="l" rtl="0">
+              <a:spcBef>
+                <a:spcPts val="0"/>
+              </a:spcBef>
+              <a:spcAft>
+                <a:spcPts val="0"/>
+              </a:spcAft>
+              <a:buNone/>
+            </a:pPr>
+            <a:endParaRPr/>
+          </a:p>
+        </p:txBody>
+      </p:sp>
+    </p:spTree>
+    <p:extLst>
+      <p:ext uri="{BB962C8B-B14F-4D97-AF65-F5344CB8AC3E}">
+        <p14:creationId xmlns:p14="http://schemas.microsoft.com/office/powerpoint/2010/main" val="1786385330"/>
+      </p:ext>
+    </p:extLst>
+  </p:cSld>
+  <p:clrMapOvr>
+    <a:masterClrMapping/>
+  </p:clrMapOvr>
+</p:notes>
+</file>
+
+<file path=ppt/notesSlides/notesSlide9.xml><?xml version="1.0" encoding="utf-8"?>
+<p:notes xmlns:a="http://schemas.openxmlformats.org/drawingml/2006/main" xmlns:r="http://schemas.openxmlformats.org/officeDocument/2006/relationships" xmlns:p="http://schemas.openxmlformats.org/presentationml/2006/main" showMasterSp="0" showMasterPhAnim="0">
+  <p:cSld>
+    <p:spTree>
+      <p:nvGrpSpPr>
+        <p:cNvPr id="1" name="Shape 102"/>
+        <p:cNvGrpSpPr/>
+        <p:nvPr/>
+      </p:nvGrpSpPr>
+      <p:grpSpPr>
+        <a:xfrm>
+          <a:off x="0" y="0"/>
+          <a:ext cx="0" cy="0"/>
+          <a:chOff x="0" y="0"/>
+          <a:chExt cx="0" cy="0"/>
+        </a:xfrm>
+      </p:grpSpPr>
+      <p:sp>
+        <p:nvSpPr>
+          <p:cNvPr id="103" name="Google Shape;103;g742ef761dc_0_649:notes"/>
+          <p:cNvSpPr>
+            <a:spLocks noGrp="1" noRot="1" noChangeAspect="1"/>
+          </p:cNvSpPr>
+          <p:nvPr>
+            <p:ph type="sldImg" idx="2"/>
+          </p:nvPr>
+        </p:nvSpPr>
+        <p:spPr>
+          <a:xfrm>
+            <a:off x="381000" y="685800"/>
+            <a:ext cx="6096000" cy="3429000"/>
+          </a:xfrm>
+          <a:custGeom>
+            <a:avLst/>
+            <a:gdLst/>
+            <a:ahLst/>
+            <a:cxnLst/>
+            <a:rect l="l" t="t" r="r" b="b"/>
+            <a:pathLst>
+              <a:path w="120000" h="120000" extrusionOk="0">
+                <a:moveTo>
+                  <a:pt x="0" y="0"/>
+                </a:moveTo>
+                <a:lnTo>
+                  <a:pt x="120000" y="0"/>
+                </a:lnTo>
+                <a:lnTo>
+                  <a:pt x="120000" y="120000"/>
+                </a:lnTo>
+                <a:lnTo>
+                  <a:pt x="0" y="120000"/>
+                </a:lnTo>
+                <a:close/>
+              </a:path>
+            </a:pathLst>
+          </a:custGeom>
+        </p:spPr>
+      </p:sp>
+      <p:sp>
+        <p:nvSpPr>
+          <p:cNvPr id="104" name="Google Shape;104;g742ef761dc_0_649:notes"/>
+          <p:cNvSpPr txBox="1">
+            <a:spLocks noGrp="1"/>
+          </p:cNvSpPr>
+          <p:nvPr>
+            <p:ph type="body" idx="1"/>
+          </p:nvPr>
+        </p:nvSpPr>
+        <p:spPr>
+          <a:xfrm>
+            <a:off x="685800" y="4343400"/>
+            <a:ext cx="5486400" cy="4114800"/>
+          </a:xfrm>
+          <a:prstGeom prst="rect">
+            <a:avLst/>
+          </a:prstGeom>
+        </p:spPr>
+        <p:txBody>
+          <a:bodyPr spcFirstLastPara="1" wrap="square" lIns="91425" tIns="91425" rIns="91425" bIns="91425" anchor="t" anchorCtr="0">
+            <a:noAutofit/>
+          </a:bodyPr>
+          <a:lstStyle/>
+          <a:p>
+            <a:pPr marL="0" lvl="0" indent="0" algn="l" rtl="0">
+              <a:spcBef>
+                <a:spcPts val="0"/>
+              </a:spcBef>
+              <a:spcAft>
+                <a:spcPts val="0"/>
+              </a:spcAft>
+              <a:buNone/>
+            </a:pPr>
+            <a:endParaRPr/>
+          </a:p>
+        </p:txBody>
+      </p:sp>
+    </p:spTree>
+    <p:extLst>
+      <p:ext uri="{BB962C8B-B14F-4D97-AF65-F5344CB8AC3E}">
+        <p14:creationId xmlns:p14="http://schemas.microsoft.com/office/powerpoint/2010/main" val="198076220"/>
+      </p:ext>
+    </p:extLst>
+  </p:cSld>
+  <p:clrMapOvr>
+    <a:masterClrMapping/>
+  </p:clrMapOvr>
+</p:notes>
+</file>
+
 <file path=ppt/slideLayouts/slideLayout1.xml><?xml version="1.0" encoding="utf-8"?>
-<p:sldLayout xmlns:a="http://schemas.openxmlformats.org/drawingml/2006/main" xmlns:r="http://schemas.openxmlformats.org/officeDocument/2006/relationships" xmlns:mc="http://schemas.openxmlformats.org/markup-compatibility/2006" xmlns:mv="urn:schemas-microsoft-com:mac:vml" xmlns:p="http://schemas.openxmlformats.org/presentationml/2006/main" xmlns:c="http://schemas.openxmlformats.org/drawingml/2006/chart" xmlns:dgm="http://schemas.openxmlformats.org/drawingml/2006/diagram" xmlns:o="urn:schemas-microsoft-com:office:office" xmlns:v="urn:schemas-microsoft-com:vml" xmlns:pvml="urn:schemas-microsoft-com:office:powerpoint" xmlns:com="http://schemas.openxmlformats.org/drawingml/2006/compatibility" xmlns:p14="http://schemas.microsoft.com/office/powerpoint/2010/main" xmlns:p15="http://schemas.microsoft.com/office/powerpoint/2012/main" matchingName="Title slide" type="title">
+<p:sldLayout xmlns:a="http://schemas.openxmlformats.org/drawingml/2006/main" xmlns:r="http://schemas.openxmlformats.org/officeDocument/2006/relationships" xmlns:p="http://schemas.openxmlformats.org/presentationml/2006/main" matchingName="Title slide" type="title">
   <p:cSld name="TITLE">
     <p:bg>
       <p:bgPr>
         <a:solidFill>
           <a:schemeClr val="dk1"/>
         </a:solidFill>
+        <a:effectLst/>
       </p:bgPr>
     </p:bg>
     <p:spTree>
       <p:nvGrpSpPr>
-        <p:cNvPr id="9" name="Shape 9"/>
+        <p:cNvPr id="1" name="Shape 9"/>
         <p:cNvGrpSpPr/>
         <p:nvPr/>
       </p:nvGrpSpPr>
@@ -1737,9 +2573,13 @@
             <a:ext cx="9144250" cy="4398100"/>
           </a:xfrm>
           <a:custGeom>
-            <a:rect b="b" l="l" r="r" t="t"/>
+            <a:avLst/>
+            <a:gdLst/>
+            <a:ahLst/>
+            <a:cxnLst/>
+            <a:rect l="l" t="t" r="r" b="b"/>
             <a:pathLst>
-              <a:path extrusionOk="0" h="175924" w="365770">
+              <a:path w="365770" h="175924" extrusionOk="0">
                 <a:moveTo>
                   <a:pt x="0" y="0"/>
                 </a:moveTo>
@@ -1767,7 +2607,9 @@
       <p:sp>
         <p:nvSpPr>
           <p:cNvPr id="11" name="Google Shape;11;p2"/>
-          <p:cNvSpPr txBox="1"/>
+          <p:cNvSpPr txBox="1">
+            <a:spLocks noGrp="1"/>
+          </p:cNvSpPr>
           <p:nvPr>
             <p:ph type="ctrTitle"/>
           </p:nvPr>
@@ -1782,7 +2624,7 @@
           </a:prstGeom>
         </p:spPr>
         <p:txBody>
-          <a:bodyPr anchorCtr="0" anchor="t" bIns="91425" lIns="91425" spcFirstLastPara="1" rIns="91425" wrap="square" tIns="91425">
+          <a:bodyPr spcFirstLastPara="1" wrap="square" lIns="91425" tIns="91425" rIns="91425" bIns="91425" anchor="t" anchorCtr="0">
             <a:noAutofit/>
           </a:bodyPr>
           <a:lstStyle>
@@ -1886,15 +2728,19 @@
               <a:defRPr sz="3600"/>
             </a:lvl9pPr>
           </a:lstStyle>
-          <a:p/>
+          <a:p>
+            <a:endParaRPr/>
+          </a:p>
         </p:txBody>
       </p:sp>
       <p:sp>
         <p:nvSpPr>
           <p:cNvPr id="12" name="Google Shape;12;p2"/>
-          <p:cNvSpPr txBox="1"/>
+          <p:cNvSpPr txBox="1">
+            <a:spLocks noGrp="1"/>
+          </p:cNvSpPr>
           <p:nvPr>
-            <p:ph idx="1" type="subTitle"/>
+            <p:ph type="subTitle" idx="1"/>
           </p:nvPr>
         </p:nvSpPr>
         <p:spPr>
@@ -1907,7 +2753,7 @@
           </a:prstGeom>
         </p:spPr>
         <p:txBody>
-          <a:bodyPr anchorCtr="0" anchor="t" bIns="91425" lIns="91425" spcFirstLastPara="1" rIns="91425" wrap="square" tIns="91425">
+          <a:bodyPr spcFirstLastPara="1" wrap="square" lIns="91425" tIns="91425" rIns="91425" bIns="91425" anchor="t" anchorCtr="0">
             <a:noAutofit/>
           </a:bodyPr>
           <a:lstStyle>
@@ -2101,15 +2947,19 @@
               </a:defRPr>
             </a:lvl9pPr>
           </a:lstStyle>
-          <a:p/>
+          <a:p>
+            <a:endParaRPr/>
+          </a:p>
         </p:txBody>
       </p:sp>
       <p:sp>
         <p:nvSpPr>
           <p:cNvPr id="13" name="Google Shape;13;p2"/>
-          <p:cNvSpPr txBox="1"/>
+          <p:cNvSpPr txBox="1">
+            <a:spLocks noGrp="1"/>
+          </p:cNvSpPr>
           <p:nvPr>
-            <p:ph idx="12" type="sldNum"/>
+            <p:ph type="sldNum" idx="12"/>
           </p:nvPr>
         </p:nvSpPr>
         <p:spPr>
@@ -2122,7 +2972,7 @@
           </a:prstGeom>
         </p:spPr>
         <p:txBody>
-          <a:bodyPr anchorCtr="0" anchor="ctr" bIns="91425" lIns="91425" spcFirstLastPara="1" rIns="91425" wrap="square" tIns="91425">
+          <a:bodyPr spcFirstLastPara="1" wrap="square" lIns="91425" tIns="91425" rIns="91425" bIns="91425" anchor="ctr" anchorCtr="0">
             <a:noAutofit/>
           </a:bodyPr>
           <a:lstStyle>
@@ -2200,7 +3050,7 @@
             </a:lvl9pPr>
           </a:lstStyle>
           <a:p>
-            <a:pPr indent="0" lvl="0" marL="0" rtl="0" algn="r">
+            <a:pPr marL="0" lvl="0" indent="0" algn="r" rtl="0">
               <a:spcBef>
                 <a:spcPts val="0"/>
               </a:spcBef>
@@ -2226,18 +3076,19 @@
 </file>
 
 <file path=ppt/slideLayouts/slideLayout10.xml><?xml version="1.0" encoding="utf-8"?>
-<p:sldLayout xmlns:a="http://schemas.openxmlformats.org/drawingml/2006/main" xmlns:r="http://schemas.openxmlformats.org/officeDocument/2006/relationships" xmlns:mc="http://schemas.openxmlformats.org/markup-compatibility/2006" xmlns:mv="urn:schemas-microsoft-com:mac:vml" xmlns:p="http://schemas.openxmlformats.org/presentationml/2006/main" xmlns:c="http://schemas.openxmlformats.org/drawingml/2006/chart" xmlns:dgm="http://schemas.openxmlformats.org/drawingml/2006/diagram" xmlns:o="urn:schemas-microsoft-com:office:office" xmlns:v="urn:schemas-microsoft-com:vml" xmlns:pvml="urn:schemas-microsoft-com:office:powerpoint" xmlns:com="http://schemas.openxmlformats.org/drawingml/2006/compatibility" xmlns:p14="http://schemas.microsoft.com/office/powerpoint/2010/main" xmlns:p15="http://schemas.microsoft.com/office/powerpoint/2012/main" matchingName="Big number">
+<p:sldLayout xmlns:a="http://schemas.openxmlformats.org/drawingml/2006/main" xmlns:r="http://schemas.openxmlformats.org/officeDocument/2006/relationships" xmlns:p="http://schemas.openxmlformats.org/presentationml/2006/main" matchingName="Big number">
   <p:cSld name="BIG_NUMBER">
     <p:bg>
       <p:bgPr>
         <a:solidFill>
           <a:schemeClr val="dk1"/>
         </a:solidFill>
+        <a:effectLst/>
       </p:bgPr>
     </p:bg>
     <p:spTree>
       <p:nvGrpSpPr>
-        <p:cNvPr id="54" name="Shape 54"/>
+        <p:cNvPr id="1" name="Shape 54"/>
         <p:cNvGrpSpPr/>
         <p:nvPr/>
       </p:nvGrpSpPr>
@@ -2252,9 +3103,11 @@
       <p:sp>
         <p:nvSpPr>
           <p:cNvPr id="55" name="Google Shape;55;p11"/>
-          <p:cNvSpPr txBox="1"/>
+          <p:cNvSpPr txBox="1">
+            <a:spLocks noGrp="1"/>
+          </p:cNvSpPr>
           <p:nvPr>
-            <p:ph hasCustomPrompt="1" type="title"/>
+            <p:ph type="title" hasCustomPrompt="1"/>
           </p:nvPr>
         </p:nvSpPr>
         <p:spPr>
@@ -2267,7 +3120,7 @@
           </a:prstGeom>
         </p:spPr>
         <p:txBody>
-          <a:bodyPr anchorCtr="0" anchor="b" bIns="91425" lIns="91425" spcFirstLastPara="1" rIns="91425" wrap="square" tIns="91425">
+          <a:bodyPr spcFirstLastPara="1" wrap="square" lIns="91425" tIns="91425" rIns="91425" bIns="91425" anchor="b" anchorCtr="0">
             <a:noAutofit/>
           </a:bodyPr>
           <a:lstStyle>
@@ -2444,9 +3297,11 @@
       <p:sp>
         <p:nvSpPr>
           <p:cNvPr id="56" name="Google Shape;56;p11"/>
-          <p:cNvSpPr txBox="1"/>
+          <p:cNvSpPr txBox="1">
+            <a:spLocks noGrp="1"/>
+          </p:cNvSpPr>
           <p:nvPr>
-            <p:ph idx="1" type="body"/>
+            <p:ph type="body" idx="1"/>
           </p:nvPr>
         </p:nvSpPr>
         <p:spPr>
@@ -2459,11 +3314,11 @@
           </a:prstGeom>
         </p:spPr>
         <p:txBody>
-          <a:bodyPr anchorCtr="0" anchor="t" bIns="91425" lIns="91425" spcFirstLastPara="1" rIns="91425" wrap="square" tIns="91425">
+          <a:bodyPr spcFirstLastPara="1" wrap="square" lIns="91425" tIns="91425" rIns="91425" bIns="91425" anchor="t" anchorCtr="0">
             <a:noAutofit/>
           </a:bodyPr>
           <a:lstStyle>
-            <a:lvl1pPr indent="-311150" lvl="0" marL="457200">
+            <a:lvl1pPr marL="457200" lvl="0" indent="-311150">
               <a:spcBef>
                 <a:spcPts val="0"/>
               </a:spcBef>
@@ -2481,7 +3336,7 @@
                 </a:solidFill>
               </a:defRPr>
             </a:lvl1pPr>
-            <a:lvl2pPr indent="-298450" lvl="1" marL="914400">
+            <a:lvl2pPr marL="914400" lvl="1" indent="-298450">
               <a:spcBef>
                 <a:spcPts val="1600"/>
               </a:spcBef>
@@ -2499,7 +3354,7 @@
                 </a:solidFill>
               </a:defRPr>
             </a:lvl2pPr>
-            <a:lvl3pPr indent="-298450" lvl="2" marL="1371600">
+            <a:lvl3pPr marL="1371600" lvl="2" indent="-298450">
               <a:spcBef>
                 <a:spcPts val="1600"/>
               </a:spcBef>
@@ -2517,7 +3372,7 @@
                 </a:solidFill>
               </a:defRPr>
             </a:lvl3pPr>
-            <a:lvl4pPr indent="-298450" lvl="3" marL="1828800">
+            <a:lvl4pPr marL="1828800" lvl="3" indent="-298450">
               <a:spcBef>
                 <a:spcPts val="1600"/>
               </a:spcBef>
@@ -2535,7 +3390,7 @@
                 </a:solidFill>
               </a:defRPr>
             </a:lvl4pPr>
-            <a:lvl5pPr indent="-298450" lvl="4" marL="2286000">
+            <a:lvl5pPr marL="2286000" lvl="4" indent="-298450">
               <a:spcBef>
                 <a:spcPts val="1600"/>
               </a:spcBef>
@@ -2553,7 +3408,7 @@
                 </a:solidFill>
               </a:defRPr>
             </a:lvl5pPr>
-            <a:lvl6pPr indent="-298450" lvl="5" marL="2743200">
+            <a:lvl6pPr marL="2743200" lvl="5" indent="-298450">
               <a:spcBef>
                 <a:spcPts val="1600"/>
               </a:spcBef>
@@ -2571,7 +3426,7 @@
                 </a:solidFill>
               </a:defRPr>
             </a:lvl6pPr>
-            <a:lvl7pPr indent="-298450" lvl="6" marL="3200400">
+            <a:lvl7pPr marL="3200400" lvl="6" indent="-298450">
               <a:spcBef>
                 <a:spcPts val="1600"/>
               </a:spcBef>
@@ -2589,7 +3444,7 @@
                 </a:solidFill>
               </a:defRPr>
             </a:lvl7pPr>
-            <a:lvl8pPr indent="-298450" lvl="7" marL="3657600">
+            <a:lvl8pPr marL="3657600" lvl="7" indent="-298450">
               <a:spcBef>
                 <a:spcPts val="1600"/>
               </a:spcBef>
@@ -2607,7 +3462,7 @@
                 </a:solidFill>
               </a:defRPr>
             </a:lvl8pPr>
-            <a:lvl9pPr indent="-298450" lvl="8" marL="4114800">
+            <a:lvl9pPr marL="4114800" lvl="8" indent="-298450">
               <a:spcBef>
                 <a:spcPts val="1600"/>
               </a:spcBef>
@@ -2626,15 +3481,19 @@
               </a:defRPr>
             </a:lvl9pPr>
           </a:lstStyle>
-          <a:p/>
+          <a:p>
+            <a:endParaRPr/>
+          </a:p>
         </p:txBody>
       </p:sp>
       <p:sp>
         <p:nvSpPr>
           <p:cNvPr id="57" name="Google Shape;57;p11"/>
-          <p:cNvSpPr txBox="1"/>
+          <p:cNvSpPr txBox="1">
+            <a:spLocks noGrp="1"/>
+          </p:cNvSpPr>
           <p:nvPr>
-            <p:ph idx="12" type="sldNum"/>
+            <p:ph type="sldNum" idx="12"/>
           </p:nvPr>
         </p:nvSpPr>
         <p:spPr>
@@ -2647,7 +3506,7 @@
           </a:prstGeom>
         </p:spPr>
         <p:txBody>
-          <a:bodyPr anchorCtr="0" anchor="ctr" bIns="91425" lIns="91425" spcFirstLastPara="1" rIns="91425" wrap="square" tIns="91425">
+          <a:bodyPr spcFirstLastPara="1" wrap="square" lIns="91425" tIns="91425" rIns="91425" bIns="91425" anchor="ctr" anchorCtr="0">
             <a:noAutofit/>
           </a:bodyPr>
           <a:lstStyle>
@@ -2725,7 +3584,7 @@
             </a:lvl9pPr>
           </a:lstStyle>
           <a:p>
-            <a:pPr indent="0" lvl="0" marL="0" rtl="0" algn="r">
+            <a:pPr marL="0" lvl="0" indent="0" algn="r" rtl="0">
               <a:spcBef>
                 <a:spcPts val="0"/>
               </a:spcBef>
@@ -2751,11 +3610,11 @@
 </file>
 
 <file path=ppt/slideLayouts/slideLayout11.xml><?xml version="1.0" encoding="utf-8"?>
-<p:sldLayout xmlns:a="http://schemas.openxmlformats.org/drawingml/2006/main" xmlns:r="http://schemas.openxmlformats.org/officeDocument/2006/relationships" xmlns:mc="http://schemas.openxmlformats.org/markup-compatibility/2006" xmlns:mv="urn:schemas-microsoft-com:mac:vml" xmlns:p="http://schemas.openxmlformats.org/presentationml/2006/main" xmlns:c="http://schemas.openxmlformats.org/drawingml/2006/chart" xmlns:dgm="http://schemas.openxmlformats.org/drawingml/2006/diagram" xmlns:o="urn:schemas-microsoft-com:office:office" xmlns:v="urn:schemas-microsoft-com:vml" xmlns:pvml="urn:schemas-microsoft-com:office:powerpoint" xmlns:com="http://schemas.openxmlformats.org/drawingml/2006/compatibility" xmlns:p14="http://schemas.microsoft.com/office/powerpoint/2010/main" xmlns:p15="http://schemas.microsoft.com/office/powerpoint/2012/main" matchingName="Blank" type="blank">
+<p:sldLayout xmlns:a="http://schemas.openxmlformats.org/drawingml/2006/main" xmlns:r="http://schemas.openxmlformats.org/officeDocument/2006/relationships" xmlns:p="http://schemas.openxmlformats.org/presentationml/2006/main" matchingName="Blank" type="blank">
   <p:cSld name="BLANK">
     <p:spTree>
       <p:nvGrpSpPr>
-        <p:cNvPr id="58" name="Shape 58"/>
+        <p:cNvPr id="1" name="Shape 58"/>
         <p:cNvGrpSpPr/>
         <p:nvPr/>
       </p:nvGrpSpPr>
@@ -2770,9 +3629,11 @@
       <p:sp>
         <p:nvSpPr>
           <p:cNvPr id="59" name="Google Shape;59;p12"/>
-          <p:cNvSpPr txBox="1"/>
+          <p:cNvSpPr txBox="1">
+            <a:spLocks noGrp="1"/>
+          </p:cNvSpPr>
           <p:nvPr>
-            <p:ph idx="12" type="sldNum"/>
+            <p:ph type="sldNum" idx="12"/>
           </p:nvPr>
         </p:nvSpPr>
         <p:spPr>
@@ -2785,7 +3646,7 @@
           </a:prstGeom>
         </p:spPr>
         <p:txBody>
-          <a:bodyPr anchorCtr="0" anchor="ctr" bIns="91425" lIns="91425" spcFirstLastPara="1" rIns="91425" wrap="square" tIns="91425">
+          <a:bodyPr spcFirstLastPara="1" wrap="square" lIns="91425" tIns="91425" rIns="91425" bIns="91425" anchor="ctr" anchorCtr="0">
             <a:noAutofit/>
           </a:bodyPr>
           <a:lstStyle>
@@ -2827,7 +3688,7 @@
             </a:lvl9pPr>
           </a:lstStyle>
           <a:p>
-            <a:pPr indent="0" lvl="0" marL="0" rtl="0" algn="r">
+            <a:pPr marL="0" lvl="0" indent="0" algn="r" rtl="0">
               <a:spcBef>
                 <a:spcPts val="0"/>
               </a:spcBef>
@@ -2853,18 +3714,19 @@
 </file>
 
 <file path=ppt/slideLayouts/slideLayout2.xml><?xml version="1.0" encoding="utf-8"?>
-<p:sldLayout xmlns:a="http://schemas.openxmlformats.org/drawingml/2006/main" xmlns:r="http://schemas.openxmlformats.org/officeDocument/2006/relationships" xmlns:mc="http://schemas.openxmlformats.org/markup-compatibility/2006" xmlns:mv="urn:schemas-microsoft-com:mac:vml" xmlns:p="http://schemas.openxmlformats.org/presentationml/2006/main" xmlns:c="http://schemas.openxmlformats.org/drawingml/2006/chart" xmlns:dgm="http://schemas.openxmlformats.org/drawingml/2006/diagram" xmlns:o="urn:schemas-microsoft-com:office:office" xmlns:v="urn:schemas-microsoft-com:vml" xmlns:pvml="urn:schemas-microsoft-com:office:powerpoint" xmlns:com="http://schemas.openxmlformats.org/drawingml/2006/compatibility" xmlns:p14="http://schemas.microsoft.com/office/powerpoint/2010/main" xmlns:p15="http://schemas.microsoft.com/office/powerpoint/2012/main" matchingName="Section header" type="secHead">
+<p:sldLayout xmlns:a="http://schemas.openxmlformats.org/drawingml/2006/main" xmlns:r="http://schemas.openxmlformats.org/officeDocument/2006/relationships" xmlns:p="http://schemas.openxmlformats.org/presentationml/2006/main" matchingName="Section header" type="secHead">
   <p:cSld name="SECTION_HEADER">
     <p:bg>
       <p:bgPr>
         <a:solidFill>
           <a:schemeClr val="accent3"/>
         </a:solidFill>
+        <a:effectLst/>
       </p:bgPr>
     </p:bg>
     <p:spTree>
       <p:nvGrpSpPr>
-        <p:cNvPr id="14" name="Shape 14"/>
+        <p:cNvPr id="1" name="Shape 14"/>
         <p:cNvGrpSpPr/>
         <p:nvPr/>
       </p:nvGrpSpPr>
@@ -2888,9 +3750,13 @@
             <a:ext cx="9144250" cy="4398100"/>
           </a:xfrm>
           <a:custGeom>
-            <a:rect b="b" l="l" r="r" t="t"/>
+            <a:avLst/>
+            <a:gdLst/>
+            <a:ahLst/>
+            <a:cxnLst/>
+            <a:rect l="l" t="t" r="r" b="b"/>
             <a:pathLst>
-              <a:path extrusionOk="0" h="175924" w="365770">
+              <a:path w="365770" h="175924" extrusionOk="0">
                 <a:moveTo>
                   <a:pt x="0" y="0"/>
                 </a:moveTo>
@@ -2927,9 +3793,13 @@
             <a:ext cx="9144250" cy="4398100"/>
           </a:xfrm>
           <a:custGeom>
-            <a:rect b="b" l="l" r="r" t="t"/>
+            <a:avLst/>
+            <a:gdLst/>
+            <a:ahLst/>
+            <a:cxnLst/>
+            <a:rect l="l" t="t" r="r" b="b"/>
             <a:pathLst>
-              <a:path extrusionOk="0" h="175924" w="365770">
+              <a:path w="365770" h="175924" extrusionOk="0">
                 <a:moveTo>
                   <a:pt x="0" y="0"/>
                 </a:moveTo>
@@ -2957,7 +3827,9 @@
       <p:sp>
         <p:nvSpPr>
           <p:cNvPr id="17" name="Google Shape;17;p3"/>
-          <p:cNvSpPr txBox="1"/>
+          <p:cNvSpPr txBox="1">
+            <a:spLocks noGrp="1"/>
+          </p:cNvSpPr>
           <p:nvPr>
             <p:ph type="title"/>
           </p:nvPr>
@@ -2972,7 +3844,7 @@
           </a:prstGeom>
         </p:spPr>
         <p:txBody>
-          <a:bodyPr anchorCtr="0" anchor="t" bIns="91425" lIns="91425" spcFirstLastPara="1" rIns="91425" wrap="square" tIns="91425">
+          <a:bodyPr spcFirstLastPara="1" wrap="square" lIns="91425" tIns="91425" rIns="91425" bIns="91425" anchor="t" anchorCtr="0">
             <a:noAutofit/>
           </a:bodyPr>
           <a:lstStyle>
@@ -3076,15 +3948,19 @@
               <a:defRPr sz="3600"/>
             </a:lvl9pPr>
           </a:lstStyle>
-          <a:p/>
+          <a:p>
+            <a:endParaRPr/>
+          </a:p>
         </p:txBody>
       </p:sp>
       <p:sp>
         <p:nvSpPr>
           <p:cNvPr id="18" name="Google Shape;18;p3"/>
-          <p:cNvSpPr txBox="1"/>
+          <p:cNvSpPr txBox="1">
+            <a:spLocks noGrp="1"/>
+          </p:cNvSpPr>
           <p:nvPr>
-            <p:ph idx="12" type="sldNum"/>
+            <p:ph type="sldNum" idx="12"/>
           </p:nvPr>
         </p:nvSpPr>
         <p:spPr>
@@ -3097,7 +3973,7 @@
           </a:prstGeom>
         </p:spPr>
         <p:txBody>
-          <a:bodyPr anchorCtr="0" anchor="ctr" bIns="91425" lIns="91425" spcFirstLastPara="1" rIns="91425" wrap="square" tIns="91425">
+          <a:bodyPr spcFirstLastPara="1" wrap="square" lIns="91425" tIns="91425" rIns="91425" bIns="91425" anchor="ctr" anchorCtr="0">
             <a:noAutofit/>
           </a:bodyPr>
           <a:lstStyle>
@@ -3175,7 +4051,7 @@
             </a:lvl9pPr>
           </a:lstStyle>
           <a:p>
-            <a:pPr indent="0" lvl="0" marL="0" rtl="0" algn="r">
+            <a:pPr marL="0" lvl="0" indent="0" algn="r" rtl="0">
               <a:spcBef>
                 <a:spcPts val="0"/>
               </a:spcBef>
@@ -3201,11 +4077,11 @@
 </file>
 
 <file path=ppt/slideLayouts/slideLayout3.xml><?xml version="1.0" encoding="utf-8"?>
-<p:sldLayout xmlns:a="http://schemas.openxmlformats.org/drawingml/2006/main" xmlns:r="http://schemas.openxmlformats.org/officeDocument/2006/relationships" xmlns:mc="http://schemas.openxmlformats.org/markup-compatibility/2006" xmlns:mv="urn:schemas-microsoft-com:mac:vml" xmlns:p="http://schemas.openxmlformats.org/presentationml/2006/main" xmlns:c="http://schemas.openxmlformats.org/drawingml/2006/chart" xmlns:dgm="http://schemas.openxmlformats.org/drawingml/2006/diagram" xmlns:o="urn:schemas-microsoft-com:office:office" xmlns:v="urn:schemas-microsoft-com:vml" xmlns:pvml="urn:schemas-microsoft-com:office:powerpoint" xmlns:com="http://schemas.openxmlformats.org/drawingml/2006/compatibility" xmlns:p14="http://schemas.microsoft.com/office/powerpoint/2010/main" xmlns:p15="http://schemas.microsoft.com/office/powerpoint/2012/main" matchingName="Title and body" type="tx">
+<p:sldLayout xmlns:a="http://schemas.openxmlformats.org/drawingml/2006/main" xmlns:r="http://schemas.openxmlformats.org/officeDocument/2006/relationships" xmlns:p="http://schemas.openxmlformats.org/presentationml/2006/main" matchingName="Title and body" type="tx">
   <p:cSld name="TITLE_AND_BODY">
     <p:spTree>
       <p:nvGrpSpPr>
-        <p:cNvPr id="19" name="Shape 19"/>
+        <p:cNvPr id="1" name="Shape 19"/>
         <p:cNvGrpSpPr/>
         <p:nvPr/>
       </p:nvGrpSpPr>
@@ -3239,12 +4115,12 @@
           </a:ln>
         </p:spPr>
         <p:txBody>
-          <a:bodyPr anchorCtr="0" anchor="ctr" bIns="91425" lIns="91425" spcFirstLastPara="1" rIns="91425" wrap="square" tIns="91425">
+          <a:bodyPr spcFirstLastPara="1" wrap="square" lIns="91425" tIns="91425" rIns="91425" bIns="91425" anchor="ctr" anchorCtr="0">
             <a:noAutofit/>
           </a:bodyPr>
           <a:lstStyle/>
           <a:p>
-            <a:pPr indent="0" lvl="0" marL="0" rtl="0" algn="l">
+            <a:pPr marL="0" lvl="0" indent="0" algn="l" rtl="0">
               <a:spcBef>
                 <a:spcPts val="0"/>
               </a:spcBef>
@@ -3253,9 +4129,6 @@
               </a:spcAft>
               <a:buNone/>
             </a:pPr>
-            <a:r>
-              <a:t/>
-            </a:r>
             <a:endParaRPr/>
           </a:p>
         </p:txBody>
@@ -3272,9 +4145,13 @@
             <a:ext cx="4313625" cy="4399375"/>
           </a:xfrm>
           <a:custGeom>
-            <a:rect b="b" l="l" r="r" t="t"/>
+            <a:avLst/>
+            <a:gdLst/>
+            <a:ahLst/>
+            <a:cxnLst/>
+            <a:rect l="l" t="t" r="r" b="b"/>
             <a:pathLst>
-              <a:path extrusionOk="0" h="175975" w="172545">
+              <a:path w="172545" h="175975" extrusionOk="0">
                 <a:moveTo>
                   <a:pt x="0" y="157"/>
                 </a:moveTo>
@@ -3311,9 +4188,13 @@
             <a:ext cx="4316900" cy="4395600"/>
           </a:xfrm>
           <a:custGeom>
-            <a:rect b="b" l="l" r="r" t="t"/>
+            <a:avLst/>
+            <a:gdLst/>
+            <a:ahLst/>
+            <a:cxnLst/>
+            <a:rect l="l" t="t" r="r" b="b"/>
             <a:pathLst>
-              <a:path extrusionOk="0" h="175824" w="172676">
+              <a:path w="172676" h="175824" extrusionOk="0">
                 <a:moveTo>
                   <a:pt x="0" y="6"/>
                 </a:moveTo>
@@ -3341,7 +4222,9 @@
       <p:sp>
         <p:nvSpPr>
           <p:cNvPr id="23" name="Google Shape;23;p4"/>
-          <p:cNvSpPr txBox="1"/>
+          <p:cNvSpPr txBox="1">
+            <a:spLocks noGrp="1"/>
+          </p:cNvSpPr>
           <p:nvPr>
             <p:ph type="title"/>
           </p:nvPr>
@@ -3356,7 +4239,7 @@
           </a:prstGeom>
         </p:spPr>
         <p:txBody>
-          <a:bodyPr anchorCtr="0" anchor="t" bIns="91425" lIns="91425" spcFirstLastPara="1" rIns="91425" wrap="square" tIns="91425">
+          <a:bodyPr spcFirstLastPara="1" wrap="square" lIns="91425" tIns="91425" rIns="91425" bIns="91425" anchor="t" anchorCtr="0">
             <a:noAutofit/>
           </a:bodyPr>
           <a:lstStyle>
@@ -3523,15 +4406,19 @@
               </a:defRPr>
             </a:lvl9pPr>
           </a:lstStyle>
-          <a:p/>
+          <a:p>
+            <a:endParaRPr/>
+          </a:p>
         </p:txBody>
       </p:sp>
       <p:sp>
         <p:nvSpPr>
           <p:cNvPr id="24" name="Google Shape;24;p4"/>
-          <p:cNvSpPr txBox="1"/>
+          <p:cNvSpPr txBox="1">
+            <a:spLocks noGrp="1"/>
+          </p:cNvSpPr>
           <p:nvPr>
-            <p:ph idx="1" type="body"/>
+            <p:ph type="body" idx="1"/>
           </p:nvPr>
         </p:nvSpPr>
         <p:spPr>
@@ -3544,11 +4431,11 @@
           </a:prstGeom>
         </p:spPr>
         <p:txBody>
-          <a:bodyPr anchorCtr="0" anchor="t" bIns="91425" lIns="91425" spcFirstLastPara="1" rIns="91425" wrap="square" tIns="91425">
+          <a:bodyPr spcFirstLastPara="1" wrap="square" lIns="91425" tIns="91425" rIns="91425" bIns="91425" anchor="t" anchorCtr="0">
             <a:noAutofit/>
           </a:bodyPr>
           <a:lstStyle>
-            <a:lvl1pPr indent="-311150" lvl="0" marL="457200">
+            <a:lvl1pPr marL="457200" lvl="0" indent="-311150">
               <a:spcBef>
                 <a:spcPts val="0"/>
               </a:spcBef>
@@ -3559,7 +4446,7 @@
               <a:buChar char="●"/>
               <a:defRPr/>
             </a:lvl1pPr>
-            <a:lvl2pPr indent="-298450" lvl="1" marL="914400">
+            <a:lvl2pPr marL="914400" lvl="1" indent="-298450">
               <a:spcBef>
                 <a:spcPts val="1600"/>
               </a:spcBef>
@@ -3570,7 +4457,7 @@
               <a:buChar char="○"/>
               <a:defRPr/>
             </a:lvl2pPr>
-            <a:lvl3pPr indent="-298450" lvl="2" marL="1371600">
+            <a:lvl3pPr marL="1371600" lvl="2" indent="-298450">
               <a:spcBef>
                 <a:spcPts val="1600"/>
               </a:spcBef>
@@ -3581,7 +4468,7 @@
               <a:buChar char="■"/>
               <a:defRPr/>
             </a:lvl3pPr>
-            <a:lvl4pPr indent="-298450" lvl="3" marL="1828800">
+            <a:lvl4pPr marL="1828800" lvl="3" indent="-298450">
               <a:spcBef>
                 <a:spcPts val="1600"/>
               </a:spcBef>
@@ -3592,7 +4479,7 @@
               <a:buChar char="●"/>
               <a:defRPr/>
             </a:lvl4pPr>
-            <a:lvl5pPr indent="-298450" lvl="4" marL="2286000">
+            <a:lvl5pPr marL="2286000" lvl="4" indent="-298450">
               <a:spcBef>
                 <a:spcPts val="1600"/>
               </a:spcBef>
@@ -3603,7 +4490,7 @@
               <a:buChar char="○"/>
               <a:defRPr/>
             </a:lvl5pPr>
-            <a:lvl6pPr indent="-298450" lvl="5" marL="2743200">
+            <a:lvl6pPr marL="2743200" lvl="5" indent="-298450">
               <a:spcBef>
                 <a:spcPts val="1600"/>
               </a:spcBef>
@@ -3614,7 +4501,7 @@
               <a:buChar char="■"/>
               <a:defRPr/>
             </a:lvl6pPr>
-            <a:lvl7pPr indent="-298450" lvl="6" marL="3200400">
+            <a:lvl7pPr marL="3200400" lvl="6" indent="-298450">
               <a:spcBef>
                 <a:spcPts val="1600"/>
               </a:spcBef>
@@ -3625,7 +4512,7 @@
               <a:buChar char="●"/>
               <a:defRPr/>
             </a:lvl7pPr>
-            <a:lvl8pPr indent="-298450" lvl="7" marL="3657600">
+            <a:lvl8pPr marL="3657600" lvl="7" indent="-298450">
               <a:spcBef>
                 <a:spcPts val="1600"/>
               </a:spcBef>
@@ -3636,7 +4523,7 @@
               <a:buChar char="○"/>
               <a:defRPr/>
             </a:lvl8pPr>
-            <a:lvl9pPr indent="-298450" lvl="8" marL="4114800">
+            <a:lvl9pPr marL="4114800" lvl="8" indent="-298450">
               <a:spcBef>
                 <a:spcPts val="1600"/>
               </a:spcBef>
@@ -3648,15 +4535,19 @@
               <a:defRPr/>
             </a:lvl9pPr>
           </a:lstStyle>
-          <a:p/>
+          <a:p>
+            <a:endParaRPr/>
+          </a:p>
         </p:txBody>
       </p:sp>
       <p:sp>
         <p:nvSpPr>
           <p:cNvPr id="25" name="Google Shape;25;p4"/>
-          <p:cNvSpPr txBox="1"/>
+          <p:cNvSpPr txBox="1">
+            <a:spLocks noGrp="1"/>
+          </p:cNvSpPr>
           <p:nvPr>
-            <p:ph idx="12" type="sldNum"/>
+            <p:ph type="sldNum" idx="12"/>
           </p:nvPr>
         </p:nvSpPr>
         <p:spPr>
@@ -3669,7 +4560,7 @@
           </a:prstGeom>
         </p:spPr>
         <p:txBody>
-          <a:bodyPr anchorCtr="0" anchor="ctr" bIns="91425" lIns="91425" spcFirstLastPara="1" rIns="91425" wrap="square" tIns="91425">
+          <a:bodyPr spcFirstLastPara="1" wrap="square" lIns="91425" tIns="91425" rIns="91425" bIns="91425" anchor="ctr" anchorCtr="0">
             <a:noAutofit/>
           </a:bodyPr>
           <a:lstStyle>
@@ -3711,7 +4602,7 @@
             </a:lvl9pPr>
           </a:lstStyle>
           <a:p>
-            <a:pPr indent="0" lvl="0" marL="0" rtl="0" algn="r">
+            <a:pPr marL="0" lvl="0" indent="0" algn="r" rtl="0">
               <a:spcBef>
                 <a:spcPts val="0"/>
               </a:spcBef>
@@ -3737,11 +4628,11 @@
 </file>
 
 <file path=ppt/slideLayouts/slideLayout4.xml><?xml version="1.0" encoding="utf-8"?>
-<p:sldLayout xmlns:a="http://schemas.openxmlformats.org/drawingml/2006/main" xmlns:r="http://schemas.openxmlformats.org/officeDocument/2006/relationships" xmlns:mc="http://schemas.openxmlformats.org/markup-compatibility/2006" xmlns:mv="urn:schemas-microsoft-com:mac:vml" xmlns:p="http://schemas.openxmlformats.org/presentationml/2006/main" xmlns:c="http://schemas.openxmlformats.org/drawingml/2006/chart" xmlns:dgm="http://schemas.openxmlformats.org/drawingml/2006/diagram" xmlns:o="urn:schemas-microsoft-com:office:office" xmlns:v="urn:schemas-microsoft-com:vml" xmlns:pvml="urn:schemas-microsoft-com:office:powerpoint" xmlns:com="http://schemas.openxmlformats.org/drawingml/2006/compatibility" xmlns:p14="http://schemas.microsoft.com/office/powerpoint/2010/main" xmlns:p15="http://schemas.microsoft.com/office/powerpoint/2012/main" matchingName="Title and two columns" type="twoColTx">
+<p:sldLayout xmlns:a="http://schemas.openxmlformats.org/drawingml/2006/main" xmlns:r="http://schemas.openxmlformats.org/officeDocument/2006/relationships" xmlns:p="http://schemas.openxmlformats.org/presentationml/2006/main" matchingName="Title and two columns" type="twoColTx">
   <p:cSld name="TITLE_AND_TWO_COLUMNS">
     <p:spTree>
       <p:nvGrpSpPr>
-        <p:cNvPr id="26" name="Shape 26"/>
+        <p:cNvPr id="1" name="Shape 26"/>
         <p:cNvGrpSpPr/>
         <p:nvPr/>
       </p:nvGrpSpPr>
@@ -3775,12 +4666,12 @@
           </a:ln>
         </p:spPr>
         <p:txBody>
-          <a:bodyPr anchorCtr="0" anchor="ctr" bIns="91425" lIns="91425" spcFirstLastPara="1" rIns="91425" wrap="square" tIns="91425">
+          <a:bodyPr spcFirstLastPara="1" wrap="square" lIns="91425" tIns="91425" rIns="91425" bIns="91425" anchor="ctr" anchorCtr="0">
             <a:noAutofit/>
           </a:bodyPr>
           <a:lstStyle/>
           <a:p>
-            <a:pPr indent="0" lvl="0" marL="0" rtl="0" algn="l">
+            <a:pPr marL="0" lvl="0" indent="0" algn="l" rtl="0">
               <a:spcBef>
                 <a:spcPts val="0"/>
               </a:spcBef>
@@ -3789,9 +4680,6 @@
               </a:spcAft>
               <a:buNone/>
             </a:pPr>
-            <a:r>
-              <a:t/>
-            </a:r>
             <a:endParaRPr/>
           </a:p>
         </p:txBody>
@@ -3799,7 +4687,9 @@
       <p:sp>
         <p:nvSpPr>
           <p:cNvPr id="28" name="Google Shape;28;p5"/>
-          <p:cNvSpPr txBox="1"/>
+          <p:cNvSpPr txBox="1">
+            <a:spLocks noGrp="1"/>
+          </p:cNvSpPr>
           <p:nvPr>
             <p:ph type="title"/>
           </p:nvPr>
@@ -3814,7 +4704,7 @@
           </a:prstGeom>
         </p:spPr>
         <p:txBody>
-          <a:bodyPr anchorCtr="0" anchor="t" bIns="91425" lIns="91425" spcFirstLastPara="1" rIns="91425" wrap="square" tIns="91425">
+          <a:bodyPr spcFirstLastPara="1" wrap="square" lIns="91425" tIns="91425" rIns="91425" bIns="91425" anchor="t" anchorCtr="0">
             <a:noAutofit/>
           </a:bodyPr>
           <a:lstStyle>
@@ -3981,15 +4871,19 @@
               </a:defRPr>
             </a:lvl9pPr>
           </a:lstStyle>
-          <a:p/>
+          <a:p>
+            <a:endParaRPr/>
+          </a:p>
         </p:txBody>
       </p:sp>
       <p:sp>
         <p:nvSpPr>
           <p:cNvPr id="29" name="Google Shape;29;p5"/>
-          <p:cNvSpPr txBox="1"/>
+          <p:cNvSpPr txBox="1">
+            <a:spLocks noGrp="1"/>
+          </p:cNvSpPr>
           <p:nvPr>
-            <p:ph idx="1" type="body"/>
+            <p:ph type="body" idx="1"/>
           </p:nvPr>
         </p:nvSpPr>
         <p:spPr>
@@ -4002,11 +4896,11 @@
           </a:prstGeom>
         </p:spPr>
         <p:txBody>
-          <a:bodyPr anchorCtr="0" anchor="t" bIns="91425" lIns="91425" spcFirstLastPara="1" rIns="91425" wrap="square" tIns="91425">
+          <a:bodyPr spcFirstLastPara="1" wrap="square" lIns="91425" tIns="91425" rIns="91425" bIns="91425" anchor="t" anchorCtr="0">
             <a:noAutofit/>
           </a:bodyPr>
           <a:lstStyle>
-            <a:lvl1pPr indent="-311150" lvl="0" marL="457200">
+            <a:lvl1pPr marL="457200" lvl="0" indent="-311150">
               <a:spcBef>
                 <a:spcPts val="0"/>
               </a:spcBef>
@@ -4017,7 +4911,7 @@
               <a:buChar char="●"/>
               <a:defRPr/>
             </a:lvl1pPr>
-            <a:lvl2pPr indent="-298450" lvl="1" marL="914400">
+            <a:lvl2pPr marL="914400" lvl="1" indent="-298450">
               <a:spcBef>
                 <a:spcPts val="1600"/>
               </a:spcBef>
@@ -4028,7 +4922,7 @@
               <a:buChar char="○"/>
               <a:defRPr/>
             </a:lvl2pPr>
-            <a:lvl3pPr indent="-298450" lvl="2" marL="1371600">
+            <a:lvl3pPr marL="1371600" lvl="2" indent="-298450">
               <a:spcBef>
                 <a:spcPts val="1600"/>
               </a:spcBef>
@@ -4039,7 +4933,7 @@
               <a:buChar char="■"/>
               <a:defRPr/>
             </a:lvl3pPr>
-            <a:lvl4pPr indent="-298450" lvl="3" marL="1828800">
+            <a:lvl4pPr marL="1828800" lvl="3" indent="-298450">
               <a:spcBef>
                 <a:spcPts val="1600"/>
               </a:spcBef>
@@ -4050,7 +4944,7 @@
               <a:buChar char="●"/>
               <a:defRPr/>
             </a:lvl4pPr>
-            <a:lvl5pPr indent="-298450" lvl="4" marL="2286000">
+            <a:lvl5pPr marL="2286000" lvl="4" indent="-298450">
               <a:spcBef>
                 <a:spcPts val="1600"/>
               </a:spcBef>
@@ -4061,7 +4955,7 @@
               <a:buChar char="○"/>
               <a:defRPr/>
             </a:lvl5pPr>
-            <a:lvl6pPr indent="-298450" lvl="5" marL="2743200">
+            <a:lvl6pPr marL="2743200" lvl="5" indent="-298450">
               <a:spcBef>
                 <a:spcPts val="1600"/>
               </a:spcBef>
@@ -4072,7 +4966,7 @@
               <a:buChar char="■"/>
               <a:defRPr/>
             </a:lvl6pPr>
-            <a:lvl7pPr indent="-298450" lvl="6" marL="3200400">
+            <a:lvl7pPr marL="3200400" lvl="6" indent="-298450">
               <a:spcBef>
                 <a:spcPts val="1600"/>
               </a:spcBef>
@@ -4083,7 +4977,7 @@
               <a:buChar char="●"/>
               <a:defRPr/>
             </a:lvl7pPr>
-            <a:lvl8pPr indent="-298450" lvl="7" marL="3657600">
+            <a:lvl8pPr marL="3657600" lvl="7" indent="-298450">
               <a:spcBef>
                 <a:spcPts val="1600"/>
               </a:spcBef>
@@ -4094,7 +4988,7 @@
               <a:buChar char="○"/>
               <a:defRPr/>
             </a:lvl8pPr>
-            <a:lvl9pPr indent="-298450" lvl="8" marL="4114800">
+            <a:lvl9pPr marL="4114800" lvl="8" indent="-298450">
               <a:spcBef>
                 <a:spcPts val="1600"/>
               </a:spcBef>
@@ -4106,15 +5000,19 @@
               <a:defRPr/>
             </a:lvl9pPr>
           </a:lstStyle>
-          <a:p/>
+          <a:p>
+            <a:endParaRPr/>
+          </a:p>
         </p:txBody>
       </p:sp>
       <p:sp>
         <p:nvSpPr>
           <p:cNvPr id="30" name="Google Shape;30;p5"/>
-          <p:cNvSpPr txBox="1"/>
+          <p:cNvSpPr txBox="1">
+            <a:spLocks noGrp="1"/>
+          </p:cNvSpPr>
           <p:nvPr>
-            <p:ph idx="2" type="body"/>
+            <p:ph type="body" idx="2"/>
           </p:nvPr>
         </p:nvSpPr>
         <p:spPr>
@@ -4127,11 +5025,11 @@
           </a:prstGeom>
         </p:spPr>
         <p:txBody>
-          <a:bodyPr anchorCtr="0" anchor="t" bIns="91425" lIns="91425" spcFirstLastPara="1" rIns="91425" wrap="square" tIns="91425">
+          <a:bodyPr spcFirstLastPara="1" wrap="square" lIns="91425" tIns="91425" rIns="91425" bIns="91425" anchor="t" anchorCtr="0">
             <a:noAutofit/>
           </a:bodyPr>
           <a:lstStyle>
-            <a:lvl1pPr indent="-311150" lvl="0" marL="457200">
+            <a:lvl1pPr marL="457200" lvl="0" indent="-311150">
               <a:spcBef>
                 <a:spcPts val="0"/>
               </a:spcBef>
@@ -4142,7 +5040,7 @@
               <a:buChar char="●"/>
               <a:defRPr/>
             </a:lvl1pPr>
-            <a:lvl2pPr indent="-298450" lvl="1" marL="914400">
+            <a:lvl2pPr marL="914400" lvl="1" indent="-298450">
               <a:spcBef>
                 <a:spcPts val="1600"/>
               </a:spcBef>
@@ -4153,7 +5051,7 @@
               <a:buChar char="○"/>
               <a:defRPr/>
             </a:lvl2pPr>
-            <a:lvl3pPr indent="-298450" lvl="2" marL="1371600">
+            <a:lvl3pPr marL="1371600" lvl="2" indent="-298450">
               <a:spcBef>
                 <a:spcPts val="1600"/>
               </a:spcBef>
@@ -4164,7 +5062,7 @@
               <a:buChar char="■"/>
               <a:defRPr/>
             </a:lvl3pPr>
-            <a:lvl4pPr indent="-298450" lvl="3" marL="1828800">
+            <a:lvl4pPr marL="1828800" lvl="3" indent="-298450">
               <a:spcBef>
                 <a:spcPts val="1600"/>
               </a:spcBef>
@@ -4175,7 +5073,7 @@
               <a:buChar char="●"/>
               <a:defRPr/>
             </a:lvl4pPr>
-            <a:lvl5pPr indent="-298450" lvl="4" marL="2286000">
+            <a:lvl5pPr marL="2286000" lvl="4" indent="-298450">
               <a:spcBef>
                 <a:spcPts val="1600"/>
               </a:spcBef>
@@ -4186,7 +5084,7 @@
               <a:buChar char="○"/>
               <a:defRPr/>
             </a:lvl5pPr>
-            <a:lvl6pPr indent="-298450" lvl="5" marL="2743200">
+            <a:lvl6pPr marL="2743200" lvl="5" indent="-298450">
               <a:spcBef>
                 <a:spcPts val="1600"/>
               </a:spcBef>
@@ -4197,7 +5095,7 @@
               <a:buChar char="■"/>
               <a:defRPr/>
             </a:lvl6pPr>
-            <a:lvl7pPr indent="-298450" lvl="6" marL="3200400">
+            <a:lvl7pPr marL="3200400" lvl="6" indent="-298450">
               <a:spcBef>
                 <a:spcPts val="1600"/>
               </a:spcBef>
@@ -4208,7 +5106,7 @@
               <a:buChar char="●"/>
               <a:defRPr/>
             </a:lvl7pPr>
-            <a:lvl8pPr indent="-298450" lvl="7" marL="3657600">
+            <a:lvl8pPr marL="3657600" lvl="7" indent="-298450">
               <a:spcBef>
                 <a:spcPts val="1600"/>
               </a:spcBef>
@@ -4219,7 +5117,7 @@
               <a:buChar char="○"/>
               <a:defRPr/>
             </a:lvl8pPr>
-            <a:lvl9pPr indent="-298450" lvl="8" marL="4114800">
+            <a:lvl9pPr marL="4114800" lvl="8" indent="-298450">
               <a:spcBef>
                 <a:spcPts val="1600"/>
               </a:spcBef>
@@ -4231,15 +5129,19 @@
               <a:defRPr/>
             </a:lvl9pPr>
           </a:lstStyle>
-          <a:p/>
+          <a:p>
+            <a:endParaRPr/>
+          </a:p>
         </p:txBody>
       </p:sp>
       <p:sp>
         <p:nvSpPr>
           <p:cNvPr id="31" name="Google Shape;31;p5"/>
-          <p:cNvSpPr txBox="1"/>
+          <p:cNvSpPr txBox="1">
+            <a:spLocks noGrp="1"/>
+          </p:cNvSpPr>
           <p:nvPr>
-            <p:ph idx="12" type="sldNum"/>
+            <p:ph type="sldNum" idx="12"/>
           </p:nvPr>
         </p:nvSpPr>
         <p:spPr>
@@ -4252,7 +5154,7 @@
           </a:prstGeom>
         </p:spPr>
         <p:txBody>
-          <a:bodyPr anchorCtr="0" anchor="ctr" bIns="91425" lIns="91425" spcFirstLastPara="1" rIns="91425" wrap="square" tIns="91425">
+          <a:bodyPr spcFirstLastPara="1" wrap="square" lIns="91425" tIns="91425" rIns="91425" bIns="91425" anchor="ctr" anchorCtr="0">
             <a:noAutofit/>
           </a:bodyPr>
           <a:lstStyle>
@@ -4294,7 +5196,7 @@
             </a:lvl9pPr>
           </a:lstStyle>
           <a:p>
-            <a:pPr indent="0" lvl="0" marL="0" rtl="0" algn="r">
+            <a:pPr marL="0" lvl="0" indent="0" algn="r" rtl="0">
               <a:spcBef>
                 <a:spcPts val="0"/>
               </a:spcBef>
@@ -4320,11 +5222,11 @@
 </file>
 
 <file path=ppt/slideLayouts/slideLayout5.xml><?xml version="1.0" encoding="utf-8"?>
-<p:sldLayout xmlns:a="http://schemas.openxmlformats.org/drawingml/2006/main" xmlns:r="http://schemas.openxmlformats.org/officeDocument/2006/relationships" xmlns:mc="http://schemas.openxmlformats.org/markup-compatibility/2006" xmlns:mv="urn:schemas-microsoft-com:mac:vml" xmlns:p="http://schemas.openxmlformats.org/presentationml/2006/main" xmlns:c="http://schemas.openxmlformats.org/drawingml/2006/chart" xmlns:dgm="http://schemas.openxmlformats.org/drawingml/2006/diagram" xmlns:o="urn:schemas-microsoft-com:office:office" xmlns:v="urn:schemas-microsoft-com:vml" xmlns:pvml="urn:schemas-microsoft-com:office:powerpoint" xmlns:com="http://schemas.openxmlformats.org/drawingml/2006/compatibility" xmlns:p14="http://schemas.microsoft.com/office/powerpoint/2010/main" xmlns:p15="http://schemas.microsoft.com/office/powerpoint/2012/main" matchingName="Title only" type="titleOnly">
+<p:sldLayout xmlns:a="http://schemas.openxmlformats.org/drawingml/2006/main" xmlns:r="http://schemas.openxmlformats.org/officeDocument/2006/relationships" xmlns:p="http://schemas.openxmlformats.org/presentationml/2006/main" matchingName="Title only" type="titleOnly">
   <p:cSld name="TITLE_ONLY">
     <p:spTree>
       <p:nvGrpSpPr>
-        <p:cNvPr id="32" name="Shape 32"/>
+        <p:cNvPr id="1" name="Shape 32"/>
         <p:cNvGrpSpPr/>
         <p:nvPr/>
       </p:nvGrpSpPr>
@@ -4358,12 +5260,12 @@
           </a:ln>
         </p:spPr>
         <p:txBody>
-          <a:bodyPr anchorCtr="0" anchor="ctr" bIns="91425" lIns="91425" spcFirstLastPara="1" rIns="91425" wrap="square" tIns="91425">
+          <a:bodyPr spcFirstLastPara="1" wrap="square" lIns="91425" tIns="91425" rIns="91425" bIns="91425" anchor="ctr" anchorCtr="0">
             <a:noAutofit/>
           </a:bodyPr>
           <a:lstStyle/>
           <a:p>
-            <a:pPr indent="0" lvl="0" marL="0" rtl="0" algn="l">
+            <a:pPr marL="0" lvl="0" indent="0" algn="l" rtl="0">
               <a:spcBef>
                 <a:spcPts val="0"/>
               </a:spcBef>
@@ -4372,9 +5274,6 @@
               </a:spcAft>
               <a:buNone/>
             </a:pPr>
-            <a:r>
-              <a:t/>
-            </a:r>
             <a:endParaRPr/>
           </a:p>
         </p:txBody>
@@ -4382,7 +5281,9 @@
       <p:sp>
         <p:nvSpPr>
           <p:cNvPr id="34" name="Google Shape;34;p6"/>
-          <p:cNvSpPr txBox="1"/>
+          <p:cNvSpPr txBox="1">
+            <a:spLocks noGrp="1"/>
+          </p:cNvSpPr>
           <p:nvPr>
             <p:ph type="title"/>
           </p:nvPr>
@@ -4397,7 +5298,7 @@
           </a:prstGeom>
         </p:spPr>
         <p:txBody>
-          <a:bodyPr anchorCtr="0" anchor="t" bIns="91425" lIns="91425" spcFirstLastPara="1" rIns="91425" wrap="square" tIns="91425">
+          <a:bodyPr spcFirstLastPara="1" wrap="square" lIns="91425" tIns="91425" rIns="91425" bIns="91425" anchor="t" anchorCtr="0">
             <a:noAutofit/>
           </a:bodyPr>
           <a:lstStyle>
@@ -4564,15 +5465,19 @@
               </a:defRPr>
             </a:lvl9pPr>
           </a:lstStyle>
-          <a:p/>
+          <a:p>
+            <a:endParaRPr/>
+          </a:p>
         </p:txBody>
       </p:sp>
       <p:sp>
         <p:nvSpPr>
           <p:cNvPr id="35" name="Google Shape;35;p6"/>
-          <p:cNvSpPr txBox="1"/>
+          <p:cNvSpPr txBox="1">
+            <a:spLocks noGrp="1"/>
+          </p:cNvSpPr>
           <p:nvPr>
-            <p:ph idx="12" type="sldNum"/>
+            <p:ph type="sldNum" idx="12"/>
           </p:nvPr>
         </p:nvSpPr>
         <p:spPr>
@@ -4585,7 +5490,7 @@
           </a:prstGeom>
         </p:spPr>
         <p:txBody>
-          <a:bodyPr anchorCtr="0" anchor="ctr" bIns="91425" lIns="91425" spcFirstLastPara="1" rIns="91425" wrap="square" tIns="91425">
+          <a:bodyPr spcFirstLastPara="1" wrap="square" lIns="91425" tIns="91425" rIns="91425" bIns="91425" anchor="ctr" anchorCtr="0">
             <a:noAutofit/>
           </a:bodyPr>
           <a:lstStyle>
@@ -4627,7 +5532,7 @@
             </a:lvl9pPr>
           </a:lstStyle>
           <a:p>
-            <a:pPr indent="0" lvl="0" marL="0" rtl="0" algn="r">
+            <a:pPr marL="0" lvl="0" indent="0" algn="r" rtl="0">
               <a:spcBef>
                 <a:spcPts val="0"/>
               </a:spcBef>
@@ -4653,11 +5558,11 @@
 </file>
 
 <file path=ppt/slideLayouts/slideLayout6.xml><?xml version="1.0" encoding="utf-8"?>
-<p:sldLayout xmlns:a="http://schemas.openxmlformats.org/drawingml/2006/main" xmlns:r="http://schemas.openxmlformats.org/officeDocument/2006/relationships" xmlns:mc="http://schemas.openxmlformats.org/markup-compatibility/2006" xmlns:mv="urn:schemas-microsoft-com:mac:vml" xmlns:p="http://schemas.openxmlformats.org/presentationml/2006/main" xmlns:c="http://schemas.openxmlformats.org/drawingml/2006/chart" xmlns:dgm="http://schemas.openxmlformats.org/drawingml/2006/diagram" xmlns:o="urn:schemas-microsoft-com:office:office" xmlns:v="urn:schemas-microsoft-com:vml" xmlns:pvml="urn:schemas-microsoft-com:office:powerpoint" xmlns:com="http://schemas.openxmlformats.org/drawingml/2006/compatibility" xmlns:p14="http://schemas.microsoft.com/office/powerpoint/2010/main" xmlns:p15="http://schemas.microsoft.com/office/powerpoint/2012/main" matchingName="One column text">
+<p:sldLayout xmlns:a="http://schemas.openxmlformats.org/drawingml/2006/main" xmlns:r="http://schemas.openxmlformats.org/officeDocument/2006/relationships" xmlns:p="http://schemas.openxmlformats.org/presentationml/2006/main" matchingName="One column text">
   <p:cSld name="ONE_COLUMN_TEXT">
     <p:spTree>
       <p:nvGrpSpPr>
-        <p:cNvPr id="36" name="Shape 36"/>
+        <p:cNvPr id="1" name="Shape 36"/>
         <p:cNvGrpSpPr/>
         <p:nvPr/>
       </p:nvGrpSpPr>
@@ -4691,12 +5596,12 @@
           </a:ln>
         </p:spPr>
         <p:txBody>
-          <a:bodyPr anchorCtr="0" anchor="ctr" bIns="91425" lIns="91425" spcFirstLastPara="1" rIns="91425" wrap="square" tIns="91425">
+          <a:bodyPr spcFirstLastPara="1" wrap="square" lIns="91425" tIns="91425" rIns="91425" bIns="91425" anchor="ctr" anchorCtr="0">
             <a:noAutofit/>
           </a:bodyPr>
           <a:lstStyle/>
           <a:p>
-            <a:pPr indent="0" lvl="0" marL="0" rtl="0" algn="l">
+            <a:pPr marL="0" lvl="0" indent="0" algn="l" rtl="0">
               <a:spcBef>
                 <a:spcPts val="0"/>
               </a:spcBef>
@@ -4705,9 +5610,6 @@
               </a:spcAft>
               <a:buNone/>
             </a:pPr>
-            <a:r>
-              <a:t/>
-            </a:r>
             <a:endParaRPr/>
           </a:p>
         </p:txBody>
@@ -4715,7 +5617,9 @@
       <p:sp>
         <p:nvSpPr>
           <p:cNvPr id="38" name="Google Shape;38;p7"/>
-          <p:cNvSpPr txBox="1"/>
+          <p:cNvSpPr txBox="1">
+            <a:spLocks noGrp="1"/>
+          </p:cNvSpPr>
           <p:nvPr>
             <p:ph type="title"/>
           </p:nvPr>
@@ -4730,7 +5634,7 @@
           </a:prstGeom>
         </p:spPr>
         <p:txBody>
-          <a:bodyPr anchorCtr="0" anchor="t" bIns="91425" lIns="91425" spcFirstLastPara="1" rIns="91425" wrap="square" tIns="91425">
+          <a:bodyPr spcFirstLastPara="1" wrap="square" lIns="91425" tIns="91425" rIns="91425" bIns="91425" anchor="t" anchorCtr="0">
             <a:noAutofit/>
           </a:bodyPr>
           <a:lstStyle>
@@ -4897,15 +5801,19 @@
               </a:defRPr>
             </a:lvl9pPr>
           </a:lstStyle>
-          <a:p/>
+          <a:p>
+            <a:endParaRPr/>
+          </a:p>
         </p:txBody>
       </p:sp>
       <p:sp>
         <p:nvSpPr>
           <p:cNvPr id="39" name="Google Shape;39;p7"/>
-          <p:cNvSpPr txBox="1"/>
+          <p:cNvSpPr txBox="1">
+            <a:spLocks noGrp="1"/>
+          </p:cNvSpPr>
           <p:nvPr>
-            <p:ph idx="1" type="body"/>
+            <p:ph type="body" idx="1"/>
           </p:nvPr>
         </p:nvSpPr>
         <p:spPr>
@@ -4918,11 +5826,11 @@
           </a:prstGeom>
         </p:spPr>
         <p:txBody>
-          <a:bodyPr anchorCtr="0" anchor="t" bIns="91425" lIns="91425" spcFirstLastPara="1" rIns="91425" wrap="square" tIns="91425">
+          <a:bodyPr spcFirstLastPara="1" wrap="square" lIns="91425" tIns="91425" rIns="91425" bIns="91425" anchor="t" anchorCtr="0">
             <a:noAutofit/>
           </a:bodyPr>
           <a:lstStyle>
-            <a:lvl1pPr indent="-311150" lvl="0" marL="457200">
+            <a:lvl1pPr marL="457200" lvl="0" indent="-311150">
               <a:spcBef>
                 <a:spcPts val="0"/>
               </a:spcBef>
@@ -4940,7 +5848,7 @@
                 </a:solidFill>
               </a:defRPr>
             </a:lvl1pPr>
-            <a:lvl2pPr indent="-298450" lvl="1" marL="914400">
+            <a:lvl2pPr marL="914400" lvl="1" indent="-298450">
               <a:spcBef>
                 <a:spcPts val="1600"/>
               </a:spcBef>
@@ -4958,7 +5866,7 @@
                 </a:solidFill>
               </a:defRPr>
             </a:lvl2pPr>
-            <a:lvl3pPr indent="-298450" lvl="2" marL="1371600">
+            <a:lvl3pPr marL="1371600" lvl="2" indent="-298450">
               <a:spcBef>
                 <a:spcPts val="1600"/>
               </a:spcBef>
@@ -4976,7 +5884,7 @@
                 </a:solidFill>
               </a:defRPr>
             </a:lvl3pPr>
-            <a:lvl4pPr indent="-298450" lvl="3" marL="1828800">
+            <a:lvl4pPr marL="1828800" lvl="3" indent="-298450">
               <a:spcBef>
                 <a:spcPts val="1600"/>
               </a:spcBef>
@@ -4994,7 +5902,7 @@
                 </a:solidFill>
               </a:defRPr>
             </a:lvl4pPr>
-            <a:lvl5pPr indent="-298450" lvl="4" marL="2286000">
+            <a:lvl5pPr marL="2286000" lvl="4" indent="-298450">
               <a:spcBef>
                 <a:spcPts val="1600"/>
               </a:spcBef>
@@ -5012,7 +5920,7 @@
                 </a:solidFill>
               </a:defRPr>
             </a:lvl5pPr>
-            <a:lvl6pPr indent="-298450" lvl="5" marL="2743200">
+            <a:lvl6pPr marL="2743200" lvl="5" indent="-298450">
               <a:spcBef>
                 <a:spcPts val="1600"/>
               </a:spcBef>
@@ -5030,7 +5938,7 @@
                 </a:solidFill>
               </a:defRPr>
             </a:lvl6pPr>
-            <a:lvl7pPr indent="-298450" lvl="6" marL="3200400">
+            <a:lvl7pPr marL="3200400" lvl="6" indent="-298450">
               <a:spcBef>
                 <a:spcPts val="1600"/>
               </a:spcBef>
@@ -5048,7 +5956,7 @@
                 </a:solidFill>
               </a:defRPr>
             </a:lvl7pPr>
-            <a:lvl8pPr indent="-298450" lvl="7" marL="3657600">
+            <a:lvl8pPr marL="3657600" lvl="7" indent="-298450">
               <a:spcBef>
                 <a:spcPts val="1600"/>
               </a:spcBef>
@@ -5066,7 +5974,7 @@
                 </a:solidFill>
               </a:defRPr>
             </a:lvl8pPr>
-            <a:lvl9pPr indent="-298450" lvl="8" marL="4114800">
+            <a:lvl9pPr marL="4114800" lvl="8" indent="-298450">
               <a:spcBef>
                 <a:spcPts val="1600"/>
               </a:spcBef>
@@ -5085,15 +5993,19 @@
               </a:defRPr>
             </a:lvl9pPr>
           </a:lstStyle>
-          <a:p/>
+          <a:p>
+            <a:endParaRPr/>
+          </a:p>
         </p:txBody>
       </p:sp>
       <p:sp>
         <p:nvSpPr>
           <p:cNvPr id="40" name="Google Shape;40;p7"/>
-          <p:cNvSpPr txBox="1"/>
+          <p:cNvSpPr txBox="1">
+            <a:spLocks noGrp="1"/>
+          </p:cNvSpPr>
           <p:nvPr>
-            <p:ph idx="12" type="sldNum"/>
+            <p:ph type="sldNum" idx="12"/>
           </p:nvPr>
         </p:nvSpPr>
         <p:spPr>
@@ -5106,7 +6018,7 @@
           </a:prstGeom>
         </p:spPr>
         <p:txBody>
-          <a:bodyPr anchorCtr="0" anchor="ctr" bIns="91425" lIns="91425" spcFirstLastPara="1" rIns="91425" wrap="square" tIns="91425">
+          <a:bodyPr spcFirstLastPara="1" wrap="square" lIns="91425" tIns="91425" rIns="91425" bIns="91425" anchor="ctr" anchorCtr="0">
             <a:noAutofit/>
           </a:bodyPr>
           <a:lstStyle>
@@ -5148,7 +6060,7 @@
             </a:lvl9pPr>
           </a:lstStyle>
           <a:p>
-            <a:pPr indent="0" lvl="0" marL="0" rtl="0" algn="r">
+            <a:pPr marL="0" lvl="0" indent="0" algn="r" rtl="0">
               <a:spcBef>
                 <a:spcPts val="0"/>
               </a:spcBef>
@@ -5174,18 +6086,19 @@
 </file>
 
 <file path=ppt/slideLayouts/slideLayout7.xml><?xml version="1.0" encoding="utf-8"?>
-<p:sldLayout xmlns:a="http://schemas.openxmlformats.org/drawingml/2006/main" xmlns:r="http://schemas.openxmlformats.org/officeDocument/2006/relationships" xmlns:mc="http://schemas.openxmlformats.org/markup-compatibility/2006" xmlns:mv="urn:schemas-microsoft-com:mac:vml" xmlns:p="http://schemas.openxmlformats.org/presentationml/2006/main" xmlns:c="http://schemas.openxmlformats.org/drawingml/2006/chart" xmlns:dgm="http://schemas.openxmlformats.org/drawingml/2006/diagram" xmlns:o="urn:schemas-microsoft-com:office:office" xmlns:v="urn:schemas-microsoft-com:vml" xmlns:pvml="urn:schemas-microsoft-com:office:powerpoint" xmlns:com="http://schemas.openxmlformats.org/drawingml/2006/compatibility" xmlns:p14="http://schemas.microsoft.com/office/powerpoint/2010/main" xmlns:p15="http://schemas.microsoft.com/office/powerpoint/2012/main" matchingName="Main point">
+<p:sldLayout xmlns:a="http://schemas.openxmlformats.org/drawingml/2006/main" xmlns:r="http://schemas.openxmlformats.org/officeDocument/2006/relationships" xmlns:p="http://schemas.openxmlformats.org/presentationml/2006/main" matchingName="Main point">
   <p:cSld name="MAIN_POINT">
     <p:bg>
       <p:bgPr>
         <a:solidFill>
           <a:schemeClr val="accent3"/>
         </a:solidFill>
+        <a:effectLst/>
       </p:bgPr>
     </p:bg>
     <p:spTree>
       <p:nvGrpSpPr>
-        <p:cNvPr id="41" name="Shape 41"/>
+        <p:cNvPr id="1" name="Shape 41"/>
         <p:cNvGrpSpPr/>
         <p:nvPr/>
       </p:nvGrpSpPr>
@@ -5200,7 +6113,9 @@
       <p:sp>
         <p:nvSpPr>
           <p:cNvPr id="42" name="Google Shape;42;p8"/>
-          <p:cNvSpPr txBox="1"/>
+          <p:cNvSpPr txBox="1">
+            <a:spLocks noGrp="1"/>
+          </p:cNvSpPr>
           <p:nvPr>
             <p:ph type="title"/>
           </p:nvPr>
@@ -5215,7 +6130,7 @@
           </a:prstGeom>
         </p:spPr>
         <p:txBody>
-          <a:bodyPr anchorCtr="0" anchor="ctr" bIns="91425" lIns="91425" spcFirstLastPara="1" rIns="91425" wrap="square" tIns="91425">
+          <a:bodyPr spcFirstLastPara="1" wrap="square" lIns="91425" tIns="91425" rIns="91425" bIns="91425" anchor="ctr" anchorCtr="0">
             <a:noAutofit/>
           </a:bodyPr>
           <a:lstStyle>
@@ -5319,15 +6234,19 @@
               <a:defRPr sz="3600"/>
             </a:lvl9pPr>
           </a:lstStyle>
-          <a:p/>
+          <a:p>
+            <a:endParaRPr/>
+          </a:p>
         </p:txBody>
       </p:sp>
       <p:sp>
         <p:nvSpPr>
           <p:cNvPr id="43" name="Google Shape;43;p8"/>
-          <p:cNvSpPr txBox="1"/>
+          <p:cNvSpPr txBox="1">
+            <a:spLocks noGrp="1"/>
+          </p:cNvSpPr>
           <p:nvPr>
-            <p:ph idx="12" type="sldNum"/>
+            <p:ph type="sldNum" idx="12"/>
           </p:nvPr>
         </p:nvSpPr>
         <p:spPr>
@@ -5340,7 +6259,7 @@
           </a:prstGeom>
         </p:spPr>
         <p:txBody>
-          <a:bodyPr anchorCtr="0" anchor="ctr" bIns="91425" lIns="91425" spcFirstLastPara="1" rIns="91425" wrap="square" tIns="91425">
+          <a:bodyPr spcFirstLastPara="1" wrap="square" lIns="91425" tIns="91425" rIns="91425" bIns="91425" anchor="ctr" anchorCtr="0">
             <a:noAutofit/>
           </a:bodyPr>
           <a:lstStyle>
@@ -5418,7 +6337,7 @@
             </a:lvl9pPr>
           </a:lstStyle>
           <a:p>
-            <a:pPr indent="0" lvl="0" marL="0" rtl="0" algn="r">
+            <a:pPr marL="0" lvl="0" indent="0" algn="r" rtl="0">
               <a:spcBef>
                 <a:spcPts val="0"/>
               </a:spcBef>
@@ -5444,11 +6363,11 @@
 </file>
 
 <file path=ppt/slideLayouts/slideLayout8.xml><?xml version="1.0" encoding="utf-8"?>
-<p:sldLayout xmlns:a="http://schemas.openxmlformats.org/drawingml/2006/main" xmlns:r="http://schemas.openxmlformats.org/officeDocument/2006/relationships" xmlns:mc="http://schemas.openxmlformats.org/markup-compatibility/2006" xmlns:mv="urn:schemas-microsoft-com:mac:vml" xmlns:p="http://schemas.openxmlformats.org/presentationml/2006/main" xmlns:c="http://schemas.openxmlformats.org/drawingml/2006/chart" xmlns:dgm="http://schemas.openxmlformats.org/drawingml/2006/diagram" xmlns:o="urn:schemas-microsoft-com:office:office" xmlns:v="urn:schemas-microsoft-com:vml" xmlns:pvml="urn:schemas-microsoft-com:office:powerpoint" xmlns:com="http://schemas.openxmlformats.org/drawingml/2006/compatibility" xmlns:p14="http://schemas.microsoft.com/office/powerpoint/2010/main" xmlns:p15="http://schemas.microsoft.com/office/powerpoint/2012/main" matchingName="Section title and description">
+<p:sldLayout xmlns:a="http://schemas.openxmlformats.org/drawingml/2006/main" xmlns:r="http://schemas.openxmlformats.org/officeDocument/2006/relationships" xmlns:p="http://schemas.openxmlformats.org/presentationml/2006/main" matchingName="Section title and description">
   <p:cSld name="SECTION_TITLE_AND_DESCRIPTION">
     <p:spTree>
       <p:nvGrpSpPr>
-        <p:cNvPr id="44" name="Shape 44"/>
+        <p:cNvPr id="1" name="Shape 44"/>
         <p:cNvGrpSpPr/>
         <p:nvPr/>
       </p:nvGrpSpPr>
@@ -5482,12 +6401,12 @@
           </a:ln>
         </p:spPr>
         <p:txBody>
-          <a:bodyPr anchorCtr="0" anchor="ctr" bIns="91425" lIns="91425" spcFirstLastPara="1" rIns="91425" wrap="square" tIns="91425">
+          <a:bodyPr spcFirstLastPara="1" wrap="square" lIns="91425" tIns="91425" rIns="91425" bIns="91425" anchor="ctr" anchorCtr="0">
             <a:noAutofit/>
           </a:bodyPr>
           <a:lstStyle/>
           <a:p>
-            <a:pPr indent="0" lvl="0" marL="0" rtl="0" algn="l">
+            <a:pPr marL="0" lvl="0" indent="0" algn="l" rtl="0">
               <a:spcBef>
                 <a:spcPts val="0"/>
               </a:spcBef>
@@ -5496,9 +6415,6 @@
               </a:spcAft>
               <a:buNone/>
             </a:pPr>
-            <a:r>
-              <a:t/>
-            </a:r>
             <a:endParaRPr/>
           </a:p>
         </p:txBody>
@@ -5506,7 +6422,9 @@
       <p:sp>
         <p:nvSpPr>
           <p:cNvPr id="46" name="Google Shape;46;p9"/>
-          <p:cNvSpPr txBox="1"/>
+          <p:cNvSpPr txBox="1">
+            <a:spLocks noGrp="1"/>
+          </p:cNvSpPr>
           <p:nvPr>
             <p:ph type="title"/>
           </p:nvPr>
@@ -5521,7 +6439,7 @@
           </a:prstGeom>
         </p:spPr>
         <p:txBody>
-          <a:bodyPr anchorCtr="0" anchor="t" bIns="91425" lIns="91425" spcFirstLastPara="1" rIns="91425" wrap="square" tIns="91425">
+          <a:bodyPr spcFirstLastPara="1" wrap="square" lIns="91425" tIns="91425" rIns="91425" bIns="91425" anchor="t" anchorCtr="0">
             <a:noAutofit/>
           </a:bodyPr>
           <a:lstStyle>
@@ -5688,15 +6606,19 @@
               </a:defRPr>
             </a:lvl9pPr>
           </a:lstStyle>
-          <a:p/>
+          <a:p>
+            <a:endParaRPr/>
+          </a:p>
         </p:txBody>
       </p:sp>
       <p:sp>
         <p:nvSpPr>
           <p:cNvPr id="47" name="Google Shape;47;p9"/>
-          <p:cNvSpPr txBox="1"/>
+          <p:cNvSpPr txBox="1">
+            <a:spLocks noGrp="1"/>
+          </p:cNvSpPr>
           <p:nvPr>
-            <p:ph idx="1" type="subTitle"/>
+            <p:ph type="subTitle" idx="1"/>
           </p:nvPr>
         </p:nvSpPr>
         <p:spPr>
@@ -5709,7 +6631,7 @@
           </a:prstGeom>
         </p:spPr>
         <p:txBody>
-          <a:bodyPr anchorCtr="0" anchor="t" bIns="91425" lIns="91425" spcFirstLastPara="1" rIns="91425" wrap="square" tIns="91425">
+          <a:bodyPr spcFirstLastPara="1" wrap="square" lIns="91425" tIns="91425" rIns="91425" bIns="91425" anchor="t" anchorCtr="0">
             <a:noAutofit/>
           </a:bodyPr>
           <a:lstStyle>
@@ -5903,15 +6825,19 @@
               </a:defRPr>
             </a:lvl9pPr>
           </a:lstStyle>
-          <a:p/>
+          <a:p>
+            <a:endParaRPr/>
+          </a:p>
         </p:txBody>
       </p:sp>
       <p:sp>
         <p:nvSpPr>
           <p:cNvPr id="48" name="Google Shape;48;p9"/>
-          <p:cNvSpPr txBox="1"/>
+          <p:cNvSpPr txBox="1">
+            <a:spLocks noGrp="1"/>
+          </p:cNvSpPr>
           <p:nvPr>
-            <p:ph idx="2" type="body"/>
+            <p:ph type="body" idx="2"/>
           </p:nvPr>
         </p:nvSpPr>
         <p:spPr>
@@ -5924,11 +6850,11 @@
           </a:prstGeom>
         </p:spPr>
         <p:txBody>
-          <a:bodyPr anchorCtr="0" anchor="t" bIns="91425" lIns="91425" spcFirstLastPara="1" rIns="91425" wrap="square" tIns="91425">
+          <a:bodyPr spcFirstLastPara="1" wrap="square" lIns="91425" tIns="91425" rIns="91425" bIns="91425" anchor="t" anchorCtr="0">
             <a:noAutofit/>
           </a:bodyPr>
           <a:lstStyle>
-            <a:lvl1pPr indent="-311150" lvl="0" marL="457200">
+            <a:lvl1pPr marL="457200" lvl="0" indent="-311150">
               <a:spcBef>
                 <a:spcPts val="0"/>
               </a:spcBef>
@@ -5939,7 +6865,7 @@
               <a:buChar char="●"/>
               <a:defRPr/>
             </a:lvl1pPr>
-            <a:lvl2pPr indent="-298450" lvl="1" marL="914400">
+            <a:lvl2pPr marL="914400" lvl="1" indent="-298450">
               <a:spcBef>
                 <a:spcPts val="1600"/>
               </a:spcBef>
@@ -5950,7 +6876,7 @@
               <a:buChar char="○"/>
               <a:defRPr/>
             </a:lvl2pPr>
-            <a:lvl3pPr indent="-298450" lvl="2" marL="1371600">
+            <a:lvl3pPr marL="1371600" lvl="2" indent="-298450">
               <a:spcBef>
                 <a:spcPts val="1600"/>
               </a:spcBef>
@@ -5961,7 +6887,7 @@
               <a:buChar char="■"/>
               <a:defRPr/>
             </a:lvl3pPr>
-            <a:lvl4pPr indent="-298450" lvl="3" marL="1828800">
+            <a:lvl4pPr marL="1828800" lvl="3" indent="-298450">
               <a:spcBef>
                 <a:spcPts val="1600"/>
               </a:spcBef>
@@ -5972,7 +6898,7 @@
               <a:buChar char="●"/>
               <a:defRPr/>
             </a:lvl4pPr>
-            <a:lvl5pPr indent="-298450" lvl="4" marL="2286000">
+            <a:lvl5pPr marL="2286000" lvl="4" indent="-298450">
               <a:spcBef>
                 <a:spcPts val="1600"/>
               </a:spcBef>
@@ -5983,7 +6909,7 @@
               <a:buChar char="○"/>
               <a:defRPr/>
             </a:lvl5pPr>
-            <a:lvl6pPr indent="-298450" lvl="5" marL="2743200">
+            <a:lvl6pPr marL="2743200" lvl="5" indent="-298450">
               <a:spcBef>
                 <a:spcPts val="1600"/>
               </a:spcBef>
@@ -5994,7 +6920,7 @@
               <a:buChar char="■"/>
               <a:defRPr/>
             </a:lvl6pPr>
-            <a:lvl7pPr indent="-298450" lvl="6" marL="3200400">
+            <a:lvl7pPr marL="3200400" lvl="6" indent="-298450">
               <a:spcBef>
                 <a:spcPts val="1600"/>
               </a:spcBef>
@@ -6005,7 +6931,7 @@
               <a:buChar char="●"/>
               <a:defRPr/>
             </a:lvl7pPr>
-            <a:lvl8pPr indent="-298450" lvl="7" marL="3657600">
+            <a:lvl8pPr marL="3657600" lvl="7" indent="-298450">
               <a:spcBef>
                 <a:spcPts val="1600"/>
               </a:spcBef>
@@ -6016,7 +6942,7 @@
               <a:buChar char="○"/>
               <a:defRPr/>
             </a:lvl8pPr>
-            <a:lvl9pPr indent="-298450" lvl="8" marL="4114800">
+            <a:lvl9pPr marL="4114800" lvl="8" indent="-298450">
               <a:spcBef>
                 <a:spcPts val="1600"/>
               </a:spcBef>
@@ -6028,15 +6954,19 @@
               <a:defRPr/>
             </a:lvl9pPr>
           </a:lstStyle>
-          <a:p/>
+          <a:p>
+            <a:endParaRPr/>
+          </a:p>
         </p:txBody>
       </p:sp>
       <p:sp>
         <p:nvSpPr>
           <p:cNvPr id="49" name="Google Shape;49;p9"/>
-          <p:cNvSpPr txBox="1"/>
+          <p:cNvSpPr txBox="1">
+            <a:spLocks noGrp="1"/>
+          </p:cNvSpPr>
           <p:nvPr>
-            <p:ph idx="12" type="sldNum"/>
+            <p:ph type="sldNum" idx="12"/>
           </p:nvPr>
         </p:nvSpPr>
         <p:spPr>
@@ -6049,7 +6979,7 @@
           </a:prstGeom>
         </p:spPr>
         <p:txBody>
-          <a:bodyPr anchorCtr="0" anchor="ctr" bIns="91425" lIns="91425" spcFirstLastPara="1" rIns="91425" wrap="square" tIns="91425">
+          <a:bodyPr spcFirstLastPara="1" wrap="square" lIns="91425" tIns="91425" rIns="91425" bIns="91425" anchor="ctr" anchorCtr="0">
             <a:noAutofit/>
           </a:bodyPr>
           <a:lstStyle>
@@ -6091,7 +7021,7 @@
             </a:lvl9pPr>
           </a:lstStyle>
           <a:p>
-            <a:pPr indent="0" lvl="0" marL="0" rtl="0" algn="r">
+            <a:pPr marL="0" lvl="0" indent="0" algn="r" rtl="0">
               <a:spcBef>
                 <a:spcPts val="0"/>
               </a:spcBef>
@@ -6117,11 +7047,11 @@
 </file>
 
 <file path=ppt/slideLayouts/slideLayout9.xml><?xml version="1.0" encoding="utf-8"?>
-<p:sldLayout xmlns:a="http://schemas.openxmlformats.org/drawingml/2006/main" xmlns:r="http://schemas.openxmlformats.org/officeDocument/2006/relationships" xmlns:mc="http://schemas.openxmlformats.org/markup-compatibility/2006" xmlns:mv="urn:schemas-microsoft-com:mac:vml" xmlns:p="http://schemas.openxmlformats.org/presentationml/2006/main" xmlns:c="http://schemas.openxmlformats.org/drawingml/2006/chart" xmlns:dgm="http://schemas.openxmlformats.org/drawingml/2006/diagram" xmlns:o="urn:schemas-microsoft-com:office:office" xmlns:v="urn:schemas-microsoft-com:vml" xmlns:pvml="urn:schemas-microsoft-com:office:powerpoint" xmlns:com="http://schemas.openxmlformats.org/drawingml/2006/compatibility" xmlns:p14="http://schemas.microsoft.com/office/powerpoint/2010/main" xmlns:p15="http://schemas.microsoft.com/office/powerpoint/2012/main" matchingName="Caption">
+<p:sldLayout xmlns:a="http://schemas.openxmlformats.org/drawingml/2006/main" xmlns:r="http://schemas.openxmlformats.org/officeDocument/2006/relationships" xmlns:p="http://schemas.openxmlformats.org/presentationml/2006/main" matchingName="Caption">
   <p:cSld name="CAPTION_ONLY">
     <p:spTree>
       <p:nvGrpSpPr>
-        <p:cNvPr id="50" name="Shape 50"/>
+        <p:cNvPr id="1" name="Shape 50"/>
         <p:cNvGrpSpPr/>
         <p:nvPr/>
       </p:nvGrpSpPr>
@@ -6155,12 +7085,12 @@
           </a:ln>
         </p:spPr>
         <p:txBody>
-          <a:bodyPr anchorCtr="0" anchor="ctr" bIns="91425" lIns="91425" spcFirstLastPara="1" rIns="91425" wrap="square" tIns="91425">
+          <a:bodyPr spcFirstLastPara="1" wrap="square" lIns="91425" tIns="91425" rIns="91425" bIns="91425" anchor="ctr" anchorCtr="0">
             <a:noAutofit/>
           </a:bodyPr>
           <a:lstStyle/>
           <a:p>
-            <a:pPr indent="0" lvl="0" marL="0" rtl="0" algn="l">
+            <a:pPr marL="0" lvl="0" indent="0" algn="l" rtl="0">
               <a:spcBef>
                 <a:spcPts val="0"/>
               </a:spcBef>
@@ -6169,9 +7099,6 @@
               </a:spcAft>
               <a:buNone/>
             </a:pPr>
-            <a:r>
-              <a:t/>
-            </a:r>
             <a:endParaRPr/>
           </a:p>
         </p:txBody>
@@ -6179,9 +7106,11 @@
       <p:sp>
         <p:nvSpPr>
           <p:cNvPr id="52" name="Google Shape;52;p10"/>
-          <p:cNvSpPr txBox="1"/>
+          <p:cNvSpPr txBox="1">
+            <a:spLocks noGrp="1"/>
+          </p:cNvSpPr>
           <p:nvPr>
-            <p:ph idx="1" type="body"/>
+            <p:ph type="body" idx="1"/>
           </p:nvPr>
         </p:nvSpPr>
         <p:spPr>
@@ -6194,11 +7123,11 @@
           </a:prstGeom>
         </p:spPr>
         <p:txBody>
-          <a:bodyPr anchorCtr="0" anchor="ctr" bIns="91425" lIns="91425" spcFirstLastPara="1" rIns="91425" wrap="square" tIns="91425">
+          <a:bodyPr spcFirstLastPara="1" wrap="square" lIns="91425" tIns="91425" rIns="91425" bIns="91425" anchor="ctr" anchorCtr="0">
             <a:noAutofit/>
           </a:bodyPr>
           <a:lstStyle>
-            <a:lvl1pPr indent="-228600" lvl="0" marL="457200">
+            <a:lvl1pPr marL="457200" lvl="0" indent="-228600">
               <a:lnSpc>
                 <a:spcPct val="100000"/>
               </a:lnSpc>
@@ -6225,15 +7154,19 @@
               </a:defRPr>
             </a:lvl1pPr>
           </a:lstStyle>
-          <a:p/>
+          <a:p>
+            <a:endParaRPr/>
+          </a:p>
         </p:txBody>
       </p:sp>
       <p:sp>
         <p:nvSpPr>
           <p:cNvPr id="53" name="Google Shape;53;p10"/>
-          <p:cNvSpPr txBox="1"/>
+          <p:cNvSpPr txBox="1">
+            <a:spLocks noGrp="1"/>
+          </p:cNvSpPr>
           <p:nvPr>
-            <p:ph idx="12" type="sldNum"/>
+            <p:ph type="sldNum" idx="12"/>
           </p:nvPr>
         </p:nvSpPr>
         <p:spPr>
@@ -6246,7 +7179,7 @@
           </a:prstGeom>
         </p:spPr>
         <p:txBody>
-          <a:bodyPr anchorCtr="0" anchor="ctr" bIns="91425" lIns="91425" spcFirstLastPara="1" rIns="91425" wrap="square" tIns="91425">
+          <a:bodyPr spcFirstLastPara="1" wrap="square" lIns="91425" tIns="91425" rIns="91425" bIns="91425" anchor="ctr" anchorCtr="0">
             <a:noAutofit/>
           </a:bodyPr>
           <a:lstStyle>
@@ -6324,7 +7257,7 @@
             </a:lvl9pPr>
           </a:lstStyle>
           <a:p>
-            <a:pPr indent="0" lvl="0" marL="0" rtl="0" algn="r">
+            <a:pPr marL="0" lvl="0" indent="0" algn="r" rtl="0">
               <a:spcBef>
                 <a:spcPts val="0"/>
               </a:spcBef>
@@ -6350,18 +7283,19 @@
 </file>
 
 <file path=ppt/slideMasters/slideMaster1.xml><?xml version="1.0" encoding="utf-8"?>
-<p:sldMaster xmlns:a="http://schemas.openxmlformats.org/drawingml/2006/main" xmlns:r="http://schemas.openxmlformats.org/officeDocument/2006/relationships" xmlns:mc="http://schemas.openxmlformats.org/markup-compatibility/2006" xmlns:mv="urn:schemas-microsoft-com:mac:vml" xmlns:p="http://schemas.openxmlformats.org/presentationml/2006/main" xmlns:c="http://schemas.openxmlformats.org/drawingml/2006/chart" xmlns:dgm="http://schemas.openxmlformats.org/drawingml/2006/diagram" xmlns:o="urn:schemas-microsoft-com:office:office" xmlns:v="urn:schemas-microsoft-com:vml" xmlns:pvml="urn:schemas-microsoft-com:office:powerpoint" xmlns:com="http://schemas.openxmlformats.org/drawingml/2006/compatibility" xmlns:p14="http://schemas.microsoft.com/office/powerpoint/2010/main" xmlns:p15="http://schemas.microsoft.com/office/powerpoint/2012/main">
+<p:sldMaster xmlns:a="http://schemas.openxmlformats.org/drawingml/2006/main" xmlns:r="http://schemas.openxmlformats.org/officeDocument/2006/relationships" xmlns:p="http://schemas.openxmlformats.org/presentationml/2006/main">
   <p:cSld name="paradigm">
     <p:bg>
       <p:bgPr>
         <a:solidFill>
           <a:schemeClr val="lt1"/>
         </a:solidFill>
+        <a:effectLst/>
       </p:bgPr>
     </p:bg>
     <p:spTree>
       <p:nvGrpSpPr>
-        <p:cNvPr id="5" name="Shape 5"/>
+        <p:cNvPr id="1" name="Shape 5"/>
         <p:cNvGrpSpPr/>
         <p:nvPr/>
       </p:nvGrpSpPr>
@@ -6376,7 +7310,9 @@
       <p:sp>
         <p:nvSpPr>
           <p:cNvPr id="6" name="Google Shape;6;p1"/>
-          <p:cNvSpPr txBox="1"/>
+          <p:cNvSpPr txBox="1">
+            <a:spLocks noGrp="1"/>
+          </p:cNvSpPr>
           <p:nvPr>
             <p:ph type="title"/>
           </p:nvPr>
@@ -6395,7 +7331,7 @@
           </a:ln>
         </p:spPr>
         <p:txBody>
-          <a:bodyPr anchorCtr="0" anchor="t" bIns="91425" lIns="91425" spcFirstLastPara="1" rIns="91425" wrap="square" tIns="91425">
+          <a:bodyPr spcFirstLastPara="1" wrap="square" lIns="91425" tIns="91425" rIns="91425" bIns="91425" anchor="t" anchorCtr="0">
             <a:noAutofit/>
           </a:bodyPr>
           <a:lstStyle>
@@ -6607,15 +7543,19 @@
               </a:defRPr>
             </a:lvl9pPr>
           </a:lstStyle>
-          <a:p/>
+          <a:p>
+            <a:endParaRPr/>
+          </a:p>
         </p:txBody>
       </p:sp>
       <p:sp>
         <p:nvSpPr>
           <p:cNvPr id="7" name="Google Shape;7;p1"/>
-          <p:cNvSpPr txBox="1"/>
+          <p:cNvSpPr txBox="1">
+            <a:spLocks noGrp="1"/>
+          </p:cNvSpPr>
           <p:nvPr>
-            <p:ph idx="1" type="body"/>
+            <p:ph type="body" idx="1"/>
           </p:nvPr>
         </p:nvSpPr>
         <p:spPr>
@@ -6632,11 +7572,11 @@
           </a:ln>
         </p:spPr>
         <p:txBody>
-          <a:bodyPr anchorCtr="0" anchor="t" bIns="91425" lIns="91425" spcFirstLastPara="1" rIns="91425" wrap="square" tIns="91425">
+          <a:bodyPr spcFirstLastPara="1" wrap="square" lIns="91425" tIns="91425" rIns="91425" bIns="91425" anchor="t" anchorCtr="0">
             <a:noAutofit/>
           </a:bodyPr>
           <a:lstStyle>
-            <a:lvl1pPr indent="-311150" lvl="0" marL="457200">
+            <a:lvl1pPr marL="457200" lvl="0" indent="-311150">
               <a:lnSpc>
                 <a:spcPct val="115000"/>
               </a:lnSpc>
@@ -6662,7 +7602,7 @@
                 <a:sym typeface="Roboto"/>
               </a:defRPr>
             </a:lvl1pPr>
-            <a:lvl2pPr indent="-298450" lvl="1" marL="914400">
+            <a:lvl2pPr marL="914400" lvl="1" indent="-298450">
               <a:lnSpc>
                 <a:spcPct val="115000"/>
               </a:lnSpc>
@@ -6688,7 +7628,7 @@
                 <a:sym typeface="Roboto"/>
               </a:defRPr>
             </a:lvl2pPr>
-            <a:lvl3pPr indent="-298450" lvl="2" marL="1371600">
+            <a:lvl3pPr marL="1371600" lvl="2" indent="-298450">
               <a:lnSpc>
                 <a:spcPct val="115000"/>
               </a:lnSpc>
@@ -6714,7 +7654,7 @@
                 <a:sym typeface="Roboto"/>
               </a:defRPr>
             </a:lvl3pPr>
-            <a:lvl4pPr indent="-298450" lvl="3" marL="1828800">
+            <a:lvl4pPr marL="1828800" lvl="3" indent="-298450">
               <a:lnSpc>
                 <a:spcPct val="115000"/>
               </a:lnSpc>
@@ -6740,7 +7680,7 @@
                 <a:sym typeface="Roboto"/>
               </a:defRPr>
             </a:lvl4pPr>
-            <a:lvl5pPr indent="-298450" lvl="4" marL="2286000">
+            <a:lvl5pPr marL="2286000" lvl="4" indent="-298450">
               <a:lnSpc>
                 <a:spcPct val="115000"/>
               </a:lnSpc>
@@ -6766,7 +7706,7 @@
                 <a:sym typeface="Roboto"/>
               </a:defRPr>
             </a:lvl5pPr>
-            <a:lvl6pPr indent="-298450" lvl="5" marL="2743200">
+            <a:lvl6pPr marL="2743200" lvl="5" indent="-298450">
               <a:lnSpc>
                 <a:spcPct val="115000"/>
               </a:lnSpc>
@@ -6792,7 +7732,7 @@
                 <a:sym typeface="Roboto"/>
               </a:defRPr>
             </a:lvl6pPr>
-            <a:lvl7pPr indent="-298450" lvl="6" marL="3200400">
+            <a:lvl7pPr marL="3200400" lvl="6" indent="-298450">
               <a:lnSpc>
                 <a:spcPct val="115000"/>
               </a:lnSpc>
@@ -6818,7 +7758,7 @@
                 <a:sym typeface="Roboto"/>
               </a:defRPr>
             </a:lvl7pPr>
-            <a:lvl8pPr indent="-298450" lvl="7" marL="3657600">
+            <a:lvl8pPr marL="3657600" lvl="7" indent="-298450">
               <a:lnSpc>
                 <a:spcPct val="115000"/>
               </a:lnSpc>
@@ -6844,7 +7784,7 @@
                 <a:sym typeface="Roboto"/>
               </a:defRPr>
             </a:lvl8pPr>
-            <a:lvl9pPr indent="-298450" lvl="8" marL="4114800">
+            <a:lvl9pPr marL="4114800" lvl="8" indent="-298450">
               <a:lnSpc>
                 <a:spcPct val="115000"/>
               </a:lnSpc>
@@ -6871,15 +7811,19 @@
               </a:defRPr>
             </a:lvl9pPr>
           </a:lstStyle>
-          <a:p/>
+          <a:p>
+            <a:endParaRPr/>
+          </a:p>
         </p:txBody>
       </p:sp>
       <p:sp>
         <p:nvSpPr>
           <p:cNvPr id="8" name="Google Shape;8;p1"/>
-          <p:cNvSpPr txBox="1"/>
+          <p:cNvSpPr txBox="1">
+            <a:spLocks noGrp="1"/>
+          </p:cNvSpPr>
           <p:nvPr>
-            <p:ph idx="12" type="sldNum"/>
+            <p:ph type="sldNum" idx="12"/>
           </p:nvPr>
         </p:nvSpPr>
         <p:spPr>
@@ -6896,7 +7840,7 @@
           </a:ln>
         </p:spPr>
         <p:txBody>
-          <a:bodyPr anchorCtr="0" anchor="ctr" bIns="91425" lIns="91425" spcFirstLastPara="1" rIns="91425" wrap="square" tIns="91425">
+          <a:bodyPr spcFirstLastPara="1" wrap="square" lIns="91425" tIns="91425" rIns="91425" bIns="91425" anchor="ctr" anchorCtr="0">
             <a:noAutofit/>
           </a:bodyPr>
           <a:lstStyle>
@@ -7010,7 +7954,7 @@
             </a:lvl9pPr>
           </a:lstStyle>
           <a:p>
-            <a:pPr indent="0" lvl="0" marL="0" rtl="0" algn="r">
+            <a:pPr marL="0" lvl="0" indent="0" algn="r" rtl="0">
               <a:spcBef>
                 <a:spcPts val="0"/>
               </a:spcBef>
@@ -7029,7 +7973,7 @@
       </p:sp>
     </p:spTree>
   </p:cSld>
-  <p:clrMap accent1="accent1" accent2="accent2" accent3="accent3" accent4="accent4" accent5="accent5" accent6="accent6" bg1="lt1" bg2="dk2" tx1="dk1" tx2="lt2" folHlink="folHlink" hlink="hlink"/>
+  <p:clrMap bg1="lt1" tx1="dk1" bg2="dk2" tx2="lt2" accent1="accent1" accent2="accent2" accent3="accent3" accent4="accent4" accent5="accent5" accent6="accent6" hlink="hlink" folHlink="folHlink"/>
   <p:sldLayoutIdLst>
     <p:sldLayoutId id="2147483648" r:id="rId1"/>
     <p:sldLayoutId id="2147483649" r:id="rId2"/>
@@ -7043,10 +7987,10 @@
     <p:sldLayoutId id="2147483657" r:id="rId10"/>
     <p:sldLayoutId id="2147483658" r:id="rId11"/>
   </p:sldLayoutIdLst>
-  <p:hf dt="0" ftr="0" hdr="0" sldNum="0"/>
+  <p:hf sldNum="0" hdr="0" ftr="0" dt="0"/>
   <p:txStyles>
     <p:titleStyle>
-      <a:defPPr lvl="0" marR="0" rtl="0" algn="l">
+      <a:defPPr marR="0" lvl="0" algn="l" rtl="0">
         <a:lnSpc>
           <a:spcPct val="100000"/>
         </a:lnSpc>
@@ -7057,7 +8001,7 @@
           <a:spcPts val="0"/>
         </a:spcAft>
       </a:defPPr>
-      <a:lvl1pPr lvl="0" marR="0" rtl="0" algn="l">
+      <a:lvl1pPr marR="0" lvl="0" algn="l" rtl="0">
         <a:lnSpc>
           <a:spcPct val="100000"/>
         </a:lnSpc>
@@ -7071,7 +8015,7 @@
           <a:srgbClr val="000000"/>
         </a:buClr>
         <a:buFont typeface="Arial"/>
-        <a:defRPr b="0" i="0" sz="1400" u="none" cap="none" strike="noStrike">
+        <a:defRPr sz="1400" b="0" i="0" u="none" strike="noStrike" cap="none">
           <a:solidFill>
             <a:srgbClr val="000000"/>
           </a:solidFill>
@@ -7081,7 +8025,7 @@
           <a:sym typeface="Arial"/>
         </a:defRPr>
       </a:lvl1pPr>
-      <a:lvl2pPr lvl="1" marR="0" rtl="0" algn="l">
+      <a:lvl2pPr marR="0" lvl="1" algn="l" rtl="0">
         <a:lnSpc>
           <a:spcPct val="100000"/>
         </a:lnSpc>
@@ -7095,7 +8039,7 @@
           <a:srgbClr val="000000"/>
         </a:buClr>
         <a:buFont typeface="Arial"/>
-        <a:defRPr b="0" i="0" sz="1400" u="none" cap="none" strike="noStrike">
+        <a:defRPr sz="1400" b="0" i="0" u="none" strike="noStrike" cap="none">
           <a:solidFill>
             <a:srgbClr val="000000"/>
           </a:solidFill>
@@ -7105,7 +8049,7 @@
           <a:sym typeface="Arial"/>
         </a:defRPr>
       </a:lvl2pPr>
-      <a:lvl3pPr lvl="2" marR="0" rtl="0" algn="l">
+      <a:lvl3pPr marR="0" lvl="2" algn="l" rtl="0">
         <a:lnSpc>
           <a:spcPct val="100000"/>
         </a:lnSpc>
@@ -7119,7 +8063,7 @@
           <a:srgbClr val="000000"/>
         </a:buClr>
         <a:buFont typeface="Arial"/>
-        <a:defRPr b="0" i="0" sz="1400" u="none" cap="none" strike="noStrike">
+        <a:defRPr sz="1400" b="0" i="0" u="none" strike="noStrike" cap="none">
           <a:solidFill>
             <a:srgbClr val="000000"/>
           </a:solidFill>
@@ -7129,7 +8073,7 @@
           <a:sym typeface="Arial"/>
         </a:defRPr>
       </a:lvl3pPr>
-      <a:lvl4pPr lvl="3" marR="0" rtl="0" algn="l">
+      <a:lvl4pPr marR="0" lvl="3" algn="l" rtl="0">
         <a:lnSpc>
           <a:spcPct val="100000"/>
         </a:lnSpc>
@@ -7143,7 +8087,7 @@
           <a:srgbClr val="000000"/>
         </a:buClr>
         <a:buFont typeface="Arial"/>
-        <a:defRPr b="0" i="0" sz="1400" u="none" cap="none" strike="noStrike">
+        <a:defRPr sz="1400" b="0" i="0" u="none" strike="noStrike" cap="none">
           <a:solidFill>
             <a:srgbClr val="000000"/>
           </a:solidFill>
@@ -7153,7 +8097,7 @@
           <a:sym typeface="Arial"/>
         </a:defRPr>
       </a:lvl4pPr>
-      <a:lvl5pPr lvl="4" marR="0" rtl="0" algn="l">
+      <a:lvl5pPr marR="0" lvl="4" algn="l" rtl="0">
         <a:lnSpc>
           <a:spcPct val="100000"/>
         </a:lnSpc>
@@ -7167,7 +8111,7 @@
           <a:srgbClr val="000000"/>
         </a:buClr>
         <a:buFont typeface="Arial"/>
-        <a:defRPr b="0" i="0" sz="1400" u="none" cap="none" strike="noStrike">
+        <a:defRPr sz="1400" b="0" i="0" u="none" strike="noStrike" cap="none">
           <a:solidFill>
             <a:srgbClr val="000000"/>
           </a:solidFill>
@@ -7177,7 +8121,7 @@
           <a:sym typeface="Arial"/>
         </a:defRPr>
       </a:lvl5pPr>
-      <a:lvl6pPr lvl="5" marR="0" rtl="0" algn="l">
+      <a:lvl6pPr marR="0" lvl="5" algn="l" rtl="0">
         <a:lnSpc>
           <a:spcPct val="100000"/>
         </a:lnSpc>
@@ -7191,7 +8135,7 @@
           <a:srgbClr val="000000"/>
         </a:buClr>
         <a:buFont typeface="Arial"/>
-        <a:defRPr b="0" i="0" sz="1400" u="none" cap="none" strike="noStrike">
+        <a:defRPr sz="1400" b="0" i="0" u="none" strike="noStrike" cap="none">
           <a:solidFill>
             <a:srgbClr val="000000"/>
           </a:solidFill>
@@ -7201,7 +8145,7 @@
           <a:sym typeface="Arial"/>
         </a:defRPr>
       </a:lvl6pPr>
-      <a:lvl7pPr lvl="6" marR="0" rtl="0" algn="l">
+      <a:lvl7pPr marR="0" lvl="6" algn="l" rtl="0">
         <a:lnSpc>
           <a:spcPct val="100000"/>
         </a:lnSpc>
@@ -7215,7 +8159,7 @@
           <a:srgbClr val="000000"/>
         </a:buClr>
         <a:buFont typeface="Arial"/>
-        <a:defRPr b="0" i="0" sz="1400" u="none" cap="none" strike="noStrike">
+        <a:defRPr sz="1400" b="0" i="0" u="none" strike="noStrike" cap="none">
           <a:solidFill>
             <a:srgbClr val="000000"/>
           </a:solidFill>
@@ -7225,7 +8169,7 @@
           <a:sym typeface="Arial"/>
         </a:defRPr>
       </a:lvl7pPr>
-      <a:lvl8pPr lvl="7" marR="0" rtl="0" algn="l">
+      <a:lvl8pPr marR="0" lvl="7" algn="l" rtl="0">
         <a:lnSpc>
           <a:spcPct val="100000"/>
         </a:lnSpc>
@@ -7239,7 +8183,7 @@
           <a:srgbClr val="000000"/>
         </a:buClr>
         <a:buFont typeface="Arial"/>
-        <a:defRPr b="0" i="0" sz="1400" u="none" cap="none" strike="noStrike">
+        <a:defRPr sz="1400" b="0" i="0" u="none" strike="noStrike" cap="none">
           <a:solidFill>
             <a:srgbClr val="000000"/>
           </a:solidFill>
@@ -7249,7 +8193,7 @@
           <a:sym typeface="Arial"/>
         </a:defRPr>
       </a:lvl8pPr>
-      <a:lvl9pPr lvl="8" marR="0" rtl="0" algn="l">
+      <a:lvl9pPr marR="0" lvl="8" algn="l" rtl="0">
         <a:lnSpc>
           <a:spcPct val="100000"/>
         </a:lnSpc>
@@ -7263,7 +8207,7 @@
           <a:srgbClr val="000000"/>
         </a:buClr>
         <a:buFont typeface="Arial"/>
-        <a:defRPr b="0" i="0" sz="1400" u="none" cap="none" strike="noStrike">
+        <a:defRPr sz="1400" b="0" i="0" u="none" strike="noStrike" cap="none">
           <a:solidFill>
             <a:srgbClr val="000000"/>
           </a:solidFill>
@@ -7275,7 +8219,7 @@
       </a:lvl9pPr>
     </p:titleStyle>
     <p:bodyStyle>
-      <a:defPPr lvl="0" marR="0" rtl="0" algn="l">
+      <a:defPPr marR="0" lvl="0" algn="l" rtl="0">
         <a:lnSpc>
           <a:spcPct val="100000"/>
         </a:lnSpc>
@@ -7286,7 +8230,7 @@
           <a:spcPts val="0"/>
         </a:spcAft>
       </a:defPPr>
-      <a:lvl1pPr lvl="0" marR="0" rtl="0" algn="l">
+      <a:lvl1pPr marR="0" lvl="0" algn="l" rtl="0">
         <a:lnSpc>
           <a:spcPct val="100000"/>
         </a:lnSpc>
@@ -7300,7 +8244,7 @@
           <a:srgbClr val="000000"/>
         </a:buClr>
         <a:buFont typeface="Arial"/>
-        <a:defRPr b="0" i="0" sz="1400" u="none" cap="none" strike="noStrike">
+        <a:defRPr sz="1400" b="0" i="0" u="none" strike="noStrike" cap="none">
           <a:solidFill>
             <a:srgbClr val="000000"/>
           </a:solidFill>
@@ -7310,7 +8254,7 @@
           <a:sym typeface="Arial"/>
         </a:defRPr>
       </a:lvl1pPr>
-      <a:lvl2pPr lvl="1" marR="0" rtl="0" algn="l">
+      <a:lvl2pPr marR="0" lvl="1" algn="l" rtl="0">
         <a:lnSpc>
           <a:spcPct val="100000"/>
         </a:lnSpc>
@@ -7324,7 +8268,7 @@
           <a:srgbClr val="000000"/>
         </a:buClr>
         <a:buFont typeface="Arial"/>
-        <a:defRPr b="0" i="0" sz="1400" u="none" cap="none" strike="noStrike">
+        <a:defRPr sz="1400" b="0" i="0" u="none" strike="noStrike" cap="none">
           <a:solidFill>
             <a:srgbClr val="000000"/>
           </a:solidFill>
@@ -7334,7 +8278,7 @@
           <a:sym typeface="Arial"/>
         </a:defRPr>
       </a:lvl2pPr>
-      <a:lvl3pPr lvl="2" marR="0" rtl="0" algn="l">
+      <a:lvl3pPr marR="0" lvl="2" algn="l" rtl="0">
         <a:lnSpc>
           <a:spcPct val="100000"/>
         </a:lnSpc>
@@ -7348,7 +8292,7 @@
           <a:srgbClr val="000000"/>
         </a:buClr>
         <a:buFont typeface="Arial"/>
-        <a:defRPr b="0" i="0" sz="1400" u="none" cap="none" strike="noStrike">
+        <a:defRPr sz="1400" b="0" i="0" u="none" strike="noStrike" cap="none">
           <a:solidFill>
             <a:srgbClr val="000000"/>
           </a:solidFill>
@@ -7358,7 +8302,7 @@
           <a:sym typeface="Arial"/>
         </a:defRPr>
       </a:lvl3pPr>
-      <a:lvl4pPr lvl="3" marR="0" rtl="0" algn="l">
+      <a:lvl4pPr marR="0" lvl="3" algn="l" rtl="0">
         <a:lnSpc>
           <a:spcPct val="100000"/>
         </a:lnSpc>
@@ -7372,7 +8316,7 @@
           <a:srgbClr val="000000"/>
         </a:buClr>
         <a:buFont typeface="Arial"/>
-        <a:defRPr b="0" i="0" sz="1400" u="none" cap="none" strike="noStrike">
+        <a:defRPr sz="1400" b="0" i="0" u="none" strike="noStrike" cap="none">
           <a:solidFill>
             <a:srgbClr val="000000"/>
           </a:solidFill>
@@ -7382,7 +8326,7 @@
           <a:sym typeface="Arial"/>
         </a:defRPr>
       </a:lvl4pPr>
-      <a:lvl5pPr lvl="4" marR="0" rtl="0" algn="l">
+      <a:lvl5pPr marR="0" lvl="4" algn="l" rtl="0">
         <a:lnSpc>
           <a:spcPct val="100000"/>
         </a:lnSpc>
@@ -7396,7 +8340,7 @@
           <a:srgbClr val="000000"/>
         </a:buClr>
         <a:buFont typeface="Arial"/>
-        <a:defRPr b="0" i="0" sz="1400" u="none" cap="none" strike="noStrike">
+        <a:defRPr sz="1400" b="0" i="0" u="none" strike="noStrike" cap="none">
           <a:solidFill>
             <a:srgbClr val="000000"/>
           </a:solidFill>
@@ -7406,7 +8350,7 @@
           <a:sym typeface="Arial"/>
         </a:defRPr>
       </a:lvl5pPr>
-      <a:lvl6pPr lvl="5" marR="0" rtl="0" algn="l">
+      <a:lvl6pPr marR="0" lvl="5" algn="l" rtl="0">
         <a:lnSpc>
           <a:spcPct val="100000"/>
         </a:lnSpc>
@@ -7420,7 +8364,7 @@
           <a:srgbClr val="000000"/>
         </a:buClr>
         <a:buFont typeface="Arial"/>
-        <a:defRPr b="0" i="0" sz="1400" u="none" cap="none" strike="noStrike">
+        <a:defRPr sz="1400" b="0" i="0" u="none" strike="noStrike" cap="none">
           <a:solidFill>
             <a:srgbClr val="000000"/>
           </a:solidFill>
@@ -7430,7 +8374,7 @@
           <a:sym typeface="Arial"/>
         </a:defRPr>
       </a:lvl6pPr>
-      <a:lvl7pPr lvl="6" marR="0" rtl="0" algn="l">
+      <a:lvl7pPr marR="0" lvl="6" algn="l" rtl="0">
         <a:lnSpc>
           <a:spcPct val="100000"/>
         </a:lnSpc>
@@ -7444,7 +8388,7 @@
           <a:srgbClr val="000000"/>
         </a:buClr>
         <a:buFont typeface="Arial"/>
-        <a:defRPr b="0" i="0" sz="1400" u="none" cap="none" strike="noStrike">
+        <a:defRPr sz="1400" b="0" i="0" u="none" strike="noStrike" cap="none">
           <a:solidFill>
             <a:srgbClr val="000000"/>
           </a:solidFill>
@@ -7454,7 +8398,7 @@
           <a:sym typeface="Arial"/>
         </a:defRPr>
       </a:lvl7pPr>
-      <a:lvl8pPr lvl="7" marR="0" rtl="0" algn="l">
+      <a:lvl8pPr marR="0" lvl="7" algn="l" rtl="0">
         <a:lnSpc>
           <a:spcPct val="100000"/>
         </a:lnSpc>
@@ -7468,7 +8412,7 @@
           <a:srgbClr val="000000"/>
         </a:buClr>
         <a:buFont typeface="Arial"/>
-        <a:defRPr b="0" i="0" sz="1400" u="none" cap="none" strike="noStrike">
+        <a:defRPr sz="1400" b="0" i="0" u="none" strike="noStrike" cap="none">
           <a:solidFill>
             <a:srgbClr val="000000"/>
           </a:solidFill>
@@ -7478,7 +8422,7 @@
           <a:sym typeface="Arial"/>
         </a:defRPr>
       </a:lvl8pPr>
-      <a:lvl9pPr lvl="8" marR="0" rtl="0" algn="l">
+      <a:lvl9pPr marR="0" lvl="8" algn="l" rtl="0">
         <a:lnSpc>
           <a:spcPct val="100000"/>
         </a:lnSpc>
@@ -7492,7 +8436,7 @@
           <a:srgbClr val="000000"/>
         </a:buClr>
         <a:buFont typeface="Arial"/>
-        <a:defRPr b="0" i="0" sz="1400" u="none" cap="none" strike="noStrike">
+        <a:defRPr sz="1400" b="0" i="0" u="none" strike="noStrike" cap="none">
           <a:solidFill>
             <a:srgbClr val="000000"/>
           </a:solidFill>
@@ -7504,7 +8448,7 @@
       </a:lvl9pPr>
     </p:bodyStyle>
     <p:otherStyle>
-      <a:defPPr lvl="0" marR="0" rtl="0" algn="l">
+      <a:defPPr marR="0" lvl="0" algn="l" rtl="0">
         <a:lnSpc>
           <a:spcPct val="100000"/>
         </a:lnSpc>
@@ -7515,7 +8459,7 @@
           <a:spcPts val="0"/>
         </a:spcAft>
       </a:defPPr>
-      <a:lvl1pPr lvl="0" marR="0" rtl="0" algn="l">
+      <a:lvl1pPr marR="0" lvl="0" algn="l" rtl="0">
         <a:lnSpc>
           <a:spcPct val="100000"/>
         </a:lnSpc>
@@ -7529,7 +8473,7 @@
           <a:srgbClr val="000000"/>
         </a:buClr>
         <a:buFont typeface="Arial"/>
-        <a:defRPr b="0" i="0" sz="1400" u="none" cap="none" strike="noStrike">
+        <a:defRPr sz="1400" b="0" i="0" u="none" strike="noStrike" cap="none">
           <a:solidFill>
             <a:srgbClr val="000000"/>
           </a:solidFill>
@@ -7539,7 +8483,7 @@
           <a:sym typeface="Arial"/>
         </a:defRPr>
       </a:lvl1pPr>
-      <a:lvl2pPr lvl="1" marR="0" rtl="0" algn="l">
+      <a:lvl2pPr marR="0" lvl="1" algn="l" rtl="0">
         <a:lnSpc>
           <a:spcPct val="100000"/>
         </a:lnSpc>
@@ -7553,7 +8497,7 @@
           <a:srgbClr val="000000"/>
         </a:buClr>
         <a:buFont typeface="Arial"/>
-        <a:defRPr b="0" i="0" sz="1400" u="none" cap="none" strike="noStrike">
+        <a:defRPr sz="1400" b="0" i="0" u="none" strike="noStrike" cap="none">
           <a:solidFill>
             <a:srgbClr val="000000"/>
           </a:solidFill>
@@ -7563,7 +8507,7 @@
           <a:sym typeface="Arial"/>
         </a:defRPr>
       </a:lvl2pPr>
-      <a:lvl3pPr lvl="2" marR="0" rtl="0" algn="l">
+      <a:lvl3pPr marR="0" lvl="2" algn="l" rtl="0">
         <a:lnSpc>
           <a:spcPct val="100000"/>
         </a:lnSpc>
@@ -7577,7 +8521,7 @@
           <a:srgbClr val="000000"/>
         </a:buClr>
         <a:buFont typeface="Arial"/>
-        <a:defRPr b="0" i="0" sz="1400" u="none" cap="none" strike="noStrike">
+        <a:defRPr sz="1400" b="0" i="0" u="none" strike="noStrike" cap="none">
           <a:solidFill>
             <a:srgbClr val="000000"/>
           </a:solidFill>
@@ -7587,7 +8531,7 @@
           <a:sym typeface="Arial"/>
         </a:defRPr>
       </a:lvl3pPr>
-      <a:lvl4pPr lvl="3" marR="0" rtl="0" algn="l">
+      <a:lvl4pPr marR="0" lvl="3" algn="l" rtl="0">
         <a:lnSpc>
           <a:spcPct val="100000"/>
         </a:lnSpc>
@@ -7601,7 +8545,7 @@
           <a:srgbClr val="000000"/>
         </a:buClr>
         <a:buFont typeface="Arial"/>
-        <a:defRPr b="0" i="0" sz="1400" u="none" cap="none" strike="noStrike">
+        <a:defRPr sz="1400" b="0" i="0" u="none" strike="noStrike" cap="none">
           <a:solidFill>
             <a:srgbClr val="000000"/>
           </a:solidFill>
@@ -7611,7 +8555,7 @@
           <a:sym typeface="Arial"/>
         </a:defRPr>
       </a:lvl4pPr>
-      <a:lvl5pPr lvl="4" marR="0" rtl="0" algn="l">
+      <a:lvl5pPr marR="0" lvl="4" algn="l" rtl="0">
         <a:lnSpc>
           <a:spcPct val="100000"/>
         </a:lnSpc>
@@ -7625,7 +8569,7 @@
           <a:srgbClr val="000000"/>
         </a:buClr>
         <a:buFont typeface="Arial"/>
-        <a:defRPr b="0" i="0" sz="1400" u="none" cap="none" strike="noStrike">
+        <a:defRPr sz="1400" b="0" i="0" u="none" strike="noStrike" cap="none">
           <a:solidFill>
             <a:srgbClr val="000000"/>
           </a:solidFill>
@@ -7635,7 +8579,7 @@
           <a:sym typeface="Arial"/>
         </a:defRPr>
       </a:lvl5pPr>
-      <a:lvl6pPr lvl="5" marR="0" rtl="0" algn="l">
+      <a:lvl6pPr marR="0" lvl="5" algn="l" rtl="0">
         <a:lnSpc>
           <a:spcPct val="100000"/>
         </a:lnSpc>
@@ -7649,7 +8593,7 @@
           <a:srgbClr val="000000"/>
         </a:buClr>
         <a:buFont typeface="Arial"/>
-        <a:defRPr b="0" i="0" sz="1400" u="none" cap="none" strike="noStrike">
+        <a:defRPr sz="1400" b="0" i="0" u="none" strike="noStrike" cap="none">
           <a:solidFill>
             <a:srgbClr val="000000"/>
           </a:solidFill>
@@ -7659,7 +8603,7 @@
           <a:sym typeface="Arial"/>
         </a:defRPr>
       </a:lvl6pPr>
-      <a:lvl7pPr lvl="6" marR="0" rtl="0" algn="l">
+      <a:lvl7pPr marR="0" lvl="6" algn="l" rtl="0">
         <a:lnSpc>
           <a:spcPct val="100000"/>
         </a:lnSpc>
@@ -7673,7 +8617,7 @@
           <a:srgbClr val="000000"/>
         </a:buClr>
         <a:buFont typeface="Arial"/>
-        <a:defRPr b="0" i="0" sz="1400" u="none" cap="none" strike="noStrike">
+        <a:defRPr sz="1400" b="0" i="0" u="none" strike="noStrike" cap="none">
           <a:solidFill>
             <a:srgbClr val="000000"/>
           </a:solidFill>
@@ -7683,7 +8627,7 @@
           <a:sym typeface="Arial"/>
         </a:defRPr>
       </a:lvl7pPr>
-      <a:lvl8pPr lvl="7" marR="0" rtl="0" algn="l">
+      <a:lvl8pPr marR="0" lvl="7" algn="l" rtl="0">
         <a:lnSpc>
           <a:spcPct val="100000"/>
         </a:lnSpc>
@@ -7697,7 +8641,7 @@
           <a:srgbClr val="000000"/>
         </a:buClr>
         <a:buFont typeface="Arial"/>
-        <a:defRPr b="0" i="0" sz="1400" u="none" cap="none" strike="noStrike">
+        <a:defRPr sz="1400" b="0" i="0" u="none" strike="noStrike" cap="none">
           <a:solidFill>
             <a:srgbClr val="000000"/>
           </a:solidFill>
@@ -7707,7 +8651,7 @@
           <a:sym typeface="Arial"/>
         </a:defRPr>
       </a:lvl8pPr>
-      <a:lvl9pPr lvl="8" marR="0" rtl="0" algn="l">
+      <a:lvl9pPr marR="0" lvl="8" algn="l" rtl="0">
         <a:lnSpc>
           <a:spcPct val="100000"/>
         </a:lnSpc>
@@ -7721,7 +8665,7 @@
           <a:srgbClr val="000000"/>
         </a:buClr>
         <a:buFont typeface="Arial"/>
-        <a:defRPr b="0" i="0" sz="1400" u="none" cap="none" strike="noStrike">
+        <a:defRPr sz="1400" b="0" i="0" u="none" strike="noStrike" cap="none">
           <a:solidFill>
             <a:srgbClr val="000000"/>
           </a:solidFill>
@@ -7737,11 +8681,11 @@
 </file>
 
 <file path=ppt/slides/slide1.xml><?xml version="1.0" encoding="utf-8"?>
-<p:sld xmlns:a="http://schemas.openxmlformats.org/drawingml/2006/main" xmlns:r="http://schemas.openxmlformats.org/officeDocument/2006/relationships" xmlns:mc="http://schemas.openxmlformats.org/markup-compatibility/2006" xmlns:mv="urn:schemas-microsoft-com:mac:vml" xmlns:p="http://schemas.openxmlformats.org/presentationml/2006/main" xmlns:c="http://schemas.openxmlformats.org/drawingml/2006/chart" xmlns:dgm="http://schemas.openxmlformats.org/drawingml/2006/diagram" xmlns:o="urn:schemas-microsoft-com:office:office" xmlns:v="urn:schemas-microsoft-com:vml" xmlns:pvml="urn:schemas-microsoft-com:office:powerpoint" xmlns:com="http://schemas.openxmlformats.org/drawingml/2006/compatibility" xmlns:p14="http://schemas.microsoft.com/office/powerpoint/2010/main" xmlns:p15="http://schemas.microsoft.com/office/powerpoint/2012/main">
+<p:sld xmlns:a="http://schemas.openxmlformats.org/drawingml/2006/main" xmlns:r="http://schemas.openxmlformats.org/officeDocument/2006/relationships" xmlns:p="http://schemas.openxmlformats.org/presentationml/2006/main">
   <p:cSld>
     <p:spTree>
       <p:nvGrpSpPr>
-        <p:cNvPr id="63" name="Shape 63"/>
+        <p:cNvPr id="1" name="Shape 63"/>
         <p:cNvGrpSpPr/>
         <p:nvPr/>
       </p:nvGrpSpPr>
@@ -7756,7 +8700,9 @@
       <p:sp>
         <p:nvSpPr>
           <p:cNvPr id="64" name="Google Shape;64;p13"/>
-          <p:cNvSpPr txBox="1"/>
+          <p:cNvSpPr txBox="1">
+            <a:spLocks noGrp="1"/>
+          </p:cNvSpPr>
           <p:nvPr>
             <p:ph type="ctrTitle"/>
           </p:nvPr>
@@ -7771,12 +8717,12 @@
           </a:prstGeom>
         </p:spPr>
         <p:txBody>
-          <a:bodyPr anchorCtr="0" anchor="t" bIns="91425" lIns="91425" spcFirstLastPara="1" rIns="91425" wrap="square" tIns="91425">
+          <a:bodyPr spcFirstLastPara="1" wrap="square" lIns="91425" tIns="91425" rIns="91425" bIns="91425" anchor="t" anchorCtr="0">
             <a:noAutofit/>
           </a:bodyPr>
           <a:lstStyle/>
           <a:p>
-            <a:pPr indent="0" lvl="0" marL="0" rtl="0" algn="l">
+            <a:pPr marL="0" lvl="0" indent="0" algn="l" rtl="0">
               <a:spcBef>
                 <a:spcPts val="0"/>
               </a:spcBef>
@@ -7796,9 +8742,11 @@
       <p:sp>
         <p:nvSpPr>
           <p:cNvPr id="65" name="Google Shape;65;p13"/>
-          <p:cNvSpPr txBox="1"/>
+          <p:cNvSpPr txBox="1">
+            <a:spLocks noGrp="1"/>
+          </p:cNvSpPr>
           <p:nvPr>
-            <p:ph idx="1" type="subTitle"/>
+            <p:ph type="subTitle" idx="1"/>
           </p:nvPr>
         </p:nvSpPr>
         <p:spPr>
@@ -7811,12 +8759,12 @@
           </a:prstGeom>
         </p:spPr>
         <p:txBody>
-          <a:bodyPr anchorCtr="0" anchor="t" bIns="91425" lIns="91425" spcFirstLastPara="1" rIns="91425" wrap="square" tIns="91425">
+          <a:bodyPr spcFirstLastPara="1" wrap="square" lIns="91425" tIns="91425" rIns="91425" bIns="91425" anchor="t" anchorCtr="0">
             <a:noAutofit/>
           </a:bodyPr>
           <a:lstStyle/>
           <a:p>
-            <a:pPr indent="0" lvl="0" marL="0" rtl="0" algn="l">
+            <a:pPr marL="0" lvl="0" indent="0" algn="l" rtl="0">
               <a:spcBef>
                 <a:spcPts val="0"/>
               </a:spcBef>
@@ -7836,9 +8784,11 @@
       <p:sp>
         <p:nvSpPr>
           <p:cNvPr id="66" name="Google Shape;66;p13"/>
-          <p:cNvSpPr txBox="1"/>
+          <p:cNvSpPr txBox="1">
+            <a:spLocks noGrp="1"/>
+          </p:cNvSpPr>
           <p:nvPr>
-            <p:ph idx="1" type="subTitle"/>
+            <p:ph type="subTitle" idx="1"/>
           </p:nvPr>
         </p:nvSpPr>
         <p:spPr>
@@ -7851,12 +8801,12 @@
           </a:prstGeom>
         </p:spPr>
         <p:txBody>
-          <a:bodyPr anchorCtr="0" anchor="t" bIns="91425" lIns="91425" spcFirstLastPara="1" rIns="91425" wrap="square" tIns="91425">
+          <a:bodyPr spcFirstLastPara="1" wrap="square" lIns="91425" tIns="91425" rIns="91425" bIns="91425" anchor="t" anchorCtr="0">
             <a:noAutofit/>
           </a:bodyPr>
           <a:lstStyle/>
           <a:p>
-            <a:pPr indent="0" lvl="0" marL="0" rtl="0" algn="l">
+            <a:pPr marL="0" lvl="0" indent="0" algn="l" rtl="0">
               <a:spcBef>
                 <a:spcPts val="0"/>
               </a:spcBef>
@@ -7880,7 +8830,7 @@
             </a:endParaRPr>
           </a:p>
           <a:p>
-            <a:pPr indent="0" lvl="0" marL="0" rtl="0" algn="l">
+            <a:pPr marL="0" lvl="0" indent="0" algn="l" rtl="0">
               <a:spcBef>
                 <a:spcPts val="0"/>
               </a:spcBef>
@@ -7889,9 +8839,6 @@
               </a:spcAft>
               <a:buNone/>
             </a:pPr>
-            <a:r>
-              <a:t/>
-            </a:r>
             <a:endParaRPr>
               <a:solidFill>
                 <a:srgbClr val="FFFFFF"/>
@@ -7899,7 +8846,7 @@
             </a:endParaRPr>
           </a:p>
           <a:p>
-            <a:pPr indent="0" lvl="0" marL="0" rtl="0" algn="l">
+            <a:pPr marL="0" lvl="0" indent="0" algn="l" rtl="0">
               <a:spcBef>
                 <a:spcPts val="0"/>
               </a:spcBef>
@@ -7908,9 +8855,6 @@
               </a:spcAft>
               <a:buNone/>
             </a:pPr>
-            <a:r>
-              <a:t/>
-            </a:r>
             <a:endParaRPr>
               <a:solidFill>
                 <a:srgbClr val="FFFFFF"/>
@@ -7918,7 +8862,7 @@
             </a:endParaRPr>
           </a:p>
           <a:p>
-            <a:pPr indent="0" lvl="0" marL="0" rtl="0" algn="l">
+            <a:pPr marL="0" lvl="0" indent="0" algn="l" rtl="0">
               <a:spcBef>
                 <a:spcPts val="0"/>
               </a:spcBef>
@@ -7927,9 +8871,6 @@
               </a:spcAft>
               <a:buNone/>
             </a:pPr>
-            <a:r>
-              <a:t/>
-            </a:r>
             <a:endParaRPr>
               <a:solidFill>
                 <a:srgbClr val="FFFFFF"/>
@@ -7937,7 +8878,7 @@
             </a:endParaRPr>
           </a:p>
           <a:p>
-            <a:pPr indent="0" lvl="0" marL="0" rtl="0" algn="l">
+            <a:pPr marL="0" lvl="0" indent="0" algn="l" rtl="0">
               <a:spcBef>
                 <a:spcPts val="0"/>
               </a:spcBef>
@@ -7961,7 +8902,7 @@
             </a:endParaRPr>
           </a:p>
           <a:p>
-            <a:pPr indent="0" lvl="0" marL="0" rtl="0" algn="l">
+            <a:pPr marL="0" lvl="0" indent="0" algn="l" rtl="0">
               <a:spcBef>
                 <a:spcPts val="0"/>
               </a:spcBef>
@@ -7985,7 +8926,7 @@
             </a:endParaRPr>
           </a:p>
           <a:p>
-            <a:pPr indent="0" lvl="0" marL="0" rtl="0" algn="l">
+            <a:pPr marL="0" lvl="0" indent="0" algn="l" rtl="0">
               <a:spcBef>
                 <a:spcPts val="0"/>
               </a:spcBef>
@@ -7994,9 +8935,6 @@
               </a:spcAft>
               <a:buNone/>
             </a:pPr>
-            <a:r>
-              <a:t/>
-            </a:r>
             <a:endParaRPr>
               <a:solidFill>
                 <a:srgbClr val="FFFFFF"/>
@@ -8014,11 +8952,2385 @@
 </file>
 
 <file path=ppt/slides/slide10.xml><?xml version="1.0" encoding="utf-8"?>
-<p:sld xmlns:a="http://schemas.openxmlformats.org/drawingml/2006/main" xmlns:r="http://schemas.openxmlformats.org/officeDocument/2006/relationships" xmlns:mc="http://schemas.openxmlformats.org/markup-compatibility/2006" xmlns:mv="urn:schemas-microsoft-com:mac:vml" xmlns:p="http://schemas.openxmlformats.org/presentationml/2006/main" xmlns:c="http://schemas.openxmlformats.org/drawingml/2006/chart" xmlns:dgm="http://schemas.openxmlformats.org/drawingml/2006/diagram" xmlns:o="urn:schemas-microsoft-com:office:office" xmlns:v="urn:schemas-microsoft-com:vml" xmlns:pvml="urn:schemas-microsoft-com:office:powerpoint" xmlns:com="http://schemas.openxmlformats.org/drawingml/2006/compatibility" xmlns:p14="http://schemas.microsoft.com/office/powerpoint/2010/main" xmlns:p15="http://schemas.microsoft.com/office/powerpoint/2012/main">
+<p:sld xmlns:a="http://schemas.openxmlformats.org/drawingml/2006/main" xmlns:r="http://schemas.openxmlformats.org/officeDocument/2006/relationships" xmlns:p="http://schemas.openxmlformats.org/presentationml/2006/main">
   <p:cSld>
     <p:spTree>
       <p:nvGrpSpPr>
-        <p:cNvPr id="142" name="Shape 142"/>
+        <p:cNvPr id="1" name="Shape 105"/>
+        <p:cNvGrpSpPr/>
+        <p:nvPr/>
+      </p:nvGrpSpPr>
+      <p:grpSpPr>
+        <a:xfrm>
+          <a:off x="0" y="0"/>
+          <a:ext cx="0" cy="0"/>
+          <a:chOff x="0" y="0"/>
+          <a:chExt cx="0" cy="0"/>
+        </a:xfrm>
+      </p:grpSpPr>
+      <p:sp>
+        <p:nvSpPr>
+          <p:cNvPr id="106" name="Google Shape;106;p18"/>
+          <p:cNvSpPr txBox="1">
+            <a:spLocks noGrp="1"/>
+          </p:cNvSpPr>
+          <p:nvPr>
+            <p:ph type="title"/>
+          </p:nvPr>
+        </p:nvSpPr>
+        <p:spPr>
+          <a:xfrm>
+            <a:off x="311725" y="500925"/>
+            <a:ext cx="8520600" cy="623700"/>
+          </a:xfrm>
+          <a:prstGeom prst="rect">
+            <a:avLst/>
+          </a:prstGeom>
+        </p:spPr>
+        <p:txBody>
+          <a:bodyPr spcFirstLastPara="1" wrap="square" lIns="91425" tIns="91425" rIns="91425" bIns="91425" anchor="t" anchorCtr="0">
+            <a:noAutofit/>
+          </a:bodyPr>
+          <a:lstStyle/>
+          <a:p>
+            <a:pPr marL="0" lvl="0" indent="0" algn="l" rtl="0">
+              <a:spcBef>
+                <a:spcPts val="0"/>
+              </a:spcBef>
+              <a:spcAft>
+                <a:spcPts val="0"/>
+              </a:spcAft>
+              <a:buNone/>
+            </a:pPr>
+            <a:r>
+              <a:rPr lang="ko" dirty="0"/>
+              <a:t>주요 기능</a:t>
+            </a:r>
+            <a:endParaRPr dirty="0"/>
+          </a:p>
+        </p:txBody>
+      </p:sp>
+      <p:sp>
+        <p:nvSpPr>
+          <p:cNvPr id="107" name="Google Shape;107;p18"/>
+          <p:cNvSpPr txBox="1"/>
+          <p:nvPr/>
+        </p:nvSpPr>
+        <p:spPr>
+          <a:xfrm>
+            <a:off x="303425" y="1339525"/>
+            <a:ext cx="8681100" cy="325500"/>
+          </a:xfrm>
+          <a:prstGeom prst="rect">
+            <a:avLst/>
+          </a:prstGeom>
+          <a:solidFill>
+            <a:srgbClr val="F3F3F3"/>
+          </a:solidFill>
+          <a:ln>
+            <a:noFill/>
+          </a:ln>
+        </p:spPr>
+        <p:txBody>
+          <a:bodyPr spcFirstLastPara="1" wrap="square" lIns="91425" tIns="91425" rIns="91425" bIns="91425" anchor="ctr" anchorCtr="0">
+            <a:noAutofit/>
+          </a:bodyPr>
+          <a:lstStyle/>
+          <a:p>
+            <a:pPr marL="0" lvl="0" indent="0" algn="l" rtl="0">
+              <a:spcBef>
+                <a:spcPts val="0"/>
+              </a:spcBef>
+              <a:spcAft>
+                <a:spcPts val="0"/>
+              </a:spcAft>
+              <a:buNone/>
+            </a:pPr>
+            <a:r>
+              <a:rPr lang="ko-KR" altLang="en-US" dirty="0">
+                <a:latin typeface="Roboto"/>
+                <a:ea typeface="Roboto"/>
+                <a:cs typeface="Roboto"/>
+                <a:sym typeface="Roboto"/>
+              </a:rPr>
+              <a:t>전자결재 승인과정 </a:t>
+            </a:r>
+            <a:endParaRPr dirty="0">
+              <a:latin typeface="Roboto"/>
+              <a:ea typeface="Roboto"/>
+              <a:cs typeface="Roboto"/>
+              <a:sym typeface="Roboto"/>
+            </a:endParaRPr>
+          </a:p>
+        </p:txBody>
+      </p:sp>
+      <p:cxnSp>
+        <p:nvCxnSpPr>
+          <p:cNvPr id="4" name="직선 연결선 3">
+            <a:extLst>
+              <a:ext uri="{FF2B5EF4-FFF2-40B4-BE49-F238E27FC236}">
+                <a16:creationId xmlns:a16="http://schemas.microsoft.com/office/drawing/2014/main" id="{60AC06CD-27AB-4E9F-9FA5-B74D6D7EA077}"/>
+              </a:ext>
+            </a:extLst>
+          </p:cNvPr>
+          <p:cNvCxnSpPr/>
+          <p:nvPr/>
+        </p:nvCxnSpPr>
+        <p:spPr>
+          <a:xfrm>
+            <a:off x="0" y="3214255"/>
+            <a:ext cx="9144000" cy="0"/>
+          </a:xfrm>
+          <a:prstGeom prst="line">
+            <a:avLst/>
+          </a:prstGeom>
+          <a:ln w="25400">
+            <a:solidFill>
+              <a:srgbClr val="000000"/>
+            </a:solidFill>
+          </a:ln>
+        </p:spPr>
+        <p:style>
+          <a:lnRef idx="1">
+            <a:schemeClr val="accent1"/>
+          </a:lnRef>
+          <a:fillRef idx="0">
+            <a:schemeClr val="accent1"/>
+          </a:fillRef>
+          <a:effectRef idx="0">
+            <a:schemeClr val="accent1"/>
+          </a:effectRef>
+          <a:fontRef idx="minor">
+            <a:schemeClr val="tx1"/>
+          </a:fontRef>
+        </p:style>
+      </p:cxnSp>
+      <p:cxnSp>
+        <p:nvCxnSpPr>
+          <p:cNvPr id="6" name="직선 연결선 5">
+            <a:extLst>
+              <a:ext uri="{FF2B5EF4-FFF2-40B4-BE49-F238E27FC236}">
+                <a16:creationId xmlns:a16="http://schemas.microsoft.com/office/drawing/2014/main" id="{4E427978-638F-4F3B-8DC2-86EAA02C5D7D}"/>
+              </a:ext>
+            </a:extLst>
+          </p:cNvPr>
+          <p:cNvCxnSpPr>
+            <a:cxnSpLocks/>
+          </p:cNvCxnSpPr>
+          <p:nvPr/>
+        </p:nvCxnSpPr>
+        <p:spPr>
+          <a:xfrm flipV="1">
+            <a:off x="4481945" y="3214255"/>
+            <a:ext cx="0" cy="1929245"/>
+          </a:xfrm>
+          <a:prstGeom prst="line">
+            <a:avLst/>
+          </a:prstGeom>
+          <a:ln w="25400">
+            <a:solidFill>
+              <a:srgbClr val="000000"/>
+            </a:solidFill>
+          </a:ln>
+        </p:spPr>
+        <p:style>
+          <a:lnRef idx="1">
+            <a:schemeClr val="accent1"/>
+          </a:lnRef>
+          <a:fillRef idx="0">
+            <a:schemeClr val="accent1"/>
+          </a:fillRef>
+          <a:effectRef idx="0">
+            <a:schemeClr val="accent1"/>
+          </a:effectRef>
+          <a:fontRef idx="minor">
+            <a:schemeClr val="tx1"/>
+          </a:fontRef>
+        </p:style>
+      </p:cxnSp>
+      <p:sp>
+        <p:nvSpPr>
+          <p:cNvPr id="9" name="사각형: 둥근 모서리 8">
+            <a:extLst>
+              <a:ext uri="{FF2B5EF4-FFF2-40B4-BE49-F238E27FC236}">
+                <a16:creationId xmlns:a16="http://schemas.microsoft.com/office/drawing/2014/main" id="{9B80FC89-30DA-4720-981E-E5B02D6B734C}"/>
+              </a:ext>
+            </a:extLst>
+          </p:cNvPr>
+          <p:cNvSpPr/>
+          <p:nvPr/>
+        </p:nvSpPr>
+        <p:spPr>
+          <a:xfrm>
+            <a:off x="796636" y="1877966"/>
+            <a:ext cx="810491" cy="422562"/>
+          </a:xfrm>
+          <a:prstGeom prst="roundRect">
+            <a:avLst/>
+          </a:prstGeom>
+          <a:solidFill>
+            <a:schemeClr val="accent1">
+              <a:lumMod val="25000"/>
+              <a:lumOff val="75000"/>
+            </a:schemeClr>
+          </a:solidFill>
+          <a:ln>
+            <a:solidFill>
+              <a:schemeClr val="accent1">
+                <a:lumMod val="25000"/>
+                <a:lumOff val="75000"/>
+              </a:schemeClr>
+            </a:solidFill>
+          </a:ln>
+        </p:spPr>
+        <p:style>
+          <a:lnRef idx="2">
+            <a:schemeClr val="accent1">
+              <a:shade val="50000"/>
+            </a:schemeClr>
+          </a:lnRef>
+          <a:fillRef idx="1">
+            <a:schemeClr val="accent1"/>
+          </a:fillRef>
+          <a:effectRef idx="0">
+            <a:schemeClr val="accent1"/>
+          </a:effectRef>
+          <a:fontRef idx="minor">
+            <a:schemeClr val="lt1"/>
+          </a:fontRef>
+        </p:style>
+        <p:txBody>
+          <a:bodyPr rtlCol="0" anchor="ctr"/>
+          <a:lstStyle/>
+          <a:p>
+            <a:pPr algn="ctr"/>
+            <a:r>
+              <a:rPr lang="ko-KR" altLang="en-US" dirty="0"/>
+              <a:t>사원</a:t>
+            </a:r>
+          </a:p>
+        </p:txBody>
+      </p:sp>
+      <p:sp>
+        <p:nvSpPr>
+          <p:cNvPr id="12" name="사각형: 둥근 모서리 11">
+            <a:extLst>
+              <a:ext uri="{FF2B5EF4-FFF2-40B4-BE49-F238E27FC236}">
+                <a16:creationId xmlns:a16="http://schemas.microsoft.com/office/drawing/2014/main" id="{CDF144D8-62CA-474D-A734-D53E7694CC36}"/>
+              </a:ext>
+            </a:extLst>
+          </p:cNvPr>
+          <p:cNvSpPr/>
+          <p:nvPr/>
+        </p:nvSpPr>
+        <p:spPr>
+          <a:xfrm>
+            <a:off x="796635" y="2546110"/>
+            <a:ext cx="810491" cy="422562"/>
+          </a:xfrm>
+          <a:prstGeom prst="roundRect">
+            <a:avLst/>
+          </a:prstGeom>
+          <a:solidFill>
+            <a:schemeClr val="accent1">
+              <a:lumMod val="25000"/>
+              <a:lumOff val="75000"/>
+            </a:schemeClr>
+          </a:solidFill>
+          <a:ln>
+            <a:solidFill>
+              <a:schemeClr val="accent1">
+                <a:lumMod val="25000"/>
+                <a:lumOff val="75000"/>
+              </a:schemeClr>
+            </a:solidFill>
+          </a:ln>
+        </p:spPr>
+        <p:style>
+          <a:lnRef idx="2">
+            <a:schemeClr val="accent1">
+              <a:shade val="50000"/>
+            </a:schemeClr>
+          </a:lnRef>
+          <a:fillRef idx="1">
+            <a:schemeClr val="accent1"/>
+          </a:fillRef>
+          <a:effectRef idx="0">
+            <a:schemeClr val="accent1"/>
+          </a:effectRef>
+          <a:fontRef idx="minor">
+            <a:schemeClr val="lt1"/>
+          </a:fontRef>
+        </p:style>
+        <p:txBody>
+          <a:bodyPr rtlCol="0" anchor="ctr"/>
+          <a:lstStyle/>
+          <a:p>
+            <a:pPr algn="ctr"/>
+            <a:r>
+              <a:rPr lang="ko-KR" altLang="en-US" dirty="0"/>
+              <a:t>대리</a:t>
+            </a:r>
+          </a:p>
+        </p:txBody>
+      </p:sp>
+      <p:sp>
+        <p:nvSpPr>
+          <p:cNvPr id="13" name="사각형: 둥근 모서리 12">
+            <a:extLst>
+              <a:ext uri="{FF2B5EF4-FFF2-40B4-BE49-F238E27FC236}">
+                <a16:creationId xmlns:a16="http://schemas.microsoft.com/office/drawing/2014/main" id="{716734DF-2710-48EC-8FDA-B747E5E9C247}"/>
+              </a:ext>
+            </a:extLst>
+          </p:cNvPr>
+          <p:cNvSpPr/>
+          <p:nvPr/>
+        </p:nvSpPr>
+        <p:spPr>
+          <a:xfrm>
+            <a:off x="4076699" y="2156190"/>
+            <a:ext cx="810491" cy="422562"/>
+          </a:xfrm>
+          <a:prstGeom prst="roundRect">
+            <a:avLst/>
+          </a:prstGeom>
+          <a:solidFill>
+            <a:schemeClr val="accent1">
+              <a:lumMod val="25000"/>
+              <a:lumOff val="75000"/>
+            </a:schemeClr>
+          </a:solidFill>
+          <a:ln>
+            <a:solidFill>
+              <a:schemeClr val="accent1">
+                <a:lumMod val="25000"/>
+                <a:lumOff val="75000"/>
+              </a:schemeClr>
+            </a:solidFill>
+          </a:ln>
+        </p:spPr>
+        <p:style>
+          <a:lnRef idx="2">
+            <a:schemeClr val="accent1">
+              <a:shade val="50000"/>
+            </a:schemeClr>
+          </a:lnRef>
+          <a:fillRef idx="1">
+            <a:schemeClr val="accent1"/>
+          </a:fillRef>
+          <a:effectRef idx="0">
+            <a:schemeClr val="accent1"/>
+          </a:effectRef>
+          <a:fontRef idx="minor">
+            <a:schemeClr val="lt1"/>
+          </a:fontRef>
+        </p:style>
+        <p:txBody>
+          <a:bodyPr rtlCol="0" anchor="ctr"/>
+          <a:lstStyle/>
+          <a:p>
+            <a:pPr algn="ctr"/>
+            <a:r>
+              <a:rPr lang="ko-KR" altLang="en-US" dirty="0"/>
+              <a:t>과장</a:t>
+            </a:r>
+          </a:p>
+        </p:txBody>
+      </p:sp>
+      <p:sp>
+        <p:nvSpPr>
+          <p:cNvPr id="14" name="사각형: 둥근 모서리 13">
+            <a:extLst>
+              <a:ext uri="{FF2B5EF4-FFF2-40B4-BE49-F238E27FC236}">
+                <a16:creationId xmlns:a16="http://schemas.microsoft.com/office/drawing/2014/main" id="{3A07979A-21B2-4557-9B38-95636B2E868B}"/>
+              </a:ext>
+            </a:extLst>
+          </p:cNvPr>
+          <p:cNvSpPr/>
+          <p:nvPr/>
+        </p:nvSpPr>
+        <p:spPr>
+          <a:xfrm>
+            <a:off x="7356762" y="2207085"/>
+            <a:ext cx="810491" cy="422562"/>
+          </a:xfrm>
+          <a:prstGeom prst="roundRect">
+            <a:avLst/>
+          </a:prstGeom>
+          <a:solidFill>
+            <a:schemeClr val="accent1">
+              <a:lumMod val="25000"/>
+              <a:lumOff val="75000"/>
+            </a:schemeClr>
+          </a:solidFill>
+          <a:ln>
+            <a:solidFill>
+              <a:schemeClr val="accent1">
+                <a:lumMod val="25000"/>
+                <a:lumOff val="75000"/>
+              </a:schemeClr>
+            </a:solidFill>
+          </a:ln>
+        </p:spPr>
+        <p:style>
+          <a:lnRef idx="2">
+            <a:schemeClr val="accent1">
+              <a:shade val="50000"/>
+            </a:schemeClr>
+          </a:lnRef>
+          <a:fillRef idx="1">
+            <a:schemeClr val="accent1"/>
+          </a:fillRef>
+          <a:effectRef idx="0">
+            <a:schemeClr val="accent1"/>
+          </a:effectRef>
+          <a:fontRef idx="minor">
+            <a:schemeClr val="lt1"/>
+          </a:fontRef>
+        </p:style>
+        <p:txBody>
+          <a:bodyPr rtlCol="0" anchor="ctr"/>
+          <a:lstStyle/>
+          <a:p>
+            <a:pPr algn="ctr"/>
+            <a:r>
+              <a:rPr lang="ko-KR" altLang="en-US" dirty="0"/>
+              <a:t>부장</a:t>
+            </a:r>
+          </a:p>
+        </p:txBody>
+      </p:sp>
+      <p:sp>
+        <p:nvSpPr>
+          <p:cNvPr id="15" name="사각형: 둥근 모서리 14">
+            <a:extLst>
+              <a:ext uri="{FF2B5EF4-FFF2-40B4-BE49-F238E27FC236}">
+                <a16:creationId xmlns:a16="http://schemas.microsoft.com/office/drawing/2014/main" id="{26E8DAE0-8CCD-4337-B848-AD949E9B3905}"/>
+              </a:ext>
+            </a:extLst>
+          </p:cNvPr>
+          <p:cNvSpPr/>
+          <p:nvPr/>
+        </p:nvSpPr>
+        <p:spPr>
+          <a:xfrm>
+            <a:off x="796634" y="3967596"/>
+            <a:ext cx="810491" cy="422562"/>
+          </a:xfrm>
+          <a:prstGeom prst="roundRect">
+            <a:avLst/>
+          </a:prstGeom>
+          <a:solidFill>
+            <a:schemeClr val="accent1">
+              <a:lumMod val="25000"/>
+              <a:lumOff val="75000"/>
+            </a:schemeClr>
+          </a:solidFill>
+          <a:ln>
+            <a:solidFill>
+              <a:schemeClr val="accent1">
+                <a:lumMod val="25000"/>
+                <a:lumOff val="75000"/>
+              </a:schemeClr>
+            </a:solidFill>
+          </a:ln>
+        </p:spPr>
+        <p:style>
+          <a:lnRef idx="2">
+            <a:schemeClr val="accent1">
+              <a:shade val="50000"/>
+            </a:schemeClr>
+          </a:lnRef>
+          <a:fillRef idx="1">
+            <a:schemeClr val="accent1"/>
+          </a:fillRef>
+          <a:effectRef idx="0">
+            <a:schemeClr val="accent1"/>
+          </a:effectRef>
+          <a:fontRef idx="minor">
+            <a:schemeClr val="lt1"/>
+          </a:fontRef>
+        </p:style>
+        <p:txBody>
+          <a:bodyPr rtlCol="0" anchor="ctr"/>
+          <a:lstStyle/>
+          <a:p>
+            <a:pPr algn="ctr"/>
+            <a:r>
+              <a:rPr lang="ko-KR" altLang="en-US" dirty="0"/>
+              <a:t>과장</a:t>
+            </a:r>
+          </a:p>
+        </p:txBody>
+      </p:sp>
+      <p:sp>
+        <p:nvSpPr>
+          <p:cNvPr id="16" name="사각형: 둥근 모서리 15">
+            <a:extLst>
+              <a:ext uri="{FF2B5EF4-FFF2-40B4-BE49-F238E27FC236}">
+                <a16:creationId xmlns:a16="http://schemas.microsoft.com/office/drawing/2014/main" id="{14ED3B27-91EF-45DF-AA5F-D12666306202}"/>
+              </a:ext>
+            </a:extLst>
+          </p:cNvPr>
+          <p:cNvSpPr/>
+          <p:nvPr/>
+        </p:nvSpPr>
+        <p:spPr>
+          <a:xfrm>
+            <a:off x="3028189" y="3967596"/>
+            <a:ext cx="810491" cy="422562"/>
+          </a:xfrm>
+          <a:prstGeom prst="roundRect">
+            <a:avLst/>
+          </a:prstGeom>
+          <a:solidFill>
+            <a:schemeClr val="accent1">
+              <a:lumMod val="25000"/>
+              <a:lumOff val="75000"/>
+            </a:schemeClr>
+          </a:solidFill>
+          <a:ln>
+            <a:solidFill>
+              <a:schemeClr val="accent1">
+                <a:lumMod val="25000"/>
+                <a:lumOff val="75000"/>
+              </a:schemeClr>
+            </a:solidFill>
+          </a:ln>
+        </p:spPr>
+        <p:style>
+          <a:lnRef idx="2">
+            <a:schemeClr val="accent1">
+              <a:shade val="50000"/>
+            </a:schemeClr>
+          </a:lnRef>
+          <a:fillRef idx="1">
+            <a:schemeClr val="accent1"/>
+          </a:fillRef>
+          <a:effectRef idx="0">
+            <a:schemeClr val="accent1"/>
+          </a:effectRef>
+          <a:fontRef idx="minor">
+            <a:schemeClr val="lt1"/>
+          </a:fontRef>
+        </p:style>
+        <p:txBody>
+          <a:bodyPr rtlCol="0" anchor="ctr"/>
+          <a:lstStyle/>
+          <a:p>
+            <a:pPr algn="ctr"/>
+            <a:r>
+              <a:rPr lang="ko-KR" altLang="en-US" dirty="0"/>
+              <a:t>부장</a:t>
+            </a:r>
+          </a:p>
+        </p:txBody>
+      </p:sp>
+      <p:sp>
+        <p:nvSpPr>
+          <p:cNvPr id="17" name="사각형: 둥근 모서리 16">
+            <a:extLst>
+              <a:ext uri="{FF2B5EF4-FFF2-40B4-BE49-F238E27FC236}">
+                <a16:creationId xmlns:a16="http://schemas.microsoft.com/office/drawing/2014/main" id="{4B771321-D6F7-4290-83AF-1DE5093EC434}"/>
+              </a:ext>
+            </a:extLst>
+          </p:cNvPr>
+          <p:cNvSpPr/>
+          <p:nvPr/>
+        </p:nvSpPr>
+        <p:spPr>
+          <a:xfrm>
+            <a:off x="5125211" y="3967596"/>
+            <a:ext cx="810491" cy="422562"/>
+          </a:xfrm>
+          <a:prstGeom prst="roundRect">
+            <a:avLst/>
+          </a:prstGeom>
+          <a:solidFill>
+            <a:schemeClr val="accent1">
+              <a:lumMod val="25000"/>
+              <a:lumOff val="75000"/>
+            </a:schemeClr>
+          </a:solidFill>
+          <a:ln>
+            <a:solidFill>
+              <a:schemeClr val="accent1">
+                <a:lumMod val="25000"/>
+                <a:lumOff val="75000"/>
+              </a:schemeClr>
+            </a:solidFill>
+          </a:ln>
+        </p:spPr>
+        <p:style>
+          <a:lnRef idx="2">
+            <a:schemeClr val="accent1">
+              <a:shade val="50000"/>
+            </a:schemeClr>
+          </a:lnRef>
+          <a:fillRef idx="1">
+            <a:schemeClr val="accent1"/>
+          </a:fillRef>
+          <a:effectRef idx="0">
+            <a:schemeClr val="accent1"/>
+          </a:effectRef>
+          <a:fontRef idx="minor">
+            <a:schemeClr val="lt1"/>
+          </a:fontRef>
+        </p:style>
+        <p:txBody>
+          <a:bodyPr rtlCol="0" anchor="ctr"/>
+          <a:lstStyle/>
+          <a:p>
+            <a:pPr algn="ctr"/>
+            <a:r>
+              <a:rPr lang="ko-KR" altLang="en-US" dirty="0"/>
+              <a:t>부장</a:t>
+            </a:r>
+          </a:p>
+        </p:txBody>
+      </p:sp>
+      <p:sp>
+        <p:nvSpPr>
+          <p:cNvPr id="18" name="사각형: 둥근 모서리 17">
+            <a:extLst>
+              <a:ext uri="{FF2B5EF4-FFF2-40B4-BE49-F238E27FC236}">
+                <a16:creationId xmlns:a16="http://schemas.microsoft.com/office/drawing/2014/main" id="{872A5B1B-3799-4D0A-A6C7-3380B48CAE77}"/>
+              </a:ext>
+            </a:extLst>
+          </p:cNvPr>
+          <p:cNvSpPr/>
+          <p:nvPr/>
+        </p:nvSpPr>
+        <p:spPr>
+          <a:xfrm>
+            <a:off x="7356766" y="3967596"/>
+            <a:ext cx="810491" cy="422562"/>
+          </a:xfrm>
+          <a:prstGeom prst="roundRect">
+            <a:avLst/>
+          </a:prstGeom>
+          <a:solidFill>
+            <a:schemeClr val="accent1">
+              <a:lumMod val="25000"/>
+              <a:lumOff val="75000"/>
+            </a:schemeClr>
+          </a:solidFill>
+          <a:ln>
+            <a:solidFill>
+              <a:schemeClr val="accent1">
+                <a:lumMod val="25000"/>
+                <a:lumOff val="75000"/>
+              </a:schemeClr>
+            </a:solidFill>
+          </a:ln>
+        </p:spPr>
+        <p:style>
+          <a:lnRef idx="2">
+            <a:schemeClr val="accent1">
+              <a:shade val="50000"/>
+            </a:schemeClr>
+          </a:lnRef>
+          <a:fillRef idx="1">
+            <a:schemeClr val="accent1"/>
+          </a:fillRef>
+          <a:effectRef idx="0">
+            <a:schemeClr val="accent1"/>
+          </a:effectRef>
+          <a:fontRef idx="minor">
+            <a:schemeClr val="lt1"/>
+          </a:fontRef>
+        </p:style>
+        <p:txBody>
+          <a:bodyPr rtlCol="0" anchor="ctr"/>
+          <a:lstStyle/>
+          <a:p>
+            <a:pPr algn="ctr"/>
+            <a:r>
+              <a:rPr lang="ko-KR" altLang="en-US" dirty="0"/>
+              <a:t>이사</a:t>
+            </a:r>
+          </a:p>
+        </p:txBody>
+      </p:sp>
+      <p:sp>
+        <p:nvSpPr>
+          <p:cNvPr id="10" name="화살표: 오른쪽 9">
+            <a:extLst>
+              <a:ext uri="{FF2B5EF4-FFF2-40B4-BE49-F238E27FC236}">
+                <a16:creationId xmlns:a16="http://schemas.microsoft.com/office/drawing/2014/main" id="{E9AB49AE-E85E-47B2-B217-8E9B81C25C8F}"/>
+              </a:ext>
+            </a:extLst>
+          </p:cNvPr>
+          <p:cNvSpPr/>
+          <p:nvPr/>
+        </p:nvSpPr>
+        <p:spPr>
+          <a:xfrm>
+            <a:off x="2492084" y="2120014"/>
+            <a:ext cx="699656" cy="517660"/>
+          </a:xfrm>
+          <a:prstGeom prst="rightArrow">
+            <a:avLst/>
+          </a:prstGeom>
+          <a:solidFill>
+            <a:srgbClr val="99FF99"/>
+          </a:solidFill>
+          <a:ln>
+            <a:solidFill>
+              <a:srgbClr val="99FF99"/>
+            </a:solidFill>
+          </a:ln>
+        </p:spPr>
+        <p:style>
+          <a:lnRef idx="2">
+            <a:schemeClr val="accent1">
+              <a:shade val="50000"/>
+            </a:schemeClr>
+          </a:lnRef>
+          <a:fillRef idx="1">
+            <a:schemeClr val="accent1"/>
+          </a:fillRef>
+          <a:effectRef idx="0">
+            <a:schemeClr val="accent1"/>
+          </a:effectRef>
+          <a:fontRef idx="minor">
+            <a:schemeClr val="lt1"/>
+          </a:fontRef>
+        </p:style>
+        <p:txBody>
+          <a:bodyPr rtlCol="0" anchor="ctr"/>
+          <a:lstStyle/>
+          <a:p>
+            <a:pPr algn="ctr"/>
+            <a:endParaRPr lang="ko-KR" altLang="en-US"/>
+          </a:p>
+        </p:txBody>
+      </p:sp>
+      <p:sp>
+        <p:nvSpPr>
+          <p:cNvPr id="20" name="화살표: 오른쪽 19">
+            <a:extLst>
+              <a:ext uri="{FF2B5EF4-FFF2-40B4-BE49-F238E27FC236}">
+                <a16:creationId xmlns:a16="http://schemas.microsoft.com/office/drawing/2014/main" id="{D20506AF-5316-495B-A6A2-951635FF40F6}"/>
+              </a:ext>
+            </a:extLst>
+          </p:cNvPr>
+          <p:cNvSpPr/>
+          <p:nvPr/>
+        </p:nvSpPr>
+        <p:spPr>
+          <a:xfrm>
+            <a:off x="5772148" y="2145461"/>
+            <a:ext cx="699656" cy="517660"/>
+          </a:xfrm>
+          <a:prstGeom prst="rightArrow">
+            <a:avLst/>
+          </a:prstGeom>
+          <a:solidFill>
+            <a:srgbClr val="99FF99"/>
+          </a:solidFill>
+          <a:ln>
+            <a:solidFill>
+              <a:srgbClr val="99FF99"/>
+            </a:solidFill>
+          </a:ln>
+        </p:spPr>
+        <p:style>
+          <a:lnRef idx="2">
+            <a:schemeClr val="accent1">
+              <a:shade val="50000"/>
+            </a:schemeClr>
+          </a:lnRef>
+          <a:fillRef idx="1">
+            <a:schemeClr val="accent1"/>
+          </a:fillRef>
+          <a:effectRef idx="0">
+            <a:schemeClr val="accent1"/>
+          </a:effectRef>
+          <a:fontRef idx="minor">
+            <a:schemeClr val="lt1"/>
+          </a:fontRef>
+        </p:style>
+        <p:txBody>
+          <a:bodyPr rtlCol="0" anchor="ctr"/>
+          <a:lstStyle/>
+          <a:p>
+            <a:pPr algn="ctr"/>
+            <a:endParaRPr lang="ko-KR" altLang="en-US"/>
+          </a:p>
+        </p:txBody>
+      </p:sp>
+      <p:sp>
+        <p:nvSpPr>
+          <p:cNvPr id="21" name="화살표: 오른쪽 20">
+            <a:extLst>
+              <a:ext uri="{FF2B5EF4-FFF2-40B4-BE49-F238E27FC236}">
+                <a16:creationId xmlns:a16="http://schemas.microsoft.com/office/drawing/2014/main" id="{B5175AD1-0835-4FA6-8AF4-C4BE347C266C}"/>
+              </a:ext>
+            </a:extLst>
+          </p:cNvPr>
+          <p:cNvSpPr/>
+          <p:nvPr/>
+        </p:nvSpPr>
+        <p:spPr>
+          <a:xfrm>
+            <a:off x="1967829" y="3920048"/>
+            <a:ext cx="699656" cy="517660"/>
+          </a:xfrm>
+          <a:prstGeom prst="rightArrow">
+            <a:avLst/>
+          </a:prstGeom>
+          <a:solidFill>
+            <a:srgbClr val="99FF99"/>
+          </a:solidFill>
+          <a:ln>
+            <a:solidFill>
+              <a:srgbClr val="99FF99"/>
+            </a:solidFill>
+          </a:ln>
+        </p:spPr>
+        <p:style>
+          <a:lnRef idx="2">
+            <a:schemeClr val="accent1">
+              <a:shade val="50000"/>
+            </a:schemeClr>
+          </a:lnRef>
+          <a:fillRef idx="1">
+            <a:schemeClr val="accent1"/>
+          </a:fillRef>
+          <a:effectRef idx="0">
+            <a:schemeClr val="accent1"/>
+          </a:effectRef>
+          <a:fontRef idx="minor">
+            <a:schemeClr val="lt1"/>
+          </a:fontRef>
+        </p:style>
+        <p:txBody>
+          <a:bodyPr rtlCol="0" anchor="ctr"/>
+          <a:lstStyle/>
+          <a:p>
+            <a:pPr algn="ctr"/>
+            <a:endParaRPr lang="ko-KR" altLang="en-US"/>
+          </a:p>
+        </p:txBody>
+      </p:sp>
+      <p:sp>
+        <p:nvSpPr>
+          <p:cNvPr id="22" name="화살표: 오른쪽 21">
+            <a:extLst>
+              <a:ext uri="{FF2B5EF4-FFF2-40B4-BE49-F238E27FC236}">
+                <a16:creationId xmlns:a16="http://schemas.microsoft.com/office/drawing/2014/main" id="{0A6DDC63-0DBE-4451-AD43-7E209D2218C5}"/>
+              </a:ext>
+            </a:extLst>
+          </p:cNvPr>
+          <p:cNvSpPr/>
+          <p:nvPr/>
+        </p:nvSpPr>
+        <p:spPr>
+          <a:xfrm>
+            <a:off x="6296406" y="3920047"/>
+            <a:ext cx="699656" cy="517660"/>
+          </a:xfrm>
+          <a:prstGeom prst="rightArrow">
+            <a:avLst/>
+          </a:prstGeom>
+          <a:solidFill>
+            <a:srgbClr val="99FF99"/>
+          </a:solidFill>
+          <a:ln>
+            <a:solidFill>
+              <a:srgbClr val="99FF99"/>
+            </a:solidFill>
+          </a:ln>
+        </p:spPr>
+        <p:style>
+          <a:lnRef idx="2">
+            <a:schemeClr val="accent1">
+              <a:shade val="50000"/>
+            </a:schemeClr>
+          </a:lnRef>
+          <a:fillRef idx="1">
+            <a:schemeClr val="accent1"/>
+          </a:fillRef>
+          <a:effectRef idx="0">
+            <a:schemeClr val="accent1"/>
+          </a:effectRef>
+          <a:fontRef idx="minor">
+            <a:schemeClr val="lt1"/>
+          </a:fontRef>
+        </p:style>
+        <p:txBody>
+          <a:bodyPr rtlCol="0" anchor="ctr"/>
+          <a:lstStyle/>
+          <a:p>
+            <a:pPr algn="ctr"/>
+            <a:endParaRPr lang="ko-KR" altLang="en-US"/>
+          </a:p>
+        </p:txBody>
+      </p:sp>
+    </p:spTree>
+    <p:extLst>
+      <p:ext uri="{BB962C8B-B14F-4D97-AF65-F5344CB8AC3E}">
+        <p14:creationId xmlns:p14="http://schemas.microsoft.com/office/powerpoint/2010/main" val="2316752253"/>
+      </p:ext>
+    </p:extLst>
+  </p:cSld>
+  <p:clrMapOvr>
+    <a:masterClrMapping/>
+  </p:clrMapOvr>
+</p:sld>
+</file>
+
+<file path=ppt/slides/slide11.xml><?xml version="1.0" encoding="utf-8"?>
+<p:sld xmlns:a="http://schemas.openxmlformats.org/drawingml/2006/main" xmlns:r="http://schemas.openxmlformats.org/officeDocument/2006/relationships" xmlns:p="http://schemas.openxmlformats.org/presentationml/2006/main">
+  <p:cSld>
+    <p:spTree>
+      <p:nvGrpSpPr>
+        <p:cNvPr id="1" name="Shape 105"/>
+        <p:cNvGrpSpPr/>
+        <p:nvPr/>
+      </p:nvGrpSpPr>
+      <p:grpSpPr>
+        <a:xfrm>
+          <a:off x="0" y="0"/>
+          <a:ext cx="0" cy="0"/>
+          <a:chOff x="0" y="0"/>
+          <a:chExt cx="0" cy="0"/>
+        </a:xfrm>
+      </p:grpSpPr>
+      <p:sp>
+        <p:nvSpPr>
+          <p:cNvPr id="106" name="Google Shape;106;p18"/>
+          <p:cNvSpPr txBox="1">
+            <a:spLocks noGrp="1"/>
+          </p:cNvSpPr>
+          <p:nvPr>
+            <p:ph type="title"/>
+          </p:nvPr>
+        </p:nvSpPr>
+        <p:spPr>
+          <a:xfrm>
+            <a:off x="311725" y="500925"/>
+            <a:ext cx="8520600" cy="623700"/>
+          </a:xfrm>
+          <a:prstGeom prst="rect">
+            <a:avLst/>
+          </a:prstGeom>
+        </p:spPr>
+        <p:txBody>
+          <a:bodyPr spcFirstLastPara="1" wrap="square" lIns="91425" tIns="91425" rIns="91425" bIns="91425" anchor="t" anchorCtr="0">
+            <a:noAutofit/>
+          </a:bodyPr>
+          <a:lstStyle/>
+          <a:p>
+            <a:pPr marL="0" lvl="0" indent="0" algn="l" rtl="0">
+              <a:spcBef>
+                <a:spcPts val="0"/>
+              </a:spcBef>
+              <a:spcAft>
+                <a:spcPts val="0"/>
+              </a:spcAft>
+              <a:buNone/>
+            </a:pPr>
+            <a:r>
+              <a:rPr lang="ko" dirty="0"/>
+              <a:t>주요 기능</a:t>
+            </a:r>
+            <a:endParaRPr dirty="0"/>
+          </a:p>
+        </p:txBody>
+      </p:sp>
+      <p:sp>
+        <p:nvSpPr>
+          <p:cNvPr id="107" name="Google Shape;107;p18"/>
+          <p:cNvSpPr txBox="1"/>
+          <p:nvPr/>
+        </p:nvSpPr>
+        <p:spPr>
+          <a:xfrm>
+            <a:off x="303425" y="1339525"/>
+            <a:ext cx="8681100" cy="325500"/>
+          </a:xfrm>
+          <a:prstGeom prst="rect">
+            <a:avLst/>
+          </a:prstGeom>
+          <a:solidFill>
+            <a:srgbClr val="F3F3F3"/>
+          </a:solidFill>
+          <a:ln>
+            <a:noFill/>
+          </a:ln>
+        </p:spPr>
+        <p:txBody>
+          <a:bodyPr spcFirstLastPara="1" wrap="square" lIns="91425" tIns="91425" rIns="91425" bIns="91425" anchor="ctr" anchorCtr="0">
+            <a:noAutofit/>
+          </a:bodyPr>
+          <a:lstStyle/>
+          <a:p>
+            <a:pPr marL="0" lvl="0" indent="0" algn="l" rtl="0">
+              <a:spcBef>
+                <a:spcPts val="0"/>
+              </a:spcBef>
+              <a:spcAft>
+                <a:spcPts val="0"/>
+              </a:spcAft>
+              <a:buNone/>
+            </a:pPr>
+            <a:r>
+              <a:rPr lang="ko-KR" altLang="en-US" dirty="0">
+                <a:latin typeface="Roboto"/>
+                <a:ea typeface="Roboto"/>
+                <a:cs typeface="Roboto"/>
+                <a:sym typeface="Roboto"/>
+              </a:rPr>
+              <a:t>전자결재 승인</a:t>
+            </a:r>
+            <a:r>
+              <a:rPr lang="en-US" altLang="ko-KR" dirty="0">
+                <a:latin typeface="Roboto"/>
+                <a:ea typeface="Roboto"/>
+                <a:cs typeface="Roboto"/>
+                <a:sym typeface="Roboto"/>
+              </a:rPr>
+              <a:t>(</a:t>
+            </a:r>
+            <a:r>
+              <a:rPr lang="ko-KR" altLang="en-US" dirty="0">
+                <a:latin typeface="Roboto"/>
+                <a:ea typeface="Roboto"/>
+                <a:cs typeface="Roboto"/>
+                <a:sym typeface="Roboto"/>
+              </a:rPr>
+              <a:t>완료</a:t>
+            </a:r>
+            <a:r>
+              <a:rPr lang="en-US" altLang="ko-KR" dirty="0">
+                <a:latin typeface="Roboto"/>
+                <a:ea typeface="Roboto"/>
+                <a:cs typeface="Roboto"/>
+                <a:sym typeface="Roboto"/>
+              </a:rPr>
+              <a:t>) </a:t>
+            </a:r>
+            <a:r>
+              <a:rPr lang="ko-KR" altLang="en-US" dirty="0">
+                <a:latin typeface="Roboto"/>
+                <a:ea typeface="Roboto"/>
+                <a:cs typeface="Roboto"/>
+                <a:sym typeface="Roboto"/>
+              </a:rPr>
+              <a:t>기능</a:t>
+            </a:r>
+            <a:endParaRPr dirty="0">
+              <a:latin typeface="Roboto"/>
+              <a:ea typeface="Roboto"/>
+              <a:cs typeface="Roboto"/>
+              <a:sym typeface="Roboto"/>
+            </a:endParaRPr>
+          </a:p>
+        </p:txBody>
+      </p:sp>
+      <p:sp>
+        <p:nvSpPr>
+          <p:cNvPr id="2" name="TextBox 1">
+            <a:extLst>
+              <a:ext uri="{FF2B5EF4-FFF2-40B4-BE49-F238E27FC236}">
+                <a16:creationId xmlns:a16="http://schemas.microsoft.com/office/drawing/2014/main" id="{980CFA36-3099-44A6-8C22-397F94C66572}"/>
+              </a:ext>
+            </a:extLst>
+          </p:cNvPr>
+          <p:cNvSpPr txBox="1"/>
+          <p:nvPr/>
+        </p:nvSpPr>
+        <p:spPr>
+          <a:xfrm>
+            <a:off x="1108364" y="2571750"/>
+            <a:ext cx="6172200" cy="307777"/>
+          </a:xfrm>
+          <a:prstGeom prst="rect">
+            <a:avLst/>
+          </a:prstGeom>
+          <a:noFill/>
+        </p:spPr>
+        <p:txBody>
+          <a:bodyPr wrap="square" rtlCol="0">
+            <a:spAutoFit/>
+          </a:bodyPr>
+          <a:lstStyle/>
+          <a:p>
+            <a:r>
+              <a:rPr lang="ko-KR" altLang="en-US" dirty="0"/>
+              <a:t>동영상 대체예정</a:t>
+            </a:r>
+            <a:r>
+              <a:rPr lang="en-US" altLang="ko-KR" dirty="0"/>
+              <a:t>(</a:t>
+            </a:r>
+            <a:r>
+              <a:rPr lang="ko-KR" altLang="en-US" dirty="0" err="1"/>
+              <a:t>제작중</a:t>
+            </a:r>
+            <a:r>
+              <a:rPr lang="en-US" altLang="ko-KR" dirty="0"/>
+              <a:t>)</a:t>
+            </a:r>
+            <a:endParaRPr lang="ko-KR" altLang="en-US" dirty="0"/>
+          </a:p>
+        </p:txBody>
+      </p:sp>
+    </p:spTree>
+    <p:extLst>
+      <p:ext uri="{BB962C8B-B14F-4D97-AF65-F5344CB8AC3E}">
+        <p14:creationId xmlns:p14="http://schemas.microsoft.com/office/powerpoint/2010/main" val="1244873184"/>
+      </p:ext>
+    </p:extLst>
+  </p:cSld>
+  <p:clrMapOvr>
+    <a:masterClrMapping/>
+  </p:clrMapOvr>
+</p:sld>
+</file>
+
+<file path=ppt/slides/slide12.xml><?xml version="1.0" encoding="utf-8"?>
+<p:sld xmlns:a="http://schemas.openxmlformats.org/drawingml/2006/main" xmlns:r="http://schemas.openxmlformats.org/officeDocument/2006/relationships" xmlns:p="http://schemas.openxmlformats.org/presentationml/2006/main">
+  <p:cSld>
+    <p:spTree>
+      <p:nvGrpSpPr>
+        <p:cNvPr id="1" name="Shape 105"/>
+        <p:cNvGrpSpPr/>
+        <p:nvPr/>
+      </p:nvGrpSpPr>
+      <p:grpSpPr>
+        <a:xfrm>
+          <a:off x="0" y="0"/>
+          <a:ext cx="0" cy="0"/>
+          <a:chOff x="0" y="0"/>
+          <a:chExt cx="0" cy="0"/>
+        </a:xfrm>
+      </p:grpSpPr>
+      <p:sp>
+        <p:nvSpPr>
+          <p:cNvPr id="106" name="Google Shape;106;p18"/>
+          <p:cNvSpPr txBox="1">
+            <a:spLocks noGrp="1"/>
+          </p:cNvSpPr>
+          <p:nvPr>
+            <p:ph type="title"/>
+          </p:nvPr>
+        </p:nvSpPr>
+        <p:spPr>
+          <a:xfrm>
+            <a:off x="311725" y="500925"/>
+            <a:ext cx="8520600" cy="623700"/>
+          </a:xfrm>
+          <a:prstGeom prst="rect">
+            <a:avLst/>
+          </a:prstGeom>
+        </p:spPr>
+        <p:txBody>
+          <a:bodyPr spcFirstLastPara="1" wrap="square" lIns="91425" tIns="91425" rIns="91425" bIns="91425" anchor="t" anchorCtr="0">
+            <a:noAutofit/>
+          </a:bodyPr>
+          <a:lstStyle/>
+          <a:p>
+            <a:pPr marL="0" lvl="0" indent="0" algn="l" rtl="0">
+              <a:spcBef>
+                <a:spcPts val="0"/>
+              </a:spcBef>
+              <a:spcAft>
+                <a:spcPts val="0"/>
+              </a:spcAft>
+              <a:buNone/>
+            </a:pPr>
+            <a:r>
+              <a:rPr lang="ko" dirty="0"/>
+              <a:t>주요 기능</a:t>
+            </a:r>
+            <a:endParaRPr dirty="0"/>
+          </a:p>
+        </p:txBody>
+      </p:sp>
+      <p:sp>
+        <p:nvSpPr>
+          <p:cNvPr id="107" name="Google Shape;107;p18"/>
+          <p:cNvSpPr txBox="1"/>
+          <p:nvPr/>
+        </p:nvSpPr>
+        <p:spPr>
+          <a:xfrm>
+            <a:off x="303425" y="1339525"/>
+            <a:ext cx="8681100" cy="325500"/>
+          </a:xfrm>
+          <a:prstGeom prst="rect">
+            <a:avLst/>
+          </a:prstGeom>
+          <a:solidFill>
+            <a:srgbClr val="F3F3F3"/>
+          </a:solidFill>
+          <a:ln>
+            <a:noFill/>
+          </a:ln>
+        </p:spPr>
+        <p:txBody>
+          <a:bodyPr spcFirstLastPara="1" wrap="square" lIns="91425" tIns="91425" rIns="91425" bIns="91425" anchor="ctr" anchorCtr="0">
+            <a:noAutofit/>
+          </a:bodyPr>
+          <a:lstStyle/>
+          <a:p>
+            <a:pPr marL="0" lvl="0" indent="0" algn="l" rtl="0">
+              <a:spcBef>
+                <a:spcPts val="0"/>
+              </a:spcBef>
+              <a:spcAft>
+                <a:spcPts val="0"/>
+              </a:spcAft>
+              <a:buNone/>
+            </a:pPr>
+            <a:r>
+              <a:rPr lang="ko-KR" altLang="en-US" dirty="0">
+                <a:latin typeface="Roboto"/>
+                <a:ea typeface="Roboto"/>
+                <a:cs typeface="Roboto"/>
+                <a:sym typeface="Roboto"/>
+              </a:rPr>
+              <a:t>전자결재 반려 및 재수정 기능</a:t>
+            </a:r>
+            <a:endParaRPr dirty="0">
+              <a:latin typeface="Roboto"/>
+              <a:ea typeface="Roboto"/>
+              <a:cs typeface="Roboto"/>
+              <a:sym typeface="Roboto"/>
+            </a:endParaRPr>
+          </a:p>
+        </p:txBody>
+      </p:sp>
+      <p:sp>
+        <p:nvSpPr>
+          <p:cNvPr id="4" name="TextBox 3">
+            <a:extLst>
+              <a:ext uri="{FF2B5EF4-FFF2-40B4-BE49-F238E27FC236}">
+                <a16:creationId xmlns:a16="http://schemas.microsoft.com/office/drawing/2014/main" id="{29DA6D42-1BBA-4C4A-A676-793405D00646}"/>
+              </a:ext>
+            </a:extLst>
+          </p:cNvPr>
+          <p:cNvSpPr txBox="1"/>
+          <p:nvPr/>
+        </p:nvSpPr>
+        <p:spPr>
+          <a:xfrm>
+            <a:off x="1281545" y="2571750"/>
+            <a:ext cx="6172200" cy="307777"/>
+          </a:xfrm>
+          <a:prstGeom prst="rect">
+            <a:avLst/>
+          </a:prstGeom>
+          <a:noFill/>
+        </p:spPr>
+        <p:txBody>
+          <a:bodyPr wrap="square" rtlCol="0">
+            <a:spAutoFit/>
+          </a:bodyPr>
+          <a:lstStyle/>
+          <a:p>
+            <a:r>
+              <a:rPr lang="ko-KR" altLang="en-US" dirty="0"/>
+              <a:t>동영상 대체예정</a:t>
+            </a:r>
+            <a:r>
+              <a:rPr lang="en-US" altLang="ko-KR" dirty="0"/>
+              <a:t>(</a:t>
+            </a:r>
+            <a:r>
+              <a:rPr lang="ko-KR" altLang="en-US" dirty="0" err="1"/>
+              <a:t>제작중</a:t>
+            </a:r>
+            <a:r>
+              <a:rPr lang="en-US" altLang="ko-KR" dirty="0"/>
+              <a:t>)</a:t>
+            </a:r>
+            <a:endParaRPr lang="ko-KR" altLang="en-US" dirty="0"/>
+          </a:p>
+        </p:txBody>
+      </p:sp>
+    </p:spTree>
+    <p:extLst>
+      <p:ext uri="{BB962C8B-B14F-4D97-AF65-F5344CB8AC3E}">
+        <p14:creationId xmlns:p14="http://schemas.microsoft.com/office/powerpoint/2010/main" val="2870458051"/>
+      </p:ext>
+    </p:extLst>
+  </p:cSld>
+  <p:clrMapOvr>
+    <a:masterClrMapping/>
+  </p:clrMapOvr>
+</p:sld>
+</file>
+
+<file path=ppt/slides/slide13.xml><?xml version="1.0" encoding="utf-8"?>
+<p:sld xmlns:a="http://schemas.openxmlformats.org/drawingml/2006/main" xmlns:r="http://schemas.openxmlformats.org/officeDocument/2006/relationships" xmlns:p="http://schemas.openxmlformats.org/presentationml/2006/main">
+  <p:cSld>
+    <p:spTree>
+      <p:nvGrpSpPr>
+        <p:cNvPr id="1" name="Shape 117"/>
+        <p:cNvGrpSpPr/>
+        <p:nvPr/>
+      </p:nvGrpSpPr>
+      <p:grpSpPr>
+        <a:xfrm>
+          <a:off x="0" y="0"/>
+          <a:ext cx="0" cy="0"/>
+          <a:chOff x="0" y="0"/>
+          <a:chExt cx="0" cy="0"/>
+        </a:xfrm>
+      </p:grpSpPr>
+      <p:sp>
+        <p:nvSpPr>
+          <p:cNvPr id="118" name="Google Shape;118;p19"/>
+          <p:cNvSpPr txBox="1">
+            <a:spLocks noGrp="1"/>
+          </p:cNvSpPr>
+          <p:nvPr>
+            <p:ph type="title"/>
+          </p:nvPr>
+        </p:nvSpPr>
+        <p:spPr>
+          <a:xfrm>
+            <a:off x="311725" y="500925"/>
+            <a:ext cx="8520600" cy="623700"/>
+          </a:xfrm>
+          <a:prstGeom prst="rect">
+            <a:avLst/>
+          </a:prstGeom>
+        </p:spPr>
+        <p:txBody>
+          <a:bodyPr spcFirstLastPara="1" wrap="square" lIns="91425" tIns="91425" rIns="91425" bIns="91425" anchor="t" anchorCtr="0">
+            <a:noAutofit/>
+          </a:bodyPr>
+          <a:lstStyle/>
+          <a:p>
+            <a:pPr marL="0" lvl="0" indent="0" algn="l" rtl="0">
+              <a:spcBef>
+                <a:spcPts val="0"/>
+              </a:spcBef>
+              <a:spcAft>
+                <a:spcPts val="0"/>
+              </a:spcAft>
+              <a:buNone/>
+            </a:pPr>
+            <a:r>
+              <a:rPr lang="ko"/>
+              <a:t>주요 기능</a:t>
+            </a:r>
+            <a:endParaRPr/>
+          </a:p>
+        </p:txBody>
+      </p:sp>
+      <p:sp>
+        <p:nvSpPr>
+          <p:cNvPr id="119" name="Google Shape;119;p19"/>
+          <p:cNvSpPr txBox="1"/>
+          <p:nvPr/>
+        </p:nvSpPr>
+        <p:spPr>
+          <a:xfrm>
+            <a:off x="303425" y="1339525"/>
+            <a:ext cx="8681100" cy="325500"/>
+          </a:xfrm>
+          <a:prstGeom prst="rect">
+            <a:avLst/>
+          </a:prstGeom>
+          <a:solidFill>
+            <a:srgbClr val="F3F3F3"/>
+          </a:solidFill>
+          <a:ln>
+            <a:noFill/>
+          </a:ln>
+        </p:spPr>
+        <p:txBody>
+          <a:bodyPr spcFirstLastPara="1" wrap="square" lIns="91425" tIns="91425" rIns="91425" bIns="91425" anchor="ctr" anchorCtr="0">
+            <a:noAutofit/>
+          </a:bodyPr>
+          <a:lstStyle/>
+          <a:p>
+            <a:pPr marL="0" lvl="0" indent="0" algn="l" rtl="0">
+              <a:spcBef>
+                <a:spcPts val="0"/>
+              </a:spcBef>
+              <a:spcAft>
+                <a:spcPts val="0"/>
+              </a:spcAft>
+              <a:buNone/>
+            </a:pPr>
+            <a:r>
+              <a:rPr lang="ko">
+                <a:latin typeface="Roboto"/>
+                <a:ea typeface="Roboto"/>
+                <a:cs typeface="Roboto"/>
+                <a:sym typeface="Roboto"/>
+              </a:rPr>
+              <a:t>게시글 보기에서의 정렬 기능</a:t>
+            </a:r>
+            <a:endParaRPr>
+              <a:latin typeface="Roboto"/>
+              <a:ea typeface="Roboto"/>
+              <a:cs typeface="Roboto"/>
+              <a:sym typeface="Roboto"/>
+            </a:endParaRPr>
+          </a:p>
+        </p:txBody>
+      </p:sp>
+      <p:pic>
+        <p:nvPicPr>
+          <p:cNvPr id="120" name="Google Shape;120;p19"/>
+          <p:cNvPicPr preferRelativeResize="0"/>
+          <p:nvPr/>
+        </p:nvPicPr>
+        <p:blipFill>
+          <a:blip r:embed="rId3">
+            <a:alphaModFix/>
+          </a:blip>
+          <a:stretch>
+            <a:fillRect/>
+          </a:stretch>
+        </p:blipFill>
+        <p:spPr>
+          <a:xfrm>
+            <a:off x="594100" y="1879925"/>
+            <a:ext cx="2159999" cy="2520000"/>
+          </a:xfrm>
+          <a:prstGeom prst="rect">
+            <a:avLst/>
+          </a:prstGeom>
+          <a:noFill/>
+          <a:ln>
+            <a:noFill/>
+          </a:ln>
+        </p:spPr>
+      </p:pic>
+      <p:pic>
+        <p:nvPicPr>
+          <p:cNvPr id="121" name="Google Shape;121;p19"/>
+          <p:cNvPicPr preferRelativeResize="0"/>
+          <p:nvPr/>
+        </p:nvPicPr>
+        <p:blipFill>
+          <a:blip r:embed="rId4">
+            <a:alphaModFix/>
+          </a:blip>
+          <a:stretch>
+            <a:fillRect/>
+          </a:stretch>
+        </p:blipFill>
+        <p:spPr>
+          <a:xfrm>
+            <a:off x="3563976" y="1879925"/>
+            <a:ext cx="2160000" cy="2520000"/>
+          </a:xfrm>
+          <a:prstGeom prst="rect">
+            <a:avLst/>
+          </a:prstGeom>
+          <a:noFill/>
+          <a:ln>
+            <a:noFill/>
+          </a:ln>
+        </p:spPr>
+      </p:pic>
+      <p:pic>
+        <p:nvPicPr>
+          <p:cNvPr id="122" name="Google Shape;122;p19"/>
+          <p:cNvPicPr preferRelativeResize="0"/>
+          <p:nvPr/>
+        </p:nvPicPr>
+        <p:blipFill>
+          <a:blip r:embed="rId5">
+            <a:alphaModFix/>
+          </a:blip>
+          <a:stretch>
+            <a:fillRect/>
+          </a:stretch>
+        </p:blipFill>
+        <p:spPr>
+          <a:xfrm>
+            <a:off x="6533851" y="1879925"/>
+            <a:ext cx="2159998" cy="2520000"/>
+          </a:xfrm>
+          <a:prstGeom prst="rect">
+            <a:avLst/>
+          </a:prstGeom>
+          <a:noFill/>
+          <a:ln>
+            <a:noFill/>
+          </a:ln>
+        </p:spPr>
+      </p:pic>
+    </p:spTree>
+  </p:cSld>
+  <p:clrMapOvr>
+    <a:masterClrMapping/>
+  </p:clrMapOvr>
+</p:sld>
+</file>
+
+<file path=ppt/slides/slide14.xml><?xml version="1.0" encoding="utf-8"?>
+<p:sld xmlns:a="http://schemas.openxmlformats.org/drawingml/2006/main" xmlns:r="http://schemas.openxmlformats.org/officeDocument/2006/relationships" xmlns:p="http://schemas.openxmlformats.org/presentationml/2006/main">
+  <p:cSld>
+    <p:spTree>
+      <p:nvGrpSpPr>
+        <p:cNvPr id="1" name="Shape 126"/>
+        <p:cNvGrpSpPr/>
+        <p:nvPr/>
+      </p:nvGrpSpPr>
+      <p:grpSpPr>
+        <a:xfrm>
+          <a:off x="0" y="0"/>
+          <a:ext cx="0" cy="0"/>
+          <a:chOff x="0" y="0"/>
+          <a:chExt cx="0" cy="0"/>
+        </a:xfrm>
+      </p:grpSpPr>
+      <p:sp>
+        <p:nvSpPr>
+          <p:cNvPr id="127" name="Google Shape;127;p20"/>
+          <p:cNvSpPr txBox="1">
+            <a:spLocks noGrp="1"/>
+          </p:cNvSpPr>
+          <p:nvPr>
+            <p:ph type="title"/>
+          </p:nvPr>
+        </p:nvSpPr>
+        <p:spPr>
+          <a:xfrm>
+            <a:off x="311725" y="500925"/>
+            <a:ext cx="8520600" cy="623700"/>
+          </a:xfrm>
+          <a:prstGeom prst="rect">
+            <a:avLst/>
+          </a:prstGeom>
+        </p:spPr>
+        <p:txBody>
+          <a:bodyPr spcFirstLastPara="1" wrap="square" lIns="91425" tIns="91425" rIns="91425" bIns="91425" anchor="t" anchorCtr="0">
+            <a:noAutofit/>
+          </a:bodyPr>
+          <a:lstStyle/>
+          <a:p>
+            <a:pPr marL="0" lvl="0" indent="0" algn="l" rtl="0">
+              <a:spcBef>
+                <a:spcPts val="0"/>
+              </a:spcBef>
+              <a:spcAft>
+                <a:spcPts val="0"/>
+              </a:spcAft>
+              <a:buNone/>
+            </a:pPr>
+            <a:r>
+              <a:rPr lang="ko"/>
+              <a:t>주요 기능</a:t>
+            </a:r>
+            <a:endParaRPr/>
+          </a:p>
+        </p:txBody>
+      </p:sp>
+      <p:sp>
+        <p:nvSpPr>
+          <p:cNvPr id="128" name="Google Shape;128;p20"/>
+          <p:cNvSpPr txBox="1"/>
+          <p:nvPr/>
+        </p:nvSpPr>
+        <p:spPr>
+          <a:xfrm>
+            <a:off x="303425" y="1339525"/>
+            <a:ext cx="8681100" cy="325500"/>
+          </a:xfrm>
+          <a:prstGeom prst="rect">
+            <a:avLst/>
+          </a:prstGeom>
+          <a:solidFill>
+            <a:srgbClr val="F3F3F3"/>
+          </a:solidFill>
+          <a:ln>
+            <a:noFill/>
+          </a:ln>
+        </p:spPr>
+        <p:txBody>
+          <a:bodyPr spcFirstLastPara="1" wrap="square" lIns="91425" tIns="91425" rIns="91425" bIns="91425" anchor="ctr" anchorCtr="0">
+            <a:noAutofit/>
+          </a:bodyPr>
+          <a:lstStyle/>
+          <a:p>
+            <a:pPr marL="0" lvl="0" indent="0" algn="l" rtl="0">
+              <a:spcBef>
+                <a:spcPts val="0"/>
+              </a:spcBef>
+              <a:spcAft>
+                <a:spcPts val="0"/>
+              </a:spcAft>
+              <a:buNone/>
+            </a:pPr>
+            <a:r>
+              <a:rPr lang="ko">
+                <a:latin typeface="Roboto"/>
+                <a:ea typeface="Roboto"/>
+                <a:cs typeface="Roboto"/>
+                <a:sym typeface="Roboto"/>
+              </a:rPr>
+              <a:t>글 작성 시 필수항목 확인 기능</a:t>
+            </a:r>
+            <a:endParaRPr>
+              <a:latin typeface="Roboto"/>
+              <a:ea typeface="Roboto"/>
+              <a:cs typeface="Roboto"/>
+              <a:sym typeface="Roboto"/>
+            </a:endParaRPr>
+          </a:p>
+        </p:txBody>
+      </p:sp>
+      <p:pic>
+        <p:nvPicPr>
+          <p:cNvPr id="129" name="Google Shape;129;p20"/>
+          <p:cNvPicPr preferRelativeResize="0"/>
+          <p:nvPr/>
+        </p:nvPicPr>
+        <p:blipFill>
+          <a:blip r:embed="rId3">
+            <a:alphaModFix/>
+          </a:blip>
+          <a:stretch>
+            <a:fillRect/>
+          </a:stretch>
+        </p:blipFill>
+        <p:spPr>
+          <a:xfrm>
+            <a:off x="303425" y="1737800"/>
+            <a:ext cx="4062574" cy="3173674"/>
+          </a:xfrm>
+          <a:prstGeom prst="rect">
+            <a:avLst/>
+          </a:prstGeom>
+          <a:noFill/>
+          <a:ln>
+            <a:noFill/>
+          </a:ln>
+        </p:spPr>
+      </p:pic>
+      <p:pic>
+        <p:nvPicPr>
+          <p:cNvPr id="130" name="Google Shape;130;p20"/>
+          <p:cNvPicPr preferRelativeResize="0"/>
+          <p:nvPr/>
+        </p:nvPicPr>
+        <p:blipFill>
+          <a:blip r:embed="rId4">
+            <a:alphaModFix/>
+          </a:blip>
+          <a:stretch>
+            <a:fillRect/>
+          </a:stretch>
+        </p:blipFill>
+        <p:spPr>
+          <a:xfrm>
+            <a:off x="5270900" y="1801500"/>
+            <a:ext cx="3713625" cy="1285875"/>
+          </a:xfrm>
+          <a:prstGeom prst="rect">
+            <a:avLst/>
+          </a:prstGeom>
+          <a:noFill/>
+          <a:ln>
+            <a:noFill/>
+          </a:ln>
+        </p:spPr>
+      </p:pic>
+      <p:pic>
+        <p:nvPicPr>
+          <p:cNvPr id="131" name="Google Shape;131;p20"/>
+          <p:cNvPicPr preferRelativeResize="0"/>
+          <p:nvPr/>
+        </p:nvPicPr>
+        <p:blipFill>
+          <a:blip r:embed="rId5">
+            <a:alphaModFix/>
+          </a:blip>
+          <a:stretch>
+            <a:fillRect/>
+          </a:stretch>
+        </p:blipFill>
+        <p:spPr>
+          <a:xfrm>
+            <a:off x="5270900" y="3223850"/>
+            <a:ext cx="3713625" cy="1285875"/>
+          </a:xfrm>
+          <a:prstGeom prst="rect">
+            <a:avLst/>
+          </a:prstGeom>
+          <a:noFill/>
+          <a:ln>
+            <a:noFill/>
+          </a:ln>
+        </p:spPr>
+      </p:pic>
+      <p:sp>
+        <p:nvSpPr>
+          <p:cNvPr id="132" name="Google Shape;132;p20"/>
+          <p:cNvSpPr/>
+          <p:nvPr/>
+        </p:nvSpPr>
+        <p:spPr>
+          <a:xfrm>
+            <a:off x="4508550" y="2788963"/>
+            <a:ext cx="619800" cy="814200"/>
+          </a:xfrm>
+          <a:prstGeom prst="rightArrow">
+            <a:avLst>
+              <a:gd name="adj1" fmla="val 50000"/>
+              <a:gd name="adj2" fmla="val 50000"/>
+            </a:avLst>
+          </a:prstGeom>
+          <a:solidFill>
+            <a:schemeClr val="lt2"/>
+          </a:solidFill>
+          <a:ln w="9525" cap="flat" cmpd="sng">
+            <a:solidFill>
+              <a:schemeClr val="dk2"/>
+            </a:solidFill>
+            <a:prstDash val="solid"/>
+            <a:round/>
+            <a:headEnd type="none" w="sm" len="sm"/>
+            <a:tailEnd type="none" w="sm" len="sm"/>
+          </a:ln>
+        </p:spPr>
+        <p:txBody>
+          <a:bodyPr spcFirstLastPara="1" wrap="square" lIns="91425" tIns="91425" rIns="91425" bIns="91425" anchor="ctr" anchorCtr="0">
+            <a:noAutofit/>
+          </a:bodyPr>
+          <a:lstStyle/>
+          <a:p>
+            <a:pPr marL="0" lvl="0" indent="0" algn="l" rtl="0">
+              <a:spcBef>
+                <a:spcPts val="0"/>
+              </a:spcBef>
+              <a:spcAft>
+                <a:spcPts val="0"/>
+              </a:spcAft>
+              <a:buNone/>
+            </a:pPr>
+            <a:endParaRPr/>
+          </a:p>
+        </p:txBody>
+      </p:sp>
+    </p:spTree>
+  </p:cSld>
+  <p:clrMapOvr>
+    <a:masterClrMapping/>
+  </p:clrMapOvr>
+</p:sld>
+</file>
+
+<file path=ppt/slides/slide15.xml><?xml version="1.0" encoding="utf-8"?>
+<p:sld xmlns:a="http://schemas.openxmlformats.org/drawingml/2006/main" xmlns:r="http://schemas.openxmlformats.org/officeDocument/2006/relationships" xmlns:p="http://schemas.openxmlformats.org/presentationml/2006/main">
+  <p:cSld>
+    <p:spTree>
+      <p:nvGrpSpPr>
+        <p:cNvPr id="1" name="Shape 126"/>
+        <p:cNvGrpSpPr/>
+        <p:nvPr/>
+      </p:nvGrpSpPr>
+      <p:grpSpPr>
+        <a:xfrm>
+          <a:off x="0" y="0"/>
+          <a:ext cx="0" cy="0"/>
+          <a:chOff x="0" y="0"/>
+          <a:chExt cx="0" cy="0"/>
+        </a:xfrm>
+      </p:grpSpPr>
+      <p:sp>
+        <p:nvSpPr>
+          <p:cNvPr id="127" name="Google Shape;127;p20"/>
+          <p:cNvSpPr txBox="1">
+            <a:spLocks noGrp="1"/>
+          </p:cNvSpPr>
+          <p:nvPr>
+            <p:ph type="title"/>
+          </p:nvPr>
+        </p:nvSpPr>
+        <p:spPr>
+          <a:xfrm>
+            <a:off x="311725" y="500925"/>
+            <a:ext cx="8520600" cy="623700"/>
+          </a:xfrm>
+          <a:prstGeom prst="rect">
+            <a:avLst/>
+          </a:prstGeom>
+        </p:spPr>
+        <p:txBody>
+          <a:bodyPr spcFirstLastPara="1" wrap="square" lIns="91425" tIns="91425" rIns="91425" bIns="91425" anchor="t" anchorCtr="0">
+            <a:noAutofit/>
+          </a:bodyPr>
+          <a:lstStyle/>
+          <a:p>
+            <a:pPr marL="0" lvl="0" indent="0" algn="l" rtl="0">
+              <a:spcBef>
+                <a:spcPts val="0"/>
+              </a:spcBef>
+              <a:spcAft>
+                <a:spcPts val="0"/>
+              </a:spcAft>
+              <a:buNone/>
+            </a:pPr>
+            <a:r>
+              <a:rPr lang="ko"/>
+              <a:t>주요 기능</a:t>
+            </a:r>
+            <a:endParaRPr/>
+          </a:p>
+        </p:txBody>
+      </p:sp>
+      <p:sp>
+        <p:nvSpPr>
+          <p:cNvPr id="128" name="Google Shape;128;p20"/>
+          <p:cNvSpPr txBox="1"/>
+          <p:nvPr/>
+        </p:nvSpPr>
+        <p:spPr>
+          <a:xfrm>
+            <a:off x="303425" y="1339525"/>
+            <a:ext cx="8681100" cy="325500"/>
+          </a:xfrm>
+          <a:prstGeom prst="rect">
+            <a:avLst/>
+          </a:prstGeom>
+          <a:solidFill>
+            <a:srgbClr val="F3F3F3"/>
+          </a:solidFill>
+          <a:ln>
+            <a:noFill/>
+          </a:ln>
+        </p:spPr>
+        <p:txBody>
+          <a:bodyPr spcFirstLastPara="1" wrap="square" lIns="91425" tIns="91425" rIns="91425" bIns="91425" anchor="ctr" anchorCtr="0">
+            <a:noAutofit/>
+          </a:bodyPr>
+          <a:lstStyle/>
+          <a:p>
+            <a:pPr marL="0" lvl="0" indent="0" algn="l" rtl="0">
+              <a:spcBef>
+                <a:spcPts val="0"/>
+              </a:spcBef>
+              <a:spcAft>
+                <a:spcPts val="0"/>
+              </a:spcAft>
+              <a:buNone/>
+            </a:pPr>
+            <a:r>
+              <a:rPr lang="ko-KR" altLang="en-US" dirty="0">
+                <a:latin typeface="Roboto"/>
+                <a:ea typeface="Roboto"/>
+                <a:cs typeface="Roboto"/>
+                <a:sym typeface="Roboto"/>
+              </a:rPr>
+              <a:t>게시판 댓글 기능</a:t>
+            </a:r>
+            <a:endParaRPr dirty="0">
+              <a:latin typeface="Roboto"/>
+              <a:ea typeface="Roboto"/>
+              <a:cs typeface="Roboto"/>
+              <a:sym typeface="Roboto"/>
+            </a:endParaRPr>
+          </a:p>
+        </p:txBody>
+      </p:sp>
+      <p:sp>
+        <p:nvSpPr>
+          <p:cNvPr id="132" name="Google Shape;132;p20"/>
+          <p:cNvSpPr/>
+          <p:nvPr/>
+        </p:nvSpPr>
+        <p:spPr>
+          <a:xfrm>
+            <a:off x="4141940" y="2758700"/>
+            <a:ext cx="619800" cy="814200"/>
+          </a:xfrm>
+          <a:prstGeom prst="rightArrow">
+            <a:avLst>
+              <a:gd name="adj1" fmla="val 50000"/>
+              <a:gd name="adj2" fmla="val 50000"/>
+            </a:avLst>
+          </a:prstGeom>
+          <a:solidFill>
+            <a:schemeClr val="lt2"/>
+          </a:solidFill>
+          <a:ln w="9525" cap="flat" cmpd="sng">
+            <a:solidFill>
+              <a:schemeClr val="dk2"/>
+            </a:solidFill>
+            <a:prstDash val="solid"/>
+            <a:round/>
+            <a:headEnd type="none" w="sm" len="sm"/>
+            <a:tailEnd type="none" w="sm" len="sm"/>
+          </a:ln>
+        </p:spPr>
+        <p:txBody>
+          <a:bodyPr spcFirstLastPara="1" wrap="square" lIns="91425" tIns="91425" rIns="91425" bIns="91425" anchor="ctr" anchorCtr="0">
+            <a:noAutofit/>
+          </a:bodyPr>
+          <a:lstStyle/>
+          <a:p>
+            <a:pPr marL="0" lvl="0" indent="0" algn="l" rtl="0">
+              <a:spcBef>
+                <a:spcPts val="0"/>
+              </a:spcBef>
+              <a:spcAft>
+                <a:spcPts val="0"/>
+              </a:spcAft>
+              <a:buNone/>
+            </a:pPr>
+            <a:endParaRPr/>
+          </a:p>
+        </p:txBody>
+      </p:sp>
+      <p:pic>
+        <p:nvPicPr>
+          <p:cNvPr id="2" name="그림 1">
+            <a:extLst>
+              <a:ext uri="{FF2B5EF4-FFF2-40B4-BE49-F238E27FC236}">
+                <a16:creationId xmlns:a16="http://schemas.microsoft.com/office/drawing/2014/main" id="{2ACEE01E-E194-4D5E-8582-6D6D9DB18ED0}"/>
+              </a:ext>
+            </a:extLst>
+          </p:cNvPr>
+          <p:cNvPicPr>
+            <a:picLocks noChangeAspect="1"/>
+          </p:cNvPicPr>
+          <p:nvPr/>
+        </p:nvPicPr>
+        <p:blipFill>
+          <a:blip r:embed="rId3"/>
+          <a:stretch>
+            <a:fillRect/>
+          </a:stretch>
+        </p:blipFill>
+        <p:spPr>
+          <a:xfrm>
+            <a:off x="4968172" y="1879925"/>
+            <a:ext cx="4016353" cy="2571750"/>
+          </a:xfrm>
+          <a:prstGeom prst="rect">
+            <a:avLst/>
+          </a:prstGeom>
+        </p:spPr>
+      </p:pic>
+      <p:pic>
+        <p:nvPicPr>
+          <p:cNvPr id="3" name="그림 2">
+            <a:extLst>
+              <a:ext uri="{FF2B5EF4-FFF2-40B4-BE49-F238E27FC236}">
+                <a16:creationId xmlns:a16="http://schemas.microsoft.com/office/drawing/2014/main" id="{840ADF03-9043-4EB8-838D-11C6F5218F34}"/>
+              </a:ext>
+            </a:extLst>
+          </p:cNvPr>
+          <p:cNvPicPr>
+            <a:picLocks noChangeAspect="1"/>
+          </p:cNvPicPr>
+          <p:nvPr/>
+        </p:nvPicPr>
+        <p:blipFill>
+          <a:blip r:embed="rId4"/>
+          <a:stretch>
+            <a:fillRect/>
+          </a:stretch>
+        </p:blipFill>
+        <p:spPr>
+          <a:xfrm>
+            <a:off x="311725" y="1879925"/>
+            <a:ext cx="3623783" cy="2571750"/>
+          </a:xfrm>
+          <a:prstGeom prst="rect">
+            <a:avLst/>
+          </a:prstGeom>
+        </p:spPr>
+      </p:pic>
+    </p:spTree>
+    <p:extLst>
+      <p:ext uri="{BB962C8B-B14F-4D97-AF65-F5344CB8AC3E}">
+        <p14:creationId xmlns:p14="http://schemas.microsoft.com/office/powerpoint/2010/main" val="4263662353"/>
+      </p:ext>
+    </p:extLst>
+  </p:cSld>
+  <p:clrMapOvr>
+    <a:masterClrMapping/>
+  </p:clrMapOvr>
+</p:sld>
+</file>
+
+<file path=ppt/slides/slide16.xml><?xml version="1.0" encoding="utf-8"?>
+<p:sld xmlns:a="http://schemas.openxmlformats.org/drawingml/2006/main" xmlns:r="http://schemas.openxmlformats.org/officeDocument/2006/relationships" xmlns:p="http://schemas.openxmlformats.org/presentationml/2006/main">
+  <p:cSld>
+    <p:spTree>
+      <p:nvGrpSpPr>
+        <p:cNvPr id="1" name="Shape 136"/>
+        <p:cNvGrpSpPr/>
+        <p:nvPr/>
+      </p:nvGrpSpPr>
+      <p:grpSpPr>
+        <a:xfrm>
+          <a:off x="0" y="0"/>
+          <a:ext cx="0" cy="0"/>
+          <a:chOff x="0" y="0"/>
+          <a:chExt cx="0" cy="0"/>
+        </a:xfrm>
+      </p:grpSpPr>
+      <p:sp>
+        <p:nvSpPr>
+          <p:cNvPr id="137" name="Google Shape;137;p21"/>
+          <p:cNvSpPr txBox="1">
+            <a:spLocks noGrp="1"/>
+          </p:cNvSpPr>
+          <p:nvPr>
+            <p:ph type="title"/>
+          </p:nvPr>
+        </p:nvSpPr>
+        <p:spPr>
+          <a:xfrm>
+            <a:off x="311725" y="500925"/>
+            <a:ext cx="8520600" cy="623700"/>
+          </a:xfrm>
+          <a:prstGeom prst="rect">
+            <a:avLst/>
+          </a:prstGeom>
+        </p:spPr>
+        <p:txBody>
+          <a:bodyPr spcFirstLastPara="1" wrap="square" lIns="91425" tIns="91425" rIns="91425" bIns="91425" anchor="t" anchorCtr="0">
+            <a:noAutofit/>
+          </a:bodyPr>
+          <a:lstStyle/>
+          <a:p>
+            <a:pPr marL="0" lvl="0" indent="0" algn="l" rtl="0">
+              <a:spcBef>
+                <a:spcPts val="0"/>
+              </a:spcBef>
+              <a:spcAft>
+                <a:spcPts val="0"/>
+              </a:spcAft>
+              <a:buNone/>
+            </a:pPr>
+            <a:r>
+              <a:rPr lang="ko"/>
+              <a:t>프로젝트를 하면서 느낀 점</a:t>
+            </a:r>
+            <a:endParaRPr/>
+          </a:p>
+        </p:txBody>
+      </p:sp>
+      <p:sp>
+        <p:nvSpPr>
+          <p:cNvPr id="138" name="Google Shape;138;p21"/>
+          <p:cNvSpPr txBox="1"/>
+          <p:nvPr/>
+        </p:nvSpPr>
+        <p:spPr>
+          <a:xfrm>
+            <a:off x="303425" y="1450550"/>
+            <a:ext cx="8529000" cy="3485700"/>
+          </a:xfrm>
+          <a:prstGeom prst="rect">
+            <a:avLst/>
+          </a:prstGeom>
+          <a:noFill/>
+          <a:ln w="9525" cap="flat" cmpd="sng">
+            <a:solidFill>
+              <a:srgbClr val="000000"/>
+            </a:solidFill>
+            <a:prstDash val="solid"/>
+            <a:round/>
+            <a:headEnd type="none" w="sm" len="sm"/>
+            <a:tailEnd type="none" w="sm" len="sm"/>
+          </a:ln>
+        </p:spPr>
+        <p:txBody>
+          <a:bodyPr spcFirstLastPara="1" wrap="square" lIns="91425" tIns="91425" rIns="91425" bIns="91425" anchor="t" anchorCtr="0">
+            <a:noAutofit/>
+          </a:bodyPr>
+          <a:lstStyle/>
+          <a:p>
+            <a:pPr marL="0" lvl="0" indent="0" algn="l" rtl="0">
+              <a:spcBef>
+                <a:spcPts val="0"/>
+              </a:spcBef>
+              <a:spcAft>
+                <a:spcPts val="0"/>
+              </a:spcAft>
+              <a:buNone/>
+            </a:pPr>
+            <a:r>
+              <a:rPr lang="ko" dirty="0">
+                <a:latin typeface="Roboto"/>
+                <a:ea typeface="Roboto"/>
+                <a:cs typeface="Roboto"/>
+                <a:sym typeface="Roboto"/>
+              </a:rPr>
+              <a:t>일정관리를 한다는 것이 중요하지만, 그것을 지키는 것이 매우 어렵다는 것을 </a:t>
+            </a:r>
+            <a:r>
+              <a:rPr lang="ko-KR" altLang="en-US" dirty="0">
+                <a:latin typeface="Roboto"/>
+                <a:ea typeface="Roboto"/>
+                <a:cs typeface="Roboto"/>
+                <a:sym typeface="Roboto"/>
+              </a:rPr>
+              <a:t>알게 되었</a:t>
+            </a:r>
+            <a:r>
+              <a:rPr lang="ko" dirty="0">
+                <a:latin typeface="Roboto"/>
+                <a:ea typeface="Roboto"/>
+                <a:cs typeface="Roboto"/>
+                <a:sym typeface="Roboto"/>
+              </a:rPr>
+              <a:t>다.</a:t>
+            </a:r>
+            <a:endParaRPr dirty="0">
+              <a:latin typeface="Roboto"/>
+              <a:ea typeface="Roboto"/>
+              <a:cs typeface="Roboto"/>
+              <a:sym typeface="Roboto"/>
+            </a:endParaRPr>
+          </a:p>
+          <a:p>
+            <a:pPr marL="0" lvl="0" indent="0" algn="l" rtl="0">
+              <a:spcBef>
+                <a:spcPts val="0"/>
+              </a:spcBef>
+              <a:spcAft>
+                <a:spcPts val="0"/>
+              </a:spcAft>
+              <a:buNone/>
+            </a:pPr>
+            <a:endParaRPr dirty="0">
+              <a:latin typeface="Roboto"/>
+              <a:ea typeface="Roboto"/>
+              <a:cs typeface="Roboto"/>
+              <a:sym typeface="Roboto"/>
+            </a:endParaRPr>
+          </a:p>
+          <a:p>
+            <a:pPr marL="0" lvl="0" indent="0" algn="l" rtl="0">
+              <a:spcBef>
+                <a:spcPts val="0"/>
+              </a:spcBef>
+              <a:spcAft>
+                <a:spcPts val="0"/>
+              </a:spcAft>
+              <a:buNone/>
+            </a:pPr>
+            <a:r>
+              <a:rPr lang="ko" dirty="0">
+                <a:latin typeface="Roboto"/>
+                <a:ea typeface="Roboto"/>
+                <a:cs typeface="Roboto"/>
+                <a:sym typeface="Roboto"/>
+              </a:rPr>
+              <a:t>조장의 힘든 점을 알았다. 사람의 일정을 관리한다는 것이 매우 힘든 일임을 </a:t>
+            </a:r>
+            <a:r>
+              <a:rPr lang="ko-KR" altLang="en-US" dirty="0">
+                <a:latin typeface="Roboto"/>
+                <a:ea typeface="Roboto"/>
+                <a:cs typeface="Roboto"/>
+                <a:sym typeface="Roboto"/>
+              </a:rPr>
+              <a:t>알게 되었</a:t>
+            </a:r>
+            <a:r>
+              <a:rPr lang="ko" dirty="0">
+                <a:latin typeface="Roboto"/>
+                <a:ea typeface="Roboto"/>
+                <a:cs typeface="Roboto"/>
+                <a:sym typeface="Roboto"/>
+              </a:rPr>
+              <a:t>다.</a:t>
+            </a:r>
+            <a:endParaRPr lang="en-US" altLang="ko" dirty="0">
+              <a:latin typeface="Roboto"/>
+              <a:ea typeface="Roboto"/>
+              <a:cs typeface="Roboto"/>
+              <a:sym typeface="Roboto"/>
+            </a:endParaRPr>
+          </a:p>
+          <a:p>
+            <a:pPr marL="0" lvl="0" indent="0" algn="l" rtl="0">
+              <a:spcBef>
+                <a:spcPts val="0"/>
+              </a:spcBef>
+              <a:spcAft>
+                <a:spcPts val="0"/>
+              </a:spcAft>
+              <a:buNone/>
+            </a:pPr>
+            <a:endParaRPr lang="en-US" altLang="ko" dirty="0">
+              <a:latin typeface="Roboto"/>
+              <a:ea typeface="Roboto"/>
+              <a:cs typeface="Roboto"/>
+              <a:sym typeface="Roboto"/>
+            </a:endParaRPr>
+          </a:p>
+          <a:p>
+            <a:pPr marL="0" lvl="0" indent="0" algn="l" rtl="0">
+              <a:spcBef>
+                <a:spcPts val="0"/>
+              </a:spcBef>
+              <a:spcAft>
+                <a:spcPts val="0"/>
+              </a:spcAft>
+              <a:buNone/>
+            </a:pPr>
+            <a:r>
+              <a:rPr lang="ko-KR" altLang="en-US" dirty="0">
+                <a:latin typeface="Roboto"/>
+                <a:ea typeface="Roboto"/>
+                <a:cs typeface="Roboto"/>
+                <a:sym typeface="Roboto"/>
+              </a:rPr>
+              <a:t>본인의 실력향상에 아주 많은 도움이 되었고</a:t>
+            </a:r>
+            <a:r>
+              <a:rPr lang="en-US" altLang="ko-KR" dirty="0">
+                <a:latin typeface="Roboto"/>
+                <a:ea typeface="Roboto"/>
+                <a:cs typeface="Roboto"/>
+                <a:sym typeface="Roboto"/>
+              </a:rPr>
+              <a:t>, </a:t>
+            </a:r>
+            <a:r>
+              <a:rPr lang="ko-KR" altLang="en-US" dirty="0">
+                <a:latin typeface="Roboto"/>
+                <a:ea typeface="Roboto"/>
+                <a:cs typeface="Roboto"/>
+                <a:sym typeface="Roboto"/>
+              </a:rPr>
+              <a:t>문서 작업의 중요성에 대해 많은 것을 느끼게 되었다</a:t>
+            </a:r>
+            <a:r>
+              <a:rPr lang="en-US" altLang="ko-KR" dirty="0">
+                <a:latin typeface="Roboto"/>
+                <a:ea typeface="Roboto"/>
+                <a:cs typeface="Roboto"/>
+                <a:sym typeface="Roboto"/>
+              </a:rPr>
+              <a:t>.</a:t>
+            </a:r>
+          </a:p>
+          <a:p>
+            <a:pPr marL="0" lvl="0" indent="0" algn="l" rtl="0">
+              <a:spcBef>
+                <a:spcPts val="0"/>
+              </a:spcBef>
+              <a:spcAft>
+                <a:spcPts val="0"/>
+              </a:spcAft>
+              <a:buNone/>
+            </a:pPr>
+            <a:endParaRPr lang="en-US" altLang="ko" dirty="0">
+              <a:latin typeface="Roboto"/>
+              <a:ea typeface="Roboto"/>
+              <a:cs typeface="Roboto"/>
+              <a:sym typeface="Roboto"/>
+            </a:endParaRPr>
+          </a:p>
+          <a:p>
+            <a:pPr marL="0" lvl="0" indent="0" algn="l" rtl="0">
+              <a:spcBef>
+                <a:spcPts val="0"/>
+              </a:spcBef>
+              <a:spcAft>
+                <a:spcPts val="0"/>
+              </a:spcAft>
+              <a:buNone/>
+            </a:pPr>
+            <a:r>
+              <a:rPr lang="ko-KR" altLang="en-US" dirty="0">
+                <a:latin typeface="Roboto"/>
+                <a:ea typeface="Roboto"/>
+                <a:cs typeface="Roboto"/>
+                <a:sym typeface="Roboto"/>
+              </a:rPr>
+              <a:t>본인의 생각대로 코드를 짜는 것이 어렵다는 것을 알게 되었다</a:t>
+            </a:r>
+            <a:r>
+              <a:rPr lang="en-US" altLang="ko-KR" dirty="0">
+                <a:latin typeface="Roboto"/>
+                <a:ea typeface="Roboto"/>
+                <a:cs typeface="Roboto"/>
+                <a:sym typeface="Roboto"/>
+              </a:rPr>
+              <a:t>.</a:t>
+            </a:r>
+          </a:p>
+          <a:p>
+            <a:pPr marL="0" lvl="0" indent="0" algn="l" rtl="0">
+              <a:spcBef>
+                <a:spcPts val="0"/>
+              </a:spcBef>
+              <a:spcAft>
+                <a:spcPts val="0"/>
+              </a:spcAft>
+              <a:buNone/>
+            </a:pPr>
+            <a:endParaRPr lang="en-US" altLang="ko" dirty="0">
+              <a:latin typeface="Roboto"/>
+              <a:ea typeface="Roboto"/>
+              <a:cs typeface="Roboto"/>
+              <a:sym typeface="Roboto"/>
+            </a:endParaRPr>
+          </a:p>
+          <a:p>
+            <a:pPr marL="0" lvl="0" indent="0" algn="l" rtl="0">
+              <a:spcBef>
+                <a:spcPts val="0"/>
+              </a:spcBef>
+              <a:spcAft>
+                <a:spcPts val="0"/>
+              </a:spcAft>
+              <a:buNone/>
+            </a:pPr>
+            <a:r>
+              <a:rPr lang="ko-KR" altLang="en-US" dirty="0">
+                <a:latin typeface="Roboto"/>
+                <a:ea typeface="Roboto"/>
+                <a:cs typeface="Roboto"/>
+                <a:sym typeface="Roboto"/>
+              </a:rPr>
+              <a:t>다른 사람과 협업하기 위해서는 많은 회의가 필요하다는 것을 알게 되었다</a:t>
+            </a:r>
+            <a:r>
+              <a:rPr lang="en-US" altLang="ko-KR" dirty="0">
+                <a:latin typeface="Roboto"/>
+                <a:ea typeface="Roboto"/>
+                <a:cs typeface="Roboto"/>
+                <a:sym typeface="Roboto"/>
+              </a:rPr>
+              <a:t>.</a:t>
+            </a:r>
+            <a:endParaRPr lang="en-US" altLang="ko" dirty="0">
+              <a:latin typeface="Roboto"/>
+              <a:ea typeface="Roboto"/>
+              <a:cs typeface="Roboto"/>
+              <a:sym typeface="Roboto"/>
+            </a:endParaRPr>
+          </a:p>
+        </p:txBody>
+      </p:sp>
+    </p:spTree>
+  </p:cSld>
+  <p:clrMapOvr>
+    <a:masterClrMapping/>
+  </p:clrMapOvr>
+</p:sld>
+</file>
+
+<file path=ppt/slides/slide17.xml><?xml version="1.0" encoding="utf-8"?>
+<p:sld xmlns:a="http://schemas.openxmlformats.org/drawingml/2006/main" xmlns:r="http://schemas.openxmlformats.org/officeDocument/2006/relationships" xmlns:p="http://schemas.openxmlformats.org/presentationml/2006/main">
+  <p:cSld>
+    <p:spTree>
+      <p:nvGrpSpPr>
+        <p:cNvPr id="1" name="Shape 142"/>
         <p:cNvGrpSpPr/>
         <p:nvPr/>
       </p:nvGrpSpPr>
@@ -8033,7 +11345,9 @@
       <p:sp>
         <p:nvSpPr>
           <p:cNvPr id="143" name="Google Shape;143;p22"/>
-          <p:cNvSpPr txBox="1"/>
+          <p:cNvSpPr txBox="1">
+            <a:spLocks noGrp="1"/>
+          </p:cNvSpPr>
           <p:nvPr>
             <p:ph type="ctrTitle"/>
           </p:nvPr>
@@ -8048,12 +11362,12 @@
           </a:prstGeom>
         </p:spPr>
         <p:txBody>
-          <a:bodyPr anchorCtr="0" anchor="t" bIns="91425" lIns="91425" spcFirstLastPara="1" rIns="91425" wrap="square" tIns="91425">
+          <a:bodyPr spcFirstLastPara="1" wrap="square" lIns="91425" tIns="91425" rIns="91425" bIns="91425" anchor="t" anchorCtr="0">
             <a:noAutofit/>
           </a:bodyPr>
           <a:lstStyle/>
           <a:p>
-            <a:pPr indent="0" lvl="0" marL="0" rtl="0" algn="l">
+            <a:pPr marL="0" lvl="0" indent="0" algn="l" rtl="0">
               <a:spcBef>
                 <a:spcPts val="0"/>
               </a:spcBef>
@@ -8073,9 +11387,11 @@
       <p:sp>
         <p:nvSpPr>
           <p:cNvPr id="144" name="Google Shape;144;p22"/>
-          <p:cNvSpPr txBox="1"/>
+          <p:cNvSpPr txBox="1">
+            <a:spLocks noGrp="1"/>
+          </p:cNvSpPr>
           <p:nvPr>
-            <p:ph idx="1" type="subTitle"/>
+            <p:ph type="subTitle" idx="1"/>
           </p:nvPr>
         </p:nvSpPr>
         <p:spPr>
@@ -8092,12 +11408,12 @@
           </a:ln>
         </p:spPr>
         <p:txBody>
-          <a:bodyPr anchorCtr="0" anchor="ctr" bIns="91425" lIns="91425" spcFirstLastPara="1" rIns="91425" wrap="square" tIns="91425">
+          <a:bodyPr spcFirstLastPara="1" wrap="square" lIns="91425" tIns="91425" rIns="91425" bIns="91425" anchor="ctr" anchorCtr="0">
             <a:noAutofit/>
           </a:bodyPr>
           <a:lstStyle/>
           <a:p>
-            <a:pPr indent="0" lvl="0" marL="0" rtl="0" algn="ctr">
+            <a:pPr marL="0" lvl="0" indent="0" algn="ctr" rtl="0">
               <a:spcBef>
                 <a:spcPts val="0"/>
               </a:spcBef>
@@ -8131,11 +11447,11 @@
 </file>
 
 <file path=ppt/slides/slide2.xml><?xml version="1.0" encoding="utf-8"?>
-<p:sld xmlns:a="http://schemas.openxmlformats.org/drawingml/2006/main" xmlns:r="http://schemas.openxmlformats.org/officeDocument/2006/relationships" xmlns:mc="http://schemas.openxmlformats.org/markup-compatibility/2006" xmlns:mv="urn:schemas-microsoft-com:mac:vml" xmlns:p="http://schemas.openxmlformats.org/presentationml/2006/main" xmlns:c="http://schemas.openxmlformats.org/drawingml/2006/chart" xmlns:dgm="http://schemas.openxmlformats.org/drawingml/2006/diagram" xmlns:o="urn:schemas-microsoft-com:office:office" xmlns:v="urn:schemas-microsoft-com:vml" xmlns:pvml="urn:schemas-microsoft-com:office:powerpoint" xmlns:com="http://schemas.openxmlformats.org/drawingml/2006/compatibility" xmlns:p14="http://schemas.microsoft.com/office/powerpoint/2010/main" xmlns:p15="http://schemas.microsoft.com/office/powerpoint/2012/main">
+<p:sld xmlns:a="http://schemas.openxmlformats.org/drawingml/2006/main" xmlns:r="http://schemas.openxmlformats.org/officeDocument/2006/relationships" xmlns:p="http://schemas.openxmlformats.org/presentationml/2006/main">
   <p:cSld>
     <p:spTree>
       <p:nvGrpSpPr>
-        <p:cNvPr id="70" name="Shape 70"/>
+        <p:cNvPr id="1" name="Shape 70"/>
         <p:cNvGrpSpPr/>
         <p:nvPr/>
       </p:nvGrpSpPr>
@@ -8150,7 +11466,9 @@
       <p:sp>
         <p:nvSpPr>
           <p:cNvPr id="71" name="Google Shape;71;p14"/>
-          <p:cNvSpPr txBox="1"/>
+          <p:cNvSpPr txBox="1">
+            <a:spLocks noGrp="1"/>
+          </p:cNvSpPr>
           <p:nvPr>
             <p:ph type="title"/>
           </p:nvPr>
@@ -8165,12 +11483,12 @@
           </a:prstGeom>
         </p:spPr>
         <p:txBody>
-          <a:bodyPr anchorCtr="0" anchor="t" bIns="91425" lIns="91425" spcFirstLastPara="1" rIns="91425" wrap="square" tIns="91425">
+          <a:bodyPr spcFirstLastPara="1" wrap="square" lIns="91425" tIns="91425" rIns="91425" bIns="91425" anchor="t" anchorCtr="0">
             <a:noAutofit/>
           </a:bodyPr>
           <a:lstStyle/>
           <a:p>
-            <a:pPr indent="0" lvl="0" marL="0" rtl="0" algn="l">
+            <a:pPr marL="0" lvl="0" indent="0" algn="l" rtl="0">
               <a:spcBef>
                 <a:spcPts val="0"/>
               </a:spcBef>
@@ -8190,9 +11508,11 @@
       <p:sp>
         <p:nvSpPr>
           <p:cNvPr id="72" name="Google Shape;72;p14"/>
-          <p:cNvSpPr txBox="1"/>
+          <p:cNvSpPr txBox="1">
+            <a:spLocks noGrp="1"/>
+          </p:cNvSpPr>
           <p:nvPr>
-            <p:ph idx="4294967295" type="body"/>
+            <p:ph type="body" idx="4294967295"/>
           </p:nvPr>
         </p:nvSpPr>
         <p:spPr>
@@ -8205,12 +11525,12 @@
           </a:prstGeom>
         </p:spPr>
         <p:txBody>
-          <a:bodyPr anchorCtr="0" anchor="t" bIns="720000" lIns="91425" spcFirstLastPara="1" rIns="91425" wrap="square" tIns="91425">
+          <a:bodyPr spcFirstLastPara="1" wrap="square" lIns="91425" tIns="91425" rIns="91425" bIns="720000" anchor="t" anchorCtr="0">
             <a:noAutofit/>
           </a:bodyPr>
           <a:lstStyle/>
           <a:p>
-            <a:pPr indent="-311150" lvl="0" marL="457200" rtl="0" algn="l">
+            <a:pPr marL="457200" lvl="0" indent="-311150" algn="l" rtl="0">
               <a:lnSpc>
                 <a:spcPct val="300000"/>
               </a:lnSpc>
@@ -8230,7 +11550,7 @@
             <a:endParaRPr/>
           </a:p>
           <a:p>
-            <a:pPr indent="-311150" lvl="0" marL="457200" rtl="0" algn="l">
+            <a:pPr marL="457200" lvl="0" indent="-311150" algn="l" rtl="0">
               <a:lnSpc>
                 <a:spcPct val="300000"/>
               </a:lnSpc>
@@ -8250,7 +11570,7 @@
             <a:endParaRPr/>
           </a:p>
           <a:p>
-            <a:pPr indent="-311150" lvl="0" marL="457200" rtl="0" algn="l">
+            <a:pPr marL="457200" lvl="0" indent="-311150" algn="l" rtl="0">
               <a:lnSpc>
                 <a:spcPct val="300000"/>
               </a:lnSpc>
@@ -8280,11 +11600,11 @@
 </file>
 
 <file path=ppt/slides/slide3.xml><?xml version="1.0" encoding="utf-8"?>
-<p:sld xmlns:a="http://schemas.openxmlformats.org/drawingml/2006/main" xmlns:r="http://schemas.openxmlformats.org/officeDocument/2006/relationships" xmlns:mc="http://schemas.openxmlformats.org/markup-compatibility/2006" xmlns:mv="urn:schemas-microsoft-com:mac:vml" xmlns:p="http://schemas.openxmlformats.org/presentationml/2006/main" xmlns:c="http://schemas.openxmlformats.org/drawingml/2006/chart" xmlns:dgm="http://schemas.openxmlformats.org/drawingml/2006/diagram" xmlns:o="urn:schemas-microsoft-com:office:office" xmlns:v="urn:schemas-microsoft-com:vml" xmlns:pvml="urn:schemas-microsoft-com:office:powerpoint" xmlns:com="http://schemas.openxmlformats.org/drawingml/2006/compatibility" xmlns:p14="http://schemas.microsoft.com/office/powerpoint/2010/main" xmlns:p15="http://schemas.microsoft.com/office/powerpoint/2012/main">
+<p:sld xmlns:a="http://schemas.openxmlformats.org/drawingml/2006/main" xmlns:r="http://schemas.openxmlformats.org/officeDocument/2006/relationships" xmlns:p="http://schemas.openxmlformats.org/presentationml/2006/main">
   <p:cSld>
     <p:spTree>
       <p:nvGrpSpPr>
-        <p:cNvPr id="76" name="Shape 76"/>
+        <p:cNvPr id="1" name="Shape 76"/>
         <p:cNvGrpSpPr/>
         <p:nvPr/>
       </p:nvGrpSpPr>
@@ -8299,7 +11619,9 @@
       <p:sp>
         <p:nvSpPr>
           <p:cNvPr id="77" name="Google Shape;77;p15"/>
-          <p:cNvSpPr txBox="1"/>
+          <p:cNvSpPr txBox="1">
+            <a:spLocks noGrp="1"/>
+          </p:cNvSpPr>
           <p:nvPr>
             <p:ph type="title"/>
           </p:nvPr>
@@ -8314,12 +11636,12 @@
           </a:prstGeom>
         </p:spPr>
         <p:txBody>
-          <a:bodyPr anchorCtr="0" anchor="t" bIns="91425" lIns="91425" spcFirstLastPara="1" rIns="91425" wrap="square" tIns="91425">
+          <a:bodyPr spcFirstLastPara="1" wrap="square" lIns="91425" tIns="91425" rIns="91425" bIns="91425" anchor="t" anchorCtr="0">
             <a:noAutofit/>
           </a:bodyPr>
           <a:lstStyle/>
           <a:p>
-            <a:pPr indent="0" lvl="0" marL="0" rtl="0" algn="l">
+            <a:pPr marL="0" lvl="0" indent="0" algn="l" rtl="0">
               <a:spcBef>
                 <a:spcPts val="0"/>
               </a:spcBef>
@@ -8373,11 +11695,11 @@
 </file>
 
 <file path=ppt/slides/slide4.xml><?xml version="1.0" encoding="utf-8"?>
-<p:sld xmlns:a="http://schemas.openxmlformats.org/drawingml/2006/main" xmlns:r="http://schemas.openxmlformats.org/officeDocument/2006/relationships" xmlns:mc="http://schemas.openxmlformats.org/markup-compatibility/2006" xmlns:mv="urn:schemas-microsoft-com:mac:vml" xmlns:p="http://schemas.openxmlformats.org/presentationml/2006/main" xmlns:c="http://schemas.openxmlformats.org/drawingml/2006/chart" xmlns:dgm="http://schemas.openxmlformats.org/drawingml/2006/diagram" xmlns:o="urn:schemas-microsoft-com:office:office" xmlns:v="urn:schemas-microsoft-com:vml" xmlns:pvml="urn:schemas-microsoft-com:office:powerpoint" xmlns:com="http://schemas.openxmlformats.org/drawingml/2006/compatibility" xmlns:p14="http://schemas.microsoft.com/office/powerpoint/2010/main" xmlns:p15="http://schemas.microsoft.com/office/powerpoint/2012/main">
+<p:sld xmlns:a="http://schemas.openxmlformats.org/drawingml/2006/main" xmlns:r="http://schemas.openxmlformats.org/officeDocument/2006/relationships" xmlns:p="http://schemas.openxmlformats.org/presentationml/2006/main">
   <p:cSld>
     <p:spTree>
       <p:nvGrpSpPr>
-        <p:cNvPr id="82" name="Shape 82"/>
+        <p:cNvPr id="1" name="Shape 82"/>
         <p:cNvGrpSpPr/>
         <p:nvPr/>
       </p:nvGrpSpPr>
@@ -8392,7 +11714,9 @@
       <p:sp>
         <p:nvSpPr>
           <p:cNvPr id="83" name="Google Shape;83;p16"/>
-          <p:cNvSpPr txBox="1"/>
+          <p:cNvSpPr txBox="1">
+            <a:spLocks noGrp="1"/>
+          </p:cNvSpPr>
           <p:nvPr>
             <p:ph type="title"/>
           </p:nvPr>
@@ -8407,12 +11731,12 @@
           </a:prstGeom>
         </p:spPr>
         <p:txBody>
-          <a:bodyPr anchorCtr="0" anchor="t" bIns="91425" lIns="91425" spcFirstLastPara="1" rIns="91425" wrap="square" tIns="91425">
+          <a:bodyPr spcFirstLastPara="1" wrap="square" lIns="91425" tIns="91425" rIns="91425" bIns="91425" anchor="t" anchorCtr="0">
             <a:noAutofit/>
           </a:bodyPr>
           <a:lstStyle/>
           <a:p>
-            <a:pPr indent="0" lvl="0" marL="0" rtl="0" algn="l">
+            <a:pPr marL="0" lvl="0" indent="0" algn="l" rtl="0">
               <a:spcBef>
                 <a:spcPts val="0"/>
               </a:spcBef>
@@ -8451,12 +11775,12 @@
           </a:ln>
         </p:spPr>
         <p:txBody>
-          <a:bodyPr anchorCtr="0" anchor="t" bIns="91425" lIns="91425" spcFirstLastPara="1" rIns="91425" wrap="square" tIns="91425">
+          <a:bodyPr spcFirstLastPara="1" wrap="square" lIns="91425" tIns="91425" rIns="91425" bIns="91425" anchor="t" anchorCtr="0">
             <a:noAutofit/>
           </a:bodyPr>
           <a:lstStyle/>
           <a:p>
-            <a:pPr indent="0" lvl="0" marL="0" rtl="0" algn="l">
+            <a:pPr marL="0" lvl="0" indent="0" algn="l" rtl="0">
               <a:lnSpc>
                 <a:spcPct val="100000"/>
               </a:lnSpc>
@@ -8469,7 +11793,7 @@
               <a:buNone/>
             </a:pPr>
             <a:r>
-              <a:rPr lang="ko">
+              <a:rPr lang="ko" dirty="0">
                 <a:latin typeface="Roboto"/>
                 <a:ea typeface="Roboto"/>
                 <a:cs typeface="Roboto"/>
@@ -8477,7 +11801,7 @@
               </a:rPr>
               <a:t>1. 메인페이지 영역</a:t>
             </a:r>
-            <a:endParaRPr>
+            <a:endParaRPr dirty="0">
               <a:latin typeface="Roboto"/>
               <a:ea typeface="Roboto"/>
               <a:cs typeface="Roboto"/>
@@ -8485,7 +11809,7 @@
             </a:endParaRPr>
           </a:p>
           <a:p>
-            <a:pPr indent="0" lvl="0" marL="0" rtl="0" algn="l">
+            <a:pPr marL="0" lvl="0" indent="0" algn="l" rtl="0">
               <a:lnSpc>
                 <a:spcPct val="100000"/>
               </a:lnSpc>
@@ -8497,10 +11821,7 @@
               </a:spcAft>
               <a:buNone/>
             </a:pPr>
-            <a:r>
-              <a:t/>
-            </a:r>
-            <a:endParaRPr>
+            <a:endParaRPr dirty="0">
               <a:latin typeface="Roboto"/>
               <a:ea typeface="Roboto"/>
               <a:cs typeface="Roboto"/>
@@ -8508,7 +11829,7 @@
             </a:endParaRPr>
           </a:p>
           <a:p>
-            <a:pPr indent="0" lvl="0" marL="89999" rtl="0" algn="l">
+            <a:pPr marL="89999" lvl="0" indent="0" algn="l" rtl="0">
               <a:lnSpc>
                 <a:spcPct val="100000"/>
               </a:lnSpc>
@@ -8521,7 +11842,7 @@
               <a:buNone/>
             </a:pPr>
             <a:r>
-              <a:rPr lang="ko">
+              <a:rPr lang="ko" dirty="0">
                 <a:latin typeface="Roboto"/>
                 <a:ea typeface="Roboto"/>
                 <a:cs typeface="Roboto"/>
@@ -8529,7 +11850,7 @@
               </a:rPr>
               <a:t>사원 등록 및 정보 수정기능 </a:t>
             </a:r>
-            <a:endParaRPr>
+            <a:endParaRPr dirty="0">
               <a:latin typeface="Roboto"/>
               <a:ea typeface="Roboto"/>
               <a:cs typeface="Roboto"/>
@@ -8537,7 +11858,7 @@
             </a:endParaRPr>
           </a:p>
           <a:p>
-            <a:pPr indent="0" lvl="0" marL="0" rtl="0" algn="l">
+            <a:pPr marL="0" lvl="0" indent="0" algn="l" rtl="0">
               <a:lnSpc>
                 <a:spcPct val="100000"/>
               </a:lnSpc>
@@ -8549,10 +11870,7 @@
               </a:spcAft>
               <a:buNone/>
             </a:pPr>
-            <a:r>
-              <a:t/>
-            </a:r>
-            <a:endParaRPr>
+            <a:endParaRPr dirty="0">
               <a:latin typeface="Roboto"/>
               <a:ea typeface="Roboto"/>
               <a:cs typeface="Roboto"/>
@@ -8560,7 +11878,7 @@
             </a:endParaRPr>
           </a:p>
           <a:p>
-            <a:pPr indent="0" lvl="0" marL="89999" rtl="0" algn="l">
+            <a:pPr marL="89999" lvl="0" indent="0" algn="l" rtl="0">
               <a:lnSpc>
                 <a:spcPct val="100000"/>
               </a:lnSpc>
@@ -8573,7 +11891,7 @@
               <a:buNone/>
             </a:pPr>
             <a:r>
-              <a:rPr lang="ko">
+              <a:rPr lang="ko" dirty="0">
                 <a:latin typeface="Roboto"/>
                 <a:ea typeface="Roboto"/>
                 <a:cs typeface="Roboto"/>
@@ -8581,7 +11899,7 @@
               </a:rPr>
               <a:t>각 영역으로의 페이지 이동기능</a:t>
             </a:r>
-            <a:endParaRPr>
+            <a:endParaRPr dirty="0">
               <a:latin typeface="Roboto"/>
               <a:ea typeface="Roboto"/>
               <a:cs typeface="Roboto"/>
@@ -8589,7 +11907,7 @@
             </a:endParaRPr>
           </a:p>
           <a:p>
-            <a:pPr indent="0" lvl="0" marL="89999" rtl="0" algn="l">
+            <a:pPr marL="89999" lvl="0" indent="0" algn="l" rtl="0">
               <a:lnSpc>
                 <a:spcPct val="100000"/>
               </a:lnSpc>
@@ -8601,10 +11919,7 @@
               </a:spcAft>
               <a:buNone/>
             </a:pPr>
-            <a:r>
-              <a:t/>
-            </a:r>
-            <a:endParaRPr>
+            <a:endParaRPr dirty="0">
               <a:latin typeface="Roboto"/>
               <a:ea typeface="Roboto"/>
               <a:cs typeface="Roboto"/>
@@ -8612,7 +11927,7 @@
             </a:endParaRPr>
           </a:p>
           <a:p>
-            <a:pPr indent="0" lvl="0" marL="89999" rtl="0" algn="l">
+            <a:pPr marL="89999" lvl="0" indent="0" algn="l" rtl="0">
               <a:lnSpc>
                 <a:spcPct val="100000"/>
               </a:lnSpc>
@@ -8625,7 +11940,7 @@
               <a:buNone/>
             </a:pPr>
             <a:r>
-              <a:rPr lang="ko">
+              <a:rPr lang="ko" dirty="0">
                 <a:latin typeface="Roboto"/>
                 <a:ea typeface="Roboto"/>
                 <a:cs typeface="Roboto"/>
@@ -8633,7 +11948,7 @@
               </a:rPr>
               <a:t>스케쥴 관리기능</a:t>
             </a:r>
-            <a:endParaRPr>
+            <a:endParaRPr dirty="0">
               <a:latin typeface="Roboto"/>
               <a:ea typeface="Roboto"/>
               <a:cs typeface="Roboto"/>
@@ -8641,7 +11956,7 @@
             </a:endParaRPr>
           </a:p>
           <a:p>
-            <a:pPr indent="0" lvl="0" marL="0" rtl="0" algn="l">
+            <a:pPr marL="0" lvl="0" indent="0" algn="l" rtl="0">
               <a:lnSpc>
                 <a:spcPct val="100000"/>
               </a:lnSpc>
@@ -8653,10 +11968,7 @@
               </a:spcAft>
               <a:buNone/>
             </a:pPr>
-            <a:r>
-              <a:t/>
-            </a:r>
-            <a:endParaRPr>
+            <a:endParaRPr dirty="0">
               <a:latin typeface="Roboto"/>
               <a:ea typeface="Roboto"/>
               <a:cs typeface="Roboto"/>
@@ -8664,7 +11976,7 @@
             </a:endParaRPr>
           </a:p>
           <a:p>
-            <a:pPr indent="0" lvl="0" marL="0" rtl="0" algn="l">
+            <a:pPr marL="0" lvl="0" indent="0" algn="l" rtl="0">
               <a:lnSpc>
                 <a:spcPct val="100000"/>
               </a:lnSpc>
@@ -8677,7 +11989,7 @@
               <a:buNone/>
             </a:pPr>
             <a:r>
-              <a:rPr lang="ko">
+              <a:rPr lang="ko" dirty="0">
                 <a:latin typeface="Roboto"/>
                 <a:ea typeface="Roboto"/>
                 <a:cs typeface="Roboto"/>
@@ -8685,7 +11997,7 @@
               </a:rPr>
               <a:t>  </a:t>
             </a:r>
-            <a:endParaRPr>
+            <a:endParaRPr dirty="0">
               <a:latin typeface="Roboto"/>
               <a:ea typeface="Roboto"/>
               <a:cs typeface="Roboto"/>
@@ -8716,12 +12028,12 @@
           </a:ln>
         </p:spPr>
         <p:txBody>
-          <a:bodyPr anchorCtr="0" anchor="t" bIns="91425" lIns="91425" spcFirstLastPara="1" rIns="91425" wrap="square" tIns="91425">
+          <a:bodyPr spcFirstLastPara="1" wrap="square" lIns="91425" tIns="91425" rIns="91425" bIns="91425" anchor="t" anchorCtr="0">
             <a:noAutofit/>
           </a:bodyPr>
           <a:lstStyle/>
           <a:p>
-            <a:pPr indent="0" lvl="0" marL="0" rtl="0" algn="l">
+            <a:pPr marL="0" lvl="0" indent="0" algn="l" rtl="0">
               <a:lnSpc>
                 <a:spcPct val="100000"/>
               </a:lnSpc>
@@ -8750,7 +12062,7 @@
             </a:endParaRPr>
           </a:p>
           <a:p>
-            <a:pPr indent="0" lvl="0" marL="0" rtl="0" algn="l">
+            <a:pPr marL="0" lvl="0" indent="0" algn="l" rtl="0">
               <a:lnSpc>
                 <a:spcPct val="100000"/>
               </a:lnSpc>
@@ -8762,9 +12074,6 @@
               </a:spcAft>
               <a:buNone/>
             </a:pPr>
-            <a:r>
-              <a:t/>
-            </a:r>
             <a:endParaRPr>
               <a:latin typeface="Roboto"/>
               <a:ea typeface="Roboto"/>
@@ -8773,7 +12082,7 @@
             </a:endParaRPr>
           </a:p>
           <a:p>
-            <a:pPr indent="0" lvl="0" marL="89999" rtl="0" algn="l">
+            <a:pPr marL="89999" lvl="0" indent="0" algn="l" rtl="0">
               <a:lnSpc>
                 <a:spcPct val="100000"/>
               </a:lnSpc>
@@ -8802,7 +12111,7 @@
             </a:endParaRPr>
           </a:p>
           <a:p>
-            <a:pPr indent="0" lvl="0" marL="0" rtl="0" algn="l">
+            <a:pPr marL="0" lvl="0" indent="0" algn="l" rtl="0">
               <a:lnSpc>
                 <a:spcPct val="100000"/>
               </a:lnSpc>
@@ -8814,9 +12123,6 @@
               </a:spcAft>
               <a:buNone/>
             </a:pPr>
-            <a:r>
-              <a:t/>
-            </a:r>
             <a:endParaRPr>
               <a:latin typeface="Roboto"/>
               <a:ea typeface="Roboto"/>
@@ -8825,7 +12131,7 @@
             </a:endParaRPr>
           </a:p>
           <a:p>
-            <a:pPr indent="0" lvl="0" marL="89999" rtl="0" algn="l">
+            <a:pPr marL="89999" lvl="0" indent="0" algn="l" rtl="0">
               <a:lnSpc>
                 <a:spcPct val="100000"/>
               </a:lnSpc>
@@ -8877,12 +12183,12 @@
           </a:ln>
         </p:spPr>
         <p:txBody>
-          <a:bodyPr anchorCtr="0" anchor="t" bIns="91425" lIns="91425" spcFirstLastPara="1" rIns="91425" wrap="square" tIns="91425">
+          <a:bodyPr spcFirstLastPara="1" wrap="square" lIns="91425" tIns="91425" rIns="91425" bIns="91425" anchor="t" anchorCtr="0">
             <a:noAutofit/>
           </a:bodyPr>
           <a:lstStyle/>
           <a:p>
-            <a:pPr indent="0" lvl="0" marL="0" rtl="0" algn="l">
+            <a:pPr marL="0" lvl="0" indent="0" algn="l" rtl="0">
               <a:lnSpc>
                 <a:spcPct val="100000"/>
               </a:lnSpc>
@@ -8911,7 +12217,7 @@
             </a:endParaRPr>
           </a:p>
           <a:p>
-            <a:pPr indent="0" lvl="0" marL="0" rtl="0" algn="l">
+            <a:pPr marL="0" lvl="0" indent="0" algn="l" rtl="0">
               <a:lnSpc>
                 <a:spcPct val="100000"/>
               </a:lnSpc>
@@ -8923,9 +12229,6 @@
               </a:spcAft>
               <a:buNone/>
             </a:pPr>
-            <a:r>
-              <a:t/>
-            </a:r>
             <a:endParaRPr>
               <a:latin typeface="Roboto"/>
               <a:ea typeface="Roboto"/>
@@ -8934,7 +12237,7 @@
             </a:endParaRPr>
           </a:p>
           <a:p>
-            <a:pPr indent="0" lvl="0" marL="89999" rtl="0" algn="l">
+            <a:pPr marL="89999" lvl="0" indent="0" algn="l" rtl="0">
               <a:lnSpc>
                 <a:spcPct val="100000"/>
               </a:lnSpc>
@@ -8963,7 +12266,7 @@
             </a:endParaRPr>
           </a:p>
           <a:p>
-            <a:pPr indent="0" lvl="0" marL="89999" rtl="0" algn="l">
+            <a:pPr marL="89999" lvl="0" indent="0" algn="l" rtl="0">
               <a:lnSpc>
                 <a:spcPct val="100000"/>
               </a:lnSpc>
@@ -8975,9 +12278,6 @@
               </a:spcAft>
               <a:buNone/>
             </a:pPr>
-            <a:r>
-              <a:t/>
-            </a:r>
             <a:endParaRPr>
               <a:latin typeface="Roboto"/>
               <a:ea typeface="Roboto"/>
@@ -8986,7 +12286,7 @@
             </a:endParaRPr>
           </a:p>
           <a:p>
-            <a:pPr indent="0" lvl="0" marL="89999" rtl="0" algn="l">
+            <a:pPr marL="89999" lvl="0" indent="0" algn="l" rtl="0">
               <a:lnSpc>
                 <a:spcPct val="100000"/>
               </a:lnSpc>
@@ -9038,12 +12338,12 @@
           </a:ln>
         </p:spPr>
         <p:txBody>
-          <a:bodyPr anchorCtr="0" anchor="ctr" bIns="91425" lIns="91425" spcFirstLastPara="1" rIns="91425" wrap="square" tIns="91425">
+          <a:bodyPr spcFirstLastPara="1" wrap="square" lIns="91425" tIns="91425" rIns="91425" bIns="91425" anchor="ctr" anchorCtr="0">
             <a:noAutofit/>
           </a:bodyPr>
           <a:lstStyle/>
           <a:p>
-            <a:pPr indent="0" lvl="0" marL="0" rtl="0" algn="l">
+            <a:pPr marL="0" lvl="0" indent="0" algn="l" rtl="0">
               <a:spcBef>
                 <a:spcPts val="0"/>
               </a:spcBef>
@@ -9092,12 +12392,12 @@
           </a:ln>
         </p:spPr>
         <p:txBody>
-          <a:bodyPr anchorCtr="0" anchor="ctr" bIns="91425" lIns="91425" spcFirstLastPara="1" rIns="91425" wrap="square" tIns="91425">
+          <a:bodyPr spcFirstLastPara="1" wrap="square" lIns="91425" tIns="91425" rIns="91425" bIns="91425" anchor="ctr" anchorCtr="0">
             <a:noAutofit/>
           </a:bodyPr>
           <a:lstStyle/>
           <a:p>
-            <a:pPr indent="0" lvl="0" marL="0" rtl="0" algn="l">
+            <a:pPr marL="0" lvl="0" indent="0" algn="l" rtl="0">
               <a:spcBef>
                 <a:spcPts val="0"/>
               </a:spcBef>
@@ -9146,12 +12446,12 @@
           </a:ln>
         </p:spPr>
         <p:txBody>
-          <a:bodyPr anchorCtr="0" anchor="ctr" bIns="91425" lIns="91425" spcFirstLastPara="1" rIns="91425" wrap="square" tIns="91425">
+          <a:bodyPr spcFirstLastPara="1" wrap="square" lIns="91425" tIns="91425" rIns="91425" bIns="91425" anchor="ctr" anchorCtr="0">
             <a:noAutofit/>
           </a:bodyPr>
           <a:lstStyle/>
           <a:p>
-            <a:pPr indent="0" lvl="0" marL="0" rtl="0" algn="l">
+            <a:pPr marL="0" lvl="0" indent="0" algn="l" rtl="0">
               <a:spcBef>
                 <a:spcPts val="0"/>
               </a:spcBef>
@@ -9187,11 +12487,11 @@
 </file>
 
 <file path=ppt/slides/slide5.xml><?xml version="1.0" encoding="utf-8"?>
-<p:sld xmlns:a="http://schemas.openxmlformats.org/drawingml/2006/main" xmlns:r="http://schemas.openxmlformats.org/officeDocument/2006/relationships" xmlns:mc="http://schemas.openxmlformats.org/markup-compatibility/2006" xmlns:mv="urn:schemas-microsoft-com:mac:vml" xmlns:p="http://schemas.openxmlformats.org/presentationml/2006/main" xmlns:c="http://schemas.openxmlformats.org/drawingml/2006/chart" xmlns:dgm="http://schemas.openxmlformats.org/drawingml/2006/diagram" xmlns:o="urn:schemas-microsoft-com:office:office" xmlns:v="urn:schemas-microsoft-com:vml" xmlns:pvml="urn:schemas-microsoft-com:office:powerpoint" xmlns:com="http://schemas.openxmlformats.org/drawingml/2006/compatibility" xmlns:p14="http://schemas.microsoft.com/office/powerpoint/2010/main" xmlns:p15="http://schemas.microsoft.com/office/powerpoint/2012/main">
+<p:sld xmlns:a="http://schemas.openxmlformats.org/drawingml/2006/main" xmlns:r="http://schemas.openxmlformats.org/officeDocument/2006/relationships" xmlns:p="http://schemas.openxmlformats.org/presentationml/2006/main">
   <p:cSld>
     <p:spTree>
       <p:nvGrpSpPr>
-        <p:cNvPr id="93" name="Shape 93"/>
+        <p:cNvPr id="1" name="Shape 93"/>
         <p:cNvGrpSpPr/>
         <p:nvPr/>
       </p:nvGrpSpPr>
@@ -9206,7 +12506,9 @@
       <p:sp>
         <p:nvSpPr>
           <p:cNvPr id="94" name="Google Shape;94;p17"/>
-          <p:cNvSpPr txBox="1"/>
+          <p:cNvSpPr txBox="1">
+            <a:spLocks noGrp="1"/>
+          </p:cNvSpPr>
           <p:nvPr>
             <p:ph type="title"/>
           </p:nvPr>
@@ -9221,12 +12523,12 @@
           </a:prstGeom>
         </p:spPr>
         <p:txBody>
-          <a:bodyPr anchorCtr="0" anchor="t" bIns="91425" lIns="91425" spcFirstLastPara="1" rIns="91425" wrap="square" tIns="91425">
+          <a:bodyPr spcFirstLastPara="1" wrap="square" lIns="91425" tIns="91425" rIns="91425" bIns="91425" anchor="t" anchorCtr="0">
             <a:noAutofit/>
           </a:bodyPr>
           <a:lstStyle/>
           <a:p>
-            <a:pPr indent="0" lvl="0" marL="0" rtl="0" algn="l">
+            <a:pPr marL="0" lvl="0" indent="0" algn="l" rtl="0">
               <a:spcBef>
                 <a:spcPts val="0"/>
               </a:spcBef>
@@ -9265,12 +12567,12 @@
           </a:ln>
         </p:spPr>
         <p:txBody>
-          <a:bodyPr anchorCtr="0" anchor="ctr" bIns="91425" lIns="91425" spcFirstLastPara="1" rIns="91425" wrap="square" tIns="91425">
+          <a:bodyPr spcFirstLastPara="1" wrap="square" lIns="91425" tIns="91425" rIns="91425" bIns="91425" anchor="ctr" anchorCtr="0">
             <a:noAutofit/>
           </a:bodyPr>
           <a:lstStyle/>
           <a:p>
-            <a:pPr indent="0" lvl="0" marL="0" rtl="0" algn="l">
+            <a:pPr marL="0" lvl="0" indent="0" algn="l" rtl="0">
               <a:spcBef>
                 <a:spcPts val="0"/>
               </a:spcBef>
@@ -9338,30 +12640,30 @@
           </a:xfrm>
           <a:prstGeom prst="rightArrow">
             <a:avLst>
-              <a:gd fmla="val 50000" name="adj1"/>
-              <a:gd fmla="val 50000" name="adj2"/>
+              <a:gd name="adj1" fmla="val 50000"/>
+              <a:gd name="adj2" fmla="val 50000"/>
             </a:avLst>
           </a:prstGeom>
           <a:solidFill>
             <a:schemeClr val="lt2"/>
           </a:solidFill>
-          <a:ln cap="flat" cmpd="sng" w="9525">
+          <a:ln w="9525" cap="flat" cmpd="sng">
             <a:solidFill>
               <a:schemeClr val="dk2"/>
             </a:solidFill>
             <a:prstDash val="solid"/>
             <a:round/>
-            <a:headEnd len="sm" w="sm" type="none"/>
-            <a:tailEnd len="sm" w="sm" type="none"/>
+            <a:headEnd type="none" w="sm" len="sm"/>
+            <a:tailEnd type="none" w="sm" len="sm"/>
           </a:ln>
         </p:spPr>
         <p:txBody>
-          <a:bodyPr anchorCtr="0" anchor="ctr" bIns="91425" lIns="91425" spcFirstLastPara="1" rIns="91425" wrap="square" tIns="91425">
+          <a:bodyPr spcFirstLastPara="1" wrap="square" lIns="91425" tIns="91425" rIns="91425" bIns="91425" anchor="ctr" anchorCtr="0">
             <a:noAutofit/>
           </a:bodyPr>
           <a:lstStyle/>
           <a:p>
-            <a:pPr indent="0" lvl="0" marL="0" rtl="0" algn="l">
+            <a:pPr marL="0" lvl="0" indent="0" algn="l" rtl="0">
               <a:spcBef>
                 <a:spcPts val="0"/>
               </a:spcBef>
@@ -9370,9 +12672,6 @@
               </a:spcAft>
               <a:buNone/>
             </a:pPr>
-            <a:r>
-              <a:t/>
-            </a:r>
             <a:endParaRPr/>
           </a:p>
         </p:txBody>
@@ -9474,30 +12773,30 @@
           </a:xfrm>
           <a:prstGeom prst="rightArrow">
             <a:avLst>
-              <a:gd fmla="val 50000" name="adj1"/>
-              <a:gd fmla="val 50000" name="adj2"/>
+              <a:gd name="adj1" fmla="val 50000"/>
+              <a:gd name="adj2" fmla="val 50000"/>
             </a:avLst>
           </a:prstGeom>
           <a:solidFill>
             <a:schemeClr val="lt2"/>
           </a:solidFill>
-          <a:ln cap="flat" cmpd="sng" w="9525">
+          <a:ln w="9525" cap="flat" cmpd="sng">
             <a:solidFill>
               <a:schemeClr val="dk2"/>
             </a:solidFill>
             <a:prstDash val="solid"/>
             <a:round/>
-            <a:headEnd len="sm" w="sm" type="none"/>
-            <a:tailEnd len="sm" w="sm" type="none"/>
+            <a:headEnd type="none" w="sm" len="sm"/>
+            <a:tailEnd type="none" w="sm" len="sm"/>
           </a:ln>
         </p:spPr>
         <p:txBody>
-          <a:bodyPr anchorCtr="0" anchor="ctr" bIns="91425" lIns="91425" spcFirstLastPara="1" rIns="91425" wrap="square" tIns="91425">
+          <a:bodyPr spcFirstLastPara="1" wrap="square" lIns="91425" tIns="91425" rIns="91425" bIns="91425" anchor="ctr" anchorCtr="0">
             <a:noAutofit/>
           </a:bodyPr>
           <a:lstStyle/>
           <a:p>
-            <a:pPr indent="0" lvl="0" marL="0" rtl="0" algn="l">
+            <a:pPr marL="0" lvl="0" indent="0" algn="l" rtl="0">
               <a:spcBef>
                 <a:spcPts val="0"/>
               </a:spcBef>
@@ -9506,9 +12805,6 @@
               </a:spcAft>
               <a:buNone/>
             </a:pPr>
-            <a:r>
-              <a:t/>
-            </a:r>
             <a:endParaRPr/>
           </a:p>
         </p:txBody>
@@ -9522,11 +12818,11 @@
 </file>
 
 <file path=ppt/slides/slide6.xml><?xml version="1.0" encoding="utf-8"?>
-<p:sld xmlns:a="http://schemas.openxmlformats.org/drawingml/2006/main" xmlns:r="http://schemas.openxmlformats.org/officeDocument/2006/relationships" xmlns:mc="http://schemas.openxmlformats.org/markup-compatibility/2006" xmlns:mv="urn:schemas-microsoft-com:mac:vml" xmlns:p="http://schemas.openxmlformats.org/presentationml/2006/main" xmlns:c="http://schemas.openxmlformats.org/drawingml/2006/chart" xmlns:dgm="http://schemas.openxmlformats.org/drawingml/2006/diagram" xmlns:o="urn:schemas-microsoft-com:office:office" xmlns:v="urn:schemas-microsoft-com:vml" xmlns:pvml="urn:schemas-microsoft-com:office:powerpoint" xmlns:com="http://schemas.openxmlformats.org/drawingml/2006/compatibility" xmlns:p14="http://schemas.microsoft.com/office/powerpoint/2010/main" xmlns:p15="http://schemas.microsoft.com/office/powerpoint/2012/main">
+<p:sld xmlns:a="http://schemas.openxmlformats.org/drawingml/2006/main" xmlns:r="http://schemas.openxmlformats.org/officeDocument/2006/relationships" xmlns:p="http://schemas.openxmlformats.org/presentationml/2006/main">
   <p:cSld>
     <p:spTree>
       <p:nvGrpSpPr>
-        <p:cNvPr id="105" name="Shape 105"/>
+        <p:cNvPr id="1" name="Shape 105"/>
         <p:cNvGrpSpPr/>
         <p:nvPr/>
       </p:nvGrpSpPr>
@@ -9541,7 +12837,9 @@
       <p:sp>
         <p:nvSpPr>
           <p:cNvPr id="106" name="Google Shape;106;p18"/>
-          <p:cNvSpPr txBox="1"/>
+          <p:cNvSpPr txBox="1">
+            <a:spLocks noGrp="1"/>
+          </p:cNvSpPr>
           <p:nvPr>
             <p:ph type="title"/>
           </p:nvPr>
@@ -9556,12 +12854,12 @@
           </a:prstGeom>
         </p:spPr>
         <p:txBody>
-          <a:bodyPr anchorCtr="0" anchor="t" bIns="91425" lIns="91425" spcFirstLastPara="1" rIns="91425" wrap="square" tIns="91425">
+          <a:bodyPr spcFirstLastPara="1" wrap="square" lIns="91425" tIns="91425" rIns="91425" bIns="91425" anchor="t" anchorCtr="0">
             <a:noAutofit/>
           </a:bodyPr>
           <a:lstStyle/>
           <a:p>
-            <a:pPr indent="0" lvl="0" marL="0" rtl="0" algn="l">
+            <a:pPr marL="0" lvl="0" indent="0" algn="l" rtl="0">
               <a:spcBef>
                 <a:spcPts val="0"/>
               </a:spcBef>
@@ -9600,12 +12898,12 @@
           </a:ln>
         </p:spPr>
         <p:txBody>
-          <a:bodyPr anchorCtr="0" anchor="ctr" bIns="91425" lIns="91425" spcFirstLastPara="1" rIns="91425" wrap="square" tIns="91425">
+          <a:bodyPr spcFirstLastPara="1" wrap="square" lIns="91425" tIns="91425" rIns="91425" bIns="91425" anchor="ctr" anchorCtr="0">
             <a:noAutofit/>
           </a:bodyPr>
           <a:lstStyle/>
           <a:p>
-            <a:pPr indent="0" lvl="0" marL="0" rtl="0" algn="l">
+            <a:pPr marL="0" lvl="0" indent="0" algn="l" rtl="0">
               <a:spcBef>
                 <a:spcPts val="0"/>
               </a:spcBef>
@@ -9701,30 +12999,30 @@
           </a:xfrm>
           <a:prstGeom prst="rightArrow">
             <a:avLst>
-              <a:gd fmla="val 50000" name="adj1"/>
-              <a:gd fmla="val 50000" name="adj2"/>
+              <a:gd name="adj1" fmla="val 50000"/>
+              <a:gd name="adj2" fmla="val 50000"/>
             </a:avLst>
           </a:prstGeom>
           <a:solidFill>
             <a:schemeClr val="lt2"/>
           </a:solidFill>
-          <a:ln cap="flat" cmpd="sng" w="9525">
+          <a:ln w="9525" cap="flat" cmpd="sng">
             <a:solidFill>
               <a:schemeClr val="dk2"/>
             </a:solidFill>
             <a:prstDash val="solid"/>
             <a:round/>
-            <a:headEnd len="sm" w="sm" type="none"/>
-            <a:tailEnd len="sm" w="sm" type="none"/>
+            <a:headEnd type="none" w="sm" len="sm"/>
+            <a:tailEnd type="none" w="sm" len="sm"/>
           </a:ln>
         </p:spPr>
         <p:txBody>
-          <a:bodyPr anchorCtr="0" anchor="ctr" bIns="91425" lIns="91425" spcFirstLastPara="1" rIns="91425" wrap="square" tIns="91425">
+          <a:bodyPr spcFirstLastPara="1" wrap="square" lIns="91425" tIns="91425" rIns="91425" bIns="91425" anchor="ctr" anchorCtr="0">
             <a:noAutofit/>
           </a:bodyPr>
           <a:lstStyle/>
           <a:p>
-            <a:pPr indent="0" lvl="0" marL="0" rtl="0" algn="l">
+            <a:pPr marL="0" lvl="0" indent="0" algn="l" rtl="0">
               <a:spcBef>
                 <a:spcPts val="0"/>
               </a:spcBef>
@@ -9733,9 +13031,6 @@
               </a:spcAft>
               <a:buNone/>
             </a:pPr>
-            <a:r>
-              <a:t/>
-            </a:r>
             <a:endParaRPr/>
           </a:p>
         </p:txBody>
@@ -9781,30 +13076,30 @@
           </a:xfrm>
           <a:prstGeom prst="rightArrow">
             <a:avLst>
-              <a:gd fmla="val 50000" name="adj1"/>
-              <a:gd fmla="val 50000" name="adj2"/>
+              <a:gd name="adj1" fmla="val 50000"/>
+              <a:gd name="adj2" fmla="val 50000"/>
             </a:avLst>
           </a:prstGeom>
           <a:solidFill>
             <a:schemeClr val="lt2"/>
           </a:solidFill>
-          <a:ln cap="flat" cmpd="sng" w="9525">
+          <a:ln w="9525" cap="flat" cmpd="sng">
             <a:solidFill>
               <a:schemeClr val="dk2"/>
             </a:solidFill>
             <a:prstDash val="solid"/>
             <a:round/>
-            <a:headEnd len="sm" w="sm" type="none"/>
-            <a:tailEnd len="sm" w="sm" type="none"/>
+            <a:headEnd type="none" w="sm" len="sm"/>
+            <a:tailEnd type="none" w="sm" len="sm"/>
           </a:ln>
         </p:spPr>
         <p:txBody>
-          <a:bodyPr anchorCtr="0" anchor="ctr" bIns="91425" lIns="91425" spcFirstLastPara="1" rIns="91425" wrap="square" tIns="91425">
+          <a:bodyPr spcFirstLastPara="1" wrap="square" lIns="91425" tIns="91425" rIns="91425" bIns="91425" anchor="ctr" anchorCtr="0">
             <a:noAutofit/>
           </a:bodyPr>
           <a:lstStyle/>
           <a:p>
-            <a:pPr indent="0" lvl="0" marL="0" rtl="0" algn="l">
+            <a:pPr marL="0" lvl="0" indent="0" algn="l" rtl="0">
               <a:spcBef>
                 <a:spcPts val="0"/>
               </a:spcBef>
@@ -9813,9 +13108,6 @@
               </a:spcAft>
               <a:buNone/>
             </a:pPr>
-            <a:r>
-              <a:t/>
-            </a:r>
             <a:endParaRPr/>
           </a:p>
         </p:txBody>
@@ -9857,11 +13149,11 @@
 </file>
 
 <file path=ppt/slides/slide7.xml><?xml version="1.0" encoding="utf-8"?>
-<p:sld xmlns:a="http://schemas.openxmlformats.org/drawingml/2006/main" xmlns:r="http://schemas.openxmlformats.org/officeDocument/2006/relationships" xmlns:mc="http://schemas.openxmlformats.org/markup-compatibility/2006" xmlns:mv="urn:schemas-microsoft-com:mac:vml" xmlns:p="http://schemas.openxmlformats.org/presentationml/2006/main" xmlns:c="http://schemas.openxmlformats.org/drawingml/2006/chart" xmlns:dgm="http://schemas.openxmlformats.org/drawingml/2006/diagram" xmlns:o="urn:schemas-microsoft-com:office:office" xmlns:v="urn:schemas-microsoft-com:vml" xmlns:pvml="urn:schemas-microsoft-com:office:powerpoint" xmlns:com="http://schemas.openxmlformats.org/drawingml/2006/compatibility" xmlns:p14="http://schemas.microsoft.com/office/powerpoint/2010/main" xmlns:p15="http://schemas.microsoft.com/office/powerpoint/2012/main">
+<p:sld xmlns:a="http://schemas.openxmlformats.org/drawingml/2006/main" xmlns:r="http://schemas.openxmlformats.org/officeDocument/2006/relationships" xmlns:p="http://schemas.openxmlformats.org/presentationml/2006/main">
   <p:cSld>
     <p:spTree>
       <p:nvGrpSpPr>
-        <p:cNvPr id="117" name="Shape 117"/>
+        <p:cNvPr id="1" name="Shape 105"/>
         <p:cNvGrpSpPr/>
         <p:nvPr/>
       </p:nvGrpSpPr>
@@ -9875,8 +13167,10 @@
       </p:grpSpPr>
       <p:sp>
         <p:nvSpPr>
-          <p:cNvPr id="118" name="Google Shape;118;p19"/>
-          <p:cNvSpPr txBox="1"/>
+          <p:cNvPr id="106" name="Google Shape;106;p18"/>
+          <p:cNvSpPr txBox="1">
+            <a:spLocks noGrp="1"/>
+          </p:cNvSpPr>
           <p:nvPr>
             <p:ph type="title"/>
           </p:nvPr>
@@ -9891,12 +13185,12 @@
           </a:prstGeom>
         </p:spPr>
         <p:txBody>
-          <a:bodyPr anchorCtr="0" anchor="t" bIns="91425" lIns="91425" spcFirstLastPara="1" rIns="91425" wrap="square" tIns="91425">
+          <a:bodyPr spcFirstLastPara="1" wrap="square" lIns="91425" tIns="91425" rIns="91425" bIns="91425" anchor="t" anchorCtr="0">
             <a:noAutofit/>
           </a:bodyPr>
           <a:lstStyle/>
           <a:p>
-            <a:pPr indent="0" lvl="0" marL="0" rtl="0" algn="l">
+            <a:pPr marL="0" lvl="0" indent="0" algn="l" rtl="0">
               <a:spcBef>
                 <a:spcPts val="0"/>
               </a:spcBef>
@@ -9906,16 +13200,16 @@
               <a:buNone/>
             </a:pPr>
             <a:r>
-              <a:rPr lang="ko"/>
+              <a:rPr lang="ko" dirty="0"/>
               <a:t>주요 기능</a:t>
             </a:r>
-            <a:endParaRPr/>
+            <a:endParaRPr dirty="0"/>
           </a:p>
         </p:txBody>
       </p:sp>
       <p:sp>
         <p:nvSpPr>
-          <p:cNvPr id="119" name="Google Shape;119;p19"/>
+          <p:cNvPr id="107" name="Google Shape;107;p18"/>
           <p:cNvSpPr txBox="1"/>
           <p:nvPr/>
         </p:nvSpPr>
@@ -9935,12 +13229,12 @@
           </a:ln>
         </p:spPr>
         <p:txBody>
-          <a:bodyPr anchorCtr="0" anchor="ctr" bIns="91425" lIns="91425" spcFirstLastPara="1" rIns="91425" wrap="square" tIns="91425">
+          <a:bodyPr spcFirstLastPara="1" wrap="square" lIns="91425" tIns="91425" rIns="91425" bIns="91425" anchor="ctr" anchorCtr="0">
             <a:noAutofit/>
           </a:bodyPr>
           <a:lstStyle/>
           <a:p>
-            <a:pPr indent="0" lvl="0" marL="0" rtl="0" algn="l">
+            <a:pPr marL="0" lvl="0" indent="0" algn="l" rtl="0">
               <a:spcBef>
                 <a:spcPts val="0"/>
               </a:spcBef>
@@ -9950,15 +13244,24 @@
               <a:buNone/>
             </a:pPr>
             <a:r>
-              <a:rPr lang="ko">
+              <a:rPr lang="ko-KR" altLang="en-US" dirty="0" err="1">
                 <a:latin typeface="Roboto"/>
                 <a:ea typeface="Roboto"/>
                 <a:cs typeface="Roboto"/>
                 <a:sym typeface="Roboto"/>
               </a:rPr>
-              <a:t>게시글 보기에서의 정렬 기능</a:t>
+              <a:t>스캐쥴러</a:t>
             </a:r>
-            <a:endParaRPr>
+            <a:r>
+              <a:rPr lang="ko-KR" altLang="en-US" dirty="0">
+                <a:latin typeface="Roboto"/>
+                <a:ea typeface="Roboto"/>
+                <a:cs typeface="Roboto"/>
+                <a:sym typeface="Roboto"/>
+              </a:rPr>
+              <a:t> 작성 및 수정 기능</a:t>
+            </a:r>
+            <a:endParaRPr dirty="0">
               <a:latin typeface="Roboto"/>
               <a:ea typeface="Roboto"/>
               <a:cs typeface="Roboto"/>
@@ -9967,91 +13270,200 @@
           </a:p>
         </p:txBody>
       </p:sp>
+      <p:sp>
+        <p:nvSpPr>
+          <p:cNvPr id="110" name="Google Shape;110;p18"/>
+          <p:cNvSpPr/>
+          <p:nvPr/>
+        </p:nvSpPr>
+        <p:spPr>
+          <a:xfrm>
+            <a:off x="3207605" y="2971313"/>
+            <a:ext cx="619800" cy="814200"/>
+          </a:xfrm>
+          <a:prstGeom prst="rightArrow">
+            <a:avLst>
+              <a:gd name="adj1" fmla="val 50000"/>
+              <a:gd name="adj2" fmla="val 50000"/>
+            </a:avLst>
+          </a:prstGeom>
+          <a:solidFill>
+            <a:schemeClr val="lt2"/>
+          </a:solidFill>
+          <a:ln w="9525" cap="flat" cmpd="sng">
+            <a:solidFill>
+              <a:schemeClr val="dk2"/>
+            </a:solidFill>
+            <a:prstDash val="solid"/>
+            <a:round/>
+            <a:headEnd type="none" w="sm" len="sm"/>
+            <a:tailEnd type="none" w="sm" len="sm"/>
+          </a:ln>
+        </p:spPr>
+        <p:txBody>
+          <a:bodyPr spcFirstLastPara="1" wrap="square" lIns="91425" tIns="91425" rIns="91425" bIns="91425" anchor="ctr" anchorCtr="0">
+            <a:noAutofit/>
+          </a:bodyPr>
+          <a:lstStyle/>
+          <a:p>
+            <a:pPr marL="0" lvl="0" indent="0" algn="l" rtl="0">
+              <a:spcBef>
+                <a:spcPts val="0"/>
+              </a:spcBef>
+              <a:spcAft>
+                <a:spcPts val="0"/>
+              </a:spcAft>
+              <a:buNone/>
+            </a:pPr>
+            <a:endParaRPr dirty="0"/>
+          </a:p>
+        </p:txBody>
+      </p:sp>
+      <p:sp>
+        <p:nvSpPr>
+          <p:cNvPr id="112" name="Google Shape;112;p18"/>
+          <p:cNvSpPr/>
+          <p:nvPr/>
+        </p:nvSpPr>
+        <p:spPr>
+          <a:xfrm>
+            <a:off x="6131339" y="2971313"/>
+            <a:ext cx="619800" cy="814200"/>
+          </a:xfrm>
+          <a:prstGeom prst="rightArrow">
+            <a:avLst>
+              <a:gd name="adj1" fmla="val 50000"/>
+              <a:gd name="adj2" fmla="val 50000"/>
+            </a:avLst>
+          </a:prstGeom>
+          <a:solidFill>
+            <a:schemeClr val="lt2"/>
+          </a:solidFill>
+          <a:ln w="9525" cap="flat" cmpd="sng">
+            <a:solidFill>
+              <a:schemeClr val="dk2"/>
+            </a:solidFill>
+            <a:prstDash val="solid"/>
+            <a:round/>
+            <a:headEnd type="none" w="sm" len="sm"/>
+            <a:tailEnd type="none" w="sm" len="sm"/>
+          </a:ln>
+        </p:spPr>
+        <p:txBody>
+          <a:bodyPr spcFirstLastPara="1" wrap="square" lIns="91425" tIns="91425" rIns="91425" bIns="91425" anchor="ctr" anchorCtr="0">
+            <a:noAutofit/>
+          </a:bodyPr>
+          <a:lstStyle/>
+          <a:p>
+            <a:pPr marL="0" lvl="0" indent="0" algn="l" rtl="0">
+              <a:spcBef>
+                <a:spcPts val="0"/>
+              </a:spcBef>
+              <a:spcAft>
+                <a:spcPts val="0"/>
+              </a:spcAft>
+              <a:buNone/>
+            </a:pPr>
+            <a:endParaRPr/>
+          </a:p>
+        </p:txBody>
+      </p:sp>
       <p:pic>
         <p:nvPicPr>
-          <p:cNvPr id="120" name="Google Shape;120;p19"/>
-          <p:cNvPicPr preferRelativeResize="0"/>
+          <p:cNvPr id="2" name="그림 1">
+            <a:extLst>
+              <a:ext uri="{FF2B5EF4-FFF2-40B4-BE49-F238E27FC236}">
+                <a16:creationId xmlns:a16="http://schemas.microsoft.com/office/drawing/2014/main" id="{A7846E3A-AB22-46C5-AEE1-C1DE1A206AFB}"/>
+              </a:ext>
+            </a:extLst>
+          </p:cNvPr>
+          <p:cNvPicPr>
+            <a:picLocks noChangeAspect="1"/>
+          </p:cNvPicPr>
           <p:nvPr/>
         </p:nvPicPr>
         <p:blipFill>
-          <a:blip r:embed="rId3">
-            <a:alphaModFix/>
-          </a:blip>
+          <a:blip r:embed="rId3"/>
           <a:stretch>
             <a:fillRect/>
           </a:stretch>
         </p:blipFill>
         <p:spPr>
           <a:xfrm>
-            <a:off x="594100" y="1879925"/>
-            <a:ext cx="2159999" cy="2520000"/>
+            <a:off x="303425" y="1831191"/>
+            <a:ext cx="2832143" cy="3094444"/>
           </a:xfrm>
           <a:prstGeom prst="rect">
             <a:avLst/>
           </a:prstGeom>
-          <a:noFill/>
-          <a:ln>
-            <a:noFill/>
-          </a:ln>
         </p:spPr>
       </p:pic>
       <p:pic>
         <p:nvPicPr>
-          <p:cNvPr id="121" name="Google Shape;121;p19"/>
-          <p:cNvPicPr preferRelativeResize="0"/>
+          <p:cNvPr id="3" name="그림 2">
+            <a:extLst>
+              <a:ext uri="{FF2B5EF4-FFF2-40B4-BE49-F238E27FC236}">
+                <a16:creationId xmlns:a16="http://schemas.microsoft.com/office/drawing/2014/main" id="{3115B310-38D8-4740-8BA0-69F83AEC8CD6}"/>
+              </a:ext>
+            </a:extLst>
+          </p:cNvPr>
+          <p:cNvPicPr>
+            <a:picLocks noChangeAspect="1"/>
+          </p:cNvPicPr>
           <p:nvPr/>
         </p:nvPicPr>
         <p:blipFill>
-          <a:blip r:embed="rId4">
-            <a:alphaModFix/>
-          </a:blip>
+          <a:blip r:embed="rId4"/>
           <a:stretch>
             <a:fillRect/>
           </a:stretch>
         </p:blipFill>
         <p:spPr>
           <a:xfrm>
-            <a:off x="3563976" y="1879925"/>
-            <a:ext cx="2160000" cy="2520000"/>
+            <a:off x="3899441" y="1831191"/>
+            <a:ext cx="2159862" cy="3094444"/>
           </a:xfrm>
           <a:prstGeom prst="rect">
             <a:avLst/>
           </a:prstGeom>
-          <a:noFill/>
-          <a:ln>
-            <a:noFill/>
-          </a:ln>
         </p:spPr>
       </p:pic>
       <p:pic>
         <p:nvPicPr>
-          <p:cNvPr id="122" name="Google Shape;122;p19"/>
-          <p:cNvPicPr preferRelativeResize="0"/>
+          <p:cNvPr id="4" name="그림 3">
+            <a:extLst>
+              <a:ext uri="{FF2B5EF4-FFF2-40B4-BE49-F238E27FC236}">
+                <a16:creationId xmlns:a16="http://schemas.microsoft.com/office/drawing/2014/main" id="{22FE2087-7C39-4762-9AEB-09C4C193FECF}"/>
+              </a:ext>
+            </a:extLst>
+          </p:cNvPr>
+          <p:cNvPicPr>
+            <a:picLocks noChangeAspect="1"/>
+          </p:cNvPicPr>
           <p:nvPr/>
         </p:nvPicPr>
         <p:blipFill>
-          <a:blip r:embed="rId5">
-            <a:alphaModFix/>
-          </a:blip>
+          <a:blip r:embed="rId5"/>
           <a:stretch>
             <a:fillRect/>
           </a:stretch>
         </p:blipFill>
         <p:spPr>
           <a:xfrm>
-            <a:off x="6533851" y="1879925"/>
-            <a:ext cx="2159998" cy="2520000"/>
+            <a:off x="6801911" y="1831191"/>
+            <a:ext cx="2277603" cy="3094444"/>
           </a:xfrm>
           <a:prstGeom prst="rect">
             <a:avLst/>
           </a:prstGeom>
-          <a:noFill/>
-          <a:ln>
-            <a:noFill/>
-          </a:ln>
         </p:spPr>
       </p:pic>
     </p:spTree>
+    <p:extLst>
+      <p:ext uri="{BB962C8B-B14F-4D97-AF65-F5344CB8AC3E}">
+        <p14:creationId xmlns:p14="http://schemas.microsoft.com/office/powerpoint/2010/main" val="4209858825"/>
+      </p:ext>
+    </p:extLst>
   </p:cSld>
   <p:clrMapOvr>
     <a:masterClrMapping/>
@@ -10060,11 +13472,11 @@
 </file>
 
 <file path=ppt/slides/slide8.xml><?xml version="1.0" encoding="utf-8"?>
-<p:sld xmlns:a="http://schemas.openxmlformats.org/drawingml/2006/main" xmlns:r="http://schemas.openxmlformats.org/officeDocument/2006/relationships" xmlns:mc="http://schemas.openxmlformats.org/markup-compatibility/2006" xmlns:mv="urn:schemas-microsoft-com:mac:vml" xmlns:p="http://schemas.openxmlformats.org/presentationml/2006/main" xmlns:c="http://schemas.openxmlformats.org/drawingml/2006/chart" xmlns:dgm="http://schemas.openxmlformats.org/drawingml/2006/diagram" xmlns:o="urn:schemas-microsoft-com:office:office" xmlns:v="urn:schemas-microsoft-com:vml" xmlns:pvml="urn:schemas-microsoft-com:office:powerpoint" xmlns:com="http://schemas.openxmlformats.org/drawingml/2006/compatibility" xmlns:p14="http://schemas.microsoft.com/office/powerpoint/2010/main" xmlns:p15="http://schemas.microsoft.com/office/powerpoint/2012/main">
+<p:sld xmlns:a="http://schemas.openxmlformats.org/drawingml/2006/main" xmlns:r="http://schemas.openxmlformats.org/officeDocument/2006/relationships" xmlns:p="http://schemas.openxmlformats.org/presentationml/2006/main">
   <p:cSld>
     <p:spTree>
       <p:nvGrpSpPr>
-        <p:cNvPr id="126" name="Shape 126"/>
+        <p:cNvPr id="1" name="Shape 105"/>
         <p:cNvGrpSpPr/>
         <p:nvPr/>
       </p:nvGrpSpPr>
@@ -10078,8 +13490,10 @@
       </p:grpSpPr>
       <p:sp>
         <p:nvSpPr>
-          <p:cNvPr id="127" name="Google Shape;127;p20"/>
-          <p:cNvSpPr txBox="1"/>
+          <p:cNvPr id="106" name="Google Shape;106;p18"/>
+          <p:cNvSpPr txBox="1">
+            <a:spLocks noGrp="1"/>
+          </p:cNvSpPr>
           <p:nvPr>
             <p:ph type="title"/>
           </p:nvPr>
@@ -10094,12 +13508,12 @@
           </a:prstGeom>
         </p:spPr>
         <p:txBody>
-          <a:bodyPr anchorCtr="0" anchor="t" bIns="91425" lIns="91425" spcFirstLastPara="1" rIns="91425" wrap="square" tIns="91425">
+          <a:bodyPr spcFirstLastPara="1" wrap="square" lIns="91425" tIns="91425" rIns="91425" bIns="91425" anchor="t" anchorCtr="0">
             <a:noAutofit/>
           </a:bodyPr>
           <a:lstStyle/>
           <a:p>
-            <a:pPr indent="0" lvl="0" marL="0" rtl="0" algn="l">
+            <a:pPr marL="0" lvl="0" indent="0" algn="l" rtl="0">
               <a:spcBef>
                 <a:spcPts val="0"/>
               </a:spcBef>
@@ -10109,16 +13523,16 @@
               <a:buNone/>
             </a:pPr>
             <a:r>
-              <a:rPr lang="ko"/>
+              <a:rPr lang="ko" dirty="0"/>
               <a:t>주요 기능</a:t>
             </a:r>
-            <a:endParaRPr/>
+            <a:endParaRPr dirty="0"/>
           </a:p>
         </p:txBody>
       </p:sp>
       <p:sp>
         <p:nvSpPr>
-          <p:cNvPr id="128" name="Google Shape;128;p20"/>
+          <p:cNvPr id="107" name="Google Shape;107;p18"/>
           <p:cNvSpPr txBox="1"/>
           <p:nvPr/>
         </p:nvSpPr>
@@ -10138,12 +13552,12 @@
           </a:ln>
         </p:spPr>
         <p:txBody>
-          <a:bodyPr anchorCtr="0" anchor="ctr" bIns="91425" lIns="91425" spcFirstLastPara="1" rIns="91425" wrap="square" tIns="91425">
+          <a:bodyPr spcFirstLastPara="1" wrap="square" lIns="91425" tIns="91425" rIns="91425" bIns="91425" anchor="ctr" anchorCtr="0">
             <a:noAutofit/>
           </a:bodyPr>
           <a:lstStyle/>
           <a:p>
-            <a:pPr indent="0" lvl="0" marL="0" rtl="0" algn="l">
+            <a:pPr marL="0" lvl="0" indent="0" algn="l" rtl="0">
               <a:spcBef>
                 <a:spcPts val="0"/>
               </a:spcBef>
@@ -10153,15 +13567,15 @@
               <a:buNone/>
             </a:pPr>
             <a:r>
-              <a:rPr lang="ko">
+              <a:rPr lang="ko-KR" altLang="en-US" dirty="0">
                 <a:latin typeface="Roboto"/>
                 <a:ea typeface="Roboto"/>
                 <a:cs typeface="Roboto"/>
                 <a:sym typeface="Roboto"/>
               </a:rPr>
-              <a:t>글 작성 시 필수항목 확인 기능</a:t>
+              <a:t>전자결재 다중 검색 기능</a:t>
             </a:r>
-            <a:endParaRPr>
+            <a:endParaRPr dirty="0">
               <a:latin typeface="Roboto"/>
               <a:ea typeface="Roboto"/>
               <a:cs typeface="Roboto"/>
@@ -10172,141 +13586,70 @@
       </p:sp>
       <p:pic>
         <p:nvPicPr>
-          <p:cNvPr id="129" name="Google Shape;129;p20"/>
-          <p:cNvPicPr preferRelativeResize="0"/>
+          <p:cNvPr id="2" name="그림 1">
+            <a:extLst>
+              <a:ext uri="{FF2B5EF4-FFF2-40B4-BE49-F238E27FC236}">
+                <a16:creationId xmlns:a16="http://schemas.microsoft.com/office/drawing/2014/main" id="{087F639B-1022-4C36-9DF6-5FB473137092}"/>
+              </a:ext>
+            </a:extLst>
+          </p:cNvPr>
+          <p:cNvPicPr>
+            <a:picLocks noChangeAspect="1"/>
+          </p:cNvPicPr>
           <p:nvPr/>
         </p:nvPicPr>
         <p:blipFill>
-          <a:blip r:embed="rId3">
-            <a:alphaModFix/>
-          </a:blip>
+          <a:blip r:embed="rId3"/>
           <a:stretch>
             <a:fillRect/>
           </a:stretch>
         </p:blipFill>
         <p:spPr>
           <a:xfrm>
-            <a:off x="303425" y="1737800"/>
-            <a:ext cx="4062574" cy="3173674"/>
+            <a:off x="635934" y="1734451"/>
+            <a:ext cx="3222557" cy="3308602"/>
           </a:xfrm>
           <a:prstGeom prst="rect">
             <a:avLst/>
           </a:prstGeom>
-          <a:noFill/>
-          <a:ln>
-            <a:noFill/>
-          </a:ln>
         </p:spPr>
       </p:pic>
       <p:pic>
         <p:nvPicPr>
-          <p:cNvPr id="130" name="Google Shape;130;p20"/>
-          <p:cNvPicPr preferRelativeResize="0"/>
+          <p:cNvPr id="3" name="그림 2">
+            <a:extLst>
+              <a:ext uri="{FF2B5EF4-FFF2-40B4-BE49-F238E27FC236}">
+                <a16:creationId xmlns:a16="http://schemas.microsoft.com/office/drawing/2014/main" id="{7FCAAB51-73BD-45D3-BCF1-E04B41730567}"/>
+              </a:ext>
+            </a:extLst>
+          </p:cNvPr>
+          <p:cNvPicPr>
+            <a:picLocks noChangeAspect="1"/>
+          </p:cNvPicPr>
           <p:nvPr/>
         </p:nvPicPr>
         <p:blipFill>
-          <a:blip r:embed="rId4">
-            <a:alphaModFix/>
-          </a:blip>
+          <a:blip r:embed="rId4"/>
           <a:stretch>
             <a:fillRect/>
           </a:stretch>
         </p:blipFill>
         <p:spPr>
           <a:xfrm>
-            <a:off x="5270900" y="1801500"/>
-            <a:ext cx="3713625" cy="1285875"/>
+            <a:off x="4918364" y="1734451"/>
+            <a:ext cx="3422834" cy="3308603"/>
           </a:xfrm>
           <a:prstGeom prst="rect">
             <a:avLst/>
           </a:prstGeom>
-          <a:noFill/>
-          <a:ln>
-            <a:noFill/>
-          </a:ln>
         </p:spPr>
       </p:pic>
-      <p:pic>
-        <p:nvPicPr>
-          <p:cNvPr id="131" name="Google Shape;131;p20"/>
-          <p:cNvPicPr preferRelativeResize="0"/>
-          <p:nvPr/>
-        </p:nvPicPr>
-        <p:blipFill>
-          <a:blip r:embed="rId5">
-            <a:alphaModFix/>
-          </a:blip>
-          <a:stretch>
-            <a:fillRect/>
-          </a:stretch>
-        </p:blipFill>
-        <p:spPr>
-          <a:xfrm>
-            <a:off x="5270900" y="3223850"/>
-            <a:ext cx="3713625" cy="1285875"/>
-          </a:xfrm>
-          <a:prstGeom prst="rect">
-            <a:avLst/>
-          </a:prstGeom>
-          <a:noFill/>
-          <a:ln>
-            <a:noFill/>
-          </a:ln>
-        </p:spPr>
-      </p:pic>
-      <p:sp>
-        <p:nvSpPr>
-          <p:cNvPr id="132" name="Google Shape;132;p20"/>
-          <p:cNvSpPr/>
-          <p:nvPr/>
-        </p:nvSpPr>
-        <p:spPr>
-          <a:xfrm>
-            <a:off x="4508550" y="2788963"/>
-            <a:ext cx="619800" cy="814200"/>
-          </a:xfrm>
-          <a:prstGeom prst="rightArrow">
-            <a:avLst>
-              <a:gd fmla="val 50000" name="adj1"/>
-              <a:gd fmla="val 50000" name="adj2"/>
-            </a:avLst>
-          </a:prstGeom>
-          <a:solidFill>
-            <a:schemeClr val="lt2"/>
-          </a:solidFill>
-          <a:ln cap="flat" cmpd="sng" w="9525">
-            <a:solidFill>
-              <a:schemeClr val="dk2"/>
-            </a:solidFill>
-            <a:prstDash val="solid"/>
-            <a:round/>
-            <a:headEnd len="sm" w="sm" type="none"/>
-            <a:tailEnd len="sm" w="sm" type="none"/>
-          </a:ln>
-        </p:spPr>
-        <p:txBody>
-          <a:bodyPr anchorCtr="0" anchor="ctr" bIns="91425" lIns="91425" spcFirstLastPara="1" rIns="91425" wrap="square" tIns="91425">
-            <a:noAutofit/>
-          </a:bodyPr>
-          <a:lstStyle/>
-          <a:p>
-            <a:pPr indent="0" lvl="0" marL="0" rtl="0" algn="l">
-              <a:spcBef>
-                <a:spcPts val="0"/>
-              </a:spcBef>
-              <a:spcAft>
-                <a:spcPts val="0"/>
-              </a:spcAft>
-              <a:buNone/>
-            </a:pPr>
-            <a:r>
-              <a:t/>
-            </a:r>
-            <a:endParaRPr/>
-          </a:p>
-        </p:txBody>
-      </p:sp>
     </p:spTree>
+    <p:extLst>
+      <p:ext uri="{BB962C8B-B14F-4D97-AF65-F5344CB8AC3E}">
+        <p14:creationId xmlns:p14="http://schemas.microsoft.com/office/powerpoint/2010/main" val="630673977"/>
+      </p:ext>
+    </p:extLst>
   </p:cSld>
   <p:clrMapOvr>
     <a:masterClrMapping/>
@@ -10315,11 +13658,11 @@
 </file>
 
 <file path=ppt/slides/slide9.xml><?xml version="1.0" encoding="utf-8"?>
-<p:sld xmlns:a="http://schemas.openxmlformats.org/drawingml/2006/main" xmlns:r="http://schemas.openxmlformats.org/officeDocument/2006/relationships" xmlns:mc="http://schemas.openxmlformats.org/markup-compatibility/2006" xmlns:mv="urn:schemas-microsoft-com:mac:vml" xmlns:p="http://schemas.openxmlformats.org/presentationml/2006/main" xmlns:c="http://schemas.openxmlformats.org/drawingml/2006/chart" xmlns:dgm="http://schemas.openxmlformats.org/drawingml/2006/diagram" xmlns:o="urn:schemas-microsoft-com:office:office" xmlns:v="urn:schemas-microsoft-com:vml" xmlns:pvml="urn:schemas-microsoft-com:office:powerpoint" xmlns:com="http://schemas.openxmlformats.org/drawingml/2006/compatibility" xmlns:p14="http://schemas.microsoft.com/office/powerpoint/2010/main" xmlns:p15="http://schemas.microsoft.com/office/powerpoint/2012/main">
+<p:sld xmlns:a="http://schemas.openxmlformats.org/drawingml/2006/main" xmlns:r="http://schemas.openxmlformats.org/officeDocument/2006/relationships" xmlns:p="http://schemas.openxmlformats.org/presentationml/2006/main">
   <p:cSld>
     <p:spTree>
       <p:nvGrpSpPr>
-        <p:cNvPr id="136" name="Shape 136"/>
+        <p:cNvPr id="1" name="Shape 105"/>
         <p:cNvGrpSpPr/>
         <p:nvPr/>
       </p:nvGrpSpPr>
@@ -10333,8 +13676,10 @@
       </p:grpSpPr>
       <p:sp>
         <p:nvSpPr>
-          <p:cNvPr id="137" name="Google Shape;137;p21"/>
-          <p:cNvSpPr txBox="1"/>
+          <p:cNvPr id="106" name="Google Shape;106;p18"/>
+          <p:cNvSpPr txBox="1">
+            <a:spLocks noGrp="1"/>
+          </p:cNvSpPr>
           <p:nvPr>
             <p:ph type="title"/>
           </p:nvPr>
@@ -10349,12 +13694,12 @@
           </a:prstGeom>
         </p:spPr>
         <p:txBody>
-          <a:bodyPr anchorCtr="0" anchor="t" bIns="91425" lIns="91425" spcFirstLastPara="1" rIns="91425" wrap="square" tIns="91425">
+          <a:bodyPr spcFirstLastPara="1" wrap="square" lIns="91425" tIns="91425" rIns="91425" bIns="91425" anchor="t" anchorCtr="0">
             <a:noAutofit/>
           </a:bodyPr>
           <a:lstStyle/>
           <a:p>
-            <a:pPr indent="0" lvl="0" marL="0" rtl="0" algn="l">
+            <a:pPr marL="0" lvl="0" indent="0" algn="l" rtl="0">
               <a:spcBef>
                 <a:spcPts val="0"/>
               </a:spcBef>
@@ -10364,45 +13709,41 @@
               <a:buNone/>
             </a:pPr>
             <a:r>
-              <a:rPr lang="ko"/>
-              <a:t>프로젝트를 하면서 느낀 점</a:t>
+              <a:rPr lang="ko" dirty="0"/>
+              <a:t>주요 기능</a:t>
             </a:r>
-            <a:endParaRPr/>
+            <a:endParaRPr dirty="0"/>
           </a:p>
         </p:txBody>
       </p:sp>
       <p:sp>
         <p:nvSpPr>
-          <p:cNvPr id="138" name="Google Shape;138;p21"/>
+          <p:cNvPr id="107" name="Google Shape;107;p18"/>
           <p:cNvSpPr txBox="1"/>
           <p:nvPr/>
         </p:nvSpPr>
         <p:spPr>
           <a:xfrm>
-            <a:off x="303425" y="1450550"/>
-            <a:ext cx="8529000" cy="3485700"/>
+            <a:off x="303425" y="1339525"/>
+            <a:ext cx="8681100" cy="325500"/>
           </a:xfrm>
           <a:prstGeom prst="rect">
             <a:avLst/>
           </a:prstGeom>
-          <a:noFill/>
-          <a:ln cap="flat" cmpd="sng" w="9525">
-            <a:solidFill>
-              <a:srgbClr val="000000"/>
-            </a:solidFill>
-            <a:prstDash val="solid"/>
-            <a:round/>
-            <a:headEnd len="sm" w="sm" type="none"/>
-            <a:tailEnd len="sm" w="sm" type="none"/>
+          <a:solidFill>
+            <a:srgbClr val="F3F3F3"/>
+          </a:solidFill>
+          <a:ln>
+            <a:noFill/>
           </a:ln>
         </p:spPr>
         <p:txBody>
-          <a:bodyPr anchorCtr="0" anchor="t" bIns="91425" lIns="91425" spcFirstLastPara="1" rIns="91425" wrap="square" tIns="91425">
+          <a:bodyPr spcFirstLastPara="1" wrap="square" lIns="91425" tIns="91425" rIns="91425" bIns="91425" anchor="ctr" anchorCtr="0">
             <a:noAutofit/>
           </a:bodyPr>
           <a:lstStyle/>
           <a:p>
-            <a:pPr indent="0" lvl="0" marL="0" rtl="0" algn="l">
+            <a:pPr marL="0" lvl="0" indent="0" algn="l" rtl="0">
               <a:spcBef>
                 <a:spcPts val="0"/>
               </a:spcBef>
@@ -10412,70 +13753,98 @@
               <a:buNone/>
             </a:pPr>
             <a:r>
-              <a:rPr lang="ko">
+              <a:rPr lang="ko-KR" altLang="en-US" dirty="0">
                 <a:latin typeface="Roboto"/>
                 <a:ea typeface="Roboto"/>
                 <a:cs typeface="Roboto"/>
                 <a:sym typeface="Roboto"/>
               </a:rPr>
-              <a:t>일정관리를 한다는 것이 중요하지만, 그것을 지키는 것이 매우 어렵다는 것을 깨달았다.</a:t>
+              <a:t>전자결재 다중 검색 기능</a:t>
             </a:r>
-            <a:endParaRPr>
+            <a:r>
+              <a:rPr lang="en-US" altLang="ko-KR" dirty="0">
+                <a:latin typeface="Roboto"/>
+                <a:ea typeface="Roboto"/>
+                <a:cs typeface="Roboto"/>
+                <a:sym typeface="Roboto"/>
+              </a:rPr>
+              <a:t>(2)</a:t>
+            </a:r>
+            <a:endParaRPr dirty="0">
               <a:latin typeface="Roboto"/>
               <a:ea typeface="Roboto"/>
               <a:cs typeface="Roboto"/>
               <a:sym typeface="Roboto"/>
             </a:endParaRPr>
           </a:p>
-          <a:p>
-            <a:pPr indent="0" lvl="0" marL="0" rtl="0" algn="l">
-              <a:spcBef>
-                <a:spcPts val="0"/>
-              </a:spcBef>
-              <a:spcAft>
-                <a:spcPts val="0"/>
-              </a:spcAft>
-              <a:buNone/>
-            </a:pPr>
-            <a:r>
-              <a:t/>
-            </a:r>
-            <a:endParaRPr>
-              <a:latin typeface="Roboto"/>
-              <a:ea typeface="Roboto"/>
-              <a:cs typeface="Roboto"/>
-              <a:sym typeface="Roboto"/>
-            </a:endParaRPr>
-          </a:p>
-          <a:p>
-            <a:pPr indent="0" lvl="0" marL="0" rtl="0" algn="l">
-              <a:spcBef>
-                <a:spcPts val="0"/>
-              </a:spcBef>
-              <a:spcAft>
-                <a:spcPts val="0"/>
-              </a:spcAft>
-              <a:buNone/>
-            </a:pPr>
-            <a:r>
-              <a:rPr lang="ko">
-                <a:latin typeface="Roboto"/>
-                <a:ea typeface="Roboto"/>
-                <a:cs typeface="Roboto"/>
-                <a:sym typeface="Roboto"/>
-              </a:rPr>
-              <a:t>조장의 힘든 점을 알았다. 사람의 일정을 관리한다는 것이 매우 힘든 일임을 깨달았다.</a:t>
-            </a:r>
-            <a:endParaRPr>
-              <a:latin typeface="Roboto"/>
-              <a:ea typeface="Roboto"/>
-              <a:cs typeface="Roboto"/>
-              <a:sym typeface="Roboto"/>
-            </a:endParaRPr>
-          </a:p>
         </p:txBody>
       </p:sp>
+      <p:pic>
+        <p:nvPicPr>
+          <p:cNvPr id="4" name="그림 3">
+            <a:extLst>
+              <a:ext uri="{FF2B5EF4-FFF2-40B4-BE49-F238E27FC236}">
+                <a16:creationId xmlns:a16="http://schemas.microsoft.com/office/drawing/2014/main" id="{D6FF647F-B0F9-4CD7-8679-516492C0E7C7}"/>
+              </a:ext>
+            </a:extLst>
+          </p:cNvPr>
+          <p:cNvPicPr>
+            <a:picLocks noChangeAspect="1"/>
+          </p:cNvPicPr>
+          <p:nvPr/>
+        </p:nvPicPr>
+        <p:blipFill>
+          <a:blip r:embed="rId3"/>
+          <a:stretch>
+            <a:fillRect/>
+          </a:stretch>
+        </p:blipFill>
+        <p:spPr>
+          <a:xfrm>
+            <a:off x="5451764" y="1879925"/>
+            <a:ext cx="3532761" cy="3026427"/>
+          </a:xfrm>
+          <a:prstGeom prst="rect">
+            <a:avLst/>
+          </a:prstGeom>
+        </p:spPr>
+      </p:pic>
+      <p:pic>
+        <p:nvPicPr>
+          <p:cNvPr id="5" name="그림 4">
+            <a:extLst>
+              <a:ext uri="{FF2B5EF4-FFF2-40B4-BE49-F238E27FC236}">
+                <a16:creationId xmlns:a16="http://schemas.microsoft.com/office/drawing/2014/main" id="{C9426BBB-1989-4D09-B906-3C309AF2C555}"/>
+              </a:ext>
+            </a:extLst>
+          </p:cNvPr>
+          <p:cNvPicPr>
+            <a:picLocks noChangeAspect="1"/>
+          </p:cNvPicPr>
+          <p:nvPr/>
+        </p:nvPicPr>
+        <p:blipFill>
+          <a:blip r:embed="rId4"/>
+          <a:stretch>
+            <a:fillRect/>
+          </a:stretch>
+        </p:blipFill>
+        <p:spPr>
+          <a:xfrm>
+            <a:off x="311725" y="1879925"/>
+            <a:ext cx="3763591" cy="3027600"/>
+          </a:xfrm>
+          <a:prstGeom prst="rect">
+            <a:avLst/>
+          </a:prstGeom>
+        </p:spPr>
+      </p:pic>
     </p:spTree>
+    <p:extLst>
+      <p:ext uri="{BB962C8B-B14F-4D97-AF65-F5344CB8AC3E}">
+        <p14:creationId xmlns:p14="http://schemas.microsoft.com/office/powerpoint/2010/main" val="3273631743"/>
+      </p:ext>
+    </p:extLst>
   </p:cSld>
   <p:clrMapOvr>
     <a:masterClrMapping/>
@@ -10484,7 +13853,288 @@
 </file>
 
 <file path=ppt/theme/theme1.xml><?xml version="1.0" encoding="utf-8"?>
-<a:theme xmlns:a="http://schemas.openxmlformats.org/drawingml/2006/main" xmlns:r="http://schemas.openxmlformats.org/officeDocument/2006/relationships">
+<a:theme xmlns:a="http://schemas.openxmlformats.org/drawingml/2006/main" name="Paradigm">
+  <a:themeElements>
+    <a:clrScheme name="Paradigm">
+      <a:dk1>
+        <a:srgbClr val="31394D"/>
+      </a:dk1>
+      <a:lt1>
+        <a:srgbClr val="FFFFFF"/>
+      </a:lt1>
+      <a:dk2>
+        <a:srgbClr val="666666"/>
+      </a:dk2>
+      <a:lt2>
+        <a:srgbClr val="626B73"/>
+      </a:lt2>
+      <a:accent1>
+        <a:srgbClr val="002F4A"/>
+      </a:accent1>
+      <a:accent2>
+        <a:srgbClr val="D9C4B1"/>
+      </a:accent2>
+      <a:accent3>
+        <a:srgbClr val="EDE3DA"/>
+      </a:accent3>
+      <a:accent4>
+        <a:srgbClr val="B85741"/>
+      </a:accent4>
+      <a:accent5>
+        <a:srgbClr val="009384"/>
+      </a:accent5>
+      <a:accent6>
+        <a:srgbClr val="D0F6FF"/>
+      </a:accent6>
+      <a:hlink>
+        <a:srgbClr val="009384"/>
+      </a:hlink>
+      <a:folHlink>
+        <a:srgbClr val="009384"/>
+      </a:folHlink>
+    </a:clrScheme>
+    <a:fontScheme name="Office">
+      <a:majorFont>
+        <a:latin typeface="Arial"/>
+        <a:ea typeface=""/>
+        <a:cs typeface=""/>
+        <a:font script="Jpan" typeface="ＭＳ Ｐゴシック"/>
+        <a:font script="Hang" typeface="맑은 고딕"/>
+        <a:font script="Hans" typeface="宋体"/>
+        <a:font script="Hant" typeface="新細明體"/>
+        <a:font script="Arab" typeface="Times New Roman"/>
+        <a:font script="Hebr" typeface="Times New Roman"/>
+        <a:font script="Thai" typeface="Angsana New"/>
+        <a:font script="Ethi" typeface="Nyala"/>
+        <a:font script="Beng" typeface="Vrinda"/>
+        <a:font script="Gujr" typeface="Shruti"/>
+        <a:font script="Khmr" typeface="MoolBoran"/>
+        <a:font script="Knda" typeface="Tunga"/>
+        <a:font script="Guru" typeface="Raavi"/>
+        <a:font script="Cans" typeface="Euphemia"/>
+        <a:font script="Cher" typeface="Plantagenet Cherokee"/>
+        <a:font script="Yiii" typeface="Microsoft Yi Baiti"/>
+        <a:font script="Tibt" typeface="Microsoft Himalaya"/>
+        <a:font script="Thaa" typeface="MV Boli"/>
+        <a:font script="Deva" typeface="Mangal"/>
+        <a:font script="Telu" typeface="Gautami"/>
+        <a:font script="Taml" typeface="Latha"/>
+        <a:font script="Syrc" typeface="Estrangelo Edessa"/>
+        <a:font script="Orya" typeface="Kalinga"/>
+        <a:font script="Mlym" typeface="Kartika"/>
+        <a:font script="Laoo" typeface="DokChampa"/>
+        <a:font script="Sinh" typeface="Iskoola Pota"/>
+        <a:font script="Mong" typeface="Mongolian Baiti"/>
+        <a:font script="Viet" typeface="Times New Roman"/>
+        <a:font script="Uigh" typeface="Microsoft Uighur"/>
+        <a:font script="Geor" typeface="Sylfaen"/>
+      </a:majorFont>
+      <a:minorFont>
+        <a:latin typeface="Arial"/>
+        <a:ea typeface=""/>
+        <a:cs typeface=""/>
+        <a:font script="Jpan" typeface="ＭＳ Ｐゴシック"/>
+        <a:font script="Hang" typeface="맑은 고딕"/>
+        <a:font script="Hans" typeface="宋体"/>
+        <a:font script="Hant" typeface="新細明體"/>
+        <a:font script="Arab" typeface="Arial"/>
+        <a:font script="Hebr" typeface="Arial"/>
+        <a:font script="Thai" typeface="Cordia New"/>
+        <a:font script="Ethi" typeface="Nyala"/>
+        <a:font script="Beng" typeface="Vrinda"/>
+        <a:font script="Gujr" typeface="Shruti"/>
+        <a:font script="Khmr" typeface="DaunPenh"/>
+        <a:font script="Knda" typeface="Tunga"/>
+        <a:font script="Guru" typeface="Raavi"/>
+        <a:font script="Cans" typeface="Euphemia"/>
+        <a:font script="Cher" typeface="Plantagenet Cherokee"/>
+        <a:font script="Yiii" typeface="Microsoft Yi Baiti"/>
+        <a:font script="Tibt" typeface="Microsoft Himalaya"/>
+        <a:font script="Thaa" typeface="MV Boli"/>
+        <a:font script="Deva" typeface="Mangal"/>
+        <a:font script="Telu" typeface="Gautami"/>
+        <a:font script="Taml" typeface="Latha"/>
+        <a:font script="Syrc" typeface="Estrangelo Edessa"/>
+        <a:font script="Orya" typeface="Kalinga"/>
+        <a:font script="Mlym" typeface="Kartika"/>
+        <a:font script="Laoo" typeface="DokChampa"/>
+        <a:font script="Sinh" typeface="Iskoola Pota"/>
+        <a:font script="Mong" typeface="Mongolian Baiti"/>
+        <a:font script="Viet" typeface="Arial"/>
+        <a:font script="Uigh" typeface="Microsoft Uighur"/>
+        <a:font script="Geor" typeface="Sylfaen"/>
+      </a:minorFont>
+    </a:fontScheme>
+    <a:fmtScheme name="Office">
+      <a:fillStyleLst>
+        <a:solidFill>
+          <a:schemeClr val="phClr"/>
+        </a:solidFill>
+        <a:gradFill rotWithShape="1">
+          <a:gsLst>
+            <a:gs pos="0">
+              <a:schemeClr val="phClr">
+                <a:tint val="50000"/>
+                <a:satMod val="300000"/>
+              </a:schemeClr>
+            </a:gs>
+            <a:gs pos="35000">
+              <a:schemeClr val="phClr">
+                <a:tint val="37000"/>
+                <a:satMod val="300000"/>
+              </a:schemeClr>
+            </a:gs>
+            <a:gs pos="100000">
+              <a:schemeClr val="phClr">
+                <a:tint val="15000"/>
+                <a:satMod val="350000"/>
+              </a:schemeClr>
+            </a:gs>
+          </a:gsLst>
+          <a:lin ang="16200000" scaled="1"/>
+        </a:gradFill>
+        <a:gradFill rotWithShape="1">
+          <a:gsLst>
+            <a:gs pos="0">
+              <a:schemeClr val="phClr">
+                <a:tint val="100000"/>
+                <a:shade val="100000"/>
+                <a:satMod val="130000"/>
+              </a:schemeClr>
+            </a:gs>
+            <a:gs pos="100000">
+              <a:schemeClr val="phClr">
+                <a:tint val="50000"/>
+                <a:shade val="100000"/>
+                <a:satMod val="350000"/>
+              </a:schemeClr>
+            </a:gs>
+          </a:gsLst>
+          <a:lin ang="16200000" scaled="0"/>
+        </a:gradFill>
+      </a:fillStyleLst>
+      <a:lnStyleLst>
+        <a:ln w="9525" cap="flat" cmpd="sng" algn="ctr">
+          <a:solidFill>
+            <a:schemeClr val="phClr">
+              <a:shade val="95000"/>
+              <a:satMod val="105000"/>
+            </a:schemeClr>
+          </a:solidFill>
+          <a:prstDash val="solid"/>
+        </a:ln>
+        <a:ln w="25400" cap="flat" cmpd="sng" algn="ctr">
+          <a:solidFill>
+            <a:schemeClr val="phClr"/>
+          </a:solidFill>
+          <a:prstDash val="solid"/>
+        </a:ln>
+        <a:ln w="38100" cap="flat" cmpd="sng" algn="ctr">
+          <a:solidFill>
+            <a:schemeClr val="phClr"/>
+          </a:solidFill>
+          <a:prstDash val="solid"/>
+        </a:ln>
+      </a:lnStyleLst>
+      <a:effectStyleLst>
+        <a:effectStyle>
+          <a:effectLst>
+            <a:outerShdw blurRad="40000" dist="20000" dir="5400000" rotWithShape="0">
+              <a:srgbClr val="000000">
+                <a:alpha val="38000"/>
+              </a:srgbClr>
+            </a:outerShdw>
+          </a:effectLst>
+        </a:effectStyle>
+        <a:effectStyle>
+          <a:effectLst>
+            <a:outerShdw blurRad="40000" dist="23000" dir="5400000" rotWithShape="0">
+              <a:srgbClr val="000000">
+                <a:alpha val="35000"/>
+              </a:srgbClr>
+            </a:outerShdw>
+          </a:effectLst>
+        </a:effectStyle>
+        <a:effectStyle>
+          <a:effectLst>
+            <a:outerShdw blurRad="40000" dist="23000" dir="5400000" rotWithShape="0">
+              <a:srgbClr val="000000">
+                <a:alpha val="35000"/>
+              </a:srgbClr>
+            </a:outerShdw>
+          </a:effectLst>
+          <a:scene3d>
+            <a:camera prst="orthographicFront">
+              <a:rot lat="0" lon="0" rev="0"/>
+            </a:camera>
+            <a:lightRig rig="threePt" dir="t">
+              <a:rot lat="0" lon="0" rev="1200000"/>
+            </a:lightRig>
+          </a:scene3d>
+          <a:sp3d>
+            <a:bevelT w="63500" h="25400"/>
+          </a:sp3d>
+        </a:effectStyle>
+      </a:effectStyleLst>
+      <a:bgFillStyleLst>
+        <a:solidFill>
+          <a:schemeClr val="phClr"/>
+        </a:solidFill>
+        <a:gradFill rotWithShape="1">
+          <a:gsLst>
+            <a:gs pos="0">
+              <a:schemeClr val="phClr">
+                <a:tint val="40000"/>
+                <a:satMod val="350000"/>
+              </a:schemeClr>
+            </a:gs>
+            <a:gs pos="40000">
+              <a:schemeClr val="phClr">
+                <a:tint val="45000"/>
+                <a:shade val="99000"/>
+                <a:satMod val="350000"/>
+              </a:schemeClr>
+            </a:gs>
+            <a:gs pos="100000">
+              <a:schemeClr val="phClr">
+                <a:shade val="20000"/>
+                <a:satMod val="255000"/>
+              </a:schemeClr>
+            </a:gs>
+          </a:gsLst>
+          <a:path path="circle">
+            <a:fillToRect l="50000" t="-80000" r="50000" b="180000"/>
+          </a:path>
+        </a:gradFill>
+        <a:gradFill rotWithShape="1">
+          <a:gsLst>
+            <a:gs pos="0">
+              <a:schemeClr val="phClr">
+                <a:tint val="80000"/>
+                <a:satMod val="300000"/>
+              </a:schemeClr>
+            </a:gs>
+            <a:gs pos="100000">
+              <a:schemeClr val="phClr">
+                <a:shade val="30000"/>
+                <a:satMod val="200000"/>
+              </a:schemeClr>
+            </a:gs>
+          </a:gsLst>
+          <a:path path="circle">
+            <a:fillToRect l="50000" t="50000" r="50000" b="50000"/>
+          </a:path>
+        </a:gradFill>
+      </a:bgFillStyleLst>
+    </a:fmtScheme>
+  </a:themeElements>
+  <a:objectDefaults/>
+  <a:extraClrSchemeLst/>
+</a:theme>
+</file>
+
+<file path=ppt/theme/theme2.xml><?xml version="1.0" encoding="utf-8"?>
+<a:theme xmlns:a="http://schemas.openxmlformats.org/drawingml/2006/main">
   <a:themeElements>
     <a:clrScheme name="Default">
       <a:dk1>
@@ -10759,284 +14409,7 @@
       </a:bgFillStyleLst>
     </a:fmtScheme>
   </a:themeElements>
-</a:theme>
-</file>
-
-<file path=ppt/theme/theme2.xml><?xml version="1.0" encoding="utf-8"?>
-<a:theme xmlns:a="http://schemas.openxmlformats.org/drawingml/2006/main" xmlns:r="http://schemas.openxmlformats.org/officeDocument/2006/relationships" name="Paradigm">
-  <a:themeElements>
-    <a:clrScheme name="Paradigm">
-      <a:dk1>
-        <a:srgbClr val="31394D"/>
-      </a:dk1>
-      <a:lt1>
-        <a:srgbClr val="FFFFFF"/>
-      </a:lt1>
-      <a:dk2>
-        <a:srgbClr val="666666"/>
-      </a:dk2>
-      <a:lt2>
-        <a:srgbClr val="626B73"/>
-      </a:lt2>
-      <a:accent1>
-        <a:srgbClr val="002F4A"/>
-      </a:accent1>
-      <a:accent2>
-        <a:srgbClr val="D9C4B1"/>
-      </a:accent2>
-      <a:accent3>
-        <a:srgbClr val="EDE3DA"/>
-      </a:accent3>
-      <a:accent4>
-        <a:srgbClr val="B85741"/>
-      </a:accent4>
-      <a:accent5>
-        <a:srgbClr val="009384"/>
-      </a:accent5>
-      <a:accent6>
-        <a:srgbClr val="D0F6FF"/>
-      </a:accent6>
-      <a:hlink>
-        <a:srgbClr val="009384"/>
-      </a:hlink>
-      <a:folHlink>
-        <a:srgbClr val="009384"/>
-      </a:folHlink>
-    </a:clrScheme>
-    <a:fontScheme name="Office">
-      <a:majorFont>
-        <a:latin typeface="Arial"/>
-        <a:ea typeface=""/>
-        <a:cs typeface=""/>
-        <a:font script="Jpan" typeface="ＭＳ Ｐゴシック"/>
-        <a:font script="Hang" typeface="맑은 고딕"/>
-        <a:font script="Hans" typeface="宋体"/>
-        <a:font script="Hant" typeface="新細明體"/>
-        <a:font script="Arab" typeface="Times New Roman"/>
-        <a:font script="Hebr" typeface="Times New Roman"/>
-        <a:font script="Thai" typeface="Angsana New"/>
-        <a:font script="Ethi" typeface="Nyala"/>
-        <a:font script="Beng" typeface="Vrinda"/>
-        <a:font script="Gujr" typeface="Shruti"/>
-        <a:font script="Khmr" typeface="MoolBoran"/>
-        <a:font script="Knda" typeface="Tunga"/>
-        <a:font script="Guru" typeface="Raavi"/>
-        <a:font script="Cans" typeface="Euphemia"/>
-        <a:font script="Cher" typeface="Plantagenet Cherokee"/>
-        <a:font script="Yiii" typeface="Microsoft Yi Baiti"/>
-        <a:font script="Tibt" typeface="Microsoft Himalaya"/>
-        <a:font script="Thaa" typeface="MV Boli"/>
-        <a:font script="Deva" typeface="Mangal"/>
-        <a:font script="Telu" typeface="Gautami"/>
-        <a:font script="Taml" typeface="Latha"/>
-        <a:font script="Syrc" typeface="Estrangelo Edessa"/>
-        <a:font script="Orya" typeface="Kalinga"/>
-        <a:font script="Mlym" typeface="Kartika"/>
-        <a:font script="Laoo" typeface="DokChampa"/>
-        <a:font script="Sinh" typeface="Iskoola Pota"/>
-        <a:font script="Mong" typeface="Mongolian Baiti"/>
-        <a:font script="Viet" typeface="Times New Roman"/>
-        <a:font script="Uigh" typeface="Microsoft Uighur"/>
-        <a:font script="Geor" typeface="Sylfaen"/>
-      </a:majorFont>
-      <a:minorFont>
-        <a:latin typeface="Arial"/>
-        <a:ea typeface=""/>
-        <a:cs typeface=""/>
-        <a:font script="Jpan" typeface="ＭＳ Ｐゴシック"/>
-        <a:font script="Hang" typeface="맑은 고딕"/>
-        <a:font script="Hans" typeface="宋体"/>
-        <a:font script="Hant" typeface="新細明體"/>
-        <a:font script="Arab" typeface="Arial"/>
-        <a:font script="Hebr" typeface="Arial"/>
-        <a:font script="Thai" typeface="Cordia New"/>
-        <a:font script="Ethi" typeface="Nyala"/>
-        <a:font script="Beng" typeface="Vrinda"/>
-        <a:font script="Gujr" typeface="Shruti"/>
-        <a:font script="Khmr" typeface="DaunPenh"/>
-        <a:font script="Knda" typeface="Tunga"/>
-        <a:font script="Guru" typeface="Raavi"/>
-        <a:font script="Cans" typeface="Euphemia"/>
-        <a:font script="Cher" typeface="Plantagenet Cherokee"/>
-        <a:font script="Yiii" typeface="Microsoft Yi Baiti"/>
-        <a:font script="Tibt" typeface="Microsoft Himalaya"/>
-        <a:font script="Thaa" typeface="MV Boli"/>
-        <a:font script="Deva" typeface="Mangal"/>
-        <a:font script="Telu" typeface="Gautami"/>
-        <a:font script="Taml" typeface="Latha"/>
-        <a:font script="Syrc" typeface="Estrangelo Edessa"/>
-        <a:font script="Orya" typeface="Kalinga"/>
-        <a:font script="Mlym" typeface="Kartika"/>
-        <a:font script="Laoo" typeface="DokChampa"/>
-        <a:font script="Sinh" typeface="Iskoola Pota"/>
-        <a:font script="Mong" typeface="Mongolian Baiti"/>
-        <a:font script="Viet" typeface="Arial"/>
-        <a:font script="Uigh" typeface="Microsoft Uighur"/>
-        <a:font script="Geor" typeface="Sylfaen"/>
-      </a:minorFont>
-    </a:fontScheme>
-    <a:fmtScheme name="Office">
-      <a:fillStyleLst>
-        <a:solidFill>
-          <a:schemeClr val="phClr"/>
-        </a:solidFill>
-        <a:gradFill rotWithShape="1">
-          <a:gsLst>
-            <a:gs pos="0">
-              <a:schemeClr val="phClr">
-                <a:tint val="50000"/>
-                <a:satMod val="300000"/>
-              </a:schemeClr>
-            </a:gs>
-            <a:gs pos="35000">
-              <a:schemeClr val="phClr">
-                <a:tint val="37000"/>
-                <a:satMod val="300000"/>
-              </a:schemeClr>
-            </a:gs>
-            <a:gs pos="100000">
-              <a:schemeClr val="phClr">
-                <a:tint val="15000"/>
-                <a:satMod val="350000"/>
-              </a:schemeClr>
-            </a:gs>
-          </a:gsLst>
-          <a:lin ang="16200000" scaled="1"/>
-        </a:gradFill>
-        <a:gradFill rotWithShape="1">
-          <a:gsLst>
-            <a:gs pos="0">
-              <a:schemeClr val="phClr">
-                <a:tint val="100000"/>
-                <a:shade val="100000"/>
-                <a:satMod val="130000"/>
-              </a:schemeClr>
-            </a:gs>
-            <a:gs pos="100000">
-              <a:schemeClr val="phClr">
-                <a:tint val="50000"/>
-                <a:shade val="100000"/>
-                <a:satMod val="350000"/>
-              </a:schemeClr>
-            </a:gs>
-          </a:gsLst>
-          <a:lin ang="16200000" scaled="0"/>
-        </a:gradFill>
-      </a:fillStyleLst>
-      <a:lnStyleLst>
-        <a:ln w="9525" cap="flat" cmpd="sng" algn="ctr">
-          <a:solidFill>
-            <a:schemeClr val="phClr">
-              <a:shade val="95000"/>
-              <a:satMod val="105000"/>
-            </a:schemeClr>
-          </a:solidFill>
-          <a:prstDash val="solid"/>
-        </a:ln>
-        <a:ln w="25400" cap="flat" cmpd="sng" algn="ctr">
-          <a:solidFill>
-            <a:schemeClr val="phClr"/>
-          </a:solidFill>
-          <a:prstDash val="solid"/>
-        </a:ln>
-        <a:ln w="38100" cap="flat" cmpd="sng" algn="ctr">
-          <a:solidFill>
-            <a:schemeClr val="phClr"/>
-          </a:solidFill>
-          <a:prstDash val="solid"/>
-        </a:ln>
-      </a:lnStyleLst>
-      <a:effectStyleLst>
-        <a:effectStyle>
-          <a:effectLst>
-            <a:outerShdw blurRad="40000" dist="20000" dir="5400000" rotWithShape="0">
-              <a:srgbClr val="000000">
-                <a:alpha val="38000"/>
-              </a:srgbClr>
-            </a:outerShdw>
-          </a:effectLst>
-        </a:effectStyle>
-        <a:effectStyle>
-          <a:effectLst>
-            <a:outerShdw blurRad="40000" dist="23000" dir="5400000" rotWithShape="0">
-              <a:srgbClr val="000000">
-                <a:alpha val="35000"/>
-              </a:srgbClr>
-            </a:outerShdw>
-          </a:effectLst>
-        </a:effectStyle>
-        <a:effectStyle>
-          <a:effectLst>
-            <a:outerShdw blurRad="40000" dist="23000" dir="5400000" rotWithShape="0">
-              <a:srgbClr val="000000">
-                <a:alpha val="35000"/>
-              </a:srgbClr>
-            </a:outerShdw>
-          </a:effectLst>
-          <a:scene3d>
-            <a:camera prst="orthographicFront">
-              <a:rot lat="0" lon="0" rev="0"/>
-            </a:camera>
-            <a:lightRig rig="threePt" dir="t">
-              <a:rot lat="0" lon="0" rev="1200000"/>
-            </a:lightRig>
-          </a:scene3d>
-          <a:sp3d>
-            <a:bevelT w="63500" h="25400"/>
-          </a:sp3d>
-        </a:effectStyle>
-      </a:effectStyleLst>
-      <a:bgFillStyleLst>
-        <a:solidFill>
-          <a:schemeClr val="phClr"/>
-        </a:solidFill>
-        <a:gradFill rotWithShape="1">
-          <a:gsLst>
-            <a:gs pos="0">
-              <a:schemeClr val="phClr">
-                <a:tint val="40000"/>
-                <a:satMod val="350000"/>
-              </a:schemeClr>
-            </a:gs>
-            <a:gs pos="40000">
-              <a:schemeClr val="phClr">
-                <a:tint val="45000"/>
-                <a:shade val="99000"/>
-                <a:satMod val="350000"/>
-              </a:schemeClr>
-            </a:gs>
-            <a:gs pos="100000">
-              <a:schemeClr val="phClr">
-                <a:shade val="20000"/>
-                <a:satMod val="255000"/>
-              </a:schemeClr>
-            </a:gs>
-          </a:gsLst>
-          <a:path path="circle">
-            <a:fillToRect l="50000" t="-80000" r="50000" b="180000"/>
-          </a:path>
-        </a:gradFill>
-        <a:gradFill rotWithShape="1">
-          <a:gsLst>
-            <a:gs pos="0">
-              <a:schemeClr val="phClr">
-                <a:tint val="80000"/>
-                <a:satMod val="300000"/>
-              </a:schemeClr>
-            </a:gs>
-            <a:gs pos="100000">
-              <a:schemeClr val="phClr">
-                <a:shade val="30000"/>
-                <a:satMod val="200000"/>
-              </a:schemeClr>
-            </a:gs>
-          </a:gsLst>
-          <a:path path="circle">
-            <a:fillToRect l="50000" t="50000" r="50000" b="50000"/>
-          </a:path>
-        </a:gradFill>
-      </a:bgFillStyleLst>
-    </a:fmtScheme>
-  </a:themeElements>
+  <a:objectDefaults/>
+  <a:extraClrSchemeLst/>
 </a:theme>
 </file>
--- a/작업완료포트폴리오/6. 1차 발표문서/전자결재시스템 1차 발표.pptx
+++ b/작업완료포트폴리오/6. 1차 발표문서/전자결재시스템 1차 발표.pptx
@@ -5,7 +5,7 @@
     <p:sldMasterId id="2147483659" r:id="rId1"/>
   </p:sldMasterIdLst>
   <p:notesMasterIdLst>
-    <p:notesMasterId r:id="rId19"/>
+    <p:notesMasterId r:id="rId17"/>
   </p:notesMasterIdLst>
   <p:sldIdLst>
     <p:sldId id="256" r:id="rId2"/>
@@ -18,30 +18,28 @@
     <p:sldId id="267" r:id="rId9"/>
     <p:sldId id="271" r:id="rId10"/>
     <p:sldId id="272" r:id="rId11"/>
-    <p:sldId id="270" r:id="rId12"/>
-    <p:sldId id="268" r:id="rId13"/>
-    <p:sldId id="262" r:id="rId14"/>
-    <p:sldId id="263" r:id="rId15"/>
-    <p:sldId id="269" r:id="rId16"/>
-    <p:sldId id="264" r:id="rId17"/>
-    <p:sldId id="265" r:id="rId18"/>
+    <p:sldId id="262" r:id="rId12"/>
+    <p:sldId id="263" r:id="rId13"/>
+    <p:sldId id="269" r:id="rId14"/>
+    <p:sldId id="264" r:id="rId15"/>
+    <p:sldId id="265" r:id="rId16"/>
   </p:sldIdLst>
   <p:sldSz cx="9144000" cy="5143500" type="screen16x9"/>
   <p:notesSz cx="6858000" cy="9144000"/>
   <p:embeddedFontLst>
     <p:embeddedFont>
       <p:font typeface="Merriweather" panose="020B0600000101010101" charset="0"/>
-      <p:regular r:id="rId20"/>
-      <p:bold r:id="rId21"/>
-      <p:italic r:id="rId22"/>
-      <p:boldItalic r:id="rId23"/>
+      <p:regular r:id="rId18"/>
+      <p:bold r:id="rId19"/>
+      <p:italic r:id="rId20"/>
+      <p:boldItalic r:id="rId21"/>
     </p:embeddedFont>
     <p:embeddedFont>
       <p:font typeface="Roboto" panose="020B0600000101010101" charset="0"/>
-      <p:regular r:id="rId24"/>
-      <p:bold r:id="rId25"/>
-      <p:italic r:id="rId26"/>
-      <p:boldItalic r:id="rId27"/>
+      <p:regular r:id="rId22"/>
+      <p:bold r:id="rId23"/>
+      <p:italic r:id="rId24"/>
+      <p:boldItalic r:id="rId25"/>
     </p:embeddedFont>
   </p:embeddedFontLst>
   <p:defaultTextStyle>
@@ -951,7 +949,7 @@
   <p:cSld>
     <p:spTree>
       <p:nvGrpSpPr>
-        <p:cNvPr id="1" name="Shape 102"/>
+        <p:cNvPr id="1" name="Shape 114"/>
         <p:cNvGrpSpPr/>
         <p:nvPr/>
       </p:nvGrpSpPr>
@@ -965,7 +963,7 @@
       </p:grpSpPr>
       <p:sp>
         <p:nvSpPr>
-          <p:cNvPr id="103" name="Google Shape;103;g742ef761dc_0_649:notes"/>
+          <p:cNvPr id="115" name="Google Shape;115;g742ef761dc_0_661:notes"/>
           <p:cNvSpPr>
             <a:spLocks noGrp="1" noRot="1" noChangeAspect="1"/>
           </p:cNvSpPr>
@@ -975,7 +973,7 @@
         </p:nvSpPr>
         <p:spPr>
           <a:xfrm>
-            <a:off x="381000" y="685800"/>
+            <a:off x="381300" y="685800"/>
             <a:ext cx="6096000" cy="3429000"/>
           </a:xfrm>
           <a:custGeom>
@@ -1006,224 +1004,6 @@
       </p:sp>
       <p:sp>
         <p:nvSpPr>
-          <p:cNvPr id="104" name="Google Shape;104;g742ef761dc_0_649:notes"/>
-          <p:cNvSpPr txBox="1">
-            <a:spLocks noGrp="1"/>
-          </p:cNvSpPr>
-          <p:nvPr>
-            <p:ph type="body" idx="1"/>
-          </p:nvPr>
-        </p:nvSpPr>
-        <p:spPr>
-          <a:xfrm>
-            <a:off x="685800" y="4343400"/>
-            <a:ext cx="5486400" cy="4114800"/>
-          </a:xfrm>
-          <a:prstGeom prst="rect">
-            <a:avLst/>
-          </a:prstGeom>
-        </p:spPr>
-        <p:txBody>
-          <a:bodyPr spcFirstLastPara="1" wrap="square" lIns="91425" tIns="91425" rIns="91425" bIns="91425" anchor="t" anchorCtr="0">
-            <a:noAutofit/>
-          </a:bodyPr>
-          <a:lstStyle/>
-          <a:p>
-            <a:pPr marL="0" lvl="0" indent="0" algn="l" rtl="0">
-              <a:spcBef>
-                <a:spcPts val="0"/>
-              </a:spcBef>
-              <a:spcAft>
-                <a:spcPts val="0"/>
-              </a:spcAft>
-              <a:buNone/>
-            </a:pPr>
-            <a:endParaRPr/>
-          </a:p>
-        </p:txBody>
-      </p:sp>
-    </p:spTree>
-    <p:extLst>
-      <p:ext uri="{BB962C8B-B14F-4D97-AF65-F5344CB8AC3E}">
-        <p14:creationId xmlns:p14="http://schemas.microsoft.com/office/powerpoint/2010/main" val="343190548"/>
-      </p:ext>
-    </p:extLst>
-  </p:cSld>
-  <p:clrMapOvr>
-    <a:masterClrMapping/>
-  </p:clrMapOvr>
-</p:notes>
-</file>
-
-<file path=ppt/notesSlides/notesSlide12.xml><?xml version="1.0" encoding="utf-8"?>
-<p:notes xmlns:a="http://schemas.openxmlformats.org/drawingml/2006/main" xmlns:r="http://schemas.openxmlformats.org/officeDocument/2006/relationships" xmlns:p="http://schemas.openxmlformats.org/presentationml/2006/main" showMasterSp="0" showMasterPhAnim="0">
-  <p:cSld>
-    <p:spTree>
-      <p:nvGrpSpPr>
-        <p:cNvPr id="1" name="Shape 102"/>
-        <p:cNvGrpSpPr/>
-        <p:nvPr/>
-      </p:nvGrpSpPr>
-      <p:grpSpPr>
-        <a:xfrm>
-          <a:off x="0" y="0"/>
-          <a:ext cx="0" cy="0"/>
-          <a:chOff x="0" y="0"/>
-          <a:chExt cx="0" cy="0"/>
-        </a:xfrm>
-      </p:grpSpPr>
-      <p:sp>
-        <p:nvSpPr>
-          <p:cNvPr id="103" name="Google Shape;103;g742ef761dc_0_649:notes"/>
-          <p:cNvSpPr>
-            <a:spLocks noGrp="1" noRot="1" noChangeAspect="1"/>
-          </p:cNvSpPr>
-          <p:nvPr>
-            <p:ph type="sldImg" idx="2"/>
-          </p:nvPr>
-        </p:nvSpPr>
-        <p:spPr>
-          <a:xfrm>
-            <a:off x="381000" y="685800"/>
-            <a:ext cx="6096000" cy="3429000"/>
-          </a:xfrm>
-          <a:custGeom>
-            <a:avLst/>
-            <a:gdLst/>
-            <a:ahLst/>
-            <a:cxnLst/>
-            <a:rect l="l" t="t" r="r" b="b"/>
-            <a:pathLst>
-              <a:path w="120000" h="120000" extrusionOk="0">
-                <a:moveTo>
-                  <a:pt x="0" y="0"/>
-                </a:moveTo>
-                <a:lnTo>
-                  <a:pt x="120000" y="0"/>
-                </a:lnTo>
-                <a:lnTo>
-                  <a:pt x="120000" y="120000"/>
-                </a:lnTo>
-                <a:lnTo>
-                  <a:pt x="0" y="120000"/>
-                </a:lnTo>
-                <a:close/>
-              </a:path>
-            </a:pathLst>
-          </a:custGeom>
-        </p:spPr>
-      </p:sp>
-      <p:sp>
-        <p:nvSpPr>
-          <p:cNvPr id="104" name="Google Shape;104;g742ef761dc_0_649:notes"/>
-          <p:cNvSpPr txBox="1">
-            <a:spLocks noGrp="1"/>
-          </p:cNvSpPr>
-          <p:nvPr>
-            <p:ph type="body" idx="1"/>
-          </p:nvPr>
-        </p:nvSpPr>
-        <p:spPr>
-          <a:xfrm>
-            <a:off x="685800" y="4343400"/>
-            <a:ext cx="5486400" cy="4114800"/>
-          </a:xfrm>
-          <a:prstGeom prst="rect">
-            <a:avLst/>
-          </a:prstGeom>
-        </p:spPr>
-        <p:txBody>
-          <a:bodyPr spcFirstLastPara="1" wrap="square" lIns="91425" tIns="91425" rIns="91425" bIns="91425" anchor="t" anchorCtr="0">
-            <a:noAutofit/>
-          </a:bodyPr>
-          <a:lstStyle/>
-          <a:p>
-            <a:pPr marL="0" lvl="0" indent="0" algn="l" rtl="0">
-              <a:spcBef>
-                <a:spcPts val="0"/>
-              </a:spcBef>
-              <a:spcAft>
-                <a:spcPts val="0"/>
-              </a:spcAft>
-              <a:buNone/>
-            </a:pPr>
-            <a:endParaRPr/>
-          </a:p>
-        </p:txBody>
-      </p:sp>
-    </p:spTree>
-    <p:extLst>
-      <p:ext uri="{BB962C8B-B14F-4D97-AF65-F5344CB8AC3E}">
-        <p14:creationId xmlns:p14="http://schemas.microsoft.com/office/powerpoint/2010/main" val="1906003160"/>
-      </p:ext>
-    </p:extLst>
-  </p:cSld>
-  <p:clrMapOvr>
-    <a:masterClrMapping/>
-  </p:clrMapOvr>
-</p:notes>
-</file>
-
-<file path=ppt/notesSlides/notesSlide13.xml><?xml version="1.0" encoding="utf-8"?>
-<p:notes xmlns:a="http://schemas.openxmlformats.org/drawingml/2006/main" xmlns:r="http://schemas.openxmlformats.org/officeDocument/2006/relationships" xmlns:p="http://schemas.openxmlformats.org/presentationml/2006/main" showMasterSp="0" showMasterPhAnim="0">
-  <p:cSld>
-    <p:spTree>
-      <p:nvGrpSpPr>
-        <p:cNvPr id="1" name="Shape 114"/>
-        <p:cNvGrpSpPr/>
-        <p:nvPr/>
-      </p:nvGrpSpPr>
-      <p:grpSpPr>
-        <a:xfrm>
-          <a:off x="0" y="0"/>
-          <a:ext cx="0" cy="0"/>
-          <a:chOff x="0" y="0"/>
-          <a:chExt cx="0" cy="0"/>
-        </a:xfrm>
-      </p:grpSpPr>
-      <p:sp>
-        <p:nvSpPr>
-          <p:cNvPr id="115" name="Google Shape;115;g742ef761dc_0_661:notes"/>
-          <p:cNvSpPr>
-            <a:spLocks noGrp="1" noRot="1" noChangeAspect="1"/>
-          </p:cNvSpPr>
-          <p:nvPr>
-            <p:ph type="sldImg" idx="2"/>
-          </p:nvPr>
-        </p:nvSpPr>
-        <p:spPr>
-          <a:xfrm>
-            <a:off x="381300" y="685800"/>
-            <a:ext cx="6096000" cy="3429000"/>
-          </a:xfrm>
-          <a:custGeom>
-            <a:avLst/>
-            <a:gdLst/>
-            <a:ahLst/>
-            <a:cxnLst/>
-            <a:rect l="l" t="t" r="r" b="b"/>
-            <a:pathLst>
-              <a:path w="120000" h="120000" extrusionOk="0">
-                <a:moveTo>
-                  <a:pt x="0" y="0"/>
-                </a:moveTo>
-                <a:lnTo>
-                  <a:pt x="120000" y="0"/>
-                </a:lnTo>
-                <a:lnTo>
-                  <a:pt x="120000" y="120000"/>
-                </a:lnTo>
-                <a:lnTo>
-                  <a:pt x="0" y="120000"/>
-                </a:lnTo>
-                <a:close/>
-              </a:path>
-            </a:pathLst>
-          </a:custGeom>
-        </p:spPr>
-      </p:sp>
-      <p:sp>
-        <p:nvSpPr>
           <p:cNvPr id="116" name="Google Shape;116;g742ef761dc_0_661:notes"/>
           <p:cNvSpPr txBox="1">
             <a:spLocks noGrp="1"/>
@@ -1268,7 +1048,7 @@
 </p:notes>
 </file>
 
-<file path=ppt/notesSlides/notesSlide14.xml><?xml version="1.0" encoding="utf-8"?>
+<file path=ppt/notesSlides/notesSlide12.xml><?xml version="1.0" encoding="utf-8"?>
 <p:notes xmlns:a="http://schemas.openxmlformats.org/drawingml/2006/main" xmlns:r="http://schemas.openxmlformats.org/officeDocument/2006/relationships" xmlns:p="http://schemas.openxmlformats.org/presentationml/2006/main" showMasterSp="0" showMasterPhAnim="0">
   <p:cSld>
     <p:spTree>
@@ -1372,7 +1152,7 @@
 </p:notes>
 </file>
 
-<file path=ppt/notesSlides/notesSlide15.xml><?xml version="1.0" encoding="utf-8"?>
+<file path=ppt/notesSlides/notesSlide13.xml><?xml version="1.0" encoding="utf-8"?>
 <p:notes xmlns:a="http://schemas.openxmlformats.org/drawingml/2006/main" xmlns:r="http://schemas.openxmlformats.org/officeDocument/2006/relationships" xmlns:p="http://schemas.openxmlformats.org/presentationml/2006/main" showMasterSp="0" showMasterPhAnim="0">
   <p:cSld>
     <p:spTree>
@@ -1481,7 +1261,7 @@
 </p:notes>
 </file>
 
-<file path=ppt/notesSlides/notesSlide16.xml><?xml version="1.0" encoding="utf-8"?>
+<file path=ppt/notesSlides/notesSlide14.xml><?xml version="1.0" encoding="utf-8"?>
 <p:notes xmlns:a="http://schemas.openxmlformats.org/drawingml/2006/main" xmlns:r="http://schemas.openxmlformats.org/officeDocument/2006/relationships" xmlns:p="http://schemas.openxmlformats.org/presentationml/2006/main" showMasterSp="0" showMasterPhAnim="0">
   <p:cSld>
     <p:spTree>
@@ -1585,7 +1365,7 @@
 </p:notes>
 </file>
 
-<file path=ppt/notesSlides/notesSlide17.xml><?xml version="1.0" encoding="utf-8"?>
+<file path=ppt/notesSlides/notesSlide15.xml><?xml version="1.0" encoding="utf-8"?>
 <p:notes xmlns:a="http://schemas.openxmlformats.org/drawingml/2006/main" xmlns:r="http://schemas.openxmlformats.org/officeDocument/2006/relationships" xmlns:p="http://schemas.openxmlformats.org/presentationml/2006/main" showMasterSp="0" showMasterPhAnim="0">
   <p:cSld>
     <p:spTree>
@@ -9886,390 +9666,6 @@
   <p:cSld>
     <p:spTree>
       <p:nvGrpSpPr>
-        <p:cNvPr id="1" name="Shape 105"/>
-        <p:cNvGrpSpPr/>
-        <p:nvPr/>
-      </p:nvGrpSpPr>
-      <p:grpSpPr>
-        <a:xfrm>
-          <a:off x="0" y="0"/>
-          <a:ext cx="0" cy="0"/>
-          <a:chOff x="0" y="0"/>
-          <a:chExt cx="0" cy="0"/>
-        </a:xfrm>
-      </p:grpSpPr>
-      <p:sp>
-        <p:nvSpPr>
-          <p:cNvPr id="106" name="Google Shape;106;p18"/>
-          <p:cNvSpPr txBox="1">
-            <a:spLocks noGrp="1"/>
-          </p:cNvSpPr>
-          <p:nvPr>
-            <p:ph type="title"/>
-          </p:nvPr>
-        </p:nvSpPr>
-        <p:spPr>
-          <a:xfrm>
-            <a:off x="311725" y="500925"/>
-            <a:ext cx="8520600" cy="623700"/>
-          </a:xfrm>
-          <a:prstGeom prst="rect">
-            <a:avLst/>
-          </a:prstGeom>
-        </p:spPr>
-        <p:txBody>
-          <a:bodyPr spcFirstLastPara="1" wrap="square" lIns="91425" tIns="91425" rIns="91425" bIns="91425" anchor="t" anchorCtr="0">
-            <a:noAutofit/>
-          </a:bodyPr>
-          <a:lstStyle/>
-          <a:p>
-            <a:pPr marL="0" lvl="0" indent="0" algn="l" rtl="0">
-              <a:spcBef>
-                <a:spcPts val="0"/>
-              </a:spcBef>
-              <a:spcAft>
-                <a:spcPts val="0"/>
-              </a:spcAft>
-              <a:buNone/>
-            </a:pPr>
-            <a:r>
-              <a:rPr lang="ko" dirty="0"/>
-              <a:t>주요 기능</a:t>
-            </a:r>
-            <a:endParaRPr dirty="0"/>
-          </a:p>
-        </p:txBody>
-      </p:sp>
-      <p:sp>
-        <p:nvSpPr>
-          <p:cNvPr id="107" name="Google Shape;107;p18"/>
-          <p:cNvSpPr txBox="1"/>
-          <p:nvPr/>
-        </p:nvSpPr>
-        <p:spPr>
-          <a:xfrm>
-            <a:off x="303425" y="1339525"/>
-            <a:ext cx="8681100" cy="325500"/>
-          </a:xfrm>
-          <a:prstGeom prst="rect">
-            <a:avLst/>
-          </a:prstGeom>
-          <a:solidFill>
-            <a:srgbClr val="F3F3F3"/>
-          </a:solidFill>
-          <a:ln>
-            <a:noFill/>
-          </a:ln>
-        </p:spPr>
-        <p:txBody>
-          <a:bodyPr spcFirstLastPara="1" wrap="square" lIns="91425" tIns="91425" rIns="91425" bIns="91425" anchor="ctr" anchorCtr="0">
-            <a:noAutofit/>
-          </a:bodyPr>
-          <a:lstStyle/>
-          <a:p>
-            <a:pPr marL="0" lvl="0" indent="0" algn="l" rtl="0">
-              <a:spcBef>
-                <a:spcPts val="0"/>
-              </a:spcBef>
-              <a:spcAft>
-                <a:spcPts val="0"/>
-              </a:spcAft>
-              <a:buNone/>
-            </a:pPr>
-            <a:r>
-              <a:rPr lang="ko-KR" altLang="en-US" dirty="0">
-                <a:latin typeface="Roboto"/>
-                <a:ea typeface="Roboto"/>
-                <a:cs typeface="Roboto"/>
-                <a:sym typeface="Roboto"/>
-              </a:rPr>
-              <a:t>전자결재 승인</a:t>
-            </a:r>
-            <a:r>
-              <a:rPr lang="en-US" altLang="ko-KR" dirty="0">
-                <a:latin typeface="Roboto"/>
-                <a:ea typeface="Roboto"/>
-                <a:cs typeface="Roboto"/>
-                <a:sym typeface="Roboto"/>
-              </a:rPr>
-              <a:t>(</a:t>
-            </a:r>
-            <a:r>
-              <a:rPr lang="ko-KR" altLang="en-US" dirty="0">
-                <a:latin typeface="Roboto"/>
-                <a:ea typeface="Roboto"/>
-                <a:cs typeface="Roboto"/>
-                <a:sym typeface="Roboto"/>
-              </a:rPr>
-              <a:t>완료</a:t>
-            </a:r>
-            <a:r>
-              <a:rPr lang="en-US" altLang="ko-KR" dirty="0">
-                <a:latin typeface="Roboto"/>
-                <a:ea typeface="Roboto"/>
-                <a:cs typeface="Roboto"/>
-                <a:sym typeface="Roboto"/>
-              </a:rPr>
-              <a:t>) </a:t>
-            </a:r>
-            <a:r>
-              <a:rPr lang="ko-KR" altLang="en-US" dirty="0">
-                <a:latin typeface="Roboto"/>
-                <a:ea typeface="Roboto"/>
-                <a:cs typeface="Roboto"/>
-                <a:sym typeface="Roboto"/>
-              </a:rPr>
-              <a:t>기능</a:t>
-            </a:r>
-            <a:endParaRPr dirty="0">
-              <a:latin typeface="Roboto"/>
-              <a:ea typeface="Roboto"/>
-              <a:cs typeface="Roboto"/>
-              <a:sym typeface="Roboto"/>
-            </a:endParaRPr>
-          </a:p>
-        </p:txBody>
-      </p:sp>
-      <p:sp>
-        <p:nvSpPr>
-          <p:cNvPr id="2" name="TextBox 1">
-            <a:extLst>
-              <a:ext uri="{FF2B5EF4-FFF2-40B4-BE49-F238E27FC236}">
-                <a16:creationId xmlns:a16="http://schemas.microsoft.com/office/drawing/2014/main" id="{980CFA36-3099-44A6-8C22-397F94C66572}"/>
-              </a:ext>
-            </a:extLst>
-          </p:cNvPr>
-          <p:cNvSpPr txBox="1"/>
-          <p:nvPr/>
-        </p:nvSpPr>
-        <p:spPr>
-          <a:xfrm>
-            <a:off x="1108364" y="2571750"/>
-            <a:ext cx="6172200" cy="307777"/>
-          </a:xfrm>
-          <a:prstGeom prst="rect">
-            <a:avLst/>
-          </a:prstGeom>
-          <a:noFill/>
-        </p:spPr>
-        <p:txBody>
-          <a:bodyPr wrap="square" rtlCol="0">
-            <a:spAutoFit/>
-          </a:bodyPr>
-          <a:lstStyle/>
-          <a:p>
-            <a:r>
-              <a:rPr lang="ko-KR" altLang="en-US" dirty="0"/>
-              <a:t>동영상 대체예정</a:t>
-            </a:r>
-            <a:r>
-              <a:rPr lang="en-US" altLang="ko-KR" dirty="0"/>
-              <a:t>(</a:t>
-            </a:r>
-            <a:r>
-              <a:rPr lang="ko-KR" altLang="en-US" dirty="0" err="1"/>
-              <a:t>제작중</a:t>
-            </a:r>
-            <a:r>
-              <a:rPr lang="en-US" altLang="ko-KR" dirty="0"/>
-              <a:t>)</a:t>
-            </a:r>
-            <a:endParaRPr lang="ko-KR" altLang="en-US" dirty="0"/>
-          </a:p>
-        </p:txBody>
-      </p:sp>
-    </p:spTree>
-    <p:extLst>
-      <p:ext uri="{BB962C8B-B14F-4D97-AF65-F5344CB8AC3E}">
-        <p14:creationId xmlns:p14="http://schemas.microsoft.com/office/powerpoint/2010/main" val="1244873184"/>
-      </p:ext>
-    </p:extLst>
-  </p:cSld>
-  <p:clrMapOvr>
-    <a:masterClrMapping/>
-  </p:clrMapOvr>
-</p:sld>
-</file>
-
-<file path=ppt/slides/slide12.xml><?xml version="1.0" encoding="utf-8"?>
-<p:sld xmlns:a="http://schemas.openxmlformats.org/drawingml/2006/main" xmlns:r="http://schemas.openxmlformats.org/officeDocument/2006/relationships" xmlns:p="http://schemas.openxmlformats.org/presentationml/2006/main">
-  <p:cSld>
-    <p:spTree>
-      <p:nvGrpSpPr>
-        <p:cNvPr id="1" name="Shape 105"/>
-        <p:cNvGrpSpPr/>
-        <p:nvPr/>
-      </p:nvGrpSpPr>
-      <p:grpSpPr>
-        <a:xfrm>
-          <a:off x="0" y="0"/>
-          <a:ext cx="0" cy="0"/>
-          <a:chOff x="0" y="0"/>
-          <a:chExt cx="0" cy="0"/>
-        </a:xfrm>
-      </p:grpSpPr>
-      <p:sp>
-        <p:nvSpPr>
-          <p:cNvPr id="106" name="Google Shape;106;p18"/>
-          <p:cNvSpPr txBox="1">
-            <a:spLocks noGrp="1"/>
-          </p:cNvSpPr>
-          <p:nvPr>
-            <p:ph type="title"/>
-          </p:nvPr>
-        </p:nvSpPr>
-        <p:spPr>
-          <a:xfrm>
-            <a:off x="311725" y="500925"/>
-            <a:ext cx="8520600" cy="623700"/>
-          </a:xfrm>
-          <a:prstGeom prst="rect">
-            <a:avLst/>
-          </a:prstGeom>
-        </p:spPr>
-        <p:txBody>
-          <a:bodyPr spcFirstLastPara="1" wrap="square" lIns="91425" tIns="91425" rIns="91425" bIns="91425" anchor="t" anchorCtr="0">
-            <a:noAutofit/>
-          </a:bodyPr>
-          <a:lstStyle/>
-          <a:p>
-            <a:pPr marL="0" lvl="0" indent="0" algn="l" rtl="0">
-              <a:spcBef>
-                <a:spcPts val="0"/>
-              </a:spcBef>
-              <a:spcAft>
-                <a:spcPts val="0"/>
-              </a:spcAft>
-              <a:buNone/>
-            </a:pPr>
-            <a:r>
-              <a:rPr lang="ko" dirty="0"/>
-              <a:t>주요 기능</a:t>
-            </a:r>
-            <a:endParaRPr dirty="0"/>
-          </a:p>
-        </p:txBody>
-      </p:sp>
-      <p:sp>
-        <p:nvSpPr>
-          <p:cNvPr id="107" name="Google Shape;107;p18"/>
-          <p:cNvSpPr txBox="1"/>
-          <p:nvPr/>
-        </p:nvSpPr>
-        <p:spPr>
-          <a:xfrm>
-            <a:off x="303425" y="1339525"/>
-            <a:ext cx="8681100" cy="325500"/>
-          </a:xfrm>
-          <a:prstGeom prst="rect">
-            <a:avLst/>
-          </a:prstGeom>
-          <a:solidFill>
-            <a:srgbClr val="F3F3F3"/>
-          </a:solidFill>
-          <a:ln>
-            <a:noFill/>
-          </a:ln>
-        </p:spPr>
-        <p:txBody>
-          <a:bodyPr spcFirstLastPara="1" wrap="square" lIns="91425" tIns="91425" rIns="91425" bIns="91425" anchor="ctr" anchorCtr="0">
-            <a:noAutofit/>
-          </a:bodyPr>
-          <a:lstStyle/>
-          <a:p>
-            <a:pPr marL="0" lvl="0" indent="0" algn="l" rtl="0">
-              <a:spcBef>
-                <a:spcPts val="0"/>
-              </a:spcBef>
-              <a:spcAft>
-                <a:spcPts val="0"/>
-              </a:spcAft>
-              <a:buNone/>
-            </a:pPr>
-            <a:r>
-              <a:rPr lang="ko-KR" altLang="en-US" dirty="0">
-                <a:latin typeface="Roboto"/>
-                <a:ea typeface="Roboto"/>
-                <a:cs typeface="Roboto"/>
-                <a:sym typeface="Roboto"/>
-              </a:rPr>
-              <a:t>전자결재 반려 및 재수정 기능</a:t>
-            </a:r>
-            <a:endParaRPr dirty="0">
-              <a:latin typeface="Roboto"/>
-              <a:ea typeface="Roboto"/>
-              <a:cs typeface="Roboto"/>
-              <a:sym typeface="Roboto"/>
-            </a:endParaRPr>
-          </a:p>
-        </p:txBody>
-      </p:sp>
-      <p:sp>
-        <p:nvSpPr>
-          <p:cNvPr id="4" name="TextBox 3">
-            <a:extLst>
-              <a:ext uri="{FF2B5EF4-FFF2-40B4-BE49-F238E27FC236}">
-                <a16:creationId xmlns:a16="http://schemas.microsoft.com/office/drawing/2014/main" id="{29DA6D42-1BBA-4C4A-A676-793405D00646}"/>
-              </a:ext>
-            </a:extLst>
-          </p:cNvPr>
-          <p:cNvSpPr txBox="1"/>
-          <p:nvPr/>
-        </p:nvSpPr>
-        <p:spPr>
-          <a:xfrm>
-            <a:off x="1281545" y="2571750"/>
-            <a:ext cx="6172200" cy="307777"/>
-          </a:xfrm>
-          <a:prstGeom prst="rect">
-            <a:avLst/>
-          </a:prstGeom>
-          <a:noFill/>
-        </p:spPr>
-        <p:txBody>
-          <a:bodyPr wrap="square" rtlCol="0">
-            <a:spAutoFit/>
-          </a:bodyPr>
-          <a:lstStyle/>
-          <a:p>
-            <a:r>
-              <a:rPr lang="ko-KR" altLang="en-US" dirty="0"/>
-              <a:t>동영상 대체예정</a:t>
-            </a:r>
-            <a:r>
-              <a:rPr lang="en-US" altLang="ko-KR" dirty="0"/>
-              <a:t>(</a:t>
-            </a:r>
-            <a:r>
-              <a:rPr lang="ko-KR" altLang="en-US" dirty="0" err="1"/>
-              <a:t>제작중</a:t>
-            </a:r>
-            <a:r>
-              <a:rPr lang="en-US" altLang="ko-KR" dirty="0"/>
-              <a:t>)</a:t>
-            </a:r>
-            <a:endParaRPr lang="ko-KR" altLang="en-US" dirty="0"/>
-          </a:p>
-        </p:txBody>
-      </p:sp>
-    </p:spTree>
-    <p:extLst>
-      <p:ext uri="{BB962C8B-B14F-4D97-AF65-F5344CB8AC3E}">
-        <p14:creationId xmlns:p14="http://schemas.microsoft.com/office/powerpoint/2010/main" val="2870458051"/>
-      </p:ext>
-    </p:extLst>
-  </p:cSld>
-  <p:clrMapOvr>
-    <a:masterClrMapping/>
-  </p:clrMapOvr>
-</p:sld>
-</file>
-
-<file path=ppt/slides/slide13.xml><?xml version="1.0" encoding="utf-8"?>
-<p:sld xmlns:a="http://schemas.openxmlformats.org/drawingml/2006/main" xmlns:r="http://schemas.openxmlformats.org/officeDocument/2006/relationships" xmlns:p="http://schemas.openxmlformats.org/presentationml/2006/main">
-  <p:cSld>
-    <p:spTree>
-      <p:nvGrpSpPr>
         <p:cNvPr id="1" name="Shape 117"/>
         <p:cNvGrpSpPr/>
         <p:nvPr/>
@@ -10470,7 +9866,7 @@
 </p:sld>
 </file>
 
-<file path=ppt/slides/slide14.xml><?xml version="1.0" encoding="utf-8"?>
+<file path=ppt/slides/slide12.xml><?xml version="1.0" encoding="utf-8"?>
 <p:sld xmlns:a="http://schemas.openxmlformats.org/drawingml/2006/main" xmlns:r="http://schemas.openxmlformats.org/officeDocument/2006/relationships" xmlns:p="http://schemas.openxmlformats.org/presentationml/2006/main">
   <p:cSld>
     <p:spTree>
@@ -10724,7 +10120,7 @@
 </p:sld>
 </file>
 
-<file path=ppt/slides/slide15.xml><?xml version="1.0" encoding="utf-8"?>
+<file path=ppt/slides/slide13.xml><?xml version="1.0" encoding="utf-8"?>
 <p:sld xmlns:a="http://schemas.openxmlformats.org/drawingml/2006/main" xmlns:r="http://schemas.openxmlformats.org/officeDocument/2006/relationships" xmlns:p="http://schemas.openxmlformats.org/presentationml/2006/main">
   <p:cSld>
     <p:spTree>
@@ -10959,7 +10355,7 @@
 </p:sld>
 </file>
 
-<file path=ppt/slides/slide16.xml><?xml version="1.0" encoding="utf-8"?>
+<file path=ppt/slides/slide14.xml><?xml version="1.0" encoding="utf-8"?>
 <p:sld xmlns:a="http://schemas.openxmlformats.org/drawingml/2006/main" xmlns:r="http://schemas.openxmlformats.org/officeDocument/2006/relationships" xmlns:p="http://schemas.openxmlformats.org/presentationml/2006/main">
   <p:cSld>
     <p:spTree>
@@ -11325,7 +10721,7 @@
 </p:sld>
 </file>
 
-<file path=ppt/slides/slide17.xml><?xml version="1.0" encoding="utf-8"?>
+<file path=ppt/slides/slide15.xml><?xml version="1.0" encoding="utf-8"?>
 <p:sld xmlns:a="http://schemas.openxmlformats.org/drawingml/2006/main" xmlns:r="http://schemas.openxmlformats.org/officeDocument/2006/relationships" xmlns:p="http://schemas.openxmlformats.org/presentationml/2006/main">
   <p:cSld>
     <p:spTree>
